--- a/MyBatis.pptx
+++ b/MyBatis.pptx
@@ -12,6 +12,7 @@
     <p:sldId id="260" r:id="rId6"/>
     <p:sldId id="261" r:id="rId7"/>
     <p:sldId id="262" r:id="rId8"/>
+    <p:sldId id="263" r:id="rId9"/>
   </p:sldIdLst>
   <p:sldSz cx="9144000" cy="6858000" type="screen4x3"/>
   <p:notesSz cx="6858000" cy="9144000"/>
@@ -294,7 +295,7 @@
           <a:p>
             <a:fld id="{B4C71EC6-210F-42DE-9C53-41977AD35B3D}" type="datetimeFigureOut">
               <a:rPr lang="ru-RU" smtClean="0"/>
-              <a:t>08.05.2015</a:t>
+              <a:t>12.05.2015</a:t>
             </a:fld>
             <a:endParaRPr lang="ru-RU"/>
           </a:p>
@@ -459,7 +460,7 @@
           <a:p>
             <a:fld id="{B4C71EC6-210F-42DE-9C53-41977AD35B3D}" type="datetimeFigureOut">
               <a:rPr lang="ru-RU" smtClean="0"/>
-              <a:t>08.05.2015</a:t>
+              <a:t>12.05.2015</a:t>
             </a:fld>
             <a:endParaRPr lang="ru-RU"/>
           </a:p>
@@ -634,7 +635,7 @@
           <a:p>
             <a:fld id="{B4C71EC6-210F-42DE-9C53-41977AD35B3D}" type="datetimeFigureOut">
               <a:rPr lang="ru-RU" smtClean="0"/>
-              <a:t>08.05.2015</a:t>
+              <a:t>12.05.2015</a:t>
             </a:fld>
             <a:endParaRPr lang="ru-RU"/>
           </a:p>
@@ -799,7 +800,7 @@
           <a:p>
             <a:fld id="{B4C71EC6-210F-42DE-9C53-41977AD35B3D}" type="datetimeFigureOut">
               <a:rPr lang="ru-RU" smtClean="0"/>
-              <a:t>08.05.2015</a:t>
+              <a:t>12.05.2015</a:t>
             </a:fld>
             <a:endParaRPr lang="ru-RU"/>
           </a:p>
@@ -1040,7 +1041,7 @@
           <a:p>
             <a:fld id="{B4C71EC6-210F-42DE-9C53-41977AD35B3D}" type="datetimeFigureOut">
               <a:rPr lang="ru-RU" smtClean="0"/>
-              <a:t>08.05.2015</a:t>
+              <a:t>12.05.2015</a:t>
             </a:fld>
             <a:endParaRPr lang="ru-RU"/>
           </a:p>
@@ -1323,7 +1324,7 @@
           <a:p>
             <a:fld id="{B4C71EC6-210F-42DE-9C53-41977AD35B3D}" type="datetimeFigureOut">
               <a:rPr lang="ru-RU" smtClean="0"/>
-              <a:t>08.05.2015</a:t>
+              <a:t>12.05.2015</a:t>
             </a:fld>
             <a:endParaRPr lang="ru-RU"/>
           </a:p>
@@ -1740,7 +1741,7 @@
           <a:p>
             <a:fld id="{B4C71EC6-210F-42DE-9C53-41977AD35B3D}" type="datetimeFigureOut">
               <a:rPr lang="ru-RU" smtClean="0"/>
-              <a:t>08.05.2015</a:t>
+              <a:t>12.05.2015</a:t>
             </a:fld>
             <a:endParaRPr lang="ru-RU"/>
           </a:p>
@@ -1853,7 +1854,7 @@
           <a:p>
             <a:fld id="{B4C71EC6-210F-42DE-9C53-41977AD35B3D}" type="datetimeFigureOut">
               <a:rPr lang="ru-RU" smtClean="0"/>
-              <a:t>08.05.2015</a:t>
+              <a:t>12.05.2015</a:t>
             </a:fld>
             <a:endParaRPr lang="ru-RU"/>
           </a:p>
@@ -1943,7 +1944,7 @@
           <a:p>
             <a:fld id="{B4C71EC6-210F-42DE-9C53-41977AD35B3D}" type="datetimeFigureOut">
               <a:rPr lang="ru-RU" smtClean="0"/>
-              <a:t>08.05.2015</a:t>
+              <a:t>12.05.2015</a:t>
             </a:fld>
             <a:endParaRPr lang="ru-RU"/>
           </a:p>
@@ -2215,7 +2216,7 @@
           <a:p>
             <a:fld id="{B4C71EC6-210F-42DE-9C53-41977AD35B3D}" type="datetimeFigureOut">
               <a:rPr lang="ru-RU" smtClean="0"/>
-              <a:t>08.05.2015</a:t>
+              <a:t>12.05.2015</a:t>
             </a:fld>
             <a:endParaRPr lang="ru-RU"/>
           </a:p>
@@ -2463,7 +2464,7 @@
           <a:p>
             <a:fld id="{B4C71EC6-210F-42DE-9C53-41977AD35B3D}" type="datetimeFigureOut">
               <a:rPr lang="ru-RU" smtClean="0"/>
-              <a:t>08.05.2015</a:t>
+              <a:t>12.05.2015</a:t>
             </a:fld>
             <a:endParaRPr lang="ru-RU"/>
           </a:p>
@@ -2671,7 +2672,7 @@
           <a:p>
             <a:fld id="{B4C71EC6-210F-42DE-9C53-41977AD35B3D}" type="datetimeFigureOut">
               <a:rPr lang="ru-RU" smtClean="0"/>
-              <a:t>08.05.2015</a:t>
+              <a:t>12.05.2015</a:t>
             </a:fld>
             <a:endParaRPr lang="ru-RU"/>
           </a:p>
@@ -4886,6 +4887,317 @@
     <p:extLst>
       <p:ext uri="{BB962C8B-B14F-4D97-AF65-F5344CB8AC3E}">
         <p14:creationId xmlns:p14="http://schemas.microsoft.com/office/powerpoint/2010/main" val="1783747732"/>
+      </p:ext>
+    </p:extLst>
+  </p:cSld>
+  <p:clrMapOvr>
+    <a:masterClrMapping/>
+  </p:clrMapOvr>
+</p:sld>
+</file>
+
+<file path=ppt/slides/slide8.xml><?xml version="1.0" encoding="utf-8"?>
+<p:sld xmlns:a="http://schemas.openxmlformats.org/drawingml/2006/main" xmlns:r="http://schemas.openxmlformats.org/officeDocument/2006/relationships" xmlns:p="http://schemas.openxmlformats.org/presentationml/2006/main">
+  <p:cSld>
+    <p:spTree>
+      <p:nvGrpSpPr>
+        <p:cNvPr id="1" name=""/>
+        <p:cNvGrpSpPr/>
+        <p:nvPr/>
+      </p:nvGrpSpPr>
+      <p:grpSpPr>
+        <a:xfrm>
+          <a:off x="0" y="0"/>
+          <a:ext cx="0" cy="0"/>
+          <a:chOff x="0" y="0"/>
+          <a:chExt cx="0" cy="0"/>
+        </a:xfrm>
+      </p:grpSpPr>
+      <p:sp>
+        <p:nvSpPr>
+          <p:cNvPr id="2" name="Заголовок 1"/>
+          <p:cNvSpPr>
+            <a:spLocks noGrp="1"/>
+          </p:cNvSpPr>
+          <p:nvPr>
+            <p:ph type="title"/>
+          </p:nvPr>
+        </p:nvSpPr>
+        <p:spPr/>
+        <p:txBody>
+          <a:bodyPr/>
+          <a:lstStyle/>
+          <a:p>
+            <a:r>
+              <a:rPr lang="ru-RU" dirty="0" smtClean="0"/>
+              <a:t>Аудит: </a:t>
+            </a:r>
+            <a:r>
+              <a:rPr lang="en-US" dirty="0" smtClean="0"/>
+              <a:t>Custom </a:t>
+            </a:r>
+            <a:r>
+              <a:rPr lang="en-US" dirty="0" err="1" smtClean="0"/>
+              <a:t>SqlSessionFactory</a:t>
+            </a:r>
+            <a:endParaRPr lang="ru-RU" dirty="0"/>
+          </a:p>
+        </p:txBody>
+      </p:sp>
+      <p:sp>
+        <p:nvSpPr>
+          <p:cNvPr id="3" name="Объект 2"/>
+          <p:cNvSpPr>
+            <a:spLocks noGrp="1"/>
+          </p:cNvSpPr>
+          <p:nvPr>
+            <p:ph idx="1"/>
+          </p:nvPr>
+        </p:nvSpPr>
+        <p:spPr/>
+        <p:txBody>
+          <a:bodyPr>
+            <a:normAutofit fontScale="70000" lnSpcReduction="20000"/>
+          </a:bodyPr>
+          <a:lstStyle/>
+          <a:p>
+            <a:pPr marL="0" indent="0">
+              <a:buNone/>
+            </a:pPr>
+            <a:r>
+              <a:rPr lang="en-US" dirty="0"/>
+              <a:t>public class </a:t>
+            </a:r>
+            <a:r>
+              <a:rPr lang="en-US" b="1" dirty="0" err="1"/>
+              <a:t>UserAuditSessionTemplate</a:t>
+            </a:r>
+            <a:r>
+              <a:rPr lang="en-US" dirty="0"/>
+              <a:t> extends </a:t>
+            </a:r>
+            <a:r>
+              <a:rPr lang="en-US" b="1" dirty="0" err="1"/>
+              <a:t>SqlSessionTemplate</a:t>
+            </a:r>
+            <a:r>
+              <a:rPr lang="en-US" dirty="0"/>
+              <a:t> {</a:t>
+            </a:r>
+          </a:p>
+          <a:p>
+            <a:pPr marL="0" indent="0">
+              <a:buNone/>
+            </a:pPr>
+            <a:r>
+              <a:rPr lang="en-US" dirty="0" smtClean="0"/>
+              <a:t>    public </a:t>
+            </a:r>
+            <a:r>
+              <a:rPr lang="en-US" dirty="0" err="1"/>
+              <a:t>int</a:t>
+            </a:r>
+            <a:r>
+              <a:rPr lang="en-US" dirty="0"/>
+              <a:t> insert(String statement, Object parameter) {</a:t>
+            </a:r>
+          </a:p>
+          <a:p>
+            <a:pPr marL="0" indent="0">
+              <a:buNone/>
+            </a:pPr>
+            <a:r>
+              <a:rPr lang="en-US" dirty="0"/>
+              <a:t>         if (parameter </a:t>
+            </a:r>
+            <a:r>
+              <a:rPr lang="en-US" dirty="0" err="1"/>
+              <a:t>instanceof</a:t>
+            </a:r>
+            <a:r>
+              <a:rPr lang="en-US" dirty="0"/>
+              <a:t> </a:t>
+            </a:r>
+            <a:r>
+              <a:rPr lang="en-US" dirty="0" err="1" smtClean="0"/>
+              <a:t>AuditableEntity</a:t>
+            </a:r>
+            <a:r>
+              <a:rPr lang="en-US" dirty="0" smtClean="0"/>
+              <a:t>) </a:t>
+            </a:r>
+            <a:r>
+              <a:rPr lang="en-US" dirty="0"/>
+              <a:t>{</a:t>
+            </a:r>
+          </a:p>
+          <a:p>
+            <a:pPr marL="0" indent="0">
+              <a:buNone/>
+            </a:pPr>
+            <a:r>
+              <a:rPr lang="en-US" dirty="0" smtClean="0"/>
+              <a:t>            </a:t>
+            </a:r>
+            <a:r>
+              <a:rPr lang="en-US" b="1" dirty="0" err="1"/>
+              <a:t>AuditableEntity</a:t>
+            </a:r>
+            <a:r>
+              <a:rPr lang="en-US" dirty="0"/>
+              <a:t> </a:t>
+            </a:r>
+            <a:r>
+              <a:rPr lang="en-US" dirty="0" smtClean="0"/>
+              <a:t> </a:t>
+            </a:r>
+            <a:r>
+              <a:rPr lang="en-US" dirty="0" err="1" smtClean="0"/>
+              <a:t>param</a:t>
+            </a:r>
+            <a:r>
+              <a:rPr lang="en-US" dirty="0" smtClean="0"/>
+              <a:t> </a:t>
+            </a:r>
+            <a:r>
+              <a:rPr lang="en-US" dirty="0"/>
+              <a:t>= </a:t>
+            </a:r>
+            <a:r>
+              <a:rPr lang="en-US" dirty="0" smtClean="0"/>
+              <a:t>(</a:t>
+            </a:r>
+            <a:r>
+              <a:rPr lang="en-US" b="1" dirty="0" err="1"/>
+              <a:t>AuditableEntity</a:t>
+            </a:r>
+            <a:r>
+              <a:rPr lang="en-US" dirty="0" smtClean="0"/>
+              <a:t>) </a:t>
+            </a:r>
+            <a:r>
+              <a:rPr lang="en-US" dirty="0"/>
+              <a:t>parameter;</a:t>
+            </a:r>
+          </a:p>
+          <a:p>
+            <a:pPr marL="0" indent="0">
+              <a:buNone/>
+            </a:pPr>
+            <a:r>
+              <a:rPr lang="en-US" dirty="0"/>
+              <a:t> </a:t>
+            </a:r>
+            <a:r>
+              <a:rPr lang="en-US" dirty="0" smtClean="0"/>
+              <a:t>           </a:t>
+            </a:r>
+            <a:r>
+              <a:rPr lang="en-US" dirty="0" err="1" smtClean="0"/>
+              <a:t>param.setCreateUser</a:t>
+            </a:r>
+            <a:r>
+              <a:rPr lang="en-US" dirty="0" smtClean="0"/>
+              <a:t>(username</a:t>
+            </a:r>
+            <a:r>
+              <a:rPr lang="en-US" dirty="0"/>
+              <a:t>);</a:t>
+            </a:r>
+          </a:p>
+          <a:p>
+            <a:pPr marL="0" indent="0">
+              <a:buNone/>
+            </a:pPr>
+            <a:r>
+              <a:rPr lang="en-US" dirty="0"/>
+              <a:t>         </a:t>
+            </a:r>
+            <a:r>
+              <a:rPr lang="en-US" dirty="0" smtClean="0"/>
+              <a:t>}</a:t>
+            </a:r>
+            <a:endParaRPr lang="en-US" dirty="0"/>
+          </a:p>
+          <a:p>
+            <a:pPr marL="0" indent="0">
+              <a:buNone/>
+            </a:pPr>
+            <a:r>
+              <a:rPr lang="en-US" dirty="0" smtClean="0"/>
+              <a:t>         return </a:t>
+            </a:r>
+            <a:r>
+              <a:rPr lang="en-US" dirty="0" err="1"/>
+              <a:t>super.insert</a:t>
+            </a:r>
+            <a:r>
+              <a:rPr lang="en-US" dirty="0"/>
+              <a:t>(statement, parameter);</a:t>
+            </a:r>
+          </a:p>
+          <a:p>
+            <a:pPr marL="0" indent="0">
+              <a:buNone/>
+            </a:pPr>
+            <a:r>
+              <a:rPr lang="en-US" dirty="0"/>
+              <a:t>    }</a:t>
+            </a:r>
+          </a:p>
+          <a:p>
+            <a:pPr marL="0" indent="0">
+              <a:buNone/>
+            </a:pPr>
+            <a:endParaRPr lang="en-US" dirty="0"/>
+          </a:p>
+          <a:p>
+            <a:pPr marL="0" indent="0">
+              <a:buNone/>
+            </a:pPr>
+            <a:r>
+              <a:rPr lang="en-US" dirty="0" smtClean="0"/>
+              <a:t>    public </a:t>
+            </a:r>
+            <a:r>
+              <a:rPr lang="en-US" dirty="0" err="1"/>
+              <a:t>int</a:t>
+            </a:r>
+            <a:r>
+              <a:rPr lang="en-US" dirty="0"/>
+              <a:t> update(String statement, Object parameter) </a:t>
+            </a:r>
+            <a:r>
+              <a:rPr lang="en-US" dirty="0" smtClean="0"/>
+              <a:t>{</a:t>
+            </a:r>
+          </a:p>
+          <a:p>
+            <a:pPr marL="0" indent="0">
+              <a:buNone/>
+            </a:pPr>
+            <a:r>
+              <a:rPr lang="en-US" dirty="0" smtClean="0"/>
+              <a:t>         …</a:t>
+            </a:r>
+            <a:endParaRPr lang="en-US" dirty="0"/>
+          </a:p>
+          <a:p>
+            <a:pPr marL="0" indent="0">
+              <a:buNone/>
+            </a:pPr>
+            <a:r>
+              <a:rPr lang="en-US" dirty="0" smtClean="0"/>
+              <a:t>    }</a:t>
+            </a:r>
+            <a:endParaRPr lang="en-US" dirty="0"/>
+          </a:p>
+        </p:txBody>
+      </p:sp>
+    </p:spTree>
+    <p:extLst>
+      <p:ext uri="{BB962C8B-B14F-4D97-AF65-F5344CB8AC3E}">
+        <p14:creationId xmlns:p14="http://schemas.microsoft.com/office/powerpoint/2010/main" val="4081361642"/>
       </p:ext>
     </p:extLst>
   </p:cSld>

--- a/MyBatis.pptx
+++ b/MyBatis.pptx
@@ -6,13 +6,17 @@
   </p:sldMasterIdLst>
   <p:sldIdLst>
     <p:sldId id="256" r:id="rId2"/>
-    <p:sldId id="257" r:id="rId3"/>
-    <p:sldId id="258" r:id="rId4"/>
-    <p:sldId id="259" r:id="rId5"/>
-    <p:sldId id="260" r:id="rId6"/>
-    <p:sldId id="261" r:id="rId7"/>
-    <p:sldId id="262" r:id="rId8"/>
-    <p:sldId id="263" r:id="rId9"/>
+    <p:sldId id="264" r:id="rId3"/>
+    <p:sldId id="265" r:id="rId4"/>
+    <p:sldId id="266" r:id="rId5"/>
+    <p:sldId id="267" r:id="rId6"/>
+    <p:sldId id="257" r:id="rId7"/>
+    <p:sldId id="258" r:id="rId8"/>
+    <p:sldId id="259" r:id="rId9"/>
+    <p:sldId id="260" r:id="rId10"/>
+    <p:sldId id="261" r:id="rId11"/>
+    <p:sldId id="262" r:id="rId12"/>
+    <p:sldId id="263" r:id="rId13"/>
   </p:sldIdLst>
   <p:sldSz cx="9144000" cy="6858000" type="screen4x3"/>
   <p:notesSz cx="6858000" cy="9144000"/>
@@ -3093,6 +3097,1077 @@
 </p:sld>
 </file>
 
+<file path=ppt/slides/slide10.xml><?xml version="1.0" encoding="utf-8"?>
+<p:sld xmlns:a="http://schemas.openxmlformats.org/drawingml/2006/main" xmlns:r="http://schemas.openxmlformats.org/officeDocument/2006/relationships" xmlns:p="http://schemas.openxmlformats.org/presentationml/2006/main">
+  <p:cSld>
+    <p:spTree>
+      <p:nvGrpSpPr>
+        <p:cNvPr id="1" name=""/>
+        <p:cNvGrpSpPr/>
+        <p:nvPr/>
+      </p:nvGrpSpPr>
+      <p:grpSpPr>
+        <a:xfrm>
+          <a:off x="0" y="0"/>
+          <a:ext cx="0" cy="0"/>
+          <a:chOff x="0" y="0"/>
+          <a:chExt cx="0" cy="0"/>
+        </a:xfrm>
+      </p:grpSpPr>
+      <p:sp>
+        <p:nvSpPr>
+          <p:cNvPr id="2" name="Заголовок 1"/>
+          <p:cNvSpPr>
+            <a:spLocks noGrp="1"/>
+          </p:cNvSpPr>
+          <p:nvPr>
+            <p:ph type="title"/>
+          </p:nvPr>
+        </p:nvSpPr>
+        <p:spPr/>
+        <p:txBody>
+          <a:bodyPr/>
+          <a:lstStyle/>
+          <a:p>
+            <a:r>
+              <a:rPr lang="ru-RU" dirty="0" smtClean="0"/>
+              <a:t>Аудит: Базовая </a:t>
+            </a:r>
+            <a:r>
+              <a:rPr lang="en-US" dirty="0" err="1" smtClean="0"/>
+              <a:t>resultMap</a:t>
+            </a:r>
+            <a:endParaRPr lang="ru-RU" dirty="0"/>
+          </a:p>
+        </p:txBody>
+      </p:sp>
+      <p:sp>
+        <p:nvSpPr>
+          <p:cNvPr id="3" name="Объект 2"/>
+          <p:cNvSpPr>
+            <a:spLocks noGrp="1"/>
+          </p:cNvSpPr>
+          <p:nvPr>
+            <p:ph idx="1"/>
+          </p:nvPr>
+        </p:nvSpPr>
+        <p:spPr>
+          <a:xfrm>
+            <a:off x="457200" y="2204864"/>
+            <a:ext cx="8579296" cy="4248472"/>
+          </a:xfrm>
+        </p:spPr>
+        <p:txBody>
+          <a:bodyPr>
+            <a:noAutofit/>
+          </a:bodyPr>
+          <a:lstStyle/>
+          <a:p>
+            <a:pPr marL="0" indent="0">
+              <a:buNone/>
+            </a:pPr>
+            <a:r>
+              <a:rPr lang="en-US" sz="2000" dirty="0">
+                <a:latin typeface="Consolas" pitchFamily="49" charset="0"/>
+                <a:cs typeface="Consolas" pitchFamily="49" charset="0"/>
+              </a:rPr>
+              <a:t>&lt;</a:t>
+            </a:r>
+            <a:r>
+              <a:rPr lang="en-US" sz="2000" dirty="0" err="1">
+                <a:latin typeface="Consolas" pitchFamily="49" charset="0"/>
+                <a:cs typeface="Consolas" pitchFamily="49" charset="0"/>
+              </a:rPr>
+              <a:t>resultMap</a:t>
+            </a:r>
+            <a:r>
+              <a:rPr lang="en-US" sz="2000" dirty="0">
+                <a:latin typeface="Consolas" pitchFamily="49" charset="0"/>
+                <a:cs typeface="Consolas" pitchFamily="49" charset="0"/>
+              </a:rPr>
+              <a:t> type</a:t>
+            </a:r>
+            <a:r>
+              <a:rPr lang="en-US" sz="2000" dirty="0" smtClean="0">
+                <a:latin typeface="Consolas" pitchFamily="49" charset="0"/>
+                <a:cs typeface="Consolas" pitchFamily="49" charset="0"/>
+              </a:rPr>
+              <a:t>="</a:t>
+            </a:r>
+            <a:r>
+              <a:rPr lang="en-US" sz="2000" b="1" dirty="0" err="1" smtClean="0">
+                <a:latin typeface="Consolas" pitchFamily="49" charset="0"/>
+                <a:cs typeface="Consolas" pitchFamily="49" charset="0"/>
+              </a:rPr>
+              <a:t>AuditableEntity</a:t>
+            </a:r>
+            <a:r>
+              <a:rPr lang="en-US" sz="2000" dirty="0" smtClean="0">
+                <a:latin typeface="Consolas" pitchFamily="49" charset="0"/>
+                <a:cs typeface="Consolas" pitchFamily="49" charset="0"/>
+              </a:rPr>
+              <a:t>" </a:t>
+            </a:r>
+            <a:r>
+              <a:rPr lang="en-US" sz="2000" dirty="0">
+                <a:latin typeface="Consolas" pitchFamily="49" charset="0"/>
+                <a:cs typeface="Consolas" pitchFamily="49" charset="0"/>
+              </a:rPr>
+              <a:t>id</a:t>
+            </a:r>
+            <a:r>
+              <a:rPr lang="en-US" sz="2000" dirty="0" smtClean="0">
+                <a:latin typeface="Consolas" pitchFamily="49" charset="0"/>
+                <a:cs typeface="Consolas" pitchFamily="49" charset="0"/>
+              </a:rPr>
+              <a:t>="</a:t>
+            </a:r>
+            <a:r>
+              <a:rPr lang="en-US" sz="2000" b="1" dirty="0" err="1" smtClean="0">
+                <a:latin typeface="Consolas" pitchFamily="49" charset="0"/>
+                <a:cs typeface="Consolas" pitchFamily="49" charset="0"/>
+              </a:rPr>
+              <a:t>auditableEntityMap</a:t>
+            </a:r>
+            <a:r>
+              <a:rPr lang="en-US" sz="2000" dirty="0" smtClean="0">
+                <a:latin typeface="Consolas" pitchFamily="49" charset="0"/>
+                <a:cs typeface="Consolas" pitchFamily="49" charset="0"/>
+              </a:rPr>
+              <a:t>"&gt;</a:t>
+            </a:r>
+            <a:endParaRPr lang="en-US" sz="2000" dirty="0">
+              <a:latin typeface="Consolas" pitchFamily="49" charset="0"/>
+              <a:cs typeface="Consolas" pitchFamily="49" charset="0"/>
+            </a:endParaRPr>
+          </a:p>
+          <a:p>
+            <a:pPr marL="0" indent="0">
+              <a:buNone/>
+            </a:pPr>
+            <a:r>
+              <a:rPr lang="en-US" sz="1800" dirty="0">
+                <a:latin typeface="Consolas" pitchFamily="49" charset="0"/>
+                <a:cs typeface="Consolas" pitchFamily="49" charset="0"/>
+              </a:rPr>
+              <a:t>        &lt;result property="</a:t>
+            </a:r>
+            <a:r>
+              <a:rPr lang="en-US" sz="1800" b="1" dirty="0" err="1">
+                <a:latin typeface="Consolas" pitchFamily="49" charset="0"/>
+                <a:cs typeface="Consolas" pitchFamily="49" charset="0"/>
+              </a:rPr>
+              <a:t>createDate</a:t>
+            </a:r>
+            <a:r>
+              <a:rPr lang="en-US" sz="1800" dirty="0" smtClean="0">
+                <a:latin typeface="Consolas" pitchFamily="49" charset="0"/>
+                <a:cs typeface="Consolas" pitchFamily="49" charset="0"/>
+              </a:rPr>
+              <a:t>" column</a:t>
+            </a:r>
+            <a:r>
+              <a:rPr lang="en-US" sz="1800" dirty="0">
+                <a:latin typeface="Consolas" pitchFamily="49" charset="0"/>
+                <a:cs typeface="Consolas" pitchFamily="49" charset="0"/>
+              </a:rPr>
+              <a:t>="</a:t>
+            </a:r>
+            <a:r>
+              <a:rPr lang="en-US" sz="1800" b="1" dirty="0" err="1">
+                <a:latin typeface="Consolas" pitchFamily="49" charset="0"/>
+                <a:cs typeface="Consolas" pitchFamily="49" charset="0"/>
+              </a:rPr>
+              <a:t>created_datetime</a:t>
+            </a:r>
+            <a:r>
+              <a:rPr lang="en-US" sz="1800" dirty="0">
+                <a:latin typeface="Consolas" pitchFamily="49" charset="0"/>
+                <a:cs typeface="Consolas" pitchFamily="49" charset="0"/>
+              </a:rPr>
+              <a:t>" /&gt;</a:t>
+            </a:r>
+          </a:p>
+          <a:p>
+            <a:pPr marL="0" indent="0">
+              <a:buNone/>
+            </a:pPr>
+            <a:r>
+              <a:rPr lang="en-US" sz="1800" dirty="0">
+                <a:latin typeface="Consolas" pitchFamily="49" charset="0"/>
+                <a:cs typeface="Consolas" pitchFamily="49" charset="0"/>
+              </a:rPr>
+              <a:t>        &lt;result property="</a:t>
+            </a:r>
+            <a:r>
+              <a:rPr lang="en-US" sz="1800" b="1" dirty="0" err="1">
+                <a:latin typeface="Consolas" pitchFamily="49" charset="0"/>
+                <a:cs typeface="Consolas" pitchFamily="49" charset="0"/>
+              </a:rPr>
+              <a:t>updateDate</a:t>
+            </a:r>
+            <a:r>
+              <a:rPr lang="en-US" sz="1800" dirty="0" smtClean="0">
+                <a:latin typeface="Consolas" pitchFamily="49" charset="0"/>
+                <a:cs typeface="Consolas" pitchFamily="49" charset="0"/>
+              </a:rPr>
+              <a:t>" column</a:t>
+            </a:r>
+            <a:r>
+              <a:rPr lang="en-US" sz="1800" dirty="0">
+                <a:latin typeface="Consolas" pitchFamily="49" charset="0"/>
+                <a:cs typeface="Consolas" pitchFamily="49" charset="0"/>
+              </a:rPr>
+              <a:t>="</a:t>
+            </a:r>
+            <a:r>
+              <a:rPr lang="en-US" sz="1800" b="1" dirty="0" err="1">
+                <a:latin typeface="Consolas" pitchFamily="49" charset="0"/>
+                <a:cs typeface="Consolas" pitchFamily="49" charset="0"/>
+              </a:rPr>
+              <a:t>updated_datetime</a:t>
+            </a:r>
+            <a:r>
+              <a:rPr lang="en-US" sz="1800" dirty="0">
+                <a:latin typeface="Consolas" pitchFamily="49" charset="0"/>
+                <a:cs typeface="Consolas" pitchFamily="49" charset="0"/>
+              </a:rPr>
+              <a:t>" /&gt;</a:t>
+            </a:r>
+          </a:p>
+          <a:p>
+            <a:pPr marL="0" indent="0">
+              <a:buNone/>
+            </a:pPr>
+            <a:r>
+              <a:rPr lang="en-US" sz="1800" dirty="0">
+                <a:latin typeface="Consolas" pitchFamily="49" charset="0"/>
+                <a:cs typeface="Consolas" pitchFamily="49" charset="0"/>
+              </a:rPr>
+              <a:t>        &lt;result property="</a:t>
+            </a:r>
+            <a:r>
+              <a:rPr lang="en-US" sz="1800" b="1" dirty="0" err="1">
+                <a:latin typeface="Consolas" pitchFamily="49" charset="0"/>
+                <a:cs typeface="Consolas" pitchFamily="49" charset="0"/>
+              </a:rPr>
+              <a:t>createUser</a:t>
+            </a:r>
+            <a:r>
+              <a:rPr lang="en-US" sz="1800" dirty="0" smtClean="0">
+                <a:latin typeface="Consolas" pitchFamily="49" charset="0"/>
+                <a:cs typeface="Consolas" pitchFamily="49" charset="0"/>
+              </a:rPr>
+              <a:t>" column</a:t>
+            </a:r>
+            <a:r>
+              <a:rPr lang="en-US" sz="1800" dirty="0">
+                <a:latin typeface="Consolas" pitchFamily="49" charset="0"/>
+                <a:cs typeface="Consolas" pitchFamily="49" charset="0"/>
+              </a:rPr>
+              <a:t>="</a:t>
+            </a:r>
+            <a:r>
+              <a:rPr lang="en-US" sz="1800" b="1" dirty="0" err="1">
+                <a:latin typeface="Consolas" pitchFamily="49" charset="0"/>
+                <a:cs typeface="Consolas" pitchFamily="49" charset="0"/>
+              </a:rPr>
+              <a:t>created_by_user</a:t>
+            </a:r>
+            <a:r>
+              <a:rPr lang="en-US" sz="1800" dirty="0">
+                <a:latin typeface="Consolas" pitchFamily="49" charset="0"/>
+                <a:cs typeface="Consolas" pitchFamily="49" charset="0"/>
+              </a:rPr>
+              <a:t>" /&gt;</a:t>
+            </a:r>
+          </a:p>
+          <a:p>
+            <a:pPr marL="0" indent="0">
+              <a:buNone/>
+            </a:pPr>
+            <a:r>
+              <a:rPr lang="en-US" sz="1800" dirty="0">
+                <a:latin typeface="Consolas" pitchFamily="49" charset="0"/>
+                <a:cs typeface="Consolas" pitchFamily="49" charset="0"/>
+              </a:rPr>
+              <a:t>        &lt;result property="</a:t>
+            </a:r>
+            <a:r>
+              <a:rPr lang="en-US" sz="1800" b="1" dirty="0" err="1">
+                <a:latin typeface="Consolas" pitchFamily="49" charset="0"/>
+                <a:cs typeface="Consolas" pitchFamily="49" charset="0"/>
+              </a:rPr>
+              <a:t>updateUser</a:t>
+            </a:r>
+            <a:r>
+              <a:rPr lang="en-US" sz="1800" dirty="0" smtClean="0">
+                <a:latin typeface="Consolas" pitchFamily="49" charset="0"/>
+                <a:cs typeface="Consolas" pitchFamily="49" charset="0"/>
+              </a:rPr>
+              <a:t>" column</a:t>
+            </a:r>
+            <a:r>
+              <a:rPr lang="en-US" sz="1800" dirty="0">
+                <a:latin typeface="Consolas" pitchFamily="49" charset="0"/>
+                <a:cs typeface="Consolas" pitchFamily="49" charset="0"/>
+              </a:rPr>
+              <a:t>="</a:t>
+            </a:r>
+            <a:r>
+              <a:rPr lang="en-US" sz="1800" b="1" dirty="0" err="1">
+                <a:latin typeface="Consolas" pitchFamily="49" charset="0"/>
+                <a:cs typeface="Consolas" pitchFamily="49" charset="0"/>
+              </a:rPr>
+              <a:t>updated_by_user</a:t>
+            </a:r>
+            <a:r>
+              <a:rPr lang="en-US" sz="1800" dirty="0">
+                <a:latin typeface="Consolas" pitchFamily="49" charset="0"/>
+                <a:cs typeface="Consolas" pitchFamily="49" charset="0"/>
+              </a:rPr>
+              <a:t>" /&gt;</a:t>
+            </a:r>
+          </a:p>
+          <a:p>
+            <a:pPr marL="0" indent="0">
+              <a:buNone/>
+            </a:pPr>
+            <a:r>
+              <a:rPr lang="en-US" sz="1800" dirty="0">
+                <a:latin typeface="Consolas" pitchFamily="49" charset="0"/>
+                <a:cs typeface="Consolas" pitchFamily="49" charset="0"/>
+              </a:rPr>
+              <a:t>        &lt;result property="</a:t>
+            </a:r>
+            <a:r>
+              <a:rPr lang="en-US" sz="1800" b="1" dirty="0">
+                <a:latin typeface="Consolas" pitchFamily="49" charset="0"/>
+                <a:cs typeface="Consolas" pitchFamily="49" charset="0"/>
+              </a:rPr>
+              <a:t>version</a:t>
+            </a:r>
+            <a:r>
+              <a:rPr lang="en-US" sz="1800" dirty="0">
+                <a:latin typeface="Consolas" pitchFamily="49" charset="0"/>
+                <a:cs typeface="Consolas" pitchFamily="49" charset="0"/>
+              </a:rPr>
+              <a:t>" </a:t>
+            </a:r>
+            <a:r>
+              <a:rPr lang="en-US" sz="1800" dirty="0" smtClean="0">
+                <a:latin typeface="Consolas" pitchFamily="49" charset="0"/>
+                <a:cs typeface="Consolas" pitchFamily="49" charset="0"/>
+              </a:rPr>
+              <a:t>   column</a:t>
+            </a:r>
+            <a:r>
+              <a:rPr lang="en-US" sz="1800" dirty="0">
+                <a:latin typeface="Consolas" pitchFamily="49" charset="0"/>
+                <a:cs typeface="Consolas" pitchFamily="49" charset="0"/>
+              </a:rPr>
+              <a:t>="</a:t>
+            </a:r>
+            <a:r>
+              <a:rPr lang="en-US" sz="1800" b="1" dirty="0" err="1">
+                <a:latin typeface="Consolas" pitchFamily="49" charset="0"/>
+                <a:cs typeface="Consolas" pitchFamily="49" charset="0"/>
+              </a:rPr>
+              <a:t>record_version</a:t>
+            </a:r>
+            <a:r>
+              <a:rPr lang="en-US" sz="1800" dirty="0">
+                <a:latin typeface="Consolas" pitchFamily="49" charset="0"/>
+                <a:cs typeface="Consolas" pitchFamily="49" charset="0"/>
+              </a:rPr>
+              <a:t>" /&gt;</a:t>
+            </a:r>
+          </a:p>
+          <a:p>
+            <a:pPr marL="0" indent="0">
+              <a:buNone/>
+            </a:pPr>
+            <a:r>
+              <a:rPr lang="en-US" sz="2000" dirty="0">
+                <a:latin typeface="Consolas" pitchFamily="49" charset="0"/>
+                <a:cs typeface="Consolas" pitchFamily="49" charset="0"/>
+              </a:rPr>
+              <a:t>&lt;/</a:t>
+            </a:r>
+            <a:r>
+              <a:rPr lang="en-US" sz="2000" dirty="0" err="1">
+                <a:latin typeface="Consolas" pitchFamily="49" charset="0"/>
+                <a:cs typeface="Consolas" pitchFamily="49" charset="0"/>
+              </a:rPr>
+              <a:t>resultMap</a:t>
+            </a:r>
+            <a:r>
+              <a:rPr lang="en-US" sz="2000" dirty="0">
+                <a:latin typeface="Consolas" pitchFamily="49" charset="0"/>
+                <a:cs typeface="Consolas" pitchFamily="49" charset="0"/>
+              </a:rPr>
+              <a:t>&gt;</a:t>
+            </a:r>
+            <a:endParaRPr lang="ru-RU" sz="2000" dirty="0">
+              <a:latin typeface="Consolas" pitchFamily="49" charset="0"/>
+              <a:cs typeface="Consolas" pitchFamily="49" charset="0"/>
+            </a:endParaRPr>
+          </a:p>
+        </p:txBody>
+      </p:sp>
+    </p:spTree>
+    <p:extLst>
+      <p:ext uri="{BB962C8B-B14F-4D97-AF65-F5344CB8AC3E}">
+        <p14:creationId xmlns:p14="http://schemas.microsoft.com/office/powerpoint/2010/main" val="3052005663"/>
+      </p:ext>
+    </p:extLst>
+  </p:cSld>
+  <p:clrMapOvr>
+    <a:masterClrMapping/>
+  </p:clrMapOvr>
+</p:sld>
+</file>
+
+<file path=ppt/slides/slide11.xml><?xml version="1.0" encoding="utf-8"?>
+<p:sld xmlns:a="http://schemas.openxmlformats.org/drawingml/2006/main" xmlns:r="http://schemas.openxmlformats.org/officeDocument/2006/relationships" xmlns:p="http://schemas.openxmlformats.org/presentationml/2006/main">
+  <p:cSld>
+    <p:spTree>
+      <p:nvGrpSpPr>
+        <p:cNvPr id="1" name=""/>
+        <p:cNvGrpSpPr/>
+        <p:nvPr/>
+      </p:nvGrpSpPr>
+      <p:grpSpPr>
+        <a:xfrm>
+          <a:off x="0" y="0"/>
+          <a:ext cx="0" cy="0"/>
+          <a:chOff x="0" y="0"/>
+          <a:chExt cx="0" cy="0"/>
+        </a:xfrm>
+      </p:grpSpPr>
+      <p:sp>
+        <p:nvSpPr>
+          <p:cNvPr id="2" name="Заголовок 1"/>
+          <p:cNvSpPr>
+            <a:spLocks noGrp="1"/>
+          </p:cNvSpPr>
+          <p:nvPr>
+            <p:ph type="title"/>
+          </p:nvPr>
+        </p:nvSpPr>
+        <p:spPr>
+          <a:xfrm>
+            <a:off x="457200" y="274638"/>
+            <a:ext cx="8229600" cy="850106"/>
+          </a:xfrm>
+        </p:spPr>
+        <p:txBody>
+          <a:bodyPr/>
+          <a:lstStyle/>
+          <a:p>
+            <a:r>
+              <a:rPr lang="ru-RU" dirty="0" smtClean="0"/>
+              <a:t>Аудит: Наследование </a:t>
+            </a:r>
+            <a:r>
+              <a:rPr lang="en-US" dirty="0" err="1" smtClean="0"/>
+              <a:t>ResultMap</a:t>
+            </a:r>
+            <a:endParaRPr lang="ru-RU" dirty="0"/>
+          </a:p>
+        </p:txBody>
+      </p:sp>
+      <p:sp>
+        <p:nvSpPr>
+          <p:cNvPr id="3" name="Объект 2"/>
+          <p:cNvSpPr>
+            <a:spLocks noGrp="1"/>
+          </p:cNvSpPr>
+          <p:nvPr>
+            <p:ph idx="1"/>
+          </p:nvPr>
+        </p:nvSpPr>
+        <p:spPr>
+          <a:xfrm>
+            <a:off x="467544" y="3140968"/>
+            <a:ext cx="8229600" cy="2260848"/>
+          </a:xfrm>
+        </p:spPr>
+        <p:txBody>
+          <a:bodyPr>
+            <a:normAutofit/>
+          </a:bodyPr>
+          <a:lstStyle/>
+          <a:p>
+            <a:pPr marL="0" indent="0">
+              <a:buNone/>
+            </a:pPr>
+            <a:r>
+              <a:rPr lang="en-US" sz="2400" dirty="0"/>
+              <a:t>&lt;</a:t>
+            </a:r>
+            <a:r>
+              <a:rPr lang="en-US" sz="2400" dirty="0" err="1"/>
+              <a:t>resultMap</a:t>
+            </a:r>
+            <a:r>
+              <a:rPr lang="en-US" sz="2400" dirty="0"/>
+              <a:t> id="</a:t>
+            </a:r>
+            <a:r>
+              <a:rPr lang="en-US" sz="2400" b="1" dirty="0" err="1"/>
+              <a:t>userMap</a:t>
+            </a:r>
+            <a:r>
+              <a:rPr lang="en-US" sz="2400" dirty="0"/>
+              <a:t>" type="</a:t>
+            </a:r>
+            <a:r>
+              <a:rPr lang="en-US" sz="2400" b="1" dirty="0"/>
+              <a:t>User</a:t>
+            </a:r>
+            <a:r>
+              <a:rPr lang="en-US" sz="2400" dirty="0"/>
+              <a:t>" </a:t>
+            </a:r>
+            <a:r>
+              <a:rPr lang="en-US" sz="2400" dirty="0" smtClean="0"/>
+              <a:t>	extends</a:t>
+            </a:r>
+            <a:r>
+              <a:rPr lang="en-US" sz="2400" dirty="0"/>
+              <a:t>="</a:t>
+            </a:r>
+            <a:r>
+              <a:rPr lang="en-US" sz="2400" b="1" dirty="0" err="1"/>
+              <a:t>auditableEntityMap</a:t>
+            </a:r>
+            <a:r>
+              <a:rPr lang="en-US" sz="2400" dirty="0"/>
+              <a:t>"&gt;</a:t>
+            </a:r>
+          </a:p>
+          <a:p>
+            <a:pPr marL="0" indent="0">
+              <a:buNone/>
+            </a:pPr>
+            <a:r>
+              <a:rPr lang="en-US" sz="2400" dirty="0"/>
+              <a:t>	&lt;result property="</a:t>
+            </a:r>
+            <a:r>
+              <a:rPr lang="en-US" sz="2400" b="1" dirty="0"/>
+              <a:t>id</a:t>
+            </a:r>
+            <a:r>
+              <a:rPr lang="en-US" sz="2400" dirty="0"/>
+              <a:t>" column="</a:t>
+            </a:r>
+            <a:r>
+              <a:rPr lang="en-US" sz="2400" b="1" dirty="0"/>
+              <a:t>id</a:t>
+            </a:r>
+            <a:r>
+              <a:rPr lang="en-US" sz="2400" dirty="0"/>
+              <a:t>"/&gt;</a:t>
+            </a:r>
+          </a:p>
+          <a:p>
+            <a:pPr marL="0" indent="0">
+              <a:buNone/>
+            </a:pPr>
+            <a:r>
+              <a:rPr lang="en-US" sz="2400" dirty="0"/>
+              <a:t>	&lt;result property="</a:t>
+            </a:r>
+            <a:r>
+              <a:rPr lang="en-US" sz="2400" b="1" dirty="0"/>
+              <a:t>name</a:t>
+            </a:r>
+            <a:r>
+              <a:rPr lang="en-US" sz="2400" dirty="0"/>
+              <a:t>" column="</a:t>
+            </a:r>
+            <a:r>
+              <a:rPr lang="en-US" sz="2400" b="1" dirty="0"/>
+              <a:t>name</a:t>
+            </a:r>
+            <a:r>
+              <a:rPr lang="en-US" sz="2400" dirty="0"/>
+              <a:t>"/&gt;</a:t>
+            </a:r>
+          </a:p>
+          <a:p>
+            <a:pPr marL="0" indent="0">
+              <a:buNone/>
+            </a:pPr>
+            <a:r>
+              <a:rPr lang="en-US" sz="2400" dirty="0"/>
+              <a:t>&lt;/</a:t>
+            </a:r>
+            <a:r>
+              <a:rPr lang="en-US" sz="2400" dirty="0" err="1"/>
+              <a:t>resultMap</a:t>
+            </a:r>
+            <a:r>
+              <a:rPr lang="en-US" sz="2400" dirty="0"/>
+              <a:t>&gt;</a:t>
+            </a:r>
+            <a:endParaRPr lang="ru-RU" sz="2400" dirty="0"/>
+          </a:p>
+        </p:txBody>
+      </p:sp>
+      <p:sp>
+        <p:nvSpPr>
+          <p:cNvPr id="4" name="Прямоугольник 3"/>
+          <p:cNvSpPr/>
+          <p:nvPr/>
+        </p:nvSpPr>
+        <p:spPr>
+          <a:xfrm>
+            <a:off x="490447" y="1916832"/>
+            <a:ext cx="8208912" cy="461665"/>
+          </a:xfrm>
+          <a:prstGeom prst="rect">
+            <a:avLst/>
+          </a:prstGeom>
+        </p:spPr>
+        <p:txBody>
+          <a:bodyPr wrap="square">
+            <a:spAutoFit/>
+          </a:bodyPr>
+          <a:lstStyle/>
+          <a:p>
+            <a:r>
+              <a:rPr lang="en-US" sz="2400" dirty="0"/>
+              <a:t>&lt;</a:t>
+            </a:r>
+            <a:r>
+              <a:rPr lang="en-US" sz="2400" dirty="0" err="1"/>
+              <a:t>resultMap</a:t>
+            </a:r>
+            <a:r>
+              <a:rPr lang="en-US" sz="2400" dirty="0"/>
+              <a:t> type="</a:t>
+            </a:r>
+            <a:r>
+              <a:rPr lang="en-US" sz="2400" b="1" dirty="0" err="1"/>
+              <a:t>AuditableEntity</a:t>
+            </a:r>
+            <a:r>
+              <a:rPr lang="en-US" sz="2400" dirty="0"/>
+              <a:t>" id="</a:t>
+            </a:r>
+            <a:r>
+              <a:rPr lang="en-US" sz="2400" b="1" dirty="0" err="1"/>
+              <a:t>auditableEntityMap</a:t>
+            </a:r>
+            <a:r>
+              <a:rPr lang="en-US" sz="2400" dirty="0"/>
+              <a:t>"&gt;</a:t>
+            </a:r>
+            <a:endParaRPr lang="ru-RU" sz="2400" dirty="0"/>
+          </a:p>
+        </p:txBody>
+      </p:sp>
+      <p:cxnSp>
+        <p:nvCxnSpPr>
+          <p:cNvPr id="6" name="Прямая со стрелкой 5"/>
+          <p:cNvCxnSpPr>
+            <a:stCxn id="3" idx="0"/>
+            <a:endCxn id="4" idx="2"/>
+          </p:cNvCxnSpPr>
+          <p:nvPr/>
+        </p:nvCxnSpPr>
+        <p:spPr>
+          <a:xfrm flipV="1">
+            <a:off x="4582344" y="2378497"/>
+            <a:ext cx="12559" cy="762471"/>
+          </a:xfrm>
+          <a:prstGeom prst="straightConnector1">
+            <a:avLst/>
+          </a:prstGeom>
+          <a:ln w="57150">
+            <a:tailEnd type="arrow"/>
+          </a:ln>
+        </p:spPr>
+        <p:style>
+          <a:lnRef idx="1">
+            <a:schemeClr val="accent1"/>
+          </a:lnRef>
+          <a:fillRef idx="0">
+            <a:schemeClr val="accent1"/>
+          </a:fillRef>
+          <a:effectRef idx="0">
+            <a:schemeClr val="accent1"/>
+          </a:effectRef>
+          <a:fontRef idx="minor">
+            <a:schemeClr val="tx1"/>
+          </a:fontRef>
+        </p:style>
+      </p:cxnSp>
+      <p:sp>
+        <p:nvSpPr>
+          <p:cNvPr id="7" name="TextBox 6"/>
+          <p:cNvSpPr txBox="1"/>
+          <p:nvPr/>
+        </p:nvSpPr>
+        <p:spPr>
+          <a:xfrm>
+            <a:off x="3739004" y="2581870"/>
+            <a:ext cx="1686680" cy="369332"/>
+          </a:xfrm>
+          <a:prstGeom prst="rect">
+            <a:avLst/>
+          </a:prstGeom>
+          <a:noFill/>
+        </p:spPr>
+        <p:txBody>
+          <a:bodyPr wrap="none" rtlCol="0">
+            <a:spAutoFit/>
+          </a:bodyPr>
+          <a:lstStyle/>
+          <a:p>
+            <a:r>
+              <a:rPr lang="en-US" dirty="0" smtClean="0"/>
+              <a:t>Inherit mapping</a:t>
+            </a:r>
+            <a:endParaRPr lang="ru-RU" dirty="0"/>
+          </a:p>
+        </p:txBody>
+      </p:sp>
+    </p:spTree>
+    <p:extLst>
+      <p:ext uri="{BB962C8B-B14F-4D97-AF65-F5344CB8AC3E}">
+        <p14:creationId xmlns:p14="http://schemas.microsoft.com/office/powerpoint/2010/main" val="1783747732"/>
+      </p:ext>
+    </p:extLst>
+  </p:cSld>
+  <p:clrMapOvr>
+    <a:masterClrMapping/>
+  </p:clrMapOvr>
+</p:sld>
+</file>
+
+<file path=ppt/slides/slide12.xml><?xml version="1.0" encoding="utf-8"?>
+<p:sld xmlns:a="http://schemas.openxmlformats.org/drawingml/2006/main" xmlns:r="http://schemas.openxmlformats.org/officeDocument/2006/relationships" xmlns:p="http://schemas.openxmlformats.org/presentationml/2006/main">
+  <p:cSld>
+    <p:spTree>
+      <p:nvGrpSpPr>
+        <p:cNvPr id="1" name=""/>
+        <p:cNvGrpSpPr/>
+        <p:nvPr/>
+      </p:nvGrpSpPr>
+      <p:grpSpPr>
+        <a:xfrm>
+          <a:off x="0" y="0"/>
+          <a:ext cx="0" cy="0"/>
+          <a:chOff x="0" y="0"/>
+          <a:chExt cx="0" cy="0"/>
+        </a:xfrm>
+      </p:grpSpPr>
+      <p:sp>
+        <p:nvSpPr>
+          <p:cNvPr id="2" name="Заголовок 1"/>
+          <p:cNvSpPr>
+            <a:spLocks noGrp="1"/>
+          </p:cNvSpPr>
+          <p:nvPr>
+            <p:ph type="title"/>
+          </p:nvPr>
+        </p:nvSpPr>
+        <p:spPr/>
+        <p:txBody>
+          <a:bodyPr/>
+          <a:lstStyle/>
+          <a:p>
+            <a:r>
+              <a:rPr lang="ru-RU" dirty="0" smtClean="0"/>
+              <a:t>Аудит: </a:t>
+            </a:r>
+            <a:r>
+              <a:rPr lang="en-US" dirty="0" smtClean="0"/>
+              <a:t>Custom </a:t>
+            </a:r>
+            <a:r>
+              <a:rPr lang="en-US" dirty="0" err="1" smtClean="0"/>
+              <a:t>SqlSessionFactory</a:t>
+            </a:r>
+            <a:endParaRPr lang="ru-RU" dirty="0"/>
+          </a:p>
+        </p:txBody>
+      </p:sp>
+      <p:sp>
+        <p:nvSpPr>
+          <p:cNvPr id="3" name="Объект 2"/>
+          <p:cNvSpPr>
+            <a:spLocks noGrp="1"/>
+          </p:cNvSpPr>
+          <p:nvPr>
+            <p:ph idx="1"/>
+          </p:nvPr>
+        </p:nvSpPr>
+        <p:spPr/>
+        <p:txBody>
+          <a:bodyPr>
+            <a:normAutofit fontScale="70000" lnSpcReduction="20000"/>
+          </a:bodyPr>
+          <a:lstStyle/>
+          <a:p>
+            <a:pPr marL="0" indent="0">
+              <a:buNone/>
+            </a:pPr>
+            <a:r>
+              <a:rPr lang="en-US" dirty="0"/>
+              <a:t>public class </a:t>
+            </a:r>
+            <a:r>
+              <a:rPr lang="en-US" b="1" dirty="0" err="1"/>
+              <a:t>UserAuditSessionTemplate</a:t>
+            </a:r>
+            <a:r>
+              <a:rPr lang="en-US" dirty="0"/>
+              <a:t> extends </a:t>
+            </a:r>
+            <a:r>
+              <a:rPr lang="en-US" b="1" dirty="0" err="1"/>
+              <a:t>SqlSessionTemplate</a:t>
+            </a:r>
+            <a:r>
+              <a:rPr lang="en-US" dirty="0"/>
+              <a:t> {</a:t>
+            </a:r>
+          </a:p>
+          <a:p>
+            <a:pPr marL="0" indent="0">
+              <a:buNone/>
+            </a:pPr>
+            <a:r>
+              <a:rPr lang="en-US" dirty="0" smtClean="0"/>
+              <a:t>    public </a:t>
+            </a:r>
+            <a:r>
+              <a:rPr lang="en-US" dirty="0" err="1"/>
+              <a:t>int</a:t>
+            </a:r>
+            <a:r>
+              <a:rPr lang="en-US" dirty="0"/>
+              <a:t> </a:t>
+            </a:r>
+            <a:r>
+              <a:rPr lang="en-US" b="1" dirty="0"/>
+              <a:t>insert</a:t>
+            </a:r>
+            <a:r>
+              <a:rPr lang="en-US" dirty="0"/>
+              <a:t>(String statement, Object parameter) {</a:t>
+            </a:r>
+          </a:p>
+          <a:p>
+            <a:pPr marL="0" indent="0">
+              <a:buNone/>
+            </a:pPr>
+            <a:r>
+              <a:rPr lang="en-US" dirty="0"/>
+              <a:t>         if (parameter </a:t>
+            </a:r>
+            <a:r>
+              <a:rPr lang="en-US" dirty="0" err="1"/>
+              <a:t>instanceof</a:t>
+            </a:r>
+            <a:r>
+              <a:rPr lang="en-US" dirty="0"/>
+              <a:t> </a:t>
+            </a:r>
+            <a:r>
+              <a:rPr lang="en-US" dirty="0" err="1" smtClean="0"/>
+              <a:t>AuditableEntity</a:t>
+            </a:r>
+            <a:r>
+              <a:rPr lang="en-US" dirty="0" smtClean="0"/>
+              <a:t>) </a:t>
+            </a:r>
+            <a:r>
+              <a:rPr lang="en-US" dirty="0"/>
+              <a:t>{</a:t>
+            </a:r>
+          </a:p>
+          <a:p>
+            <a:pPr marL="0" indent="0">
+              <a:buNone/>
+            </a:pPr>
+            <a:r>
+              <a:rPr lang="en-US" dirty="0" smtClean="0"/>
+              <a:t>            </a:t>
+            </a:r>
+            <a:r>
+              <a:rPr lang="en-US" b="1" dirty="0" err="1"/>
+              <a:t>AuditableEntity</a:t>
+            </a:r>
+            <a:r>
+              <a:rPr lang="en-US" dirty="0"/>
+              <a:t> </a:t>
+            </a:r>
+            <a:r>
+              <a:rPr lang="en-US" dirty="0" smtClean="0"/>
+              <a:t> </a:t>
+            </a:r>
+            <a:r>
+              <a:rPr lang="en-US" dirty="0" err="1" smtClean="0"/>
+              <a:t>param</a:t>
+            </a:r>
+            <a:r>
+              <a:rPr lang="en-US" dirty="0" smtClean="0"/>
+              <a:t> </a:t>
+            </a:r>
+            <a:r>
+              <a:rPr lang="en-US" dirty="0"/>
+              <a:t>= </a:t>
+            </a:r>
+            <a:r>
+              <a:rPr lang="en-US" dirty="0" smtClean="0"/>
+              <a:t>(</a:t>
+            </a:r>
+            <a:r>
+              <a:rPr lang="en-US" b="1" dirty="0" err="1"/>
+              <a:t>AuditableEntity</a:t>
+            </a:r>
+            <a:r>
+              <a:rPr lang="en-US" dirty="0" smtClean="0"/>
+              <a:t>) </a:t>
+            </a:r>
+            <a:r>
+              <a:rPr lang="en-US" dirty="0"/>
+              <a:t>parameter;</a:t>
+            </a:r>
+          </a:p>
+          <a:p>
+            <a:pPr marL="0" indent="0">
+              <a:buNone/>
+            </a:pPr>
+            <a:r>
+              <a:rPr lang="en-US" dirty="0"/>
+              <a:t> </a:t>
+            </a:r>
+            <a:r>
+              <a:rPr lang="en-US" dirty="0" smtClean="0"/>
+              <a:t>           </a:t>
+            </a:r>
+            <a:r>
+              <a:rPr lang="en-US" dirty="0" err="1" smtClean="0"/>
+              <a:t>param.setCreateUser</a:t>
+            </a:r>
+            <a:r>
+              <a:rPr lang="en-US" dirty="0" smtClean="0"/>
+              <a:t>(username</a:t>
+            </a:r>
+            <a:r>
+              <a:rPr lang="en-US" dirty="0"/>
+              <a:t>);</a:t>
+            </a:r>
+          </a:p>
+          <a:p>
+            <a:pPr marL="0" indent="0">
+              <a:buNone/>
+            </a:pPr>
+            <a:r>
+              <a:rPr lang="en-US" dirty="0"/>
+              <a:t>         </a:t>
+            </a:r>
+            <a:r>
+              <a:rPr lang="en-US" dirty="0" smtClean="0"/>
+              <a:t>}</a:t>
+            </a:r>
+            <a:endParaRPr lang="en-US" dirty="0"/>
+          </a:p>
+          <a:p>
+            <a:pPr marL="0" indent="0">
+              <a:buNone/>
+            </a:pPr>
+            <a:r>
+              <a:rPr lang="en-US" dirty="0" smtClean="0"/>
+              <a:t>         return </a:t>
+            </a:r>
+            <a:r>
+              <a:rPr lang="en-US" dirty="0" err="1"/>
+              <a:t>super.insert</a:t>
+            </a:r>
+            <a:r>
+              <a:rPr lang="en-US" dirty="0"/>
+              <a:t>(statement, parameter);</a:t>
+            </a:r>
+          </a:p>
+          <a:p>
+            <a:pPr marL="0" indent="0">
+              <a:buNone/>
+            </a:pPr>
+            <a:r>
+              <a:rPr lang="en-US" dirty="0"/>
+              <a:t>    }</a:t>
+            </a:r>
+          </a:p>
+          <a:p>
+            <a:pPr marL="0" indent="0">
+              <a:buNone/>
+            </a:pPr>
+            <a:endParaRPr lang="en-US" dirty="0"/>
+          </a:p>
+          <a:p>
+            <a:pPr marL="0" indent="0">
+              <a:buNone/>
+            </a:pPr>
+            <a:r>
+              <a:rPr lang="en-US" dirty="0" smtClean="0"/>
+              <a:t>    public </a:t>
+            </a:r>
+            <a:r>
+              <a:rPr lang="en-US" dirty="0" err="1"/>
+              <a:t>int</a:t>
+            </a:r>
+            <a:r>
+              <a:rPr lang="en-US" dirty="0"/>
+              <a:t> update(String statement, Object parameter) </a:t>
+            </a:r>
+            <a:r>
+              <a:rPr lang="en-US" dirty="0" smtClean="0"/>
+              <a:t>{</a:t>
+            </a:r>
+          </a:p>
+          <a:p>
+            <a:pPr marL="0" indent="0">
+              <a:buNone/>
+            </a:pPr>
+            <a:r>
+              <a:rPr lang="en-US" dirty="0" smtClean="0"/>
+              <a:t>         …</a:t>
+            </a:r>
+            <a:endParaRPr lang="en-US" dirty="0"/>
+          </a:p>
+          <a:p>
+            <a:pPr marL="0" indent="0">
+              <a:buNone/>
+            </a:pPr>
+            <a:r>
+              <a:rPr lang="en-US" dirty="0" smtClean="0"/>
+              <a:t>    }</a:t>
+            </a:r>
+            <a:endParaRPr lang="en-US" dirty="0"/>
+          </a:p>
+        </p:txBody>
+      </p:sp>
+    </p:spTree>
+    <p:extLst>
+      <p:ext uri="{BB962C8B-B14F-4D97-AF65-F5344CB8AC3E}">
+        <p14:creationId xmlns:p14="http://schemas.microsoft.com/office/powerpoint/2010/main" val="4081361642"/>
+      </p:ext>
+    </p:extLst>
+  </p:cSld>
+  <p:clrMapOvr>
+    <a:masterClrMapping/>
+  </p:clrMapOvr>
+</p:sld>
+</file>
+
 <file path=ppt/slides/slide2.xml><?xml version="1.0" encoding="utf-8"?>
 <p:sld xmlns:a="http://schemas.openxmlformats.org/drawingml/2006/main" xmlns:r="http://schemas.openxmlformats.org/officeDocument/2006/relationships" xmlns:p="http://schemas.openxmlformats.org/presentationml/2006/main">
   <p:cSld>
@@ -3127,15 +4202,11 @@
           <a:p>
             <a:r>
               <a:rPr lang="en-US" dirty="0" smtClean="0"/>
-              <a:t>$ </a:t>
+              <a:t>Getting Started with </a:t>
             </a:r>
             <a:r>
               <a:rPr lang="en-US" dirty="0" err="1" smtClean="0"/>
-              <a:t>vs</a:t>
-            </a:r>
-            <a:r>
-              <a:rPr lang="en-US" dirty="0" smtClean="0"/>
-              <a:t> #</a:t>
+              <a:t>MyBatis</a:t>
             </a:r>
             <a:endParaRPr lang="ru-RU" dirty="0"/>
           </a:p>
@@ -3151,116 +4222,254 @@
             <p:ph idx="1"/>
           </p:nvPr>
         </p:nvSpPr>
+        <p:spPr/>
+        <p:txBody>
+          <a:bodyPr>
+            <a:normAutofit fontScale="92500"/>
+          </a:bodyPr>
+          <a:lstStyle/>
+          <a:p>
+            <a:pPr>
+              <a:lnSpc>
+                <a:spcPct val="150000"/>
+              </a:lnSpc>
+            </a:pPr>
+            <a:r>
+              <a:rPr lang="en-US" sz="4800" dirty="0" smtClean="0"/>
+              <a:t>Domain</a:t>
+            </a:r>
+          </a:p>
+          <a:p>
+            <a:pPr>
+              <a:lnSpc>
+                <a:spcPct val="150000"/>
+              </a:lnSpc>
+            </a:pPr>
+            <a:r>
+              <a:rPr lang="en-US" sz="4800" dirty="0" err="1" smtClean="0"/>
+              <a:t>ResultMap</a:t>
+            </a:r>
+            <a:endParaRPr lang="en-US" sz="4800" dirty="0" smtClean="0"/>
+          </a:p>
+          <a:p>
+            <a:pPr>
+              <a:lnSpc>
+                <a:spcPct val="150000"/>
+              </a:lnSpc>
+            </a:pPr>
+            <a:r>
+              <a:rPr lang="en-US" sz="4800" dirty="0" smtClean="0"/>
+              <a:t>Query</a:t>
+            </a:r>
+          </a:p>
+          <a:p>
+            <a:pPr>
+              <a:lnSpc>
+                <a:spcPct val="150000"/>
+              </a:lnSpc>
+            </a:pPr>
+            <a:r>
+              <a:rPr lang="en-US" sz="4800" dirty="0" smtClean="0"/>
+              <a:t>Repository</a:t>
+            </a:r>
+            <a:endParaRPr lang="ru-RU" sz="4800" dirty="0"/>
+          </a:p>
+        </p:txBody>
+      </p:sp>
+      <p:pic>
+        <p:nvPicPr>
+          <p:cNvPr id="4" name="Рисунок 3"/>
+          <p:cNvPicPr>
+            <a:picLocks noChangeAspect="1"/>
+          </p:cNvPicPr>
+          <p:nvPr/>
+        </p:nvPicPr>
+        <p:blipFill>
+          <a:blip r:embed="rId2">
+            <a:extLst>
+              <a:ext uri="{28A0092B-C50C-407E-A947-70E740481C1C}">
+                <a14:useLocalDpi xmlns:a14="http://schemas.microsoft.com/office/drawing/2010/main" val="0"/>
+              </a:ext>
+            </a:extLst>
+          </a:blip>
+          <a:stretch>
+            <a:fillRect/>
+          </a:stretch>
+        </p:blipFill>
         <p:spPr>
           <a:xfrm>
-            <a:off x="457200" y="1600200"/>
-            <a:ext cx="8507288" cy="4525963"/>
+            <a:off x="5814417" y="1421454"/>
+            <a:ext cx="971550" cy="1123950"/>
           </a:xfrm>
+          <a:prstGeom prst="rect">
+            <a:avLst/>
+          </a:prstGeom>
         </p:spPr>
-        <p:txBody>
-          <a:bodyPr/>
-          <a:lstStyle/>
-          <a:p>
-            <a:r>
-              <a:rPr lang="en-US" dirty="0" smtClean="0"/>
-              <a:t>${id} </a:t>
-            </a:r>
-            <a:r>
-              <a:rPr lang="ru-RU" dirty="0" smtClean="0"/>
-              <a:t>вставляет подстроку</a:t>
-            </a:r>
-          </a:p>
-          <a:p>
-            <a:pPr marL="457200" lvl="1" indent="0">
-              <a:buNone/>
-            </a:pPr>
-            <a:r>
-              <a:rPr lang="en-US" dirty="0" smtClean="0"/>
-              <a:t>	select * from ${schema}.users</a:t>
-            </a:r>
-          </a:p>
-          <a:p>
-            <a:pPr marL="457200" lvl="1" indent="0">
-              <a:buNone/>
-            </a:pPr>
-            <a:r>
-              <a:rPr lang="en-US" dirty="0"/>
-              <a:t>	</a:t>
-            </a:r>
-            <a:r>
-              <a:rPr lang="en-US" dirty="0" smtClean="0"/>
-              <a:t> -&gt; </a:t>
-            </a:r>
-            <a:r>
-              <a:rPr lang="en-US" dirty="0"/>
-              <a:t>	select * from </a:t>
-            </a:r>
-            <a:r>
-              <a:rPr lang="en-US" dirty="0" err="1" smtClean="0"/>
-              <a:t>secur.users</a:t>
-            </a:r>
-            <a:endParaRPr lang="en-US" dirty="0"/>
-          </a:p>
-          <a:p>
-            <a:r>
-              <a:rPr lang="en-US" dirty="0" smtClean="0"/>
-              <a:t>#{id} </a:t>
-            </a:r>
-            <a:r>
-              <a:rPr lang="ru-RU" dirty="0" smtClean="0"/>
-              <a:t>создает параметризованный запрос</a:t>
-            </a:r>
-          </a:p>
-          <a:p>
-            <a:pPr marL="457200" lvl="1" indent="0">
-              <a:buNone/>
-            </a:pPr>
-            <a:r>
-              <a:rPr lang="en-US" dirty="0"/>
-              <a:t>	select * from </a:t>
-            </a:r>
-            <a:r>
-              <a:rPr lang="en-US" dirty="0" err="1" smtClean="0"/>
-              <a:t>secur.users</a:t>
-            </a:r>
-            <a:r>
-              <a:rPr lang="en-US" dirty="0" smtClean="0"/>
-              <a:t> where id=#{id}</a:t>
-            </a:r>
-            <a:endParaRPr lang="en-US" dirty="0"/>
-          </a:p>
-          <a:p>
-            <a:pPr marL="457200" lvl="1" indent="0">
-              <a:buNone/>
-            </a:pPr>
-            <a:r>
-              <a:rPr lang="en-US" dirty="0"/>
-              <a:t>	 -&gt; 	select * from </a:t>
-            </a:r>
-            <a:r>
-              <a:rPr lang="en-US" dirty="0" err="1"/>
-              <a:t>secur.users</a:t>
-            </a:r>
-            <a:r>
-              <a:rPr lang="en-US" dirty="0"/>
-              <a:t> where id=#{id}</a:t>
-            </a:r>
-          </a:p>
-          <a:p>
-            <a:endParaRPr lang="en-US" dirty="0"/>
-          </a:p>
-          <a:p>
-            <a:pPr marL="457200" lvl="1" indent="0">
-              <a:buNone/>
-            </a:pPr>
-            <a:endParaRPr lang="ru-RU" dirty="0"/>
-          </a:p>
-        </p:txBody>
-      </p:sp>
+      </p:pic>
+      <p:sp>
+        <p:nvSpPr>
+          <p:cNvPr id="5" name="Прямоугольник с одним вырезанным углом 4"/>
+          <p:cNvSpPr/>
+          <p:nvPr/>
+        </p:nvSpPr>
+        <p:spPr>
+          <a:xfrm>
+            <a:off x="5364088" y="2924944"/>
+            <a:ext cx="1872208" cy="1224136"/>
+          </a:xfrm>
+          <a:prstGeom prst="snip1Rect">
+            <a:avLst/>
+          </a:prstGeom>
+        </p:spPr>
+        <p:style>
+          <a:lnRef idx="2">
+            <a:schemeClr val="accent1">
+              <a:shade val="50000"/>
+            </a:schemeClr>
+          </a:lnRef>
+          <a:fillRef idx="1">
+            <a:schemeClr val="accent1"/>
+          </a:fillRef>
+          <a:effectRef idx="0">
+            <a:schemeClr val="accent1"/>
+          </a:effectRef>
+          <a:fontRef idx="minor">
+            <a:schemeClr val="lt1"/>
+          </a:fontRef>
+        </p:style>
+        <p:txBody>
+          <a:bodyPr rtlCol="0" anchor="ctr"/>
+          <a:lstStyle/>
+          <a:p>
+            <a:pPr algn="ctr"/>
+            <a:r>
+              <a:rPr lang="en-US" sz="2800" dirty="0" err="1" smtClean="0"/>
+              <a:t>ResultMap</a:t>
+            </a:r>
+            <a:endParaRPr lang="ru-RU" sz="2800" dirty="0"/>
+          </a:p>
+        </p:txBody>
+      </p:sp>
+      <p:cxnSp>
+        <p:nvCxnSpPr>
+          <p:cNvPr id="7" name="Прямая со стрелкой 6"/>
+          <p:cNvCxnSpPr>
+            <a:stCxn id="4" idx="2"/>
+            <a:endCxn id="5" idx="3"/>
+          </p:cNvCxnSpPr>
+          <p:nvPr/>
+        </p:nvCxnSpPr>
+        <p:spPr>
+          <a:xfrm>
+            <a:off x="6300192" y="2545404"/>
+            <a:ext cx="0" cy="379540"/>
+          </a:xfrm>
+          <a:prstGeom prst="straightConnector1">
+            <a:avLst/>
+          </a:prstGeom>
+          <a:ln>
+            <a:tailEnd type="arrow"/>
+          </a:ln>
+        </p:spPr>
+        <p:style>
+          <a:lnRef idx="1">
+            <a:schemeClr val="accent1"/>
+          </a:lnRef>
+          <a:fillRef idx="0">
+            <a:schemeClr val="accent1"/>
+          </a:fillRef>
+          <a:effectRef idx="0">
+            <a:schemeClr val="accent1"/>
+          </a:effectRef>
+          <a:fontRef idx="minor">
+            <a:schemeClr val="tx1"/>
+          </a:fontRef>
+        </p:style>
+      </p:cxnSp>
+      <p:sp>
+        <p:nvSpPr>
+          <p:cNvPr id="10" name="Цилиндр 9"/>
+          <p:cNvSpPr/>
+          <p:nvPr/>
+        </p:nvSpPr>
+        <p:spPr>
+          <a:xfrm>
+            <a:off x="5769272" y="4725144"/>
+            <a:ext cx="1061839" cy="1512168"/>
+          </a:xfrm>
+          <a:prstGeom prst="can">
+            <a:avLst/>
+          </a:prstGeom>
+        </p:spPr>
+        <p:style>
+          <a:lnRef idx="2">
+            <a:schemeClr val="accent1">
+              <a:shade val="50000"/>
+            </a:schemeClr>
+          </a:lnRef>
+          <a:fillRef idx="1">
+            <a:schemeClr val="accent1"/>
+          </a:fillRef>
+          <a:effectRef idx="0">
+            <a:schemeClr val="accent1"/>
+          </a:effectRef>
+          <a:fontRef idx="minor">
+            <a:schemeClr val="lt1"/>
+          </a:fontRef>
+        </p:style>
+        <p:txBody>
+          <a:bodyPr rtlCol="0" anchor="ctr"/>
+          <a:lstStyle/>
+          <a:p>
+            <a:pPr algn="ctr"/>
+            <a:r>
+              <a:rPr lang="en-US" sz="4400" dirty="0" smtClean="0"/>
+              <a:t>DB</a:t>
+            </a:r>
+            <a:endParaRPr lang="ru-RU" sz="4400" dirty="0"/>
+          </a:p>
+        </p:txBody>
+      </p:sp>
+      <p:cxnSp>
+        <p:nvCxnSpPr>
+          <p:cNvPr id="12" name="Прямая со стрелкой 11"/>
+          <p:cNvCxnSpPr>
+            <a:stCxn id="5" idx="1"/>
+            <a:endCxn id="10" idx="1"/>
+          </p:cNvCxnSpPr>
+          <p:nvPr/>
+        </p:nvCxnSpPr>
+        <p:spPr>
+          <a:xfrm>
+            <a:off x="6300192" y="4149080"/>
+            <a:ext cx="0" cy="576064"/>
+          </a:xfrm>
+          <a:prstGeom prst="straightConnector1">
+            <a:avLst/>
+          </a:prstGeom>
+          <a:ln>
+            <a:tailEnd type="arrow"/>
+          </a:ln>
+        </p:spPr>
+        <p:style>
+          <a:lnRef idx="1">
+            <a:schemeClr val="accent1"/>
+          </a:lnRef>
+          <a:fillRef idx="0">
+            <a:schemeClr val="accent1"/>
+          </a:fillRef>
+          <a:effectRef idx="0">
+            <a:schemeClr val="accent1"/>
+          </a:effectRef>
+          <a:fontRef idx="minor">
+            <a:schemeClr val="tx1"/>
+          </a:fontRef>
+        </p:style>
+      </p:cxnSp>
     </p:spTree>
     <p:extLst>
       <p:ext uri="{BB962C8B-B14F-4D97-AF65-F5344CB8AC3E}">
-        <p14:creationId xmlns:p14="http://schemas.microsoft.com/office/powerpoint/2010/main" val="1791513792"/>
+        <p14:creationId xmlns:p14="http://schemas.microsoft.com/office/powerpoint/2010/main" val="1602729855"/>
       </p:ext>
     </p:extLst>
   </p:cSld>
@@ -3303,6 +4512,749 @@
           <a:lstStyle/>
           <a:p>
             <a:r>
+              <a:rPr lang="en-US" dirty="0"/>
+              <a:t>Getting Started with </a:t>
+            </a:r>
+            <a:r>
+              <a:rPr lang="en-US" dirty="0" err="1"/>
+              <a:t>MyBatis</a:t>
+            </a:r>
+            <a:endParaRPr lang="ru-RU" dirty="0"/>
+          </a:p>
+        </p:txBody>
+      </p:sp>
+      <p:sp>
+        <p:nvSpPr>
+          <p:cNvPr id="3" name="Объект 2"/>
+          <p:cNvSpPr>
+            <a:spLocks noGrp="1"/>
+          </p:cNvSpPr>
+          <p:nvPr>
+            <p:ph idx="1"/>
+          </p:nvPr>
+        </p:nvSpPr>
+        <p:spPr>
+          <a:xfrm>
+            <a:off x="457200" y="1600200"/>
+            <a:ext cx="3682752" cy="4525963"/>
+          </a:xfrm>
+        </p:spPr>
+        <p:txBody>
+          <a:bodyPr/>
+          <a:lstStyle/>
+          <a:p>
+            <a:pPr marL="0" indent="0">
+              <a:buNone/>
+            </a:pPr>
+            <a:r>
+              <a:rPr lang="en-US" dirty="0" smtClean="0"/>
+              <a:t>class Person {</a:t>
+            </a:r>
+            <a:endParaRPr lang="en-US" dirty="0"/>
+          </a:p>
+          <a:p>
+            <a:pPr marL="0" indent="0">
+              <a:buNone/>
+            </a:pPr>
+            <a:r>
+              <a:rPr lang="en-US" dirty="0"/>
+              <a:t>	</a:t>
+            </a:r>
+            <a:r>
+              <a:rPr lang="en-US" dirty="0" smtClean="0"/>
+              <a:t>Integer id;</a:t>
+            </a:r>
+            <a:endParaRPr lang="en-US" dirty="0"/>
+          </a:p>
+          <a:p>
+            <a:pPr marL="0" indent="0">
+              <a:buNone/>
+            </a:pPr>
+            <a:r>
+              <a:rPr lang="en-US" dirty="0"/>
+              <a:t>	</a:t>
+            </a:r>
+            <a:r>
+              <a:rPr lang="en-US" dirty="0" smtClean="0"/>
+              <a:t>String </a:t>
+            </a:r>
+            <a:r>
+              <a:rPr lang="en-US" dirty="0"/>
+              <a:t>name</a:t>
+            </a:r>
+            <a:r>
+              <a:rPr lang="en-US" dirty="0" smtClean="0"/>
+              <a:t>;</a:t>
+            </a:r>
+          </a:p>
+          <a:p>
+            <a:pPr marL="0" indent="0">
+              <a:buNone/>
+            </a:pPr>
+            <a:r>
+              <a:rPr lang="en-US" dirty="0"/>
+              <a:t>}</a:t>
+            </a:r>
+            <a:endParaRPr lang="ru-RU" dirty="0"/>
+          </a:p>
+        </p:txBody>
+      </p:sp>
+      <p:sp>
+        <p:nvSpPr>
+          <p:cNvPr id="4" name="Объект 2"/>
+          <p:cNvSpPr txBox="1">
+            <a:spLocks/>
+          </p:cNvSpPr>
+          <p:nvPr/>
+        </p:nvSpPr>
+        <p:spPr>
+          <a:xfrm>
+            <a:off x="539552" y="4005064"/>
+            <a:ext cx="8280920" cy="2293713"/>
+          </a:xfrm>
+          <a:prstGeom prst="rect">
+            <a:avLst/>
+          </a:prstGeom>
+        </p:spPr>
+        <p:txBody>
+          <a:bodyPr vert="horz" lIns="91440" tIns="45720" rIns="91440" bIns="45720" rtlCol="0">
+            <a:normAutofit/>
+          </a:bodyPr>
+          <a:lstStyle>
+            <a:lvl1pPr marL="342900" indent="-342900" algn="l" defTabSz="914400" rtl="0" eaLnBrk="1" latinLnBrk="0" hangingPunct="1">
+              <a:spcBef>
+                <a:spcPct val="20000"/>
+              </a:spcBef>
+              <a:buFont typeface="Arial" pitchFamily="34" charset="0"/>
+              <a:buChar char="•"/>
+              <a:defRPr sz="3200" kern="1200">
+                <a:solidFill>
+                  <a:schemeClr val="tx1"/>
+                </a:solidFill>
+                <a:latin typeface="+mn-lt"/>
+                <a:ea typeface="+mn-ea"/>
+                <a:cs typeface="+mn-cs"/>
+              </a:defRPr>
+            </a:lvl1pPr>
+            <a:lvl2pPr marL="742950" indent="-285750" algn="l" defTabSz="914400" rtl="0" eaLnBrk="1" latinLnBrk="0" hangingPunct="1">
+              <a:spcBef>
+                <a:spcPct val="20000"/>
+              </a:spcBef>
+              <a:buFont typeface="Arial" pitchFamily="34" charset="0"/>
+              <a:buChar char="–"/>
+              <a:defRPr sz="2800" kern="1200">
+                <a:solidFill>
+                  <a:schemeClr val="tx1"/>
+                </a:solidFill>
+                <a:latin typeface="+mn-lt"/>
+                <a:ea typeface="+mn-ea"/>
+                <a:cs typeface="+mn-cs"/>
+              </a:defRPr>
+            </a:lvl2pPr>
+            <a:lvl3pPr marL="1143000" indent="-228600" algn="l" defTabSz="914400" rtl="0" eaLnBrk="1" latinLnBrk="0" hangingPunct="1">
+              <a:spcBef>
+                <a:spcPct val="20000"/>
+              </a:spcBef>
+              <a:buFont typeface="Arial" pitchFamily="34" charset="0"/>
+              <a:buChar char="•"/>
+              <a:defRPr sz="2400" kern="1200">
+                <a:solidFill>
+                  <a:schemeClr val="tx1"/>
+                </a:solidFill>
+                <a:latin typeface="+mn-lt"/>
+                <a:ea typeface="+mn-ea"/>
+                <a:cs typeface="+mn-cs"/>
+              </a:defRPr>
+            </a:lvl3pPr>
+            <a:lvl4pPr marL="1600200" indent="-228600" algn="l" defTabSz="914400" rtl="0" eaLnBrk="1" latinLnBrk="0" hangingPunct="1">
+              <a:spcBef>
+                <a:spcPct val="20000"/>
+              </a:spcBef>
+              <a:buFont typeface="Arial" pitchFamily="34" charset="0"/>
+              <a:buChar char="–"/>
+              <a:defRPr sz="2000" kern="1200">
+                <a:solidFill>
+                  <a:schemeClr val="tx1"/>
+                </a:solidFill>
+                <a:latin typeface="+mn-lt"/>
+                <a:ea typeface="+mn-ea"/>
+                <a:cs typeface="+mn-cs"/>
+              </a:defRPr>
+            </a:lvl4pPr>
+            <a:lvl5pPr marL="2057400" indent="-228600" algn="l" defTabSz="914400" rtl="0" eaLnBrk="1" latinLnBrk="0" hangingPunct="1">
+              <a:spcBef>
+                <a:spcPct val="20000"/>
+              </a:spcBef>
+              <a:buFont typeface="Arial" pitchFamily="34" charset="0"/>
+              <a:buChar char="»"/>
+              <a:defRPr sz="2000" kern="1200">
+                <a:solidFill>
+                  <a:schemeClr val="tx1"/>
+                </a:solidFill>
+                <a:latin typeface="+mn-lt"/>
+                <a:ea typeface="+mn-ea"/>
+                <a:cs typeface="+mn-cs"/>
+              </a:defRPr>
+            </a:lvl5pPr>
+            <a:lvl6pPr marL="2514600" indent="-228600" algn="l" defTabSz="914400" rtl="0" eaLnBrk="1" latinLnBrk="0" hangingPunct="1">
+              <a:spcBef>
+                <a:spcPct val="20000"/>
+              </a:spcBef>
+              <a:buFont typeface="Arial" pitchFamily="34" charset="0"/>
+              <a:buChar char="•"/>
+              <a:defRPr sz="2000" kern="1200">
+                <a:solidFill>
+                  <a:schemeClr val="tx1"/>
+                </a:solidFill>
+                <a:latin typeface="+mn-lt"/>
+                <a:ea typeface="+mn-ea"/>
+                <a:cs typeface="+mn-cs"/>
+              </a:defRPr>
+            </a:lvl6pPr>
+            <a:lvl7pPr marL="2971800" indent="-228600" algn="l" defTabSz="914400" rtl="0" eaLnBrk="1" latinLnBrk="0" hangingPunct="1">
+              <a:spcBef>
+                <a:spcPct val="20000"/>
+              </a:spcBef>
+              <a:buFont typeface="Arial" pitchFamily="34" charset="0"/>
+              <a:buChar char="•"/>
+              <a:defRPr sz="2000" kern="1200">
+                <a:solidFill>
+                  <a:schemeClr val="tx1"/>
+                </a:solidFill>
+                <a:latin typeface="+mn-lt"/>
+                <a:ea typeface="+mn-ea"/>
+                <a:cs typeface="+mn-cs"/>
+              </a:defRPr>
+            </a:lvl7pPr>
+            <a:lvl8pPr marL="3429000" indent="-228600" algn="l" defTabSz="914400" rtl="0" eaLnBrk="1" latinLnBrk="0" hangingPunct="1">
+              <a:spcBef>
+                <a:spcPct val="20000"/>
+              </a:spcBef>
+              <a:buFont typeface="Arial" pitchFamily="34" charset="0"/>
+              <a:buChar char="•"/>
+              <a:defRPr sz="2000" kern="1200">
+                <a:solidFill>
+                  <a:schemeClr val="tx1"/>
+                </a:solidFill>
+                <a:latin typeface="+mn-lt"/>
+                <a:ea typeface="+mn-ea"/>
+                <a:cs typeface="+mn-cs"/>
+              </a:defRPr>
+            </a:lvl8pPr>
+            <a:lvl9pPr marL="3886200" indent="-228600" algn="l" defTabSz="914400" rtl="0" eaLnBrk="1" latinLnBrk="0" hangingPunct="1">
+              <a:spcBef>
+                <a:spcPct val="20000"/>
+              </a:spcBef>
+              <a:buFont typeface="Arial" pitchFamily="34" charset="0"/>
+              <a:buChar char="•"/>
+              <a:defRPr sz="2000" kern="1200">
+                <a:solidFill>
+                  <a:schemeClr val="tx1"/>
+                </a:solidFill>
+                <a:latin typeface="+mn-lt"/>
+                <a:ea typeface="+mn-ea"/>
+                <a:cs typeface="+mn-cs"/>
+              </a:defRPr>
+            </a:lvl9pPr>
+          </a:lstStyle>
+          <a:p>
+            <a:pPr marL="0" indent="0">
+              <a:buNone/>
+            </a:pPr>
+            <a:r>
+              <a:rPr lang="en-US" sz="2800" dirty="0"/>
+              <a:t>&lt;</a:t>
+            </a:r>
+            <a:r>
+              <a:rPr lang="en-US" sz="2800" dirty="0" err="1"/>
+              <a:t>resultMap</a:t>
+            </a:r>
+            <a:r>
+              <a:rPr lang="en-US" sz="2800" dirty="0"/>
+              <a:t> type</a:t>
+            </a:r>
+            <a:r>
+              <a:rPr lang="en-US" sz="2800" dirty="0" smtClean="0"/>
+              <a:t>="</a:t>
+            </a:r>
+            <a:r>
+              <a:rPr lang="en-US" sz="2800" b="1" dirty="0" smtClean="0"/>
+              <a:t>Person</a:t>
+            </a:r>
+            <a:r>
+              <a:rPr lang="en-US" sz="2800" dirty="0" smtClean="0"/>
+              <a:t>" </a:t>
+            </a:r>
+            <a:r>
+              <a:rPr lang="en-US" sz="2800" dirty="0"/>
+              <a:t>id</a:t>
+            </a:r>
+            <a:r>
+              <a:rPr lang="en-US" sz="2800" dirty="0" smtClean="0"/>
+              <a:t>="</a:t>
+            </a:r>
+            <a:r>
+              <a:rPr lang="en-US" sz="2800" b="1" dirty="0" err="1" smtClean="0"/>
+              <a:t>PersonMap</a:t>
+            </a:r>
+            <a:r>
+              <a:rPr lang="en-US" sz="2800" dirty="0" smtClean="0"/>
+              <a:t>"&gt;</a:t>
+            </a:r>
+            <a:endParaRPr lang="en-US" sz="2800" dirty="0"/>
+          </a:p>
+          <a:p>
+            <a:pPr marL="0" indent="0">
+              <a:buNone/>
+            </a:pPr>
+            <a:r>
+              <a:rPr lang="en-US" sz="2800" dirty="0" smtClean="0"/>
+              <a:t>    &lt;</a:t>
+            </a:r>
+            <a:r>
+              <a:rPr lang="en-US" sz="2800" dirty="0"/>
+              <a:t>id property</a:t>
+            </a:r>
+            <a:r>
+              <a:rPr lang="en-US" sz="2800" dirty="0" smtClean="0"/>
+              <a:t>="</a:t>
+            </a:r>
+            <a:r>
+              <a:rPr lang="en-US" sz="2800" b="1" dirty="0" smtClean="0"/>
+              <a:t>id</a:t>
+            </a:r>
+            <a:r>
+              <a:rPr lang="en-US" sz="2800" dirty="0" smtClean="0"/>
+              <a:t>" </a:t>
+            </a:r>
+            <a:r>
+              <a:rPr lang="en-US" sz="2800" dirty="0"/>
+              <a:t>column</a:t>
+            </a:r>
+            <a:r>
+              <a:rPr lang="en-US" sz="2800" dirty="0" smtClean="0"/>
+              <a:t>="</a:t>
+            </a:r>
+            <a:r>
+              <a:rPr lang="en-US" sz="2800" b="1" dirty="0" err="1" smtClean="0"/>
+              <a:t>person_id</a:t>
+            </a:r>
+            <a:r>
+              <a:rPr lang="en-US" sz="2800" dirty="0" smtClean="0"/>
+              <a:t>"/&gt;</a:t>
+            </a:r>
+            <a:endParaRPr lang="en-US" sz="2800" dirty="0"/>
+          </a:p>
+          <a:p>
+            <a:pPr marL="0" indent="0">
+              <a:buNone/>
+            </a:pPr>
+            <a:r>
+              <a:rPr lang="en-US" sz="2800" dirty="0" smtClean="0"/>
+              <a:t>    &lt;</a:t>
+            </a:r>
+            <a:r>
+              <a:rPr lang="en-US" sz="2800" dirty="0"/>
+              <a:t>result property="</a:t>
+            </a:r>
+            <a:r>
+              <a:rPr lang="en-US" sz="2800" b="1" dirty="0"/>
+              <a:t>name</a:t>
+            </a:r>
+            <a:r>
+              <a:rPr lang="en-US" sz="2800" dirty="0"/>
+              <a:t>" column</a:t>
+            </a:r>
+            <a:r>
+              <a:rPr lang="en-US" sz="2800" dirty="0" smtClean="0"/>
+              <a:t>="</a:t>
+            </a:r>
+            <a:r>
+              <a:rPr lang="en-US" sz="2800" b="1" dirty="0" err="1" smtClean="0"/>
+              <a:t>person_name</a:t>
+            </a:r>
+            <a:r>
+              <a:rPr lang="en-US" sz="2800" dirty="0" smtClean="0"/>
+              <a:t>"/&gt;</a:t>
+            </a:r>
+          </a:p>
+          <a:p>
+            <a:pPr marL="0" indent="0">
+              <a:buNone/>
+            </a:pPr>
+            <a:r>
+              <a:rPr lang="en-US" sz="2800" dirty="0" smtClean="0"/>
+              <a:t>&lt;/</a:t>
+            </a:r>
+            <a:r>
+              <a:rPr lang="en-US" sz="2800" dirty="0" err="1"/>
+              <a:t>resultMap</a:t>
+            </a:r>
+            <a:r>
+              <a:rPr lang="en-US" sz="2800" dirty="0"/>
+              <a:t>&gt;</a:t>
+            </a:r>
+            <a:endParaRPr lang="ru-RU" sz="2800" dirty="0"/>
+          </a:p>
+        </p:txBody>
+      </p:sp>
+    </p:spTree>
+    <p:extLst>
+      <p:ext uri="{BB962C8B-B14F-4D97-AF65-F5344CB8AC3E}">
+        <p14:creationId xmlns:p14="http://schemas.microsoft.com/office/powerpoint/2010/main" val="954921804"/>
+      </p:ext>
+    </p:extLst>
+  </p:cSld>
+  <p:clrMapOvr>
+    <a:masterClrMapping/>
+  </p:clrMapOvr>
+</p:sld>
+</file>
+
+<file path=ppt/slides/slide4.xml><?xml version="1.0" encoding="utf-8"?>
+<p:sld xmlns:a="http://schemas.openxmlformats.org/drawingml/2006/main" xmlns:r="http://schemas.openxmlformats.org/officeDocument/2006/relationships" xmlns:p="http://schemas.openxmlformats.org/presentationml/2006/main">
+  <p:cSld>
+    <p:spTree>
+      <p:nvGrpSpPr>
+        <p:cNvPr id="1" name=""/>
+        <p:cNvGrpSpPr/>
+        <p:nvPr/>
+      </p:nvGrpSpPr>
+      <p:grpSpPr>
+        <a:xfrm>
+          <a:off x="0" y="0"/>
+          <a:ext cx="0" cy="0"/>
+          <a:chOff x="0" y="0"/>
+          <a:chExt cx="0" cy="0"/>
+        </a:xfrm>
+      </p:grpSpPr>
+      <p:sp>
+        <p:nvSpPr>
+          <p:cNvPr id="2" name="Заголовок 1"/>
+          <p:cNvSpPr>
+            <a:spLocks noGrp="1"/>
+          </p:cNvSpPr>
+          <p:nvPr>
+            <p:ph type="title"/>
+          </p:nvPr>
+        </p:nvSpPr>
+        <p:spPr/>
+        <p:txBody>
+          <a:bodyPr/>
+          <a:lstStyle/>
+          <a:p>
+            <a:r>
+              <a:rPr lang="en-US" dirty="0"/>
+              <a:t>Getting Started with </a:t>
+            </a:r>
+            <a:r>
+              <a:rPr lang="en-US" dirty="0" err="1"/>
+              <a:t>MyBatis</a:t>
+            </a:r>
+            <a:endParaRPr lang="ru-RU" dirty="0"/>
+          </a:p>
+        </p:txBody>
+      </p:sp>
+      <p:sp>
+        <p:nvSpPr>
+          <p:cNvPr id="3" name="Объект 2"/>
+          <p:cNvSpPr>
+            <a:spLocks noGrp="1"/>
+          </p:cNvSpPr>
+          <p:nvPr>
+            <p:ph idx="1"/>
+          </p:nvPr>
+        </p:nvSpPr>
+        <p:spPr/>
+        <p:txBody>
+          <a:bodyPr/>
+          <a:lstStyle/>
+          <a:p>
+            <a:endParaRPr lang="ru-RU"/>
+          </a:p>
+        </p:txBody>
+      </p:sp>
+    </p:spTree>
+    <p:extLst>
+      <p:ext uri="{BB962C8B-B14F-4D97-AF65-F5344CB8AC3E}">
+        <p14:creationId xmlns:p14="http://schemas.microsoft.com/office/powerpoint/2010/main" val="769470604"/>
+      </p:ext>
+    </p:extLst>
+  </p:cSld>
+  <p:clrMapOvr>
+    <a:masterClrMapping/>
+  </p:clrMapOvr>
+</p:sld>
+</file>
+
+<file path=ppt/slides/slide5.xml><?xml version="1.0" encoding="utf-8"?>
+<p:sld xmlns:a="http://schemas.openxmlformats.org/drawingml/2006/main" xmlns:r="http://schemas.openxmlformats.org/officeDocument/2006/relationships" xmlns:p="http://schemas.openxmlformats.org/presentationml/2006/main">
+  <p:cSld>
+    <p:spTree>
+      <p:nvGrpSpPr>
+        <p:cNvPr id="1" name=""/>
+        <p:cNvGrpSpPr/>
+        <p:nvPr/>
+      </p:nvGrpSpPr>
+      <p:grpSpPr>
+        <a:xfrm>
+          <a:off x="0" y="0"/>
+          <a:ext cx="0" cy="0"/>
+          <a:chOff x="0" y="0"/>
+          <a:chExt cx="0" cy="0"/>
+        </a:xfrm>
+      </p:grpSpPr>
+      <p:sp>
+        <p:nvSpPr>
+          <p:cNvPr id="2" name="Заголовок 1"/>
+          <p:cNvSpPr>
+            <a:spLocks noGrp="1"/>
+          </p:cNvSpPr>
+          <p:nvPr>
+            <p:ph type="title"/>
+          </p:nvPr>
+        </p:nvSpPr>
+        <p:spPr>
+          <a:xfrm>
+            <a:off x="395536" y="2780928"/>
+            <a:ext cx="8229600" cy="1143000"/>
+          </a:xfrm>
+        </p:spPr>
+        <p:txBody>
+          <a:bodyPr/>
+          <a:lstStyle/>
+          <a:p>
+            <a:r>
+              <a:rPr lang="en-US" dirty="0" smtClean="0"/>
+              <a:t>Tips &amp; Tricks</a:t>
+            </a:r>
+            <a:endParaRPr lang="ru-RU" dirty="0"/>
+          </a:p>
+        </p:txBody>
+      </p:sp>
+    </p:spTree>
+    <p:extLst>
+      <p:ext uri="{BB962C8B-B14F-4D97-AF65-F5344CB8AC3E}">
+        <p14:creationId xmlns:p14="http://schemas.microsoft.com/office/powerpoint/2010/main" val="3842514121"/>
+      </p:ext>
+    </p:extLst>
+  </p:cSld>
+  <p:clrMapOvr>
+    <a:masterClrMapping/>
+  </p:clrMapOvr>
+</p:sld>
+</file>
+
+<file path=ppt/slides/slide6.xml><?xml version="1.0" encoding="utf-8"?>
+<p:sld xmlns:a="http://schemas.openxmlformats.org/drawingml/2006/main" xmlns:r="http://schemas.openxmlformats.org/officeDocument/2006/relationships" xmlns:p="http://schemas.openxmlformats.org/presentationml/2006/main">
+  <p:cSld>
+    <p:spTree>
+      <p:nvGrpSpPr>
+        <p:cNvPr id="1" name=""/>
+        <p:cNvGrpSpPr/>
+        <p:nvPr/>
+      </p:nvGrpSpPr>
+      <p:grpSpPr>
+        <a:xfrm>
+          <a:off x="0" y="0"/>
+          <a:ext cx="0" cy="0"/>
+          <a:chOff x="0" y="0"/>
+          <a:chExt cx="0" cy="0"/>
+        </a:xfrm>
+      </p:grpSpPr>
+      <p:sp>
+        <p:nvSpPr>
+          <p:cNvPr id="2" name="Заголовок 1"/>
+          <p:cNvSpPr>
+            <a:spLocks noGrp="1"/>
+          </p:cNvSpPr>
+          <p:nvPr>
+            <p:ph type="title"/>
+          </p:nvPr>
+        </p:nvSpPr>
+        <p:spPr/>
+        <p:txBody>
+          <a:bodyPr/>
+          <a:lstStyle/>
+          <a:p>
+            <a:r>
+              <a:rPr lang="en-US" dirty="0" smtClean="0"/>
+              <a:t>$ </a:t>
+            </a:r>
+            <a:r>
+              <a:rPr lang="en-US" dirty="0" err="1" smtClean="0"/>
+              <a:t>vs</a:t>
+            </a:r>
+            <a:r>
+              <a:rPr lang="en-US" dirty="0" smtClean="0"/>
+              <a:t> #</a:t>
+            </a:r>
+            <a:endParaRPr lang="ru-RU" dirty="0"/>
+          </a:p>
+        </p:txBody>
+      </p:sp>
+      <p:sp>
+        <p:nvSpPr>
+          <p:cNvPr id="3" name="Объект 2"/>
+          <p:cNvSpPr>
+            <a:spLocks noGrp="1"/>
+          </p:cNvSpPr>
+          <p:nvPr>
+            <p:ph idx="1"/>
+          </p:nvPr>
+        </p:nvSpPr>
+        <p:spPr>
+          <a:xfrm>
+            <a:off x="457200" y="1600200"/>
+            <a:ext cx="8507288" cy="4525963"/>
+          </a:xfrm>
+        </p:spPr>
+        <p:txBody>
+          <a:bodyPr/>
+          <a:lstStyle/>
+          <a:p>
+            <a:r>
+              <a:rPr lang="en-US" dirty="0" smtClean="0"/>
+              <a:t>${id} </a:t>
+            </a:r>
+            <a:r>
+              <a:rPr lang="ru-RU" dirty="0" smtClean="0"/>
+              <a:t>вставляет подстроку</a:t>
+            </a:r>
+          </a:p>
+          <a:p>
+            <a:pPr marL="457200" lvl="1" indent="0">
+              <a:buNone/>
+            </a:pPr>
+            <a:r>
+              <a:rPr lang="en-US" dirty="0" smtClean="0"/>
+              <a:t>	select * from ${schema}.users</a:t>
+            </a:r>
+          </a:p>
+          <a:p>
+            <a:pPr marL="457200" lvl="1" indent="0">
+              <a:buNone/>
+            </a:pPr>
+            <a:r>
+              <a:rPr lang="en-US" dirty="0"/>
+              <a:t>	</a:t>
+            </a:r>
+            <a:r>
+              <a:rPr lang="en-US" dirty="0" smtClean="0"/>
+              <a:t> -&gt; </a:t>
+            </a:r>
+            <a:r>
+              <a:rPr lang="en-US" dirty="0"/>
+              <a:t>	select * from </a:t>
+            </a:r>
+            <a:r>
+              <a:rPr lang="en-US" dirty="0" err="1" smtClean="0"/>
+              <a:t>secur.users</a:t>
+            </a:r>
+            <a:endParaRPr lang="en-US" dirty="0"/>
+          </a:p>
+          <a:p>
+            <a:r>
+              <a:rPr lang="en-US" dirty="0" smtClean="0"/>
+              <a:t>#{id} </a:t>
+            </a:r>
+            <a:r>
+              <a:rPr lang="ru-RU" dirty="0" smtClean="0"/>
+              <a:t>создает параметризованный запрос</a:t>
+            </a:r>
+          </a:p>
+          <a:p>
+            <a:pPr marL="457200" lvl="1" indent="0">
+              <a:buNone/>
+            </a:pPr>
+            <a:r>
+              <a:rPr lang="en-US" dirty="0"/>
+              <a:t>	select * from </a:t>
+            </a:r>
+            <a:r>
+              <a:rPr lang="en-US" dirty="0" err="1" smtClean="0"/>
+              <a:t>secur.users</a:t>
+            </a:r>
+            <a:r>
+              <a:rPr lang="en-US" dirty="0" smtClean="0"/>
+              <a:t> where id=#{id}</a:t>
+            </a:r>
+            <a:endParaRPr lang="en-US" dirty="0"/>
+          </a:p>
+          <a:p>
+            <a:pPr marL="457200" lvl="1" indent="0">
+              <a:buNone/>
+            </a:pPr>
+            <a:r>
+              <a:rPr lang="en-US" dirty="0"/>
+              <a:t>	 -&gt; 	select * from </a:t>
+            </a:r>
+            <a:r>
+              <a:rPr lang="en-US" dirty="0" err="1"/>
+              <a:t>secur.users</a:t>
+            </a:r>
+            <a:r>
+              <a:rPr lang="en-US" dirty="0"/>
+              <a:t> where id=#{id}</a:t>
+            </a:r>
+          </a:p>
+          <a:p>
+            <a:endParaRPr lang="en-US" dirty="0"/>
+          </a:p>
+          <a:p>
+            <a:pPr marL="457200" lvl="1" indent="0">
+              <a:buNone/>
+            </a:pPr>
+            <a:endParaRPr lang="ru-RU" dirty="0"/>
+          </a:p>
+        </p:txBody>
+      </p:sp>
+    </p:spTree>
+    <p:extLst>
+      <p:ext uri="{BB962C8B-B14F-4D97-AF65-F5344CB8AC3E}">
+        <p14:creationId xmlns:p14="http://schemas.microsoft.com/office/powerpoint/2010/main" val="1791513792"/>
+      </p:ext>
+    </p:extLst>
+  </p:cSld>
+  <p:clrMapOvr>
+    <a:masterClrMapping/>
+  </p:clrMapOvr>
+</p:sld>
+</file>
+
+<file path=ppt/slides/slide7.xml><?xml version="1.0" encoding="utf-8"?>
+<p:sld xmlns:a="http://schemas.openxmlformats.org/drawingml/2006/main" xmlns:r="http://schemas.openxmlformats.org/officeDocument/2006/relationships" xmlns:p="http://schemas.openxmlformats.org/presentationml/2006/main">
+  <p:cSld>
+    <p:spTree>
+      <p:nvGrpSpPr>
+        <p:cNvPr id="1" name=""/>
+        <p:cNvGrpSpPr/>
+        <p:nvPr/>
+      </p:nvGrpSpPr>
+      <p:grpSpPr>
+        <a:xfrm>
+          <a:off x="0" y="0"/>
+          <a:ext cx="0" cy="0"/>
+          <a:chOff x="0" y="0"/>
+          <a:chExt cx="0" cy="0"/>
+        </a:xfrm>
+      </p:grpSpPr>
+      <p:sp>
+        <p:nvSpPr>
+          <p:cNvPr id="2" name="Заголовок 1"/>
+          <p:cNvSpPr>
+            <a:spLocks noGrp="1"/>
+          </p:cNvSpPr>
+          <p:nvPr>
+            <p:ph type="title"/>
+          </p:nvPr>
+        </p:nvSpPr>
+        <p:spPr/>
+        <p:txBody>
+          <a:bodyPr/>
+          <a:lstStyle/>
+          <a:p>
+            <a:r>
               <a:rPr lang="ru-RU" dirty="0" smtClean="0"/>
               <a:t>Где использовать </a:t>
             </a:r>
@@ -3495,7 +5447,7 @@
 </p:sld>
 </file>
 
-<file path=ppt/slides/slide4.xml><?xml version="1.0" encoding="utf-8"?>
+<file path=ppt/slides/slide8.xml><?xml version="1.0" encoding="utf-8"?>
 <p:sld xmlns:a="http://schemas.openxmlformats.org/drawingml/2006/main" xmlns:r="http://schemas.openxmlformats.org/officeDocument/2006/relationships" xmlns:p="http://schemas.openxmlformats.org/presentationml/2006/main">
   <p:cSld>
     <p:spTree>
@@ -3877,7 +5829,7 @@
 </p:sld>
 </file>
 
-<file path=ppt/slides/slide5.xml><?xml version="1.0" encoding="utf-8"?>
+<file path=ppt/slides/slide9.xml><?xml version="1.0" encoding="utf-8"?>
 <p:sld xmlns:a="http://schemas.openxmlformats.org/drawingml/2006/main" xmlns:r="http://schemas.openxmlformats.org/officeDocument/2006/relationships" xmlns:p="http://schemas.openxmlformats.org/presentationml/2006/main">
   <p:cSld>
     <p:spTree>
@@ -4207,997 +6159,6 @@
     <p:extLst>
       <p:ext uri="{BB962C8B-B14F-4D97-AF65-F5344CB8AC3E}">
         <p14:creationId xmlns:p14="http://schemas.microsoft.com/office/powerpoint/2010/main" val="2713199825"/>
-      </p:ext>
-    </p:extLst>
-  </p:cSld>
-  <p:clrMapOvr>
-    <a:masterClrMapping/>
-  </p:clrMapOvr>
-</p:sld>
-</file>
-
-<file path=ppt/slides/slide6.xml><?xml version="1.0" encoding="utf-8"?>
-<p:sld xmlns:a="http://schemas.openxmlformats.org/drawingml/2006/main" xmlns:r="http://schemas.openxmlformats.org/officeDocument/2006/relationships" xmlns:p="http://schemas.openxmlformats.org/presentationml/2006/main">
-  <p:cSld>
-    <p:spTree>
-      <p:nvGrpSpPr>
-        <p:cNvPr id="1" name=""/>
-        <p:cNvGrpSpPr/>
-        <p:nvPr/>
-      </p:nvGrpSpPr>
-      <p:grpSpPr>
-        <a:xfrm>
-          <a:off x="0" y="0"/>
-          <a:ext cx="0" cy="0"/>
-          <a:chOff x="0" y="0"/>
-          <a:chExt cx="0" cy="0"/>
-        </a:xfrm>
-      </p:grpSpPr>
-      <p:sp>
-        <p:nvSpPr>
-          <p:cNvPr id="2" name="Заголовок 1"/>
-          <p:cNvSpPr>
-            <a:spLocks noGrp="1"/>
-          </p:cNvSpPr>
-          <p:nvPr>
-            <p:ph type="title"/>
-          </p:nvPr>
-        </p:nvSpPr>
-        <p:spPr/>
-        <p:txBody>
-          <a:bodyPr/>
-          <a:lstStyle/>
-          <a:p>
-            <a:r>
-              <a:rPr lang="ru-RU" dirty="0" smtClean="0"/>
-              <a:t>Аудит: Базовая </a:t>
-            </a:r>
-            <a:r>
-              <a:rPr lang="en-US" dirty="0" err="1" smtClean="0"/>
-              <a:t>resultMap</a:t>
-            </a:r>
-            <a:endParaRPr lang="ru-RU" dirty="0"/>
-          </a:p>
-        </p:txBody>
-      </p:sp>
-      <p:sp>
-        <p:nvSpPr>
-          <p:cNvPr id="3" name="Объект 2"/>
-          <p:cNvSpPr>
-            <a:spLocks noGrp="1"/>
-          </p:cNvSpPr>
-          <p:nvPr>
-            <p:ph idx="1"/>
-          </p:nvPr>
-        </p:nvSpPr>
-        <p:spPr>
-          <a:xfrm>
-            <a:off x="457200" y="1600200"/>
-            <a:ext cx="8579296" cy="4853136"/>
-          </a:xfrm>
-        </p:spPr>
-        <p:txBody>
-          <a:bodyPr>
-            <a:noAutofit/>
-          </a:bodyPr>
-          <a:lstStyle/>
-          <a:p>
-            <a:pPr marL="0" indent="0">
-              <a:buNone/>
-            </a:pPr>
-            <a:r>
-              <a:rPr lang="en-US" sz="2200" dirty="0"/>
-              <a:t>&lt;</a:t>
-            </a:r>
-            <a:r>
-              <a:rPr lang="en-US" sz="2200" dirty="0" err="1"/>
-              <a:t>resultMap</a:t>
-            </a:r>
-            <a:r>
-              <a:rPr lang="en-US" sz="2200" dirty="0"/>
-              <a:t> type</a:t>
-            </a:r>
-            <a:r>
-              <a:rPr lang="en-US" sz="2200" dirty="0" smtClean="0"/>
-              <a:t>="</a:t>
-            </a:r>
-            <a:r>
-              <a:rPr lang="en-US" sz="2200" b="1" dirty="0" err="1" smtClean="0"/>
-              <a:t>AuditableEntity</a:t>
-            </a:r>
-            <a:r>
-              <a:rPr lang="en-US" sz="2200" dirty="0" smtClean="0"/>
-              <a:t>" </a:t>
-            </a:r>
-            <a:r>
-              <a:rPr lang="en-US" sz="2200" dirty="0"/>
-              <a:t>id</a:t>
-            </a:r>
-            <a:r>
-              <a:rPr lang="en-US" sz="2200" dirty="0" smtClean="0"/>
-              <a:t>="</a:t>
-            </a:r>
-            <a:r>
-              <a:rPr lang="en-US" sz="2200" b="1" dirty="0" err="1" smtClean="0"/>
-              <a:t>auditableEntityMap</a:t>
-            </a:r>
-            <a:r>
-              <a:rPr lang="en-US" sz="2200" dirty="0" smtClean="0"/>
-              <a:t>"&gt;</a:t>
-            </a:r>
-            <a:endParaRPr lang="en-US" sz="2200" dirty="0"/>
-          </a:p>
-          <a:p>
-            <a:pPr marL="0" indent="0">
-              <a:buNone/>
-            </a:pPr>
-            <a:r>
-              <a:rPr lang="en-US" sz="2200" dirty="0"/>
-              <a:t>        &lt;result property="</a:t>
-            </a:r>
-            <a:r>
-              <a:rPr lang="en-US" sz="2200" b="1" dirty="0" err="1"/>
-              <a:t>createDate</a:t>
-            </a:r>
-            <a:r>
-              <a:rPr lang="en-US" sz="2200" dirty="0"/>
-              <a:t>" </a:t>
-            </a:r>
-            <a:endParaRPr lang="en-US" sz="2200" dirty="0" smtClean="0"/>
-          </a:p>
-          <a:p>
-            <a:pPr marL="0" indent="0">
-              <a:buNone/>
-            </a:pPr>
-            <a:r>
-              <a:rPr lang="en-US" sz="2200" dirty="0"/>
-              <a:t>	</a:t>
-            </a:r>
-            <a:r>
-              <a:rPr lang="en-US" sz="2200" dirty="0" smtClean="0"/>
-              <a:t>	column</a:t>
-            </a:r>
-            <a:r>
-              <a:rPr lang="en-US" sz="2200" dirty="0"/>
-              <a:t>="</a:t>
-            </a:r>
-            <a:r>
-              <a:rPr lang="en-US" sz="2200" b="1" dirty="0" err="1"/>
-              <a:t>created_datetime</a:t>
-            </a:r>
-            <a:r>
-              <a:rPr lang="en-US" sz="2200" dirty="0"/>
-              <a:t>" /&gt;</a:t>
-            </a:r>
-          </a:p>
-          <a:p>
-            <a:pPr marL="0" indent="0">
-              <a:buNone/>
-            </a:pPr>
-            <a:r>
-              <a:rPr lang="en-US" sz="2200" dirty="0"/>
-              <a:t>        &lt;result property="</a:t>
-            </a:r>
-            <a:r>
-              <a:rPr lang="en-US" sz="2200" b="1" dirty="0" err="1"/>
-              <a:t>updateDate</a:t>
-            </a:r>
-            <a:r>
-              <a:rPr lang="en-US" sz="2200" dirty="0"/>
-              <a:t>" </a:t>
-            </a:r>
-            <a:endParaRPr lang="en-US" sz="2200" dirty="0" smtClean="0"/>
-          </a:p>
-          <a:p>
-            <a:pPr marL="0" indent="0">
-              <a:buNone/>
-            </a:pPr>
-            <a:r>
-              <a:rPr lang="en-US" sz="2200" dirty="0"/>
-              <a:t>	</a:t>
-            </a:r>
-            <a:r>
-              <a:rPr lang="en-US" sz="2200" dirty="0" smtClean="0"/>
-              <a:t>	column</a:t>
-            </a:r>
-            <a:r>
-              <a:rPr lang="en-US" sz="2200" dirty="0"/>
-              <a:t>="</a:t>
-            </a:r>
-            <a:r>
-              <a:rPr lang="en-US" sz="2200" b="1" dirty="0" err="1"/>
-              <a:t>updated_datetime</a:t>
-            </a:r>
-            <a:r>
-              <a:rPr lang="en-US" sz="2200" dirty="0"/>
-              <a:t>" /&gt;</a:t>
-            </a:r>
-          </a:p>
-          <a:p>
-            <a:pPr marL="0" indent="0">
-              <a:buNone/>
-            </a:pPr>
-            <a:r>
-              <a:rPr lang="en-US" sz="2200" dirty="0"/>
-              <a:t>        &lt;result property="</a:t>
-            </a:r>
-            <a:r>
-              <a:rPr lang="en-US" sz="2200" b="1" dirty="0" err="1"/>
-              <a:t>createUser</a:t>
-            </a:r>
-            <a:r>
-              <a:rPr lang="en-US" sz="2200" dirty="0"/>
-              <a:t>" </a:t>
-            </a:r>
-            <a:endParaRPr lang="en-US" sz="2200" dirty="0" smtClean="0"/>
-          </a:p>
-          <a:p>
-            <a:pPr marL="0" indent="0">
-              <a:buNone/>
-            </a:pPr>
-            <a:r>
-              <a:rPr lang="en-US" sz="2200" dirty="0"/>
-              <a:t>	</a:t>
-            </a:r>
-            <a:r>
-              <a:rPr lang="en-US" sz="2200" dirty="0" smtClean="0"/>
-              <a:t>	column</a:t>
-            </a:r>
-            <a:r>
-              <a:rPr lang="en-US" sz="2200" dirty="0"/>
-              <a:t>="</a:t>
-            </a:r>
-            <a:r>
-              <a:rPr lang="en-US" sz="2200" b="1" dirty="0" err="1"/>
-              <a:t>created_by_user</a:t>
-            </a:r>
-            <a:r>
-              <a:rPr lang="en-US" sz="2200" dirty="0"/>
-              <a:t>" /&gt;</a:t>
-            </a:r>
-          </a:p>
-          <a:p>
-            <a:pPr marL="0" indent="0">
-              <a:buNone/>
-            </a:pPr>
-            <a:r>
-              <a:rPr lang="en-US" sz="2200" dirty="0"/>
-              <a:t>        &lt;result property="</a:t>
-            </a:r>
-            <a:r>
-              <a:rPr lang="en-US" sz="2200" b="1" dirty="0" err="1"/>
-              <a:t>updateUser</a:t>
-            </a:r>
-            <a:r>
-              <a:rPr lang="en-US" sz="2200" dirty="0"/>
-              <a:t>" </a:t>
-            </a:r>
-            <a:endParaRPr lang="en-US" sz="2200" dirty="0" smtClean="0"/>
-          </a:p>
-          <a:p>
-            <a:pPr marL="0" indent="0">
-              <a:buNone/>
-            </a:pPr>
-            <a:r>
-              <a:rPr lang="en-US" sz="2200" dirty="0"/>
-              <a:t>	</a:t>
-            </a:r>
-            <a:r>
-              <a:rPr lang="en-US" sz="2200" dirty="0" smtClean="0"/>
-              <a:t>	column</a:t>
-            </a:r>
-            <a:r>
-              <a:rPr lang="en-US" sz="2200" dirty="0"/>
-              <a:t>="</a:t>
-            </a:r>
-            <a:r>
-              <a:rPr lang="en-US" sz="2200" b="1" dirty="0" err="1"/>
-              <a:t>updated_by_user</a:t>
-            </a:r>
-            <a:r>
-              <a:rPr lang="en-US" sz="2200" dirty="0"/>
-              <a:t>" /&gt;</a:t>
-            </a:r>
-          </a:p>
-          <a:p>
-            <a:pPr marL="0" indent="0">
-              <a:buNone/>
-            </a:pPr>
-            <a:r>
-              <a:rPr lang="en-US" sz="2200" dirty="0"/>
-              <a:t>        &lt;result property="</a:t>
-            </a:r>
-            <a:r>
-              <a:rPr lang="en-US" sz="2200" b="1" dirty="0"/>
-              <a:t>version</a:t>
-            </a:r>
-            <a:r>
-              <a:rPr lang="en-US" sz="2200" dirty="0"/>
-              <a:t>" </a:t>
-            </a:r>
-            <a:endParaRPr lang="en-US" sz="2200" dirty="0" smtClean="0"/>
-          </a:p>
-          <a:p>
-            <a:pPr marL="0" indent="0">
-              <a:buNone/>
-            </a:pPr>
-            <a:r>
-              <a:rPr lang="en-US" sz="2200" dirty="0"/>
-              <a:t>	</a:t>
-            </a:r>
-            <a:r>
-              <a:rPr lang="en-US" sz="2200" dirty="0" smtClean="0"/>
-              <a:t>	column</a:t>
-            </a:r>
-            <a:r>
-              <a:rPr lang="en-US" sz="2200" dirty="0"/>
-              <a:t>="</a:t>
-            </a:r>
-            <a:r>
-              <a:rPr lang="en-US" sz="2200" b="1" dirty="0" err="1"/>
-              <a:t>record_version</a:t>
-            </a:r>
-            <a:r>
-              <a:rPr lang="en-US" sz="2200" dirty="0"/>
-              <a:t>" /&gt;</a:t>
-            </a:r>
-          </a:p>
-          <a:p>
-            <a:pPr marL="0" indent="0">
-              <a:buNone/>
-            </a:pPr>
-            <a:r>
-              <a:rPr lang="en-US" sz="2200" dirty="0"/>
-              <a:t>&lt;/</a:t>
-            </a:r>
-            <a:r>
-              <a:rPr lang="en-US" sz="2200" dirty="0" err="1"/>
-              <a:t>resultMap</a:t>
-            </a:r>
-            <a:r>
-              <a:rPr lang="en-US" sz="2200" dirty="0"/>
-              <a:t>&gt;</a:t>
-            </a:r>
-            <a:endParaRPr lang="ru-RU" sz="2200" dirty="0"/>
-          </a:p>
-        </p:txBody>
-      </p:sp>
-    </p:spTree>
-    <p:extLst>
-      <p:ext uri="{BB962C8B-B14F-4D97-AF65-F5344CB8AC3E}">
-        <p14:creationId xmlns:p14="http://schemas.microsoft.com/office/powerpoint/2010/main" val="3052005663"/>
-      </p:ext>
-    </p:extLst>
-  </p:cSld>
-  <p:clrMapOvr>
-    <a:masterClrMapping/>
-  </p:clrMapOvr>
-</p:sld>
-</file>
-
-<file path=ppt/slides/slide7.xml><?xml version="1.0" encoding="utf-8"?>
-<p:sld xmlns:a="http://schemas.openxmlformats.org/drawingml/2006/main" xmlns:r="http://schemas.openxmlformats.org/officeDocument/2006/relationships" xmlns:p="http://schemas.openxmlformats.org/presentationml/2006/main">
-  <p:cSld>
-    <p:spTree>
-      <p:nvGrpSpPr>
-        <p:cNvPr id="1" name=""/>
-        <p:cNvGrpSpPr/>
-        <p:nvPr/>
-      </p:nvGrpSpPr>
-      <p:grpSpPr>
-        <a:xfrm>
-          <a:off x="0" y="0"/>
-          <a:ext cx="0" cy="0"/>
-          <a:chOff x="0" y="0"/>
-          <a:chExt cx="0" cy="0"/>
-        </a:xfrm>
-      </p:grpSpPr>
-      <p:sp>
-        <p:nvSpPr>
-          <p:cNvPr id="2" name="Заголовок 1"/>
-          <p:cNvSpPr>
-            <a:spLocks noGrp="1"/>
-          </p:cNvSpPr>
-          <p:nvPr>
-            <p:ph type="title"/>
-          </p:nvPr>
-        </p:nvSpPr>
-        <p:spPr>
-          <a:xfrm>
-            <a:off x="457200" y="274638"/>
-            <a:ext cx="8229600" cy="850106"/>
-          </a:xfrm>
-        </p:spPr>
-        <p:txBody>
-          <a:bodyPr/>
-          <a:lstStyle/>
-          <a:p>
-            <a:r>
-              <a:rPr lang="ru-RU" dirty="0" smtClean="0"/>
-              <a:t>Аудит: Наследование </a:t>
-            </a:r>
-            <a:r>
-              <a:rPr lang="en-US" dirty="0" err="1" smtClean="0"/>
-              <a:t>ResultMap</a:t>
-            </a:r>
-            <a:endParaRPr lang="ru-RU" dirty="0"/>
-          </a:p>
-        </p:txBody>
-      </p:sp>
-      <p:sp>
-        <p:nvSpPr>
-          <p:cNvPr id="3" name="Объект 2"/>
-          <p:cNvSpPr>
-            <a:spLocks noGrp="1"/>
-          </p:cNvSpPr>
-          <p:nvPr>
-            <p:ph idx="1"/>
-          </p:nvPr>
-        </p:nvSpPr>
-        <p:spPr>
-          <a:xfrm>
-            <a:off x="467544" y="3140968"/>
-            <a:ext cx="8229600" cy="2260848"/>
-          </a:xfrm>
-        </p:spPr>
-        <p:txBody>
-          <a:bodyPr>
-            <a:normAutofit/>
-          </a:bodyPr>
-          <a:lstStyle/>
-          <a:p>
-            <a:pPr marL="0" indent="0">
-              <a:buNone/>
-            </a:pPr>
-            <a:r>
-              <a:rPr lang="en-US" sz="2400" dirty="0"/>
-              <a:t>&lt;</a:t>
-            </a:r>
-            <a:r>
-              <a:rPr lang="en-US" sz="2400" dirty="0" err="1"/>
-              <a:t>resultMap</a:t>
-            </a:r>
-            <a:r>
-              <a:rPr lang="en-US" sz="2400" dirty="0"/>
-              <a:t> id="</a:t>
-            </a:r>
-            <a:r>
-              <a:rPr lang="en-US" sz="2400" b="1" dirty="0" err="1"/>
-              <a:t>userMap</a:t>
-            </a:r>
-            <a:r>
-              <a:rPr lang="en-US" sz="2400" dirty="0"/>
-              <a:t>" type="</a:t>
-            </a:r>
-            <a:r>
-              <a:rPr lang="en-US" sz="2400" b="1" dirty="0"/>
-              <a:t>User</a:t>
-            </a:r>
-            <a:r>
-              <a:rPr lang="en-US" sz="2400" dirty="0"/>
-              <a:t>" </a:t>
-            </a:r>
-            <a:r>
-              <a:rPr lang="en-US" sz="2400" dirty="0" smtClean="0"/>
-              <a:t>	extends</a:t>
-            </a:r>
-            <a:r>
-              <a:rPr lang="en-US" sz="2400" dirty="0"/>
-              <a:t>="</a:t>
-            </a:r>
-            <a:r>
-              <a:rPr lang="en-US" sz="2400" b="1" dirty="0" err="1"/>
-              <a:t>auditableEntityMap</a:t>
-            </a:r>
-            <a:r>
-              <a:rPr lang="en-US" sz="2400" dirty="0"/>
-              <a:t>"&gt;</a:t>
-            </a:r>
-          </a:p>
-          <a:p>
-            <a:pPr marL="0" indent="0">
-              <a:buNone/>
-            </a:pPr>
-            <a:r>
-              <a:rPr lang="en-US" sz="2400" dirty="0"/>
-              <a:t>	&lt;result property="</a:t>
-            </a:r>
-            <a:r>
-              <a:rPr lang="en-US" sz="2400" b="1" dirty="0"/>
-              <a:t>id</a:t>
-            </a:r>
-            <a:r>
-              <a:rPr lang="en-US" sz="2400" dirty="0"/>
-              <a:t>" column="</a:t>
-            </a:r>
-            <a:r>
-              <a:rPr lang="en-US" sz="2400" b="1" dirty="0"/>
-              <a:t>id</a:t>
-            </a:r>
-            <a:r>
-              <a:rPr lang="en-US" sz="2400" dirty="0"/>
-              <a:t>"/&gt;</a:t>
-            </a:r>
-          </a:p>
-          <a:p>
-            <a:pPr marL="0" indent="0">
-              <a:buNone/>
-            </a:pPr>
-            <a:r>
-              <a:rPr lang="en-US" sz="2400" dirty="0"/>
-              <a:t>	&lt;result property="</a:t>
-            </a:r>
-            <a:r>
-              <a:rPr lang="en-US" sz="2400" b="1" dirty="0"/>
-              <a:t>name</a:t>
-            </a:r>
-            <a:r>
-              <a:rPr lang="en-US" sz="2400" dirty="0"/>
-              <a:t>" column="</a:t>
-            </a:r>
-            <a:r>
-              <a:rPr lang="en-US" sz="2400" b="1" dirty="0"/>
-              <a:t>name</a:t>
-            </a:r>
-            <a:r>
-              <a:rPr lang="en-US" sz="2400" dirty="0"/>
-              <a:t>"/&gt;</a:t>
-            </a:r>
-          </a:p>
-          <a:p>
-            <a:pPr marL="0" indent="0">
-              <a:buNone/>
-            </a:pPr>
-            <a:r>
-              <a:rPr lang="en-US" sz="2400" dirty="0"/>
-              <a:t>&lt;/</a:t>
-            </a:r>
-            <a:r>
-              <a:rPr lang="en-US" sz="2400" dirty="0" err="1"/>
-              <a:t>resultMap</a:t>
-            </a:r>
-            <a:r>
-              <a:rPr lang="en-US" sz="2400" dirty="0"/>
-              <a:t>&gt;</a:t>
-            </a:r>
-            <a:endParaRPr lang="ru-RU" sz="2400" dirty="0"/>
-          </a:p>
-        </p:txBody>
-      </p:sp>
-      <p:sp>
-        <p:nvSpPr>
-          <p:cNvPr id="4" name="Прямоугольник 3"/>
-          <p:cNvSpPr/>
-          <p:nvPr/>
-        </p:nvSpPr>
-        <p:spPr>
-          <a:xfrm>
-            <a:off x="490447" y="1916832"/>
-            <a:ext cx="8208912" cy="461665"/>
-          </a:xfrm>
-          <a:prstGeom prst="rect">
-            <a:avLst/>
-          </a:prstGeom>
-        </p:spPr>
-        <p:txBody>
-          <a:bodyPr wrap="square">
-            <a:spAutoFit/>
-          </a:bodyPr>
-          <a:lstStyle/>
-          <a:p>
-            <a:r>
-              <a:rPr lang="en-US" sz="2400" dirty="0"/>
-              <a:t>&lt;</a:t>
-            </a:r>
-            <a:r>
-              <a:rPr lang="en-US" sz="2400" dirty="0" err="1"/>
-              <a:t>resultMap</a:t>
-            </a:r>
-            <a:r>
-              <a:rPr lang="en-US" sz="2400" dirty="0"/>
-              <a:t> type="</a:t>
-            </a:r>
-            <a:r>
-              <a:rPr lang="en-US" sz="2400" b="1" dirty="0" err="1"/>
-              <a:t>AuditableEntity</a:t>
-            </a:r>
-            <a:r>
-              <a:rPr lang="en-US" sz="2400" dirty="0"/>
-              <a:t>" id="</a:t>
-            </a:r>
-            <a:r>
-              <a:rPr lang="en-US" sz="2400" b="1" dirty="0" err="1"/>
-              <a:t>auditableEntityMap</a:t>
-            </a:r>
-            <a:r>
-              <a:rPr lang="en-US" sz="2400" dirty="0"/>
-              <a:t>"&gt;</a:t>
-            </a:r>
-            <a:endParaRPr lang="ru-RU" sz="2400" dirty="0"/>
-          </a:p>
-        </p:txBody>
-      </p:sp>
-      <p:cxnSp>
-        <p:nvCxnSpPr>
-          <p:cNvPr id="6" name="Прямая со стрелкой 5"/>
-          <p:cNvCxnSpPr>
-            <a:stCxn id="3" idx="0"/>
-            <a:endCxn id="4" idx="2"/>
-          </p:cNvCxnSpPr>
-          <p:nvPr/>
-        </p:nvCxnSpPr>
-        <p:spPr>
-          <a:xfrm flipV="1">
-            <a:off x="4582344" y="2378497"/>
-            <a:ext cx="12559" cy="762471"/>
-          </a:xfrm>
-          <a:prstGeom prst="straightConnector1">
-            <a:avLst/>
-          </a:prstGeom>
-          <a:ln w="57150">
-            <a:tailEnd type="arrow"/>
-          </a:ln>
-        </p:spPr>
-        <p:style>
-          <a:lnRef idx="1">
-            <a:schemeClr val="accent1"/>
-          </a:lnRef>
-          <a:fillRef idx="0">
-            <a:schemeClr val="accent1"/>
-          </a:fillRef>
-          <a:effectRef idx="0">
-            <a:schemeClr val="accent1"/>
-          </a:effectRef>
-          <a:fontRef idx="minor">
-            <a:schemeClr val="tx1"/>
-          </a:fontRef>
-        </p:style>
-      </p:cxnSp>
-      <p:sp>
-        <p:nvSpPr>
-          <p:cNvPr id="7" name="TextBox 6"/>
-          <p:cNvSpPr txBox="1"/>
-          <p:nvPr/>
-        </p:nvSpPr>
-        <p:spPr>
-          <a:xfrm>
-            <a:off x="3739004" y="2581870"/>
-            <a:ext cx="1686680" cy="369332"/>
-          </a:xfrm>
-          <a:prstGeom prst="rect">
-            <a:avLst/>
-          </a:prstGeom>
-          <a:noFill/>
-        </p:spPr>
-        <p:txBody>
-          <a:bodyPr wrap="none" rtlCol="0">
-            <a:spAutoFit/>
-          </a:bodyPr>
-          <a:lstStyle/>
-          <a:p>
-            <a:r>
-              <a:rPr lang="en-US" dirty="0" smtClean="0"/>
-              <a:t>Inherit mapping</a:t>
-            </a:r>
-            <a:endParaRPr lang="ru-RU" dirty="0"/>
-          </a:p>
-        </p:txBody>
-      </p:sp>
-    </p:spTree>
-    <p:extLst>
-      <p:ext uri="{BB962C8B-B14F-4D97-AF65-F5344CB8AC3E}">
-        <p14:creationId xmlns:p14="http://schemas.microsoft.com/office/powerpoint/2010/main" val="1783747732"/>
-      </p:ext>
-    </p:extLst>
-  </p:cSld>
-  <p:clrMapOvr>
-    <a:masterClrMapping/>
-  </p:clrMapOvr>
-</p:sld>
-</file>
-
-<file path=ppt/slides/slide8.xml><?xml version="1.0" encoding="utf-8"?>
-<p:sld xmlns:a="http://schemas.openxmlformats.org/drawingml/2006/main" xmlns:r="http://schemas.openxmlformats.org/officeDocument/2006/relationships" xmlns:p="http://schemas.openxmlformats.org/presentationml/2006/main">
-  <p:cSld>
-    <p:spTree>
-      <p:nvGrpSpPr>
-        <p:cNvPr id="1" name=""/>
-        <p:cNvGrpSpPr/>
-        <p:nvPr/>
-      </p:nvGrpSpPr>
-      <p:grpSpPr>
-        <a:xfrm>
-          <a:off x="0" y="0"/>
-          <a:ext cx="0" cy="0"/>
-          <a:chOff x="0" y="0"/>
-          <a:chExt cx="0" cy="0"/>
-        </a:xfrm>
-      </p:grpSpPr>
-      <p:sp>
-        <p:nvSpPr>
-          <p:cNvPr id="2" name="Заголовок 1"/>
-          <p:cNvSpPr>
-            <a:spLocks noGrp="1"/>
-          </p:cNvSpPr>
-          <p:nvPr>
-            <p:ph type="title"/>
-          </p:nvPr>
-        </p:nvSpPr>
-        <p:spPr/>
-        <p:txBody>
-          <a:bodyPr/>
-          <a:lstStyle/>
-          <a:p>
-            <a:r>
-              <a:rPr lang="ru-RU" dirty="0" smtClean="0"/>
-              <a:t>Аудит: </a:t>
-            </a:r>
-            <a:r>
-              <a:rPr lang="en-US" dirty="0" smtClean="0"/>
-              <a:t>Custom </a:t>
-            </a:r>
-            <a:r>
-              <a:rPr lang="en-US" dirty="0" err="1" smtClean="0"/>
-              <a:t>SqlSessionFactory</a:t>
-            </a:r>
-            <a:endParaRPr lang="ru-RU" dirty="0"/>
-          </a:p>
-        </p:txBody>
-      </p:sp>
-      <p:sp>
-        <p:nvSpPr>
-          <p:cNvPr id="3" name="Объект 2"/>
-          <p:cNvSpPr>
-            <a:spLocks noGrp="1"/>
-          </p:cNvSpPr>
-          <p:nvPr>
-            <p:ph idx="1"/>
-          </p:nvPr>
-        </p:nvSpPr>
-        <p:spPr/>
-        <p:txBody>
-          <a:bodyPr>
-            <a:normAutofit fontScale="70000" lnSpcReduction="20000"/>
-          </a:bodyPr>
-          <a:lstStyle/>
-          <a:p>
-            <a:pPr marL="0" indent="0">
-              <a:buNone/>
-            </a:pPr>
-            <a:r>
-              <a:rPr lang="en-US" dirty="0"/>
-              <a:t>public class </a:t>
-            </a:r>
-            <a:r>
-              <a:rPr lang="en-US" b="1" dirty="0" err="1"/>
-              <a:t>UserAuditSessionTemplate</a:t>
-            </a:r>
-            <a:r>
-              <a:rPr lang="en-US" dirty="0"/>
-              <a:t> extends </a:t>
-            </a:r>
-            <a:r>
-              <a:rPr lang="en-US" b="1" dirty="0" err="1"/>
-              <a:t>SqlSessionTemplate</a:t>
-            </a:r>
-            <a:r>
-              <a:rPr lang="en-US" dirty="0"/>
-              <a:t> {</a:t>
-            </a:r>
-          </a:p>
-          <a:p>
-            <a:pPr marL="0" indent="0">
-              <a:buNone/>
-            </a:pPr>
-            <a:r>
-              <a:rPr lang="en-US" dirty="0" smtClean="0"/>
-              <a:t>    public </a:t>
-            </a:r>
-            <a:r>
-              <a:rPr lang="en-US" dirty="0" err="1"/>
-              <a:t>int</a:t>
-            </a:r>
-            <a:r>
-              <a:rPr lang="en-US" dirty="0"/>
-              <a:t> insert(String statement, Object parameter) {</a:t>
-            </a:r>
-          </a:p>
-          <a:p>
-            <a:pPr marL="0" indent="0">
-              <a:buNone/>
-            </a:pPr>
-            <a:r>
-              <a:rPr lang="en-US" dirty="0"/>
-              <a:t>         if (parameter </a:t>
-            </a:r>
-            <a:r>
-              <a:rPr lang="en-US" dirty="0" err="1"/>
-              <a:t>instanceof</a:t>
-            </a:r>
-            <a:r>
-              <a:rPr lang="en-US" dirty="0"/>
-              <a:t> </a:t>
-            </a:r>
-            <a:r>
-              <a:rPr lang="en-US" dirty="0" err="1" smtClean="0"/>
-              <a:t>AuditableEntity</a:t>
-            </a:r>
-            <a:r>
-              <a:rPr lang="en-US" dirty="0" smtClean="0"/>
-              <a:t>) </a:t>
-            </a:r>
-            <a:r>
-              <a:rPr lang="en-US" dirty="0"/>
-              <a:t>{</a:t>
-            </a:r>
-          </a:p>
-          <a:p>
-            <a:pPr marL="0" indent="0">
-              <a:buNone/>
-            </a:pPr>
-            <a:r>
-              <a:rPr lang="en-US" dirty="0" smtClean="0"/>
-              <a:t>            </a:t>
-            </a:r>
-            <a:r>
-              <a:rPr lang="en-US" b="1" dirty="0" err="1"/>
-              <a:t>AuditableEntity</a:t>
-            </a:r>
-            <a:r>
-              <a:rPr lang="en-US" dirty="0"/>
-              <a:t> </a:t>
-            </a:r>
-            <a:r>
-              <a:rPr lang="en-US" dirty="0" smtClean="0"/>
-              <a:t> </a:t>
-            </a:r>
-            <a:r>
-              <a:rPr lang="en-US" dirty="0" err="1" smtClean="0"/>
-              <a:t>param</a:t>
-            </a:r>
-            <a:r>
-              <a:rPr lang="en-US" dirty="0" smtClean="0"/>
-              <a:t> </a:t>
-            </a:r>
-            <a:r>
-              <a:rPr lang="en-US" dirty="0"/>
-              <a:t>= </a:t>
-            </a:r>
-            <a:r>
-              <a:rPr lang="en-US" dirty="0" smtClean="0"/>
-              <a:t>(</a:t>
-            </a:r>
-            <a:r>
-              <a:rPr lang="en-US" b="1" dirty="0" err="1"/>
-              <a:t>AuditableEntity</a:t>
-            </a:r>
-            <a:r>
-              <a:rPr lang="en-US" dirty="0" smtClean="0"/>
-              <a:t>) </a:t>
-            </a:r>
-            <a:r>
-              <a:rPr lang="en-US" dirty="0"/>
-              <a:t>parameter;</a:t>
-            </a:r>
-          </a:p>
-          <a:p>
-            <a:pPr marL="0" indent="0">
-              <a:buNone/>
-            </a:pPr>
-            <a:r>
-              <a:rPr lang="en-US" dirty="0"/>
-              <a:t> </a:t>
-            </a:r>
-            <a:r>
-              <a:rPr lang="en-US" dirty="0" smtClean="0"/>
-              <a:t>           </a:t>
-            </a:r>
-            <a:r>
-              <a:rPr lang="en-US" dirty="0" err="1" smtClean="0"/>
-              <a:t>param.setCreateUser</a:t>
-            </a:r>
-            <a:r>
-              <a:rPr lang="en-US" dirty="0" smtClean="0"/>
-              <a:t>(username</a:t>
-            </a:r>
-            <a:r>
-              <a:rPr lang="en-US" dirty="0"/>
-              <a:t>);</a:t>
-            </a:r>
-          </a:p>
-          <a:p>
-            <a:pPr marL="0" indent="0">
-              <a:buNone/>
-            </a:pPr>
-            <a:r>
-              <a:rPr lang="en-US" dirty="0"/>
-              <a:t>         </a:t>
-            </a:r>
-            <a:r>
-              <a:rPr lang="en-US" dirty="0" smtClean="0"/>
-              <a:t>}</a:t>
-            </a:r>
-            <a:endParaRPr lang="en-US" dirty="0"/>
-          </a:p>
-          <a:p>
-            <a:pPr marL="0" indent="0">
-              <a:buNone/>
-            </a:pPr>
-            <a:r>
-              <a:rPr lang="en-US" dirty="0" smtClean="0"/>
-              <a:t>         return </a:t>
-            </a:r>
-            <a:r>
-              <a:rPr lang="en-US" dirty="0" err="1"/>
-              <a:t>super.insert</a:t>
-            </a:r>
-            <a:r>
-              <a:rPr lang="en-US" dirty="0"/>
-              <a:t>(statement, parameter);</a:t>
-            </a:r>
-          </a:p>
-          <a:p>
-            <a:pPr marL="0" indent="0">
-              <a:buNone/>
-            </a:pPr>
-            <a:r>
-              <a:rPr lang="en-US" dirty="0"/>
-              <a:t>    }</a:t>
-            </a:r>
-          </a:p>
-          <a:p>
-            <a:pPr marL="0" indent="0">
-              <a:buNone/>
-            </a:pPr>
-            <a:endParaRPr lang="en-US" dirty="0"/>
-          </a:p>
-          <a:p>
-            <a:pPr marL="0" indent="0">
-              <a:buNone/>
-            </a:pPr>
-            <a:r>
-              <a:rPr lang="en-US" dirty="0" smtClean="0"/>
-              <a:t>    public </a:t>
-            </a:r>
-            <a:r>
-              <a:rPr lang="en-US" dirty="0" err="1"/>
-              <a:t>int</a:t>
-            </a:r>
-            <a:r>
-              <a:rPr lang="en-US" dirty="0"/>
-              <a:t> update(String statement, Object parameter) </a:t>
-            </a:r>
-            <a:r>
-              <a:rPr lang="en-US" dirty="0" smtClean="0"/>
-              <a:t>{</a:t>
-            </a:r>
-          </a:p>
-          <a:p>
-            <a:pPr marL="0" indent="0">
-              <a:buNone/>
-            </a:pPr>
-            <a:r>
-              <a:rPr lang="en-US" dirty="0" smtClean="0"/>
-              <a:t>         …</a:t>
-            </a:r>
-            <a:endParaRPr lang="en-US" dirty="0"/>
-          </a:p>
-          <a:p>
-            <a:pPr marL="0" indent="0">
-              <a:buNone/>
-            </a:pPr>
-            <a:r>
-              <a:rPr lang="en-US" dirty="0" smtClean="0"/>
-              <a:t>    }</a:t>
-            </a:r>
-            <a:endParaRPr lang="en-US" dirty="0"/>
-          </a:p>
-        </p:txBody>
-      </p:sp>
-    </p:spTree>
-    <p:extLst>
-      <p:ext uri="{BB962C8B-B14F-4D97-AF65-F5344CB8AC3E}">
-        <p14:creationId xmlns:p14="http://schemas.microsoft.com/office/powerpoint/2010/main" val="4081361642"/>
       </p:ext>
     </p:extLst>
   </p:cSld>

--- a/MyBatis.pptx
+++ b/MyBatis.pptx
@@ -6,17 +6,28 @@
   </p:sldMasterIdLst>
   <p:sldIdLst>
     <p:sldId id="256" r:id="rId2"/>
-    <p:sldId id="264" r:id="rId3"/>
-    <p:sldId id="265" r:id="rId4"/>
-    <p:sldId id="266" r:id="rId5"/>
-    <p:sldId id="267" r:id="rId6"/>
-    <p:sldId id="257" r:id="rId7"/>
-    <p:sldId id="258" r:id="rId8"/>
-    <p:sldId id="259" r:id="rId9"/>
-    <p:sldId id="260" r:id="rId10"/>
-    <p:sldId id="261" r:id="rId11"/>
-    <p:sldId id="262" r:id="rId12"/>
-    <p:sldId id="263" r:id="rId13"/>
+    <p:sldId id="279" r:id="rId3"/>
+    <p:sldId id="264" r:id="rId4"/>
+    <p:sldId id="265" r:id="rId5"/>
+    <p:sldId id="266" r:id="rId6"/>
+    <p:sldId id="267" r:id="rId7"/>
+    <p:sldId id="270" r:id="rId8"/>
+    <p:sldId id="257" r:id="rId9"/>
+    <p:sldId id="258" r:id="rId10"/>
+    <p:sldId id="272" r:id="rId11"/>
+    <p:sldId id="259" r:id="rId12"/>
+    <p:sldId id="260" r:id="rId13"/>
+    <p:sldId id="261" r:id="rId14"/>
+    <p:sldId id="262" r:id="rId15"/>
+    <p:sldId id="263" r:id="rId16"/>
+    <p:sldId id="268" r:id="rId17"/>
+    <p:sldId id="269" r:id="rId18"/>
+    <p:sldId id="274" r:id="rId19"/>
+    <p:sldId id="273" r:id="rId20"/>
+    <p:sldId id="275" r:id="rId21"/>
+    <p:sldId id="276" r:id="rId22"/>
+    <p:sldId id="277" r:id="rId23"/>
+    <p:sldId id="278" r:id="rId24"/>
   </p:sldIdLst>
   <p:sldSz cx="9144000" cy="6858000" type="screen4x3"/>
   <p:notesSz cx="6858000" cy="9144000"/>
@@ -299,7 +310,7 @@
           <a:p>
             <a:fld id="{B4C71EC6-210F-42DE-9C53-41977AD35B3D}" type="datetimeFigureOut">
               <a:rPr lang="ru-RU" smtClean="0"/>
-              <a:t>12.05.2015</a:t>
+              <a:t>13.05.2015</a:t>
             </a:fld>
             <a:endParaRPr lang="ru-RU"/>
           </a:p>
@@ -464,7 +475,7 @@
           <a:p>
             <a:fld id="{B4C71EC6-210F-42DE-9C53-41977AD35B3D}" type="datetimeFigureOut">
               <a:rPr lang="ru-RU" smtClean="0"/>
-              <a:t>12.05.2015</a:t>
+              <a:t>13.05.2015</a:t>
             </a:fld>
             <a:endParaRPr lang="ru-RU"/>
           </a:p>
@@ -639,7 +650,7 @@
           <a:p>
             <a:fld id="{B4C71EC6-210F-42DE-9C53-41977AD35B3D}" type="datetimeFigureOut">
               <a:rPr lang="ru-RU" smtClean="0"/>
-              <a:t>12.05.2015</a:t>
+              <a:t>13.05.2015</a:t>
             </a:fld>
             <a:endParaRPr lang="ru-RU"/>
           </a:p>
@@ -804,7 +815,7 @@
           <a:p>
             <a:fld id="{B4C71EC6-210F-42DE-9C53-41977AD35B3D}" type="datetimeFigureOut">
               <a:rPr lang="ru-RU" smtClean="0"/>
-              <a:t>12.05.2015</a:t>
+              <a:t>13.05.2015</a:t>
             </a:fld>
             <a:endParaRPr lang="ru-RU"/>
           </a:p>
@@ -1045,7 +1056,7 @@
           <a:p>
             <a:fld id="{B4C71EC6-210F-42DE-9C53-41977AD35B3D}" type="datetimeFigureOut">
               <a:rPr lang="ru-RU" smtClean="0"/>
-              <a:t>12.05.2015</a:t>
+              <a:t>13.05.2015</a:t>
             </a:fld>
             <a:endParaRPr lang="ru-RU"/>
           </a:p>
@@ -1328,7 +1339,7 @@
           <a:p>
             <a:fld id="{B4C71EC6-210F-42DE-9C53-41977AD35B3D}" type="datetimeFigureOut">
               <a:rPr lang="ru-RU" smtClean="0"/>
-              <a:t>12.05.2015</a:t>
+              <a:t>13.05.2015</a:t>
             </a:fld>
             <a:endParaRPr lang="ru-RU"/>
           </a:p>
@@ -1745,7 +1756,7 @@
           <a:p>
             <a:fld id="{B4C71EC6-210F-42DE-9C53-41977AD35B3D}" type="datetimeFigureOut">
               <a:rPr lang="ru-RU" smtClean="0"/>
-              <a:t>12.05.2015</a:t>
+              <a:t>13.05.2015</a:t>
             </a:fld>
             <a:endParaRPr lang="ru-RU"/>
           </a:p>
@@ -1858,7 +1869,7 @@
           <a:p>
             <a:fld id="{B4C71EC6-210F-42DE-9C53-41977AD35B3D}" type="datetimeFigureOut">
               <a:rPr lang="ru-RU" smtClean="0"/>
-              <a:t>12.05.2015</a:t>
+              <a:t>13.05.2015</a:t>
             </a:fld>
             <a:endParaRPr lang="ru-RU"/>
           </a:p>
@@ -1948,7 +1959,7 @@
           <a:p>
             <a:fld id="{B4C71EC6-210F-42DE-9C53-41977AD35B3D}" type="datetimeFigureOut">
               <a:rPr lang="ru-RU" smtClean="0"/>
-              <a:t>12.05.2015</a:t>
+              <a:t>13.05.2015</a:t>
             </a:fld>
             <a:endParaRPr lang="ru-RU"/>
           </a:p>
@@ -2220,7 +2231,7 @@
           <a:p>
             <a:fld id="{B4C71EC6-210F-42DE-9C53-41977AD35B3D}" type="datetimeFigureOut">
               <a:rPr lang="ru-RU" smtClean="0"/>
-              <a:t>12.05.2015</a:t>
+              <a:t>13.05.2015</a:t>
             </a:fld>
             <a:endParaRPr lang="ru-RU"/>
           </a:p>
@@ -2468,7 +2479,7 @@
           <a:p>
             <a:fld id="{B4C71EC6-210F-42DE-9C53-41977AD35B3D}" type="datetimeFigureOut">
               <a:rPr lang="ru-RU" smtClean="0"/>
-              <a:t>12.05.2015</a:t>
+              <a:t>13.05.2015</a:t>
             </a:fld>
             <a:endParaRPr lang="ru-RU"/>
           </a:p>
@@ -2676,7 +2687,7 @@
           <a:p>
             <a:fld id="{B4C71EC6-210F-42DE-9C53-41977AD35B3D}" type="datetimeFigureOut">
               <a:rPr lang="ru-RU" smtClean="0"/>
-              <a:t>12.05.2015</a:t>
+              <a:t>13.05.2015</a:t>
             </a:fld>
             <a:endParaRPr lang="ru-RU"/>
           </a:p>
@@ -3094,6 +3105,13 @@
   <p:clrMapOvr>
     <a:masterClrMapping/>
   </p:clrMapOvr>
+  <p:timing>
+    <p:tnLst>
+      <p:par>
+        <p:cTn id="1" dur="indefinite" restart="never" nodeType="tmRoot"/>
+      </p:par>
+    </p:tnLst>
+  </p:timing>
 </p:sld>
 </file>
 
@@ -3124,6 +3142,819 @@
             <p:ph type="title"/>
           </p:nvPr>
         </p:nvSpPr>
+        <p:spPr>
+          <a:xfrm>
+            <a:off x="467544" y="2636912"/>
+            <a:ext cx="8229600" cy="1143000"/>
+          </a:xfrm>
+        </p:spPr>
+        <p:txBody>
+          <a:bodyPr>
+            <a:normAutofit fontScale="90000"/>
+          </a:bodyPr>
+          <a:lstStyle/>
+          <a:p>
+            <a:r>
+              <a:rPr lang="en-US" dirty="0" smtClean="0"/>
+              <a:t>Tip #2: </a:t>
+            </a:r>
+            <a:br>
+              <a:rPr lang="en-US" dirty="0" smtClean="0"/>
+            </a:br>
+            <a:r>
+              <a:rPr lang="ru-RU" sz="8000" dirty="0" smtClean="0"/>
+              <a:t>Аудит и блокировка</a:t>
+            </a:r>
+            <a:r>
+              <a:rPr lang="en-US" sz="10700" dirty="0" smtClean="0"/>
+              <a:t> </a:t>
+            </a:r>
+            <a:endParaRPr lang="ru-RU" sz="10700" dirty="0"/>
+          </a:p>
+        </p:txBody>
+      </p:sp>
+    </p:spTree>
+    <p:extLst>
+      <p:ext uri="{BB962C8B-B14F-4D97-AF65-F5344CB8AC3E}">
+        <p14:creationId xmlns:p14="http://schemas.microsoft.com/office/powerpoint/2010/main" val="3295242485"/>
+      </p:ext>
+    </p:extLst>
+  </p:cSld>
+  <p:clrMapOvr>
+    <a:masterClrMapping/>
+  </p:clrMapOvr>
+  <p:timing>
+    <p:tnLst>
+      <p:par>
+        <p:cTn id="1" dur="indefinite" restart="never" nodeType="tmRoot"/>
+      </p:par>
+    </p:tnLst>
+  </p:timing>
+</p:sld>
+</file>
+
+<file path=ppt/slides/slide11.xml><?xml version="1.0" encoding="utf-8"?>
+<p:sld xmlns:a="http://schemas.openxmlformats.org/drawingml/2006/main" xmlns:r="http://schemas.openxmlformats.org/officeDocument/2006/relationships" xmlns:p="http://schemas.openxmlformats.org/presentationml/2006/main">
+  <p:cSld>
+    <p:spTree>
+      <p:nvGrpSpPr>
+        <p:cNvPr id="1" name=""/>
+        <p:cNvGrpSpPr/>
+        <p:nvPr/>
+      </p:nvGrpSpPr>
+      <p:grpSpPr>
+        <a:xfrm>
+          <a:off x="0" y="0"/>
+          <a:ext cx="0" cy="0"/>
+          <a:chOff x="0" y="0"/>
+          <a:chExt cx="0" cy="0"/>
+        </a:xfrm>
+      </p:grpSpPr>
+      <p:sp>
+        <p:nvSpPr>
+          <p:cNvPr id="2" name="Заголовок 1"/>
+          <p:cNvSpPr>
+            <a:spLocks noGrp="1"/>
+          </p:cNvSpPr>
+          <p:nvPr>
+            <p:ph type="title"/>
+          </p:nvPr>
+        </p:nvSpPr>
+        <p:spPr/>
+        <p:txBody>
+          <a:bodyPr/>
+          <a:lstStyle/>
+          <a:p>
+            <a:r>
+              <a:rPr lang="ru-RU" dirty="0" smtClean="0"/>
+              <a:t>Аудит и блокировка</a:t>
+            </a:r>
+            <a:endParaRPr lang="ru-RU" dirty="0"/>
+          </a:p>
+        </p:txBody>
+      </p:sp>
+      <p:graphicFrame>
+        <p:nvGraphicFramePr>
+          <p:cNvPr id="4" name="Объект 3"/>
+          <p:cNvGraphicFramePr>
+            <a:graphicFrameLocks noGrp="1"/>
+          </p:cNvGraphicFramePr>
+          <p:nvPr>
+            <p:ph idx="1"/>
+            <p:extLst>
+              <p:ext uri="{D42A27DB-BD31-4B8C-83A1-F6EECF244321}">
+                <p14:modId xmlns:p14="http://schemas.microsoft.com/office/powerpoint/2010/main" val="3766658534"/>
+              </p:ext>
+            </p:extLst>
+          </p:nvPr>
+        </p:nvGraphicFramePr>
+        <p:xfrm>
+          <a:off x="2771800" y="1556792"/>
+          <a:ext cx="3456384" cy="2764905"/>
+        </p:xfrm>
+        <a:graphic>
+          <a:graphicData uri="http://schemas.openxmlformats.org/drawingml/2006/table">
+            <a:tbl>
+              <a:tblPr bandRow="1">
+                <a:tableStyleId>{5C22544A-7EE6-4342-B048-85BDC9FD1C3A}</a:tableStyleId>
+              </a:tblPr>
+              <a:tblGrid>
+                <a:gridCol w="3456384"/>
+              </a:tblGrid>
+              <a:tr h="552981">
+                <a:tc>
+                  <a:txBody>
+                    <a:bodyPr/>
+                    <a:lstStyle/>
+                    <a:p>
+                      <a:r>
+                        <a:rPr lang="en-US" sz="2800" dirty="0" smtClean="0"/>
+                        <a:t>CREATED_BY_USER</a:t>
+                      </a:r>
+                      <a:endParaRPr lang="ru-RU" sz="2800" dirty="0"/>
+                    </a:p>
+                  </a:txBody>
+                  <a:tcPr/>
+                </a:tc>
+              </a:tr>
+              <a:tr h="552981">
+                <a:tc>
+                  <a:txBody>
+                    <a:bodyPr/>
+                    <a:lstStyle/>
+                    <a:p>
+                      <a:r>
+                        <a:rPr lang="en-US" sz="2800" dirty="0" smtClean="0"/>
+                        <a:t>UPDATED_BY_USER</a:t>
+                      </a:r>
+                      <a:endParaRPr lang="ru-RU" sz="2800" dirty="0"/>
+                    </a:p>
+                  </a:txBody>
+                  <a:tcPr/>
+                </a:tc>
+              </a:tr>
+              <a:tr h="552981">
+                <a:tc>
+                  <a:txBody>
+                    <a:bodyPr/>
+                    <a:lstStyle/>
+                    <a:p>
+                      <a:r>
+                        <a:rPr lang="en-US" sz="2800" dirty="0" smtClean="0"/>
+                        <a:t>CREATED_DATETIME</a:t>
+                      </a:r>
+                      <a:endParaRPr lang="ru-RU" sz="2800" dirty="0"/>
+                    </a:p>
+                  </a:txBody>
+                  <a:tcPr/>
+                </a:tc>
+              </a:tr>
+              <a:tr h="552981">
+                <a:tc>
+                  <a:txBody>
+                    <a:bodyPr/>
+                    <a:lstStyle/>
+                    <a:p>
+                      <a:r>
+                        <a:rPr lang="en-US" sz="2800" dirty="0" smtClean="0"/>
+                        <a:t>UPDATED_DATETIME</a:t>
+                      </a:r>
+                      <a:endParaRPr lang="ru-RU" sz="2800" dirty="0"/>
+                    </a:p>
+                  </a:txBody>
+                  <a:tcPr/>
+                </a:tc>
+              </a:tr>
+              <a:tr h="552981">
+                <a:tc>
+                  <a:txBody>
+                    <a:bodyPr/>
+                    <a:lstStyle/>
+                    <a:p>
+                      <a:r>
+                        <a:rPr lang="en-US" sz="2800" dirty="0" smtClean="0"/>
+                        <a:t>RECORD_VERSION</a:t>
+                      </a:r>
+                      <a:endParaRPr lang="ru-RU" sz="2800" dirty="0"/>
+                    </a:p>
+                  </a:txBody>
+                  <a:tcPr/>
+                </a:tc>
+              </a:tr>
+            </a:tbl>
+          </a:graphicData>
+        </a:graphic>
+      </p:graphicFrame>
+      <p:sp>
+        <p:nvSpPr>
+          <p:cNvPr id="5" name="Правая фигурная скобка 4"/>
+          <p:cNvSpPr/>
+          <p:nvPr/>
+        </p:nvSpPr>
+        <p:spPr>
+          <a:xfrm>
+            <a:off x="6228184" y="1556792"/>
+            <a:ext cx="720080" cy="1080120"/>
+          </a:xfrm>
+          <a:prstGeom prst="rightBrace">
+            <a:avLst/>
+          </a:prstGeom>
+        </p:spPr>
+        <p:style>
+          <a:lnRef idx="1">
+            <a:schemeClr val="accent1"/>
+          </a:lnRef>
+          <a:fillRef idx="0">
+            <a:schemeClr val="accent1"/>
+          </a:fillRef>
+          <a:effectRef idx="0">
+            <a:schemeClr val="accent1"/>
+          </a:effectRef>
+          <a:fontRef idx="minor">
+            <a:schemeClr val="tx1"/>
+          </a:fontRef>
+        </p:style>
+        <p:txBody>
+          <a:bodyPr rtlCol="0" anchor="ctr"/>
+          <a:lstStyle/>
+          <a:p>
+            <a:pPr algn="ctr"/>
+            <a:endParaRPr lang="ru-RU"/>
+          </a:p>
+        </p:txBody>
+      </p:sp>
+      <p:sp>
+        <p:nvSpPr>
+          <p:cNvPr id="6" name="Левая фигурная скобка 5"/>
+          <p:cNvSpPr/>
+          <p:nvPr/>
+        </p:nvSpPr>
+        <p:spPr>
+          <a:xfrm>
+            <a:off x="2123728" y="2708920"/>
+            <a:ext cx="566645" cy="1080120"/>
+          </a:xfrm>
+          <a:prstGeom prst="leftBrace">
+            <a:avLst>
+              <a:gd name="adj1" fmla="val 8333"/>
+              <a:gd name="adj2" fmla="val 49099"/>
+            </a:avLst>
+          </a:prstGeom>
+        </p:spPr>
+        <p:style>
+          <a:lnRef idx="1">
+            <a:schemeClr val="accent1"/>
+          </a:lnRef>
+          <a:fillRef idx="0">
+            <a:schemeClr val="accent1"/>
+          </a:fillRef>
+          <a:effectRef idx="0">
+            <a:schemeClr val="accent1"/>
+          </a:effectRef>
+          <a:fontRef idx="minor">
+            <a:schemeClr val="tx1"/>
+          </a:fontRef>
+        </p:style>
+        <p:txBody>
+          <a:bodyPr rtlCol="0" anchor="ctr"/>
+          <a:lstStyle/>
+          <a:p>
+            <a:pPr algn="ctr"/>
+            <a:endParaRPr lang="ru-RU"/>
+          </a:p>
+        </p:txBody>
+      </p:sp>
+      <p:sp>
+        <p:nvSpPr>
+          <p:cNvPr id="7" name="TextBox 6"/>
+          <p:cNvSpPr txBox="1"/>
+          <p:nvPr/>
+        </p:nvSpPr>
+        <p:spPr>
+          <a:xfrm>
+            <a:off x="6964738" y="1619798"/>
+            <a:ext cx="1220014" cy="954107"/>
+          </a:xfrm>
+          <a:prstGeom prst="rect">
+            <a:avLst/>
+          </a:prstGeom>
+          <a:noFill/>
+        </p:spPr>
+        <p:txBody>
+          <a:bodyPr wrap="none" rtlCol="0">
+            <a:spAutoFit/>
+          </a:bodyPr>
+          <a:lstStyle/>
+          <a:p>
+            <a:r>
+              <a:rPr lang="ru-RU" sz="2800" dirty="0" smtClean="0"/>
+              <a:t>Аудит, </a:t>
+            </a:r>
+          </a:p>
+          <a:p>
+            <a:r>
+              <a:rPr lang="ru-RU" sz="2800" dirty="0" smtClean="0"/>
+              <a:t>Кто?</a:t>
+            </a:r>
+            <a:endParaRPr lang="ru-RU" sz="2800" dirty="0"/>
+          </a:p>
+        </p:txBody>
+      </p:sp>
+      <p:sp>
+        <p:nvSpPr>
+          <p:cNvPr id="8" name="Прямоугольник 7"/>
+          <p:cNvSpPr/>
+          <p:nvPr/>
+        </p:nvSpPr>
+        <p:spPr>
+          <a:xfrm>
+            <a:off x="1039810" y="2925814"/>
+            <a:ext cx="1061864" cy="830997"/>
+          </a:xfrm>
+          <a:prstGeom prst="rect">
+            <a:avLst/>
+          </a:prstGeom>
+        </p:spPr>
+        <p:txBody>
+          <a:bodyPr wrap="square">
+            <a:spAutoFit/>
+          </a:bodyPr>
+          <a:lstStyle/>
+          <a:p>
+            <a:pPr algn="r"/>
+            <a:r>
+              <a:rPr lang="ru-RU" sz="2400" dirty="0"/>
+              <a:t>Аудит, </a:t>
+            </a:r>
+          </a:p>
+          <a:p>
+            <a:pPr algn="r"/>
+            <a:r>
+              <a:rPr lang="ru-RU" sz="2400" dirty="0" smtClean="0"/>
+              <a:t>Когда?</a:t>
+            </a:r>
+            <a:endParaRPr lang="ru-RU" sz="2400" dirty="0"/>
+          </a:p>
+        </p:txBody>
+      </p:sp>
+      <p:sp>
+        <p:nvSpPr>
+          <p:cNvPr id="9" name="TextBox 8"/>
+          <p:cNvSpPr txBox="1"/>
+          <p:nvPr/>
+        </p:nvSpPr>
+        <p:spPr>
+          <a:xfrm>
+            <a:off x="3707903" y="5263064"/>
+            <a:ext cx="4095737" cy="461665"/>
+          </a:xfrm>
+          <a:prstGeom prst="rect">
+            <a:avLst/>
+          </a:prstGeom>
+          <a:noFill/>
+        </p:spPr>
+        <p:txBody>
+          <a:bodyPr wrap="none" rtlCol="0">
+            <a:spAutoFit/>
+          </a:bodyPr>
+          <a:lstStyle/>
+          <a:p>
+            <a:r>
+              <a:rPr lang="ru-RU" sz="2400" dirty="0" smtClean="0"/>
+              <a:t>Оптимистическая блокировка</a:t>
+            </a:r>
+            <a:endParaRPr lang="ru-RU" sz="2400" dirty="0"/>
+          </a:p>
+        </p:txBody>
+      </p:sp>
+      <p:cxnSp>
+        <p:nvCxnSpPr>
+          <p:cNvPr id="11" name="Прямая со стрелкой 10"/>
+          <p:cNvCxnSpPr>
+            <a:stCxn id="9" idx="0"/>
+          </p:cNvCxnSpPr>
+          <p:nvPr/>
+        </p:nvCxnSpPr>
+        <p:spPr>
+          <a:xfrm flipH="1" flipV="1">
+            <a:off x="5580112" y="4077072"/>
+            <a:ext cx="175660" cy="1185992"/>
+          </a:xfrm>
+          <a:prstGeom prst="straightConnector1">
+            <a:avLst/>
+          </a:prstGeom>
+          <a:ln>
+            <a:tailEnd type="arrow"/>
+          </a:ln>
+        </p:spPr>
+        <p:style>
+          <a:lnRef idx="1">
+            <a:schemeClr val="accent1"/>
+          </a:lnRef>
+          <a:fillRef idx="0">
+            <a:schemeClr val="accent1"/>
+          </a:fillRef>
+          <a:effectRef idx="0">
+            <a:schemeClr val="accent1"/>
+          </a:effectRef>
+          <a:fontRef idx="minor">
+            <a:schemeClr val="tx1"/>
+          </a:fontRef>
+        </p:style>
+      </p:cxnSp>
+    </p:spTree>
+    <p:extLst>
+      <p:ext uri="{BB962C8B-B14F-4D97-AF65-F5344CB8AC3E}">
+        <p14:creationId xmlns:p14="http://schemas.microsoft.com/office/powerpoint/2010/main" val="3053999119"/>
+      </p:ext>
+    </p:extLst>
+  </p:cSld>
+  <p:clrMapOvr>
+    <a:masterClrMapping/>
+  </p:clrMapOvr>
+  <p:timing>
+    <p:tnLst>
+      <p:par>
+        <p:cTn id="1" dur="indefinite" restart="never" nodeType="tmRoot"/>
+      </p:par>
+    </p:tnLst>
+  </p:timing>
+</p:sld>
+</file>
+
+<file path=ppt/slides/slide12.xml><?xml version="1.0" encoding="utf-8"?>
+<p:sld xmlns:a="http://schemas.openxmlformats.org/drawingml/2006/main" xmlns:r="http://schemas.openxmlformats.org/officeDocument/2006/relationships" xmlns:p="http://schemas.openxmlformats.org/presentationml/2006/main">
+  <p:cSld>
+    <p:spTree>
+      <p:nvGrpSpPr>
+        <p:cNvPr id="1" name=""/>
+        <p:cNvGrpSpPr/>
+        <p:nvPr/>
+      </p:nvGrpSpPr>
+      <p:grpSpPr>
+        <a:xfrm>
+          <a:off x="0" y="0"/>
+          <a:ext cx="0" cy="0"/>
+          <a:chOff x="0" y="0"/>
+          <a:chExt cx="0" cy="0"/>
+        </a:xfrm>
+      </p:grpSpPr>
+      <p:sp>
+        <p:nvSpPr>
+          <p:cNvPr id="2" name="Заголовок 1"/>
+          <p:cNvSpPr>
+            <a:spLocks noGrp="1"/>
+          </p:cNvSpPr>
+          <p:nvPr>
+            <p:ph type="title"/>
+          </p:nvPr>
+        </p:nvSpPr>
+        <p:spPr/>
+        <p:txBody>
+          <a:bodyPr/>
+          <a:lstStyle/>
+          <a:p>
+            <a:r>
+              <a:rPr lang="ru-RU" dirty="0" smtClean="0"/>
+              <a:t>Аудит: Общий предок</a:t>
+            </a:r>
+            <a:endParaRPr lang="ru-RU" dirty="0"/>
+          </a:p>
+        </p:txBody>
+      </p:sp>
+      <p:sp>
+        <p:nvSpPr>
+          <p:cNvPr id="3" name="Объект 2"/>
+          <p:cNvSpPr>
+            <a:spLocks noGrp="1"/>
+          </p:cNvSpPr>
+          <p:nvPr>
+            <p:ph idx="1"/>
+          </p:nvPr>
+        </p:nvSpPr>
+        <p:spPr/>
+        <p:txBody>
+          <a:bodyPr/>
+          <a:lstStyle/>
+          <a:p>
+            <a:pPr marL="0" indent="0">
+              <a:buNone/>
+            </a:pPr>
+            <a:r>
+              <a:rPr lang="ru-RU" b="1" dirty="0" smtClean="0"/>
+              <a:t>	</a:t>
+            </a:r>
+            <a:r>
+              <a:rPr lang="en-US" b="1" dirty="0" smtClean="0">
+                <a:solidFill>
+                  <a:srgbClr val="800000"/>
+                </a:solidFill>
+              </a:rPr>
+              <a:t>public </a:t>
+            </a:r>
+            <a:r>
+              <a:rPr lang="en-US" b="1" dirty="0">
+                <a:solidFill>
+                  <a:srgbClr val="800000"/>
+                </a:solidFill>
+              </a:rPr>
+              <a:t>class </a:t>
+            </a:r>
+            <a:r>
+              <a:rPr lang="en-US" dirty="0" err="1"/>
+              <a:t>AuditableEntity</a:t>
+            </a:r>
+            <a:r>
+              <a:rPr lang="en-US" b="1" dirty="0"/>
+              <a:t> {</a:t>
+            </a:r>
+          </a:p>
+          <a:p>
+            <a:pPr marL="0" indent="0">
+              <a:buNone/>
+            </a:pPr>
+            <a:r>
+              <a:rPr lang="ru-RU" dirty="0" smtClean="0"/>
+              <a:t>	</a:t>
+            </a:r>
+            <a:r>
+              <a:rPr lang="en-US" dirty="0" smtClean="0"/>
+              <a:t>    </a:t>
+            </a:r>
+            <a:r>
+              <a:rPr lang="en-US" b="1" dirty="0">
+                <a:solidFill>
+                  <a:srgbClr val="800000"/>
+                </a:solidFill>
+              </a:rPr>
+              <a:t>private</a:t>
+            </a:r>
+            <a:r>
+              <a:rPr lang="en-US" b="1" dirty="0"/>
+              <a:t> </a:t>
+            </a:r>
+            <a:r>
+              <a:rPr lang="en-US" dirty="0"/>
+              <a:t>String </a:t>
+            </a:r>
+            <a:r>
+              <a:rPr lang="en-US" dirty="0" err="1">
+                <a:solidFill>
+                  <a:srgbClr val="333399"/>
+                </a:solidFill>
+              </a:rPr>
+              <a:t>createdByUser</a:t>
+            </a:r>
+            <a:r>
+              <a:rPr lang="en-US" dirty="0"/>
+              <a:t>;</a:t>
+            </a:r>
+          </a:p>
+          <a:p>
+            <a:pPr marL="0" indent="0">
+              <a:buNone/>
+            </a:pPr>
+            <a:r>
+              <a:rPr lang="ru-RU" dirty="0" smtClean="0"/>
+              <a:t>	</a:t>
+            </a:r>
+            <a:r>
+              <a:rPr lang="en-US" dirty="0" smtClean="0"/>
+              <a:t>    </a:t>
+            </a:r>
+            <a:r>
+              <a:rPr lang="en-US" b="1" dirty="0">
+                <a:solidFill>
+                  <a:srgbClr val="800000"/>
+                </a:solidFill>
+              </a:rPr>
+              <a:t>private</a:t>
+            </a:r>
+            <a:r>
+              <a:rPr lang="en-US" b="1" dirty="0"/>
+              <a:t> </a:t>
+            </a:r>
+            <a:r>
+              <a:rPr lang="en-US" dirty="0"/>
+              <a:t>String </a:t>
+            </a:r>
+            <a:r>
+              <a:rPr lang="en-US" dirty="0" err="1">
+                <a:solidFill>
+                  <a:srgbClr val="333399"/>
+                </a:solidFill>
+              </a:rPr>
+              <a:t>updatedByUser</a:t>
+            </a:r>
+            <a:r>
+              <a:rPr lang="en-US" dirty="0"/>
+              <a:t>;</a:t>
+            </a:r>
+          </a:p>
+          <a:p>
+            <a:pPr marL="0" indent="0">
+              <a:buNone/>
+            </a:pPr>
+            <a:r>
+              <a:rPr lang="ru-RU" dirty="0" smtClean="0"/>
+              <a:t>	</a:t>
+            </a:r>
+            <a:r>
+              <a:rPr lang="en-US" dirty="0" smtClean="0"/>
+              <a:t>    </a:t>
+            </a:r>
+            <a:r>
+              <a:rPr lang="en-US" b="1" dirty="0">
+                <a:solidFill>
+                  <a:srgbClr val="800000"/>
+                </a:solidFill>
+              </a:rPr>
+              <a:t>private</a:t>
+            </a:r>
+            <a:r>
+              <a:rPr lang="en-US" b="1" dirty="0"/>
+              <a:t> </a:t>
+            </a:r>
+            <a:r>
+              <a:rPr lang="en-US" dirty="0"/>
+              <a:t>Date</a:t>
+            </a:r>
+            <a:r>
+              <a:rPr lang="en-US" b="1" dirty="0"/>
+              <a:t> </a:t>
+            </a:r>
+            <a:r>
+              <a:rPr lang="en-US" dirty="0" err="1">
+                <a:solidFill>
+                  <a:srgbClr val="333399"/>
+                </a:solidFill>
+              </a:rPr>
+              <a:t>createdDatetime</a:t>
+            </a:r>
+            <a:r>
+              <a:rPr lang="en-US" dirty="0"/>
+              <a:t>;</a:t>
+            </a:r>
+          </a:p>
+          <a:p>
+            <a:pPr marL="0" indent="0">
+              <a:buNone/>
+            </a:pPr>
+            <a:r>
+              <a:rPr lang="ru-RU" dirty="0" smtClean="0"/>
+              <a:t>	</a:t>
+            </a:r>
+            <a:r>
+              <a:rPr lang="en-US" dirty="0" smtClean="0"/>
+              <a:t>    </a:t>
+            </a:r>
+            <a:r>
+              <a:rPr lang="en-US" b="1" dirty="0">
+                <a:solidFill>
+                  <a:srgbClr val="800000"/>
+                </a:solidFill>
+              </a:rPr>
+              <a:t>private</a:t>
+            </a:r>
+            <a:r>
+              <a:rPr lang="en-US" b="1" dirty="0"/>
+              <a:t> </a:t>
+            </a:r>
+            <a:r>
+              <a:rPr lang="en-US" dirty="0"/>
+              <a:t>Date</a:t>
+            </a:r>
+            <a:r>
+              <a:rPr lang="en-US" b="1" dirty="0"/>
+              <a:t> </a:t>
+            </a:r>
+            <a:r>
+              <a:rPr lang="en-US" dirty="0" err="1">
+                <a:solidFill>
+                  <a:srgbClr val="333399"/>
+                </a:solidFill>
+              </a:rPr>
+              <a:t>updatedDatetime</a:t>
+            </a:r>
+            <a:r>
+              <a:rPr lang="en-US" dirty="0"/>
+              <a:t>;</a:t>
+            </a:r>
+          </a:p>
+          <a:p>
+            <a:pPr marL="0" indent="0">
+              <a:buNone/>
+            </a:pPr>
+            <a:r>
+              <a:rPr lang="ru-RU" dirty="0" smtClean="0"/>
+              <a:t>	</a:t>
+            </a:r>
+            <a:r>
+              <a:rPr lang="en-US" dirty="0" smtClean="0"/>
+              <a:t>    </a:t>
+            </a:r>
+            <a:r>
+              <a:rPr lang="en-US" b="1" dirty="0">
+                <a:solidFill>
+                  <a:srgbClr val="800000"/>
+                </a:solidFill>
+              </a:rPr>
+              <a:t>private</a:t>
+            </a:r>
+            <a:r>
+              <a:rPr lang="en-US" b="1" dirty="0"/>
+              <a:t> </a:t>
+            </a:r>
+            <a:r>
+              <a:rPr lang="en-US" b="1" dirty="0" err="1">
+                <a:solidFill>
+                  <a:srgbClr val="800000"/>
+                </a:solidFill>
+              </a:rPr>
+              <a:t>int</a:t>
+            </a:r>
+            <a:r>
+              <a:rPr lang="en-US" b="1" dirty="0"/>
+              <a:t> </a:t>
+            </a:r>
+            <a:r>
+              <a:rPr lang="en-US" dirty="0" smtClean="0">
+                <a:solidFill>
+                  <a:srgbClr val="333399"/>
+                </a:solidFill>
+              </a:rPr>
+              <a:t>version</a:t>
+            </a:r>
+            <a:r>
+              <a:rPr lang="en-US" dirty="0"/>
+              <a:t>;</a:t>
+            </a:r>
+          </a:p>
+          <a:p>
+            <a:pPr marL="0" indent="0">
+              <a:buNone/>
+            </a:pPr>
+            <a:r>
+              <a:rPr lang="ru-RU" dirty="0" smtClean="0"/>
+              <a:t>	}</a:t>
+            </a:r>
+            <a:endParaRPr lang="ru-RU" dirty="0"/>
+          </a:p>
+          <a:p>
+            <a:pPr marL="0" indent="0">
+              <a:buNone/>
+            </a:pPr>
+            <a:endParaRPr lang="ru-RU" dirty="0"/>
+          </a:p>
+        </p:txBody>
+      </p:sp>
+    </p:spTree>
+    <p:extLst>
+      <p:ext uri="{BB962C8B-B14F-4D97-AF65-F5344CB8AC3E}">
+        <p14:creationId xmlns:p14="http://schemas.microsoft.com/office/powerpoint/2010/main" val="2713199825"/>
+      </p:ext>
+    </p:extLst>
+  </p:cSld>
+  <p:clrMapOvr>
+    <a:masterClrMapping/>
+  </p:clrMapOvr>
+  <p:timing>
+    <p:tnLst>
+      <p:par>
+        <p:cTn id="1" dur="indefinite" restart="never" nodeType="tmRoot"/>
+      </p:par>
+    </p:tnLst>
+  </p:timing>
+</p:sld>
+</file>
+
+<file path=ppt/slides/slide13.xml><?xml version="1.0" encoding="utf-8"?>
+<p:sld xmlns:a="http://schemas.openxmlformats.org/drawingml/2006/main" xmlns:r="http://schemas.openxmlformats.org/officeDocument/2006/relationships" xmlns:p="http://schemas.openxmlformats.org/presentationml/2006/main">
+  <p:cSld>
+    <p:spTree>
+      <p:nvGrpSpPr>
+        <p:cNvPr id="1" name=""/>
+        <p:cNvGrpSpPr/>
+        <p:nvPr/>
+      </p:nvGrpSpPr>
+      <p:grpSpPr>
+        <a:xfrm>
+          <a:off x="0" y="0"/>
+          <a:ext cx="0" cy="0"/>
+          <a:chOff x="0" y="0"/>
+          <a:chExt cx="0" cy="0"/>
+        </a:xfrm>
+      </p:grpSpPr>
+      <p:sp>
+        <p:nvSpPr>
+          <p:cNvPr id="2" name="Заголовок 1"/>
+          <p:cNvSpPr>
+            <a:spLocks noGrp="1"/>
+          </p:cNvSpPr>
+          <p:nvPr>
+            <p:ph type="title"/>
+          </p:nvPr>
+        </p:nvSpPr>
         <p:spPr/>
         <p:txBody>
           <a:bodyPr/>
@@ -3525,10 +4356,17 @@
   <p:clrMapOvr>
     <a:masterClrMapping/>
   </p:clrMapOvr>
+  <p:timing>
+    <p:tnLst>
+      <p:par>
+        <p:cTn id="1" dur="indefinite" restart="never" nodeType="tmRoot"/>
+      </p:par>
+    </p:tnLst>
+  </p:timing>
 </p:sld>
 </file>
 
-<file path=ppt/slides/slide11.xml><?xml version="1.0" encoding="utf-8"?>
+<file path=ppt/slides/slide14.xml><?xml version="1.0" encoding="utf-8"?>
 <p:sld xmlns:a="http://schemas.openxmlformats.org/drawingml/2006/main" xmlns:r="http://schemas.openxmlformats.org/officeDocument/2006/relationships" xmlns:p="http://schemas.openxmlformats.org/presentationml/2006/main">
   <p:cSld>
     <p:spTree>
@@ -3846,10 +4684,17 @@
   <p:clrMapOvr>
     <a:masterClrMapping/>
   </p:clrMapOvr>
+  <p:timing>
+    <p:tnLst>
+      <p:par>
+        <p:cTn id="1" dur="indefinite" restart="never" nodeType="tmRoot"/>
+      </p:par>
+    </p:tnLst>
+  </p:timing>
 </p:sld>
 </file>
 
-<file path=ppt/slides/slide12.xml><?xml version="1.0" encoding="utf-8"?>
+<file path=ppt/slides/slide15.xml><?xml version="1.0" encoding="utf-8"?>
 <p:sld xmlns:a="http://schemas.openxmlformats.org/drawingml/2006/main" xmlns:r="http://schemas.openxmlformats.org/officeDocument/2006/relationships" xmlns:p="http://schemas.openxmlformats.org/presentationml/2006/main">
   <p:cSld>
     <p:spTree>
@@ -4165,10 +5010,17 @@
   <p:clrMapOvr>
     <a:masterClrMapping/>
   </p:clrMapOvr>
+  <p:timing>
+    <p:tnLst>
+      <p:par>
+        <p:cTn id="1" dur="indefinite" restart="never" nodeType="tmRoot"/>
+      </p:par>
+    </p:tnLst>
+  </p:timing>
 </p:sld>
 </file>
 
-<file path=ppt/slides/slide2.xml><?xml version="1.0" encoding="utf-8"?>
+<file path=ppt/slides/slide16.xml><?xml version="1.0" encoding="utf-8"?>
 <p:sld xmlns:a="http://schemas.openxmlformats.org/drawingml/2006/main" xmlns:r="http://schemas.openxmlformats.org/officeDocument/2006/relationships" xmlns:p="http://schemas.openxmlformats.org/presentationml/2006/main">
   <p:cSld>
     <p:spTree>
@@ -4201,285 +5053,203 @@
           <a:lstStyle/>
           <a:p>
             <a:r>
+              <a:rPr lang="ru-RU" dirty="0"/>
+              <a:t>Аудит</a:t>
+            </a:r>
+            <a:r>
+              <a:rPr lang="ru-RU" dirty="0" smtClean="0"/>
+              <a:t>:</a:t>
+            </a:r>
+            <a:r>
               <a:rPr lang="en-US" dirty="0" smtClean="0"/>
-              <a:t>Getting Started with </a:t>
+              <a:t> </a:t>
+            </a:r>
+            <a:r>
+              <a:rPr lang="ru-RU" dirty="0" smtClean="0"/>
+              <a:t>Запрос</a:t>
+            </a:r>
+            <a:endParaRPr lang="ru-RU" dirty="0"/>
+          </a:p>
+        </p:txBody>
+      </p:sp>
+      <p:sp>
+        <p:nvSpPr>
+          <p:cNvPr id="3" name="Объект 2"/>
+          <p:cNvSpPr>
+            <a:spLocks noGrp="1"/>
+          </p:cNvSpPr>
+          <p:nvPr>
+            <p:ph idx="1"/>
+          </p:nvPr>
+        </p:nvSpPr>
+        <p:spPr/>
+        <p:txBody>
+          <a:bodyPr>
+            <a:normAutofit fontScale="92500" lnSpcReduction="20000"/>
+          </a:bodyPr>
+          <a:lstStyle/>
+          <a:p>
+            <a:pPr marL="0" indent="0">
+              <a:buNone/>
+            </a:pPr>
+            <a:r>
+              <a:rPr lang="en-US" dirty="0" smtClean="0"/>
+              <a:t> </a:t>
+            </a:r>
+            <a:r>
+              <a:rPr lang="en-US" dirty="0"/>
+              <a:t>&lt;insert </a:t>
+            </a:r>
+            <a:r>
+              <a:rPr lang="en-US" dirty="0" smtClean="0"/>
+              <a:t>id=</a:t>
+            </a:r>
+            <a:r>
+              <a:rPr lang="en-US" i="1" dirty="0" smtClean="0"/>
+              <a:t>" </a:t>
+            </a:r>
+            <a:r>
+              <a:rPr lang="en-US" i="1" dirty="0" err="1" smtClean="0"/>
+              <a:t>insertPerson</a:t>
+            </a:r>
+            <a:r>
+              <a:rPr lang="en-US" i="1" dirty="0" smtClean="0"/>
+              <a:t>“&gt;</a:t>
+            </a:r>
+            <a:endParaRPr lang="en-US" dirty="0" smtClean="0"/>
+          </a:p>
+          <a:p>
+            <a:pPr marL="0" indent="0">
+              <a:buNone/>
+            </a:pPr>
+            <a:r>
+              <a:rPr lang="en-US" dirty="0"/>
+              <a:t> </a:t>
+            </a:r>
+            <a:r>
+              <a:rPr lang="en-US" dirty="0" smtClean="0"/>
+              <a:t>   insert into person (</a:t>
+            </a:r>
+          </a:p>
+          <a:p>
+            <a:pPr marL="0" indent="0">
+              <a:buNone/>
+            </a:pPr>
+            <a:r>
+              <a:rPr lang="en-US" dirty="0"/>
+              <a:t>	</a:t>
             </a:r>
             <a:r>
               <a:rPr lang="en-US" dirty="0" err="1" smtClean="0"/>
-              <a:t>MyBatis</a:t>
+              <a:t>created_datetime</a:t>
+            </a:r>
+            <a:r>
+              <a:rPr lang="en-US" dirty="0" smtClean="0"/>
+              <a:t>, </a:t>
+            </a:r>
+          </a:p>
+          <a:p>
+            <a:pPr marL="0" indent="0">
+              <a:buNone/>
+            </a:pPr>
+            <a:r>
+              <a:rPr lang="en-US" dirty="0"/>
+              <a:t>	</a:t>
+            </a:r>
+            <a:r>
+              <a:rPr lang="en-US" dirty="0" err="1" smtClean="0"/>
+              <a:t>created_by_user</a:t>
+            </a:r>
+            <a:r>
+              <a:rPr lang="en-US" dirty="0" smtClean="0"/>
+              <a:t>)</a:t>
+            </a:r>
+          </a:p>
+          <a:p>
+            <a:pPr marL="0" indent="0">
+              <a:buNone/>
+            </a:pPr>
+            <a:r>
+              <a:rPr lang="en-US" dirty="0" smtClean="0"/>
+              <a:t>    values (</a:t>
+            </a:r>
+          </a:p>
+          <a:p>
+            <a:pPr marL="0" indent="0">
+              <a:buNone/>
+            </a:pPr>
+            <a:r>
+              <a:rPr lang="en-US" dirty="0"/>
+              <a:t>	</a:t>
+            </a:r>
+            <a:r>
+              <a:rPr lang="en-US" dirty="0" smtClean="0"/>
+              <a:t>now(),</a:t>
+            </a:r>
+          </a:p>
+          <a:p>
+            <a:pPr marL="0" indent="0">
+              <a:buNone/>
+            </a:pPr>
+            <a:r>
+              <a:rPr lang="en-US" dirty="0"/>
+              <a:t>	</a:t>
+            </a:r>
+            <a:r>
+              <a:rPr lang="en-US" dirty="0" smtClean="0"/>
+              <a:t>#{</a:t>
+            </a:r>
+            <a:r>
+              <a:rPr lang="en-US" dirty="0" err="1" smtClean="0"/>
+              <a:t>created_by_user</a:t>
+            </a:r>
+            <a:r>
+              <a:rPr lang="en-US" dirty="0" smtClean="0"/>
+              <a:t>}</a:t>
+            </a:r>
+          </a:p>
+          <a:p>
+            <a:pPr marL="0" indent="0">
+              <a:buNone/>
+            </a:pPr>
+            <a:r>
+              <a:rPr lang="en-US" dirty="0" smtClean="0"/>
+              <a:t>    )</a:t>
+            </a:r>
+          </a:p>
+          <a:p>
+            <a:pPr marL="0" indent="0">
+              <a:buNone/>
+            </a:pPr>
+            <a:r>
+              <a:rPr lang="en-US" dirty="0" smtClean="0"/>
+              <a:t>&lt;/insert&gt;</a:t>
             </a:r>
             <a:endParaRPr lang="ru-RU" dirty="0"/>
           </a:p>
         </p:txBody>
       </p:sp>
-      <p:sp>
-        <p:nvSpPr>
-          <p:cNvPr id="3" name="Объект 2"/>
-          <p:cNvSpPr>
-            <a:spLocks noGrp="1"/>
-          </p:cNvSpPr>
-          <p:nvPr>
-            <p:ph idx="1"/>
-          </p:nvPr>
-        </p:nvSpPr>
-        <p:spPr/>
-        <p:txBody>
-          <a:bodyPr>
-            <a:normAutofit fontScale="92500"/>
-          </a:bodyPr>
-          <a:lstStyle/>
-          <a:p>
-            <a:pPr>
-              <a:lnSpc>
-                <a:spcPct val="150000"/>
-              </a:lnSpc>
-            </a:pPr>
-            <a:r>
-              <a:rPr lang="en-US" sz="4800" dirty="0" smtClean="0"/>
-              <a:t>Domain</a:t>
-            </a:r>
-          </a:p>
-          <a:p>
-            <a:pPr>
-              <a:lnSpc>
-                <a:spcPct val="150000"/>
-              </a:lnSpc>
-            </a:pPr>
-            <a:r>
-              <a:rPr lang="en-US" sz="4800" dirty="0" err="1" smtClean="0"/>
-              <a:t>ResultMap</a:t>
-            </a:r>
-            <a:endParaRPr lang="en-US" sz="4800" dirty="0" smtClean="0"/>
-          </a:p>
-          <a:p>
-            <a:pPr>
-              <a:lnSpc>
-                <a:spcPct val="150000"/>
-              </a:lnSpc>
-            </a:pPr>
-            <a:r>
-              <a:rPr lang="en-US" sz="4800" dirty="0" smtClean="0"/>
-              <a:t>Query</a:t>
-            </a:r>
-          </a:p>
-          <a:p>
-            <a:pPr>
-              <a:lnSpc>
-                <a:spcPct val="150000"/>
-              </a:lnSpc>
-            </a:pPr>
-            <a:r>
-              <a:rPr lang="en-US" sz="4800" dirty="0" smtClean="0"/>
-              <a:t>Repository</a:t>
-            </a:r>
-            <a:endParaRPr lang="ru-RU" sz="4800" dirty="0"/>
-          </a:p>
-        </p:txBody>
-      </p:sp>
-      <p:pic>
-        <p:nvPicPr>
-          <p:cNvPr id="4" name="Рисунок 3"/>
-          <p:cNvPicPr>
-            <a:picLocks noChangeAspect="1"/>
-          </p:cNvPicPr>
-          <p:nvPr/>
-        </p:nvPicPr>
-        <p:blipFill>
-          <a:blip r:embed="rId2">
-            <a:extLst>
-              <a:ext uri="{28A0092B-C50C-407E-A947-70E740481C1C}">
-                <a14:useLocalDpi xmlns:a14="http://schemas.microsoft.com/office/drawing/2010/main" val="0"/>
-              </a:ext>
-            </a:extLst>
-          </a:blip>
-          <a:stretch>
-            <a:fillRect/>
-          </a:stretch>
-        </p:blipFill>
-        <p:spPr>
-          <a:xfrm>
-            <a:off x="5814417" y="1421454"/>
-            <a:ext cx="971550" cy="1123950"/>
-          </a:xfrm>
-          <a:prstGeom prst="rect">
-            <a:avLst/>
-          </a:prstGeom>
-        </p:spPr>
-      </p:pic>
-      <p:sp>
-        <p:nvSpPr>
-          <p:cNvPr id="5" name="Прямоугольник с одним вырезанным углом 4"/>
-          <p:cNvSpPr/>
-          <p:nvPr/>
-        </p:nvSpPr>
-        <p:spPr>
-          <a:xfrm>
-            <a:off x="5364088" y="2924944"/>
-            <a:ext cx="1872208" cy="1224136"/>
-          </a:xfrm>
-          <a:prstGeom prst="snip1Rect">
-            <a:avLst/>
-          </a:prstGeom>
-        </p:spPr>
-        <p:style>
-          <a:lnRef idx="2">
-            <a:schemeClr val="accent1">
-              <a:shade val="50000"/>
-            </a:schemeClr>
-          </a:lnRef>
-          <a:fillRef idx="1">
-            <a:schemeClr val="accent1"/>
-          </a:fillRef>
-          <a:effectRef idx="0">
-            <a:schemeClr val="accent1"/>
-          </a:effectRef>
-          <a:fontRef idx="minor">
-            <a:schemeClr val="lt1"/>
-          </a:fontRef>
-        </p:style>
-        <p:txBody>
-          <a:bodyPr rtlCol="0" anchor="ctr"/>
-          <a:lstStyle/>
-          <a:p>
-            <a:pPr algn="ctr"/>
-            <a:r>
-              <a:rPr lang="en-US" sz="2800" dirty="0" err="1" smtClean="0"/>
-              <a:t>ResultMap</a:t>
-            </a:r>
-            <a:endParaRPr lang="ru-RU" sz="2800" dirty="0"/>
-          </a:p>
-        </p:txBody>
-      </p:sp>
-      <p:cxnSp>
-        <p:nvCxnSpPr>
-          <p:cNvPr id="7" name="Прямая со стрелкой 6"/>
-          <p:cNvCxnSpPr>
-            <a:stCxn id="4" idx="2"/>
-            <a:endCxn id="5" idx="3"/>
-          </p:cNvCxnSpPr>
-          <p:nvPr/>
-        </p:nvCxnSpPr>
-        <p:spPr>
-          <a:xfrm>
-            <a:off x="6300192" y="2545404"/>
-            <a:ext cx="0" cy="379540"/>
-          </a:xfrm>
-          <a:prstGeom prst="straightConnector1">
-            <a:avLst/>
-          </a:prstGeom>
-          <a:ln>
-            <a:tailEnd type="arrow"/>
-          </a:ln>
-        </p:spPr>
-        <p:style>
-          <a:lnRef idx="1">
-            <a:schemeClr val="accent1"/>
-          </a:lnRef>
-          <a:fillRef idx="0">
-            <a:schemeClr val="accent1"/>
-          </a:fillRef>
-          <a:effectRef idx="0">
-            <a:schemeClr val="accent1"/>
-          </a:effectRef>
-          <a:fontRef idx="minor">
-            <a:schemeClr val="tx1"/>
-          </a:fontRef>
-        </p:style>
-      </p:cxnSp>
-      <p:sp>
-        <p:nvSpPr>
-          <p:cNvPr id="10" name="Цилиндр 9"/>
-          <p:cNvSpPr/>
-          <p:nvPr/>
-        </p:nvSpPr>
-        <p:spPr>
-          <a:xfrm>
-            <a:off x="5769272" y="4725144"/>
-            <a:ext cx="1061839" cy="1512168"/>
-          </a:xfrm>
-          <a:prstGeom prst="can">
-            <a:avLst/>
-          </a:prstGeom>
-        </p:spPr>
-        <p:style>
-          <a:lnRef idx="2">
-            <a:schemeClr val="accent1">
-              <a:shade val="50000"/>
-            </a:schemeClr>
-          </a:lnRef>
-          <a:fillRef idx="1">
-            <a:schemeClr val="accent1"/>
-          </a:fillRef>
-          <a:effectRef idx="0">
-            <a:schemeClr val="accent1"/>
-          </a:effectRef>
-          <a:fontRef idx="minor">
-            <a:schemeClr val="lt1"/>
-          </a:fontRef>
-        </p:style>
-        <p:txBody>
-          <a:bodyPr rtlCol="0" anchor="ctr"/>
-          <a:lstStyle/>
-          <a:p>
-            <a:pPr algn="ctr"/>
-            <a:r>
-              <a:rPr lang="en-US" sz="4400" dirty="0" smtClean="0"/>
-              <a:t>DB</a:t>
-            </a:r>
-            <a:endParaRPr lang="ru-RU" sz="4400" dirty="0"/>
-          </a:p>
-        </p:txBody>
-      </p:sp>
-      <p:cxnSp>
-        <p:nvCxnSpPr>
-          <p:cNvPr id="12" name="Прямая со стрелкой 11"/>
-          <p:cNvCxnSpPr>
-            <a:stCxn id="5" idx="1"/>
-            <a:endCxn id="10" idx="1"/>
-          </p:cNvCxnSpPr>
-          <p:nvPr/>
-        </p:nvCxnSpPr>
-        <p:spPr>
-          <a:xfrm>
-            <a:off x="6300192" y="4149080"/>
-            <a:ext cx="0" cy="576064"/>
-          </a:xfrm>
-          <a:prstGeom prst="straightConnector1">
-            <a:avLst/>
-          </a:prstGeom>
-          <a:ln>
-            <a:tailEnd type="arrow"/>
-          </a:ln>
-        </p:spPr>
-        <p:style>
-          <a:lnRef idx="1">
-            <a:schemeClr val="accent1"/>
-          </a:lnRef>
-          <a:fillRef idx="0">
-            <a:schemeClr val="accent1"/>
-          </a:fillRef>
-          <a:effectRef idx="0">
-            <a:schemeClr val="accent1"/>
-          </a:effectRef>
-          <a:fontRef idx="minor">
-            <a:schemeClr val="tx1"/>
-          </a:fontRef>
-        </p:style>
-      </p:cxnSp>
     </p:spTree>
     <p:extLst>
       <p:ext uri="{BB962C8B-B14F-4D97-AF65-F5344CB8AC3E}">
-        <p14:creationId xmlns:p14="http://schemas.microsoft.com/office/powerpoint/2010/main" val="1602729855"/>
+        <p14:creationId xmlns:p14="http://schemas.microsoft.com/office/powerpoint/2010/main" val="861764195"/>
       </p:ext>
     </p:extLst>
   </p:cSld>
   <p:clrMapOvr>
     <a:masterClrMapping/>
   </p:clrMapOvr>
+  <p:timing>
+    <p:tnLst>
+      <p:par>
+        <p:cTn id="1" dur="indefinite" restart="never" nodeType="tmRoot"/>
+      </p:par>
+    </p:tnLst>
+  </p:timing>
 </p:sld>
 </file>
 
-<file path=ppt/slides/slide3.xml><?xml version="1.0" encoding="utf-8"?>
+<file path=ppt/slides/slide17.xml><?xml version="1.0" encoding="utf-8"?>
 <p:sld xmlns:a="http://schemas.openxmlformats.org/drawingml/2006/main" xmlns:r="http://schemas.openxmlformats.org/officeDocument/2006/relationships" xmlns:p="http://schemas.openxmlformats.org/presentationml/2006/main">
   <p:cSld>
     <p:spTree>
@@ -4512,12 +5282,8 @@
           <a:lstStyle/>
           <a:p>
             <a:r>
-              <a:rPr lang="en-US" dirty="0"/>
-              <a:t>Getting Started with </a:t>
-            </a:r>
-            <a:r>
-              <a:rPr lang="en-US" dirty="0" err="1"/>
-              <a:t>MyBatis</a:t>
+              <a:rPr lang="ru-RU" dirty="0" smtClean="0"/>
+              <a:t>Оптимистическая блокировка</a:t>
             </a:r>
             <a:endParaRPr lang="ru-RU" dirty="0"/>
           </a:p>
@@ -4535,67 +5301,143 @@
         </p:nvSpPr>
         <p:spPr>
           <a:xfrm>
-            <a:off x="457200" y="1600200"/>
-            <a:ext cx="3682752" cy="4525963"/>
+            <a:off x="457200" y="1600201"/>
+            <a:ext cx="8229600" cy="2548879"/>
           </a:xfrm>
         </p:spPr>
         <p:txBody>
-          <a:bodyPr/>
+          <a:bodyPr>
+            <a:normAutofit fontScale="92500" lnSpcReduction="20000"/>
+          </a:bodyPr>
           <a:lstStyle/>
           <a:p>
             <a:pPr marL="0" indent="0">
               <a:buNone/>
             </a:pPr>
             <a:r>
-              <a:rPr lang="en-US" dirty="0" smtClean="0"/>
-              <a:t>class Person {</a:t>
-            </a:r>
-            <a:endParaRPr lang="en-US" dirty="0"/>
+              <a:rPr lang="en-US" sz="2800" dirty="0"/>
+              <a:t> </a:t>
+            </a:r>
+            <a:r>
+              <a:rPr lang="en-US" sz="2800" dirty="0" smtClean="0"/>
+              <a:t>&lt;update </a:t>
+            </a:r>
+            <a:r>
+              <a:rPr lang="en-US" sz="2800" dirty="0"/>
+              <a:t>id</a:t>
+            </a:r>
+            <a:r>
+              <a:rPr lang="en-US" sz="2800" dirty="0" smtClean="0"/>
+              <a:t>=</a:t>
+            </a:r>
+            <a:r>
+              <a:rPr lang="en-US" sz="2800" i="1" dirty="0" smtClean="0"/>
+              <a:t>“</a:t>
+            </a:r>
+            <a:r>
+              <a:rPr lang="en-US" sz="2800" i="1" dirty="0" err="1" smtClean="0"/>
+              <a:t>updatePerson</a:t>
+            </a:r>
+            <a:r>
+              <a:rPr lang="en-US" sz="2800" i="1" dirty="0"/>
+              <a:t>“&gt;</a:t>
+            </a:r>
+            <a:endParaRPr lang="en-US" sz="2800" dirty="0"/>
           </a:p>
           <a:p>
             <a:pPr marL="0" indent="0">
               <a:buNone/>
             </a:pPr>
             <a:r>
-              <a:rPr lang="en-US" dirty="0"/>
+              <a:rPr lang="en-US" sz="2800" dirty="0"/>
+              <a:t>    </a:t>
+            </a:r>
+            <a:r>
+              <a:rPr lang="en-US" sz="2800" dirty="0" smtClean="0"/>
+              <a:t>update person set </a:t>
+            </a:r>
+          </a:p>
+          <a:p>
+            <a:pPr marL="0" indent="0">
+              <a:buNone/>
+            </a:pPr>
+            <a:r>
+              <a:rPr lang="en-US" sz="2800" dirty="0"/>
               <a:t>	</a:t>
             </a:r>
             <a:r>
-              <a:rPr lang="en-US" dirty="0" smtClean="0"/>
-              <a:t>Integer id;</a:t>
-            </a:r>
-            <a:endParaRPr lang="en-US" dirty="0"/>
+              <a:rPr lang="en-US" sz="2800" dirty="0" smtClean="0"/>
+              <a:t>name = #{name},</a:t>
+            </a:r>
           </a:p>
           <a:p>
             <a:pPr marL="0" indent="0">
               <a:buNone/>
             </a:pPr>
             <a:r>
-              <a:rPr lang="en-US" dirty="0"/>
+              <a:rPr lang="en-US" sz="2800" dirty="0"/>
               <a:t>	</a:t>
             </a:r>
             <a:r>
-              <a:rPr lang="en-US" dirty="0" smtClean="0"/>
-              <a:t>String </a:t>
-            </a:r>
-            <a:r>
-              <a:rPr lang="en-US" dirty="0"/>
-              <a:t>name</a:t>
-            </a:r>
-            <a:r>
-              <a:rPr lang="en-US" dirty="0" smtClean="0"/>
-              <a:t>;</a:t>
-            </a:r>
+              <a:rPr lang="en-US" sz="2800" dirty="0" err="1" smtClean="0"/>
+              <a:t>record_version</a:t>
+            </a:r>
+            <a:r>
+              <a:rPr lang="en-US" sz="2800" dirty="0" smtClean="0"/>
+              <a:t> = </a:t>
+            </a:r>
+            <a:r>
+              <a:rPr lang="en-US" sz="2800" dirty="0" err="1" smtClean="0"/>
+              <a:t>record_version</a:t>
+            </a:r>
+            <a:r>
+              <a:rPr lang="en-US" sz="2800" dirty="0" smtClean="0"/>
+              <a:t> + 1</a:t>
+            </a:r>
+            <a:endParaRPr lang="en-US" sz="2800" dirty="0"/>
           </a:p>
           <a:p>
             <a:pPr marL="0" indent="0">
               <a:buNone/>
             </a:pPr>
             <a:r>
-              <a:rPr lang="en-US" dirty="0"/>
+              <a:rPr lang="en-US" sz="2800" dirty="0"/>
+              <a:t> </a:t>
+            </a:r>
+            <a:r>
+              <a:rPr lang="en-US" sz="2800" dirty="0" smtClean="0"/>
+              <a:t>   where </a:t>
+            </a:r>
+            <a:r>
+              <a:rPr lang="en-US" sz="2800" dirty="0" err="1" smtClean="0"/>
+              <a:t>record_version</a:t>
+            </a:r>
+            <a:r>
+              <a:rPr lang="en-US" sz="2800" dirty="0" smtClean="0"/>
+              <a:t> = #{</a:t>
+            </a:r>
+            <a:r>
+              <a:rPr lang="en-US" sz="2800" dirty="0" err="1" smtClean="0"/>
+              <a:t>record_version</a:t>
+            </a:r>
+            <a:r>
+              <a:rPr lang="en-US" sz="2800" dirty="0" smtClean="0"/>
               <a:t>}</a:t>
             </a:r>
-            <a:endParaRPr lang="ru-RU" dirty="0"/>
+            <a:endParaRPr lang="en-US" sz="2800" dirty="0"/>
+          </a:p>
+          <a:p>
+            <a:pPr marL="0" indent="0">
+              <a:buNone/>
+            </a:pPr>
+            <a:r>
+              <a:rPr lang="en-US" sz="2800" dirty="0"/>
+              <a:t>&lt;/insert&gt;</a:t>
+            </a:r>
+            <a:endParaRPr lang="ru-RU" sz="2800" dirty="0"/>
+          </a:p>
+          <a:p>
+            <a:endParaRPr lang="ru-RU" sz="2800" dirty="0"/>
           </a:p>
         </p:txBody>
       </p:sp>
@@ -4609,8 +5451,8 @@
         </p:nvSpPr>
         <p:spPr>
           <a:xfrm>
-            <a:off x="539552" y="4005064"/>
-            <a:ext cx="8280920" cy="2293713"/>
+            <a:off x="609600" y="4309121"/>
+            <a:ext cx="8229600" cy="2216223"/>
           </a:xfrm>
           <a:prstGeom prst="rect">
             <a:avLst/>
@@ -4759,140 +5601,64 @@
           </a:lstStyle>
           <a:p>
             <a:pPr marL="0" indent="0">
+              <a:buFont typeface="Arial" pitchFamily="34" charset="0"/>
+              <a:buNone/>
+            </a:pPr>
+            <a:r>
+              <a:rPr lang="en-US" sz="2800" dirty="0" err="1" smtClean="0"/>
+              <a:t>int</a:t>
+            </a:r>
+            <a:r>
+              <a:rPr lang="en-US" sz="2800" dirty="0" smtClean="0"/>
+              <a:t> updated = </a:t>
+            </a:r>
+            <a:r>
+              <a:rPr lang="en-US" sz="2800" dirty="0" err="1" smtClean="0"/>
+              <a:t>session.update</a:t>
+            </a:r>
+            <a:r>
+              <a:rPr lang="en-US" sz="2800" dirty="0" smtClean="0"/>
+              <a:t>(“</a:t>
+            </a:r>
+            <a:r>
+              <a:rPr lang="en-US" sz="2800" dirty="0" err="1" smtClean="0"/>
+              <a:t>updatePerson</a:t>
+            </a:r>
+            <a:r>
+              <a:rPr lang="en-US" sz="2800" dirty="0" smtClean="0"/>
+              <a:t>”, person);</a:t>
+            </a:r>
+          </a:p>
+          <a:p>
+            <a:pPr marL="0" indent="0">
+              <a:buFont typeface="Arial" pitchFamily="34" charset="0"/>
+              <a:buNone/>
+            </a:pPr>
+            <a:r>
+              <a:rPr lang="en-US" sz="2800" dirty="0" smtClean="0"/>
+              <a:t>if (updated == 0)</a:t>
+            </a:r>
+          </a:p>
+          <a:p>
+            <a:pPr marL="0" indent="0">
+              <a:buFont typeface="Arial" pitchFamily="34" charset="0"/>
               <a:buNone/>
             </a:pPr>
             <a:r>
               <a:rPr lang="en-US" sz="2800" dirty="0"/>
-              <a:t>&lt;</a:t>
-            </a:r>
-            <a:r>
-              <a:rPr lang="en-US" sz="2800" dirty="0" err="1"/>
-              <a:t>resultMap</a:t>
-            </a:r>
-            <a:r>
-              <a:rPr lang="en-US" sz="2800" dirty="0"/>
-              <a:t> type</a:t>
+              <a:t>	</a:t>
             </a:r>
             <a:r>
               <a:rPr lang="en-US" sz="2800" dirty="0" smtClean="0"/>
-              <a:t>="</a:t>
-            </a:r>
-            <a:r>
-              <a:rPr lang="en-US" sz="2800" b="1" dirty="0" smtClean="0"/>
-              <a:t>Person</a:t>
+              <a:t>throw new </a:t>
+            </a:r>
+            <a:r>
+              <a:rPr lang="en-US" sz="2800" dirty="0" err="1" smtClean="0"/>
+              <a:t>OptimisticLockingFailureException</a:t>
             </a:r>
             <a:r>
               <a:rPr lang="en-US" sz="2800" dirty="0" smtClean="0"/>
-              <a:t>" </a:t>
-            </a:r>
-            <a:r>
-              <a:rPr lang="en-US" sz="2800" dirty="0"/>
-              <a:t>id</a:t>
-            </a:r>
-            <a:r>
-              <a:rPr lang="en-US" sz="2800" dirty="0" smtClean="0"/>
-              <a:t>="</a:t>
-            </a:r>
-            <a:r>
-              <a:rPr lang="en-US" sz="2800" b="1" dirty="0" err="1" smtClean="0"/>
-              <a:t>PersonMap</a:t>
-            </a:r>
-            <a:r>
-              <a:rPr lang="en-US" sz="2800" dirty="0" smtClean="0"/>
-              <a:t>"&gt;</a:t>
-            </a:r>
-            <a:endParaRPr lang="en-US" sz="2800" dirty="0"/>
-          </a:p>
-          <a:p>
-            <a:pPr marL="0" indent="0">
-              <a:buNone/>
-            </a:pPr>
-            <a:r>
-              <a:rPr lang="en-US" sz="2800" dirty="0" smtClean="0"/>
-              <a:t>    &lt;</a:t>
-            </a:r>
-            <a:r>
-              <a:rPr lang="en-US" sz="2800" dirty="0"/>
-              <a:t>id property</a:t>
-            </a:r>
-            <a:r>
-              <a:rPr lang="en-US" sz="2800" dirty="0" smtClean="0"/>
-              <a:t>="</a:t>
-            </a:r>
-            <a:r>
-              <a:rPr lang="en-US" sz="2800" b="1" dirty="0" smtClean="0"/>
-              <a:t>id</a:t>
-            </a:r>
-            <a:r>
-              <a:rPr lang="en-US" sz="2800" dirty="0" smtClean="0"/>
-              <a:t>" </a:t>
-            </a:r>
-            <a:r>
-              <a:rPr lang="en-US" sz="2800" dirty="0"/>
-              <a:t>column</a:t>
-            </a:r>
-            <a:r>
-              <a:rPr lang="en-US" sz="2800" dirty="0" smtClean="0"/>
-              <a:t>="</a:t>
-            </a:r>
-            <a:r>
-              <a:rPr lang="en-US" sz="2800" b="1" dirty="0" err="1" smtClean="0"/>
-              <a:t>person_id</a:t>
-            </a:r>
-            <a:r>
-              <a:rPr lang="en-US" sz="2800" dirty="0" smtClean="0"/>
-              <a:t>"/&gt;</a:t>
-            </a:r>
-            <a:endParaRPr lang="en-US" sz="2800" dirty="0"/>
-          </a:p>
-          <a:p>
-            <a:pPr marL="0" indent="0">
-              <a:buNone/>
-            </a:pPr>
-            <a:r>
-              <a:rPr lang="en-US" sz="2800" dirty="0" smtClean="0"/>
-              <a:t>    &lt;</a:t>
-            </a:r>
-            <a:r>
-              <a:rPr lang="en-US" sz="2800" dirty="0"/>
-              <a:t>result property="</a:t>
-            </a:r>
-            <a:r>
-              <a:rPr lang="en-US" sz="2800" b="1" dirty="0"/>
-              <a:t>name</a:t>
-            </a:r>
-            <a:r>
-              <a:rPr lang="en-US" sz="2800" dirty="0"/>
-              <a:t>" column</a:t>
-            </a:r>
-            <a:r>
-              <a:rPr lang="en-US" sz="2800" dirty="0" smtClean="0"/>
-              <a:t>="</a:t>
-            </a:r>
-            <a:r>
-              <a:rPr lang="en-US" sz="2800" b="1" dirty="0" err="1" smtClean="0"/>
-              <a:t>person_name</a:t>
-            </a:r>
-            <a:r>
-              <a:rPr lang="en-US" sz="2800" dirty="0" smtClean="0"/>
-              <a:t>"/&gt;</a:t>
-            </a:r>
-          </a:p>
-          <a:p>
-            <a:pPr marL="0" indent="0">
-              <a:buNone/>
-            </a:pPr>
-            <a:r>
-              <a:rPr lang="en-US" sz="2800" dirty="0" smtClean="0"/>
-              <a:t>&lt;/</a:t>
-            </a:r>
-            <a:r>
-              <a:rPr lang="en-US" sz="2800" dirty="0" err="1"/>
-              <a:t>resultMap</a:t>
-            </a:r>
-            <a:r>
-              <a:rPr lang="en-US" sz="2800" dirty="0"/>
-              <a:t>&gt;</a:t>
+              <a:t>();</a:t>
             </a:r>
             <a:endParaRPr lang="ru-RU" sz="2800" dirty="0"/>
           </a:p>
@@ -4901,17 +5667,24 @@
     </p:spTree>
     <p:extLst>
       <p:ext uri="{BB962C8B-B14F-4D97-AF65-F5344CB8AC3E}">
-        <p14:creationId xmlns:p14="http://schemas.microsoft.com/office/powerpoint/2010/main" val="954921804"/>
+        <p14:creationId xmlns:p14="http://schemas.microsoft.com/office/powerpoint/2010/main" val="1777300052"/>
       </p:ext>
     </p:extLst>
   </p:cSld>
   <p:clrMapOvr>
     <a:masterClrMapping/>
   </p:clrMapOvr>
+  <p:timing>
+    <p:tnLst>
+      <p:par>
+        <p:cTn id="1" dur="indefinite" restart="never" nodeType="tmRoot"/>
+      </p:par>
+    </p:tnLst>
+  </p:timing>
 </p:sld>
 </file>
 
-<file path=ppt/slides/slide4.xml><?xml version="1.0" encoding="utf-8"?>
+<file path=ppt/slides/slide18.xml><?xml version="1.0" encoding="utf-8"?>
 <p:sld xmlns:a="http://schemas.openxmlformats.org/drawingml/2006/main" xmlns:r="http://schemas.openxmlformats.org/officeDocument/2006/relationships" xmlns:p="http://schemas.openxmlformats.org/presentationml/2006/main">
   <p:cSld>
     <p:spTree>
@@ -4938,56 +5711,66 @@
             <p:ph type="title"/>
           </p:nvPr>
         </p:nvSpPr>
-        <p:spPr/>
-        <p:txBody>
-          <a:bodyPr/>
-          <a:lstStyle/>
-          <a:p>
-            <a:r>
-              <a:rPr lang="en-US" dirty="0"/>
-              <a:t>Getting Started with </a:t>
-            </a:r>
-            <a:r>
-              <a:rPr lang="en-US" dirty="0" err="1"/>
-              <a:t>MyBatis</a:t>
-            </a:r>
-            <a:endParaRPr lang="ru-RU" dirty="0"/>
-          </a:p>
-        </p:txBody>
-      </p:sp>
-      <p:sp>
-        <p:nvSpPr>
-          <p:cNvPr id="3" name="Объект 2"/>
-          <p:cNvSpPr>
-            <a:spLocks noGrp="1"/>
-          </p:cNvSpPr>
-          <p:nvPr>
-            <p:ph idx="1"/>
-          </p:nvPr>
-        </p:nvSpPr>
-        <p:spPr/>
-        <p:txBody>
-          <a:bodyPr/>
-          <a:lstStyle/>
-          <a:p>
-            <a:endParaRPr lang="ru-RU"/>
+        <p:spPr>
+          <a:xfrm>
+            <a:off x="467544" y="2636912"/>
+            <a:ext cx="8229600" cy="1143000"/>
+          </a:xfrm>
+        </p:spPr>
+        <p:txBody>
+          <a:bodyPr>
+            <a:normAutofit fontScale="90000"/>
+          </a:bodyPr>
+          <a:lstStyle/>
+          <a:p>
+            <a:r>
+              <a:rPr lang="en-US" dirty="0" smtClean="0"/>
+              <a:t>Tip #</a:t>
+            </a:r>
+            <a:r>
+              <a:rPr lang="ru-RU" dirty="0" smtClean="0"/>
+              <a:t>3</a:t>
+            </a:r>
+            <a:r>
+              <a:rPr lang="en-US" dirty="0" smtClean="0"/>
+              <a:t>: </a:t>
+            </a:r>
+            <a:br>
+              <a:rPr lang="en-US" dirty="0" smtClean="0"/>
+            </a:br>
+            <a:r>
+              <a:rPr lang="ru-RU" sz="8000" dirty="0" err="1" smtClean="0"/>
+              <a:t>Маппинг</a:t>
+            </a:r>
+            <a:r>
+              <a:rPr lang="en-US" sz="10700" dirty="0" smtClean="0"/>
+              <a:t> </a:t>
+            </a:r>
+            <a:endParaRPr lang="ru-RU" sz="10700" dirty="0"/>
           </a:p>
         </p:txBody>
       </p:sp>
     </p:spTree>
     <p:extLst>
       <p:ext uri="{BB962C8B-B14F-4D97-AF65-F5344CB8AC3E}">
-        <p14:creationId xmlns:p14="http://schemas.microsoft.com/office/powerpoint/2010/main" val="769470604"/>
+        <p14:creationId xmlns:p14="http://schemas.microsoft.com/office/powerpoint/2010/main" val="1270676527"/>
       </p:ext>
     </p:extLst>
   </p:cSld>
   <p:clrMapOvr>
     <a:masterClrMapping/>
   </p:clrMapOvr>
+  <p:timing>
+    <p:tnLst>
+      <p:par>
+        <p:cTn id="1" dur="indefinite" restart="never" nodeType="tmRoot"/>
+      </p:par>
+    </p:tnLst>
+  </p:timing>
 </p:sld>
 </file>
 
-<file path=ppt/slides/slide5.xml><?xml version="1.0" encoding="utf-8"?>
+<file path=ppt/slides/slide19.xml><?xml version="1.0" encoding="utf-8"?>
 <p:sld xmlns:a="http://schemas.openxmlformats.org/drawingml/2006/main" xmlns:r="http://schemas.openxmlformats.org/officeDocument/2006/relationships" xmlns:p="http://schemas.openxmlformats.org/presentationml/2006/main">
   <p:cSld>
     <p:spTree>
@@ -5014,38 +5797,268 @@
             <p:ph type="title"/>
           </p:nvPr>
         </p:nvSpPr>
+        <p:spPr/>
+        <p:txBody>
+          <a:bodyPr/>
+          <a:lstStyle/>
+          <a:p>
+            <a:r>
+              <a:rPr lang="ru-RU" dirty="0" smtClean="0"/>
+              <a:t>Сортировка</a:t>
+            </a:r>
+            <a:endParaRPr lang="ru-RU" dirty="0"/>
+          </a:p>
+        </p:txBody>
+      </p:sp>
+      <p:sp>
+        <p:nvSpPr>
+          <p:cNvPr id="3" name="Объект 2"/>
+          <p:cNvSpPr>
+            <a:spLocks noGrp="1"/>
+          </p:cNvSpPr>
+          <p:nvPr>
+            <p:ph idx="1"/>
+          </p:nvPr>
+        </p:nvSpPr>
         <p:spPr>
           <a:xfrm>
-            <a:off x="395536" y="2780928"/>
-            <a:ext cx="8229600" cy="1143000"/>
+            <a:off x="457200" y="1600201"/>
+            <a:ext cx="8229600" cy="1756792"/>
           </a:xfrm>
         </p:spPr>
         <p:txBody>
           <a:bodyPr/>
           <a:lstStyle/>
           <a:p>
+            <a:pPr marL="0" indent="0">
+              <a:buNone/>
+            </a:pPr>
             <a:r>
               <a:rPr lang="en-US" dirty="0" smtClean="0"/>
-              <a:t>Tips &amp; Tricks</a:t>
+              <a:t>select * </a:t>
+            </a:r>
+          </a:p>
+          <a:p>
+            <a:pPr marL="0" indent="0">
+              <a:buNone/>
+            </a:pPr>
+            <a:r>
+              <a:rPr lang="en-US" dirty="0" smtClean="0"/>
+              <a:t>from person </a:t>
+            </a:r>
+          </a:p>
+          <a:p>
+            <a:pPr marL="0" indent="0">
+              <a:buNone/>
+            </a:pPr>
+            <a:r>
+              <a:rPr lang="en-US" dirty="0" smtClean="0"/>
+              <a:t>order by ${</a:t>
+            </a:r>
+            <a:r>
+              <a:rPr lang="en-US" dirty="0" err="1" smtClean="0"/>
+              <a:t>sortField</a:t>
+            </a:r>
+            <a:r>
+              <a:rPr lang="en-US" dirty="0" smtClean="0"/>
+              <a:t>}</a:t>
             </a:r>
             <a:endParaRPr lang="ru-RU" dirty="0"/>
+          </a:p>
+        </p:txBody>
+      </p:sp>
+      <p:sp>
+        <p:nvSpPr>
+          <p:cNvPr id="4" name="Объект 2"/>
+          <p:cNvSpPr txBox="1">
+            <a:spLocks/>
+          </p:cNvSpPr>
+          <p:nvPr/>
+        </p:nvSpPr>
+        <p:spPr>
+          <a:xfrm>
+            <a:off x="539552" y="3861048"/>
+            <a:ext cx="8229600" cy="1756792"/>
+          </a:xfrm>
+          <a:prstGeom prst="rect">
+            <a:avLst/>
+          </a:prstGeom>
+        </p:spPr>
+        <p:txBody>
+          <a:bodyPr vert="horz" lIns="91440" tIns="45720" rIns="91440" bIns="45720" rtlCol="0">
+            <a:noAutofit/>
+          </a:bodyPr>
+          <a:lstStyle>
+            <a:lvl1pPr marL="342900" indent="-342900" algn="l" defTabSz="914400" rtl="0" eaLnBrk="1" latinLnBrk="0" hangingPunct="1">
+              <a:spcBef>
+                <a:spcPct val="20000"/>
+              </a:spcBef>
+              <a:buFont typeface="Arial" pitchFamily="34" charset="0"/>
+              <a:buChar char="•"/>
+              <a:defRPr sz="3200" kern="1200">
+                <a:solidFill>
+                  <a:schemeClr val="tx1"/>
+                </a:solidFill>
+                <a:latin typeface="+mn-lt"/>
+                <a:ea typeface="+mn-ea"/>
+                <a:cs typeface="+mn-cs"/>
+              </a:defRPr>
+            </a:lvl1pPr>
+            <a:lvl2pPr marL="742950" indent="-285750" algn="l" defTabSz="914400" rtl="0" eaLnBrk="1" latinLnBrk="0" hangingPunct="1">
+              <a:spcBef>
+                <a:spcPct val="20000"/>
+              </a:spcBef>
+              <a:buFont typeface="Arial" pitchFamily="34" charset="0"/>
+              <a:buChar char="–"/>
+              <a:defRPr sz="2800" kern="1200">
+                <a:solidFill>
+                  <a:schemeClr val="tx1"/>
+                </a:solidFill>
+                <a:latin typeface="+mn-lt"/>
+                <a:ea typeface="+mn-ea"/>
+                <a:cs typeface="+mn-cs"/>
+              </a:defRPr>
+            </a:lvl2pPr>
+            <a:lvl3pPr marL="1143000" indent="-228600" algn="l" defTabSz="914400" rtl="0" eaLnBrk="1" latinLnBrk="0" hangingPunct="1">
+              <a:spcBef>
+                <a:spcPct val="20000"/>
+              </a:spcBef>
+              <a:buFont typeface="Arial" pitchFamily="34" charset="0"/>
+              <a:buChar char="•"/>
+              <a:defRPr sz="2400" kern="1200">
+                <a:solidFill>
+                  <a:schemeClr val="tx1"/>
+                </a:solidFill>
+                <a:latin typeface="+mn-lt"/>
+                <a:ea typeface="+mn-ea"/>
+                <a:cs typeface="+mn-cs"/>
+              </a:defRPr>
+            </a:lvl3pPr>
+            <a:lvl4pPr marL="1600200" indent="-228600" algn="l" defTabSz="914400" rtl="0" eaLnBrk="1" latinLnBrk="0" hangingPunct="1">
+              <a:spcBef>
+                <a:spcPct val="20000"/>
+              </a:spcBef>
+              <a:buFont typeface="Arial" pitchFamily="34" charset="0"/>
+              <a:buChar char="–"/>
+              <a:defRPr sz="2000" kern="1200">
+                <a:solidFill>
+                  <a:schemeClr val="tx1"/>
+                </a:solidFill>
+                <a:latin typeface="+mn-lt"/>
+                <a:ea typeface="+mn-ea"/>
+                <a:cs typeface="+mn-cs"/>
+              </a:defRPr>
+            </a:lvl4pPr>
+            <a:lvl5pPr marL="2057400" indent="-228600" algn="l" defTabSz="914400" rtl="0" eaLnBrk="1" latinLnBrk="0" hangingPunct="1">
+              <a:spcBef>
+                <a:spcPct val="20000"/>
+              </a:spcBef>
+              <a:buFont typeface="Arial" pitchFamily="34" charset="0"/>
+              <a:buChar char="»"/>
+              <a:defRPr sz="2000" kern="1200">
+                <a:solidFill>
+                  <a:schemeClr val="tx1"/>
+                </a:solidFill>
+                <a:latin typeface="+mn-lt"/>
+                <a:ea typeface="+mn-ea"/>
+                <a:cs typeface="+mn-cs"/>
+              </a:defRPr>
+            </a:lvl5pPr>
+            <a:lvl6pPr marL="2514600" indent="-228600" algn="l" defTabSz="914400" rtl="0" eaLnBrk="1" latinLnBrk="0" hangingPunct="1">
+              <a:spcBef>
+                <a:spcPct val="20000"/>
+              </a:spcBef>
+              <a:buFont typeface="Arial" pitchFamily="34" charset="0"/>
+              <a:buChar char="•"/>
+              <a:defRPr sz="2000" kern="1200">
+                <a:solidFill>
+                  <a:schemeClr val="tx1"/>
+                </a:solidFill>
+                <a:latin typeface="+mn-lt"/>
+                <a:ea typeface="+mn-ea"/>
+                <a:cs typeface="+mn-cs"/>
+              </a:defRPr>
+            </a:lvl6pPr>
+            <a:lvl7pPr marL="2971800" indent="-228600" algn="l" defTabSz="914400" rtl="0" eaLnBrk="1" latinLnBrk="0" hangingPunct="1">
+              <a:spcBef>
+                <a:spcPct val="20000"/>
+              </a:spcBef>
+              <a:buFont typeface="Arial" pitchFamily="34" charset="0"/>
+              <a:buChar char="•"/>
+              <a:defRPr sz="2000" kern="1200">
+                <a:solidFill>
+                  <a:schemeClr val="tx1"/>
+                </a:solidFill>
+                <a:latin typeface="+mn-lt"/>
+                <a:ea typeface="+mn-ea"/>
+                <a:cs typeface="+mn-cs"/>
+              </a:defRPr>
+            </a:lvl7pPr>
+            <a:lvl8pPr marL="3429000" indent="-228600" algn="l" defTabSz="914400" rtl="0" eaLnBrk="1" latinLnBrk="0" hangingPunct="1">
+              <a:spcBef>
+                <a:spcPct val="20000"/>
+              </a:spcBef>
+              <a:buFont typeface="Arial" pitchFamily="34" charset="0"/>
+              <a:buChar char="•"/>
+              <a:defRPr sz="2000" kern="1200">
+                <a:solidFill>
+                  <a:schemeClr val="tx1"/>
+                </a:solidFill>
+                <a:latin typeface="+mn-lt"/>
+                <a:ea typeface="+mn-ea"/>
+                <a:cs typeface="+mn-cs"/>
+              </a:defRPr>
+            </a:lvl8pPr>
+            <a:lvl9pPr marL="3886200" indent="-228600" algn="l" defTabSz="914400" rtl="0" eaLnBrk="1" latinLnBrk="0" hangingPunct="1">
+              <a:spcBef>
+                <a:spcPct val="20000"/>
+              </a:spcBef>
+              <a:buFont typeface="Arial" pitchFamily="34" charset="0"/>
+              <a:buChar char="•"/>
+              <a:defRPr sz="2000" kern="1200">
+                <a:solidFill>
+                  <a:schemeClr val="tx1"/>
+                </a:solidFill>
+                <a:latin typeface="+mn-lt"/>
+                <a:ea typeface="+mn-ea"/>
+                <a:cs typeface="+mn-cs"/>
+              </a:defRPr>
+            </a:lvl9pPr>
+          </a:lstStyle>
+          <a:p>
+            <a:pPr marL="0" indent="0" algn="ctr">
+              <a:buFont typeface="Arial" pitchFamily="34" charset="0"/>
+              <a:buNone/>
+            </a:pPr>
+            <a:r>
+              <a:rPr lang="ru-RU" sz="4000" dirty="0" smtClean="0"/>
+              <a:t>Что если пользователь выбирает сам по какому полю объекта сортировать?</a:t>
+            </a:r>
+            <a:endParaRPr lang="ru-RU" sz="4000" dirty="0"/>
           </a:p>
         </p:txBody>
       </p:sp>
     </p:spTree>
     <p:extLst>
       <p:ext uri="{BB962C8B-B14F-4D97-AF65-F5344CB8AC3E}">
-        <p14:creationId xmlns:p14="http://schemas.microsoft.com/office/powerpoint/2010/main" val="3842514121"/>
+        <p14:creationId xmlns:p14="http://schemas.microsoft.com/office/powerpoint/2010/main" val="1569747165"/>
       </p:ext>
     </p:extLst>
   </p:cSld>
   <p:clrMapOvr>
     <a:masterClrMapping/>
   </p:clrMapOvr>
+  <p:timing>
+    <p:tnLst>
+      <p:par>
+        <p:cTn id="1" dur="indefinite" restart="never" nodeType="tmRoot"/>
+      </p:par>
+    </p:tnLst>
+  </p:timing>
 </p:sld>
 </file>
 
-<file path=ppt/slides/slide6.xml><?xml version="1.0" encoding="utf-8"?>
+<file path=ppt/slides/slide2.xml><?xml version="1.0" encoding="utf-8"?>
 <p:sld xmlns:a="http://schemas.openxmlformats.org/drawingml/2006/main" xmlns:r="http://schemas.openxmlformats.org/officeDocument/2006/relationships" xmlns:p="http://schemas.openxmlformats.org/presentationml/2006/main">
   <p:cSld>
     <p:spTree>
@@ -5072,22 +6085,19 @@
             <p:ph type="title"/>
           </p:nvPr>
         </p:nvSpPr>
-        <p:spPr/>
+        <p:spPr>
+          <a:xfrm>
+            <a:off x="467544" y="476672"/>
+            <a:ext cx="8229600" cy="1143000"/>
+          </a:xfrm>
+        </p:spPr>
         <p:txBody>
           <a:bodyPr/>
           <a:lstStyle/>
           <a:p>
             <a:r>
-              <a:rPr lang="en-US" dirty="0" smtClean="0"/>
-              <a:t>$ </a:t>
-            </a:r>
-            <a:r>
               <a:rPr lang="en-US" dirty="0" err="1" smtClean="0"/>
-              <a:t>vs</a:t>
-            </a:r>
-            <a:r>
-              <a:rPr lang="en-US" dirty="0" smtClean="0"/>
-              <a:t> #</a:t>
+              <a:t>MyBatis</a:t>
             </a:r>
             <a:endParaRPr lang="ru-RU" dirty="0"/>
           </a:p>
@@ -5095,7 +6105,7 @@
       </p:sp>
       <p:sp>
         <p:nvSpPr>
-          <p:cNvPr id="3" name="Объект 2"/>
+          <p:cNvPr id="4" name="Объект 2"/>
           <p:cNvSpPr>
             <a:spLocks noGrp="1"/>
           </p:cNvSpPr>
@@ -5106,105 +6116,75 @@
         <p:spPr>
           <a:xfrm>
             <a:off x="457200" y="1600200"/>
-            <a:ext cx="8507288" cy="4525963"/>
+            <a:ext cx="8291264" cy="4525963"/>
           </a:xfrm>
         </p:spPr>
         <p:txBody>
           <a:bodyPr/>
           <a:lstStyle/>
           <a:p>
+            <a:pPr marL="0" indent="0">
+              <a:buNone/>
+            </a:pPr>
             <a:r>
               <a:rPr lang="en-US" dirty="0" smtClean="0"/>
-              <a:t>${id} </a:t>
+              <a:t>+ Legacy DB</a:t>
+            </a:r>
+          </a:p>
+          <a:p>
+            <a:pPr marL="0" indent="0">
+              <a:buNone/>
+            </a:pPr>
+            <a:r>
+              <a:rPr lang="en-US" dirty="0" smtClean="0"/>
+              <a:t>+ </a:t>
             </a:r>
             <a:r>
               <a:rPr lang="ru-RU" dirty="0" smtClean="0"/>
-              <a:t>вставляет подстроку</a:t>
-            </a:r>
-          </a:p>
-          <a:p>
-            <a:pPr marL="457200" lvl="1" indent="0">
-              <a:buNone/>
-            </a:pPr>
+              <a:t>Легковесный и быстрый</a:t>
+            </a:r>
+          </a:p>
+          <a:p>
+            <a:pPr marL="0" indent="0">
+              <a:buNone/>
+            </a:pPr>
+            <a:r>
+              <a:rPr lang="ru-RU" dirty="0" smtClean="0"/>
+              <a:t>+ Легко освоить</a:t>
+            </a:r>
+          </a:p>
+          <a:p>
+            <a:pPr marL="0" indent="0">
+              <a:buNone/>
+            </a:pPr>
+            <a:r>
+              <a:rPr lang="ru-RU" dirty="0" smtClean="0"/>
+              <a:t>+ Чистый </a:t>
+            </a:r>
             <a:r>
               <a:rPr lang="en-US" dirty="0" smtClean="0"/>
-              <a:t>	select * from ${schema}.users</a:t>
-            </a:r>
-          </a:p>
-          <a:p>
-            <a:pPr marL="457200" lvl="1" indent="0">
-              <a:buNone/>
-            </a:pPr>
-            <a:r>
-              <a:rPr lang="en-US" dirty="0"/>
-              <a:t>	</a:t>
-            </a:r>
-            <a:r>
-              <a:rPr lang="en-US" dirty="0" smtClean="0"/>
-              <a:t> -&gt; </a:t>
-            </a:r>
-            <a:r>
-              <a:rPr lang="en-US" dirty="0"/>
-              <a:t>	select * from </a:t>
-            </a:r>
-            <a:r>
-              <a:rPr lang="en-US" dirty="0" err="1" smtClean="0"/>
-              <a:t>secur.users</a:t>
-            </a:r>
-            <a:endParaRPr lang="en-US" dirty="0"/>
-          </a:p>
-          <a:p>
-            <a:r>
-              <a:rPr lang="en-US" dirty="0" smtClean="0"/>
-              <a:t>#{id} </a:t>
-            </a:r>
+              <a:t>SQL</a:t>
+            </a:r>
+          </a:p>
+          <a:p>
+            <a:pPr>
+              <a:buFontTx/>
+              <a:buChar char="-"/>
+            </a:pPr>
             <a:r>
               <a:rPr lang="ru-RU" dirty="0" smtClean="0"/>
-              <a:t>создает параметризованный запрос</a:t>
-            </a:r>
-          </a:p>
-          <a:p>
-            <a:pPr marL="457200" lvl="1" indent="0">
-              <a:buNone/>
-            </a:pPr>
-            <a:r>
-              <a:rPr lang="en-US" dirty="0"/>
-              <a:t>	select * from </a:t>
-            </a:r>
-            <a:r>
-              <a:rPr lang="en-US" dirty="0" err="1" smtClean="0"/>
-              <a:t>secur.users</a:t>
-            </a:r>
-            <a:r>
-              <a:rPr lang="en-US" dirty="0" smtClean="0"/>
-              <a:t> where id=#{id}</a:t>
-            </a:r>
-            <a:endParaRPr lang="en-US" dirty="0"/>
-          </a:p>
-          <a:p>
-            <a:pPr marL="457200" lvl="1" indent="0">
-              <a:buNone/>
-            </a:pPr>
-            <a:r>
-              <a:rPr lang="en-US" dirty="0"/>
-              <a:t>	 -&gt; 	select * from </a:t>
-            </a:r>
-            <a:r>
-              <a:rPr lang="en-US" dirty="0" err="1"/>
-              <a:t>secur.users</a:t>
-            </a:r>
-            <a:r>
-              <a:rPr lang="en-US" dirty="0"/>
-              <a:t> where id=#{id}</a:t>
-            </a:r>
-          </a:p>
-          <a:p>
-            <a:endParaRPr lang="en-US" dirty="0"/>
-          </a:p>
-          <a:p>
-            <a:pPr marL="457200" lvl="1" indent="0">
-              <a:buNone/>
-            </a:pPr>
+              <a:t>Больше кода</a:t>
+            </a:r>
+          </a:p>
+          <a:p>
+            <a:pPr>
+              <a:buFontTx/>
+              <a:buChar char="-"/>
+            </a:pPr>
+            <a:r>
+              <a:rPr lang="ru-RU" dirty="0" smtClean="0"/>
+              <a:t>Сложнее поддерживать несколько БД</a:t>
+            </a:r>
             <a:endParaRPr lang="ru-RU" dirty="0"/>
           </a:p>
         </p:txBody>
@@ -5212,7 +6192,7 @@
     </p:spTree>
     <p:extLst>
       <p:ext uri="{BB962C8B-B14F-4D97-AF65-F5344CB8AC3E}">
-        <p14:creationId xmlns:p14="http://schemas.microsoft.com/office/powerpoint/2010/main" val="1791513792"/>
+        <p14:creationId xmlns:p14="http://schemas.microsoft.com/office/powerpoint/2010/main" val="2023344357"/>
       </p:ext>
     </p:extLst>
   </p:cSld>
@@ -5222,7 +6202,7 @@
 </p:sld>
 </file>
 
-<file path=ppt/slides/slide7.xml><?xml version="1.0" encoding="utf-8"?>
+<file path=ppt/slides/slide20.xml><?xml version="1.0" encoding="utf-8"?>
 <p:sld xmlns:a="http://schemas.openxmlformats.org/drawingml/2006/main" xmlns:r="http://schemas.openxmlformats.org/officeDocument/2006/relationships" xmlns:p="http://schemas.openxmlformats.org/presentationml/2006/main">
   <p:cSld>
     <p:spTree>
@@ -5255,179 +6235,357 @@
           <a:lstStyle/>
           <a:p>
             <a:r>
+              <a:rPr lang="ru-RU" dirty="0"/>
+              <a:t>Сортировка</a:t>
+            </a:r>
+          </a:p>
+        </p:txBody>
+      </p:sp>
+      <p:sp>
+        <p:nvSpPr>
+          <p:cNvPr id="3" name="Объект 2"/>
+          <p:cNvSpPr>
+            <a:spLocks noGrp="1"/>
+          </p:cNvSpPr>
+          <p:nvPr>
+            <p:ph idx="1"/>
+          </p:nvPr>
+        </p:nvSpPr>
+        <p:spPr>
+          <a:xfrm>
+            <a:off x="457200" y="1600201"/>
+            <a:ext cx="8229600" cy="1324744"/>
+          </a:xfrm>
+        </p:spPr>
+        <p:txBody>
+          <a:bodyPr/>
+          <a:lstStyle/>
+          <a:p>
+            <a:r>
               <a:rPr lang="ru-RU" dirty="0" smtClean="0"/>
-              <a:t>Где использовать </a:t>
+              <a:t>Необходимо знать </a:t>
+            </a:r>
+            <a:r>
+              <a:rPr lang="ru-RU" dirty="0" err="1" smtClean="0"/>
+              <a:t>маппинг</a:t>
+            </a:r>
+            <a:endParaRPr lang="ru-RU" dirty="0" smtClean="0"/>
+          </a:p>
+          <a:p>
+            <a:pPr lvl="1"/>
+            <a:r>
+              <a:rPr lang="ru-RU" dirty="0" err="1" smtClean="0"/>
+              <a:t>ПолеОбъекта</a:t>
+            </a:r>
+            <a:r>
+              <a:rPr lang="ru-RU" dirty="0" smtClean="0"/>
+              <a:t>    -</a:t>
             </a:r>
             <a:r>
               <a:rPr lang="en-US" dirty="0" smtClean="0"/>
-              <a:t>$?</a:t>
-            </a:r>
+              <a:t>&gt; </a:t>
+            </a:r>
+            <a:r>
+              <a:rPr lang="ru-RU" dirty="0" smtClean="0"/>
+              <a:t>   </a:t>
+            </a:r>
+            <a:r>
+              <a:rPr lang="ru-RU" dirty="0" err="1" smtClean="0"/>
+              <a:t>СтолбецТаблицы</a:t>
+            </a:r>
+            <a:endParaRPr lang="ru-RU" dirty="0" smtClean="0"/>
+          </a:p>
+          <a:p>
+            <a:pPr lvl="1"/>
             <a:endParaRPr lang="ru-RU" dirty="0"/>
           </a:p>
-        </p:txBody>
-      </p:sp>
-      <p:sp>
-        <p:nvSpPr>
-          <p:cNvPr id="3" name="Объект 2"/>
-          <p:cNvSpPr>
-            <a:spLocks noGrp="1"/>
-          </p:cNvSpPr>
-          <p:nvPr>
-            <p:ph idx="1"/>
-          </p:nvPr>
-        </p:nvSpPr>
-        <p:spPr/>
-        <p:txBody>
-          <a:bodyPr>
-            <a:normAutofit lnSpcReduction="10000"/>
+          <a:p>
+            <a:pPr marL="457200" lvl="1" indent="0">
+              <a:buNone/>
+            </a:pPr>
+            <a:endParaRPr lang="ru-RU" dirty="0"/>
+          </a:p>
+        </p:txBody>
+      </p:sp>
+      <p:sp>
+        <p:nvSpPr>
+          <p:cNvPr id="4" name="Объект 2"/>
+          <p:cNvSpPr txBox="1">
+            <a:spLocks/>
+          </p:cNvSpPr>
+          <p:nvPr/>
+        </p:nvSpPr>
+        <p:spPr>
+          <a:xfrm>
+            <a:off x="598323" y="3284984"/>
+            <a:ext cx="8229600" cy="3312368"/>
+          </a:xfrm>
+          <a:prstGeom prst="rect">
+            <a:avLst/>
+          </a:prstGeom>
+        </p:spPr>
+        <p:txBody>
+          <a:bodyPr vert="horz" lIns="91440" tIns="45720" rIns="91440" bIns="45720" rtlCol="0">
+            <a:normAutofit/>
           </a:bodyPr>
-          <a:lstStyle/>
+          <a:lstStyle>
+            <a:lvl1pPr marL="342900" indent="-342900" algn="l" defTabSz="914400" rtl="0" eaLnBrk="1" latinLnBrk="0" hangingPunct="1">
+              <a:spcBef>
+                <a:spcPct val="20000"/>
+              </a:spcBef>
+              <a:buFont typeface="Arial" pitchFamily="34" charset="0"/>
+              <a:buChar char="•"/>
+              <a:defRPr sz="3200" kern="1200">
+                <a:solidFill>
+                  <a:schemeClr val="tx1"/>
+                </a:solidFill>
+                <a:latin typeface="+mn-lt"/>
+                <a:ea typeface="+mn-ea"/>
+                <a:cs typeface="+mn-cs"/>
+              </a:defRPr>
+            </a:lvl1pPr>
+            <a:lvl2pPr marL="742950" indent="-285750" algn="l" defTabSz="914400" rtl="0" eaLnBrk="1" latinLnBrk="0" hangingPunct="1">
+              <a:spcBef>
+                <a:spcPct val="20000"/>
+              </a:spcBef>
+              <a:buFont typeface="Arial" pitchFamily="34" charset="0"/>
+              <a:buChar char="–"/>
+              <a:defRPr sz="2800" kern="1200">
+                <a:solidFill>
+                  <a:schemeClr val="tx1"/>
+                </a:solidFill>
+                <a:latin typeface="+mn-lt"/>
+                <a:ea typeface="+mn-ea"/>
+                <a:cs typeface="+mn-cs"/>
+              </a:defRPr>
+            </a:lvl2pPr>
+            <a:lvl3pPr marL="1143000" indent="-228600" algn="l" defTabSz="914400" rtl="0" eaLnBrk="1" latinLnBrk="0" hangingPunct="1">
+              <a:spcBef>
+                <a:spcPct val="20000"/>
+              </a:spcBef>
+              <a:buFont typeface="Arial" pitchFamily="34" charset="0"/>
+              <a:buChar char="•"/>
+              <a:defRPr sz="2400" kern="1200">
+                <a:solidFill>
+                  <a:schemeClr val="tx1"/>
+                </a:solidFill>
+                <a:latin typeface="+mn-lt"/>
+                <a:ea typeface="+mn-ea"/>
+                <a:cs typeface="+mn-cs"/>
+              </a:defRPr>
+            </a:lvl3pPr>
+            <a:lvl4pPr marL="1600200" indent="-228600" algn="l" defTabSz="914400" rtl="0" eaLnBrk="1" latinLnBrk="0" hangingPunct="1">
+              <a:spcBef>
+                <a:spcPct val="20000"/>
+              </a:spcBef>
+              <a:buFont typeface="Arial" pitchFamily="34" charset="0"/>
+              <a:buChar char="–"/>
+              <a:defRPr sz="2000" kern="1200">
+                <a:solidFill>
+                  <a:schemeClr val="tx1"/>
+                </a:solidFill>
+                <a:latin typeface="+mn-lt"/>
+                <a:ea typeface="+mn-ea"/>
+                <a:cs typeface="+mn-cs"/>
+              </a:defRPr>
+            </a:lvl4pPr>
+            <a:lvl5pPr marL="2057400" indent="-228600" algn="l" defTabSz="914400" rtl="0" eaLnBrk="1" latinLnBrk="0" hangingPunct="1">
+              <a:spcBef>
+                <a:spcPct val="20000"/>
+              </a:spcBef>
+              <a:buFont typeface="Arial" pitchFamily="34" charset="0"/>
+              <a:buChar char="»"/>
+              <a:defRPr sz="2000" kern="1200">
+                <a:solidFill>
+                  <a:schemeClr val="tx1"/>
+                </a:solidFill>
+                <a:latin typeface="+mn-lt"/>
+                <a:ea typeface="+mn-ea"/>
+                <a:cs typeface="+mn-cs"/>
+              </a:defRPr>
+            </a:lvl5pPr>
+            <a:lvl6pPr marL="2514600" indent="-228600" algn="l" defTabSz="914400" rtl="0" eaLnBrk="1" latinLnBrk="0" hangingPunct="1">
+              <a:spcBef>
+                <a:spcPct val="20000"/>
+              </a:spcBef>
+              <a:buFont typeface="Arial" pitchFamily="34" charset="0"/>
+              <a:buChar char="•"/>
+              <a:defRPr sz="2000" kern="1200">
+                <a:solidFill>
+                  <a:schemeClr val="tx1"/>
+                </a:solidFill>
+                <a:latin typeface="+mn-lt"/>
+                <a:ea typeface="+mn-ea"/>
+                <a:cs typeface="+mn-cs"/>
+              </a:defRPr>
+            </a:lvl6pPr>
+            <a:lvl7pPr marL="2971800" indent="-228600" algn="l" defTabSz="914400" rtl="0" eaLnBrk="1" latinLnBrk="0" hangingPunct="1">
+              <a:spcBef>
+                <a:spcPct val="20000"/>
+              </a:spcBef>
+              <a:buFont typeface="Arial" pitchFamily="34" charset="0"/>
+              <a:buChar char="•"/>
+              <a:defRPr sz="2000" kern="1200">
+                <a:solidFill>
+                  <a:schemeClr val="tx1"/>
+                </a:solidFill>
+                <a:latin typeface="+mn-lt"/>
+                <a:ea typeface="+mn-ea"/>
+                <a:cs typeface="+mn-cs"/>
+              </a:defRPr>
+            </a:lvl7pPr>
+            <a:lvl8pPr marL="3429000" indent="-228600" algn="l" defTabSz="914400" rtl="0" eaLnBrk="1" latinLnBrk="0" hangingPunct="1">
+              <a:spcBef>
+                <a:spcPct val="20000"/>
+              </a:spcBef>
+              <a:buFont typeface="Arial" pitchFamily="34" charset="0"/>
+              <a:buChar char="•"/>
+              <a:defRPr sz="2000" kern="1200">
+                <a:solidFill>
+                  <a:schemeClr val="tx1"/>
+                </a:solidFill>
+                <a:latin typeface="+mn-lt"/>
+                <a:ea typeface="+mn-ea"/>
+                <a:cs typeface="+mn-cs"/>
+              </a:defRPr>
+            </a:lvl8pPr>
+            <a:lvl9pPr marL="3886200" indent="-228600" algn="l" defTabSz="914400" rtl="0" eaLnBrk="1" latinLnBrk="0" hangingPunct="1">
+              <a:spcBef>
+                <a:spcPct val="20000"/>
+              </a:spcBef>
+              <a:buFont typeface="Arial" pitchFamily="34" charset="0"/>
+              <a:buChar char="•"/>
+              <a:defRPr sz="2000" kern="1200">
+                <a:solidFill>
+                  <a:schemeClr val="tx1"/>
+                </a:solidFill>
+                <a:latin typeface="+mn-lt"/>
+                <a:ea typeface="+mn-ea"/>
+                <a:cs typeface="+mn-cs"/>
+              </a:defRPr>
+            </a:lvl9pPr>
+          </a:lstStyle>
           <a:p>
             <a:r>
               <a:rPr lang="ru-RU" dirty="0" smtClean="0"/>
-              <a:t>Где нельзя использовать параметр</a:t>
-            </a:r>
-          </a:p>
-          <a:p>
-            <a:pPr lvl="1"/>
-            <a:r>
-              <a:rPr lang="en-US" dirty="0" smtClean="0"/>
-              <a:t>select * from users order by ${field}</a:t>
-            </a:r>
-          </a:p>
-          <a:p>
-            <a:r>
-              <a:rPr lang="ru-RU" dirty="0" smtClean="0"/>
-              <a:t>Для конфигурационных настроек</a:t>
-            </a:r>
-          </a:p>
-          <a:p>
-            <a:pPr lvl="1"/>
-            <a:r>
-              <a:rPr lang="en-US" dirty="0"/>
-              <a:t>select * from ${schema}.users</a:t>
-            </a:r>
-          </a:p>
-          <a:p>
-            <a:pPr lvl="1"/>
-            <a:r>
-              <a:rPr lang="ru-RU" dirty="0" smtClean="0"/>
-              <a:t>Одна константа на всё приложение</a:t>
-            </a:r>
-            <a:endParaRPr lang="en-US" dirty="0" smtClean="0"/>
+              <a:t>Уже есть готовый </a:t>
+            </a:r>
+            <a:r>
+              <a:rPr lang="ru-RU" dirty="0" err="1" smtClean="0"/>
+              <a:t>маппинг</a:t>
+            </a:r>
+            <a:endParaRPr lang="ru-RU" dirty="0" smtClean="0"/>
+          </a:p>
+          <a:p>
+            <a:pPr marL="0" indent="0">
+              <a:buNone/>
+            </a:pPr>
+            <a:r>
+              <a:rPr lang="en-US" sz="2800" dirty="0"/>
+              <a:t>&lt;</a:t>
+            </a:r>
+            <a:r>
+              <a:rPr lang="en-US" sz="2800" dirty="0" err="1"/>
+              <a:t>resultMap</a:t>
+            </a:r>
+            <a:r>
+              <a:rPr lang="en-US" sz="2800" dirty="0"/>
+              <a:t> type="</a:t>
+            </a:r>
+            <a:r>
+              <a:rPr lang="en-US" sz="2800" b="1" dirty="0"/>
+              <a:t>Person</a:t>
+            </a:r>
+            <a:r>
+              <a:rPr lang="en-US" sz="2800" dirty="0"/>
+              <a:t>" id="</a:t>
+            </a:r>
+            <a:r>
+              <a:rPr lang="en-US" sz="2800" b="1" dirty="0" err="1"/>
+              <a:t>PersonMap</a:t>
+            </a:r>
+            <a:r>
+              <a:rPr lang="en-US" sz="2800" dirty="0"/>
+              <a:t>"&gt;</a:t>
+            </a:r>
+          </a:p>
+          <a:p>
+            <a:pPr marL="0" indent="0">
+              <a:buNone/>
+            </a:pPr>
+            <a:r>
+              <a:rPr lang="en-US" sz="2800" dirty="0"/>
+              <a:t>    &lt;id property="</a:t>
+            </a:r>
+            <a:r>
+              <a:rPr lang="en-US" sz="2800" b="1" dirty="0"/>
+              <a:t>id</a:t>
+            </a:r>
+            <a:r>
+              <a:rPr lang="en-US" sz="2800" dirty="0"/>
+              <a:t>" column="</a:t>
+            </a:r>
+            <a:r>
+              <a:rPr lang="en-US" sz="2800" b="1" dirty="0" err="1"/>
+              <a:t>person_id</a:t>
+            </a:r>
+            <a:r>
+              <a:rPr lang="en-US" sz="2800" dirty="0"/>
+              <a:t>"/&gt;</a:t>
+            </a:r>
+          </a:p>
+          <a:p>
+            <a:pPr marL="0" indent="0">
+              <a:buNone/>
+            </a:pPr>
+            <a:r>
+              <a:rPr lang="en-US" sz="2800" dirty="0"/>
+              <a:t>    &lt;result property="</a:t>
+            </a:r>
+            <a:r>
+              <a:rPr lang="en-US" sz="2800" b="1" dirty="0"/>
+              <a:t>name</a:t>
+            </a:r>
+            <a:r>
+              <a:rPr lang="en-US" sz="2800" dirty="0"/>
+              <a:t>" column="</a:t>
+            </a:r>
+            <a:r>
+              <a:rPr lang="en-US" sz="2800" b="1" dirty="0" err="1"/>
+              <a:t>person_name</a:t>
+            </a:r>
+            <a:r>
+              <a:rPr lang="en-US" sz="2800" dirty="0"/>
+              <a:t>"/&gt;</a:t>
+            </a:r>
+          </a:p>
+          <a:p>
+            <a:pPr marL="0" indent="0">
+              <a:buNone/>
+            </a:pPr>
+            <a:r>
+              <a:rPr lang="en-US" sz="2800" dirty="0"/>
+              <a:t>&lt;/</a:t>
+            </a:r>
+            <a:r>
+              <a:rPr lang="en-US" sz="2800" dirty="0" err="1"/>
+              <a:t>resultMap</a:t>
+            </a:r>
+            <a:r>
+              <a:rPr lang="en-US" sz="2800" dirty="0"/>
+              <a:t>&gt;</a:t>
+            </a:r>
+            <a:endParaRPr lang="ru-RU" sz="2800" dirty="0"/>
           </a:p>
           <a:p>
             <a:pPr marL="457200" lvl="1" indent="0">
               <a:buNone/>
             </a:pPr>
-            <a:r>
-              <a:rPr lang="ru-RU" sz="2000" dirty="0"/>
-              <a:t> </a:t>
-            </a:r>
-            <a:r>
-              <a:rPr lang="ru-RU" sz="2000" dirty="0" smtClean="0"/>
-              <a:t>   </a:t>
-            </a:r>
-            <a:r>
-              <a:rPr lang="en-US" sz="2000" dirty="0" smtClean="0"/>
-              <a:t>&lt;</a:t>
-            </a:r>
-            <a:r>
-              <a:rPr lang="en-US" sz="2000" dirty="0"/>
-              <a:t>configuration&gt;</a:t>
-            </a:r>
+            <a:endParaRPr lang="ru-RU" dirty="0" smtClean="0"/>
           </a:p>
           <a:p>
             <a:pPr marL="457200" lvl="1" indent="0">
-              <a:buNone/>
-            </a:pPr>
-            <a:r>
-              <a:rPr lang="ru-RU" sz="2000" dirty="0" smtClean="0"/>
-              <a:t>	</a:t>
-            </a:r>
-            <a:r>
-              <a:rPr lang="en-US" sz="2000" dirty="0" smtClean="0"/>
-              <a:t> </a:t>
-            </a:r>
-            <a:r>
-              <a:rPr lang="en-US" sz="2000" dirty="0"/>
-              <a:t>&lt;properties&gt;</a:t>
-            </a:r>
-          </a:p>
-          <a:p>
-            <a:pPr marL="457200" lvl="1" indent="0">
-              <a:buNone/>
-            </a:pPr>
-            <a:r>
-              <a:rPr lang="ru-RU" sz="2000" dirty="0" smtClean="0"/>
-              <a:t>	</a:t>
-            </a:r>
-            <a:r>
-              <a:rPr lang="en-US" sz="2000" dirty="0" smtClean="0"/>
-              <a:t>        </a:t>
-            </a:r>
-            <a:r>
-              <a:rPr lang="en-US" sz="2000" dirty="0"/>
-              <a:t>&lt;property name="</a:t>
-            </a:r>
-            <a:r>
-              <a:rPr lang="en-US" sz="2000" b="1" dirty="0"/>
-              <a:t>schema</a:t>
-            </a:r>
-            <a:r>
-              <a:rPr lang="en-US" sz="2000" dirty="0"/>
-              <a:t>" value</a:t>
-            </a:r>
-            <a:r>
-              <a:rPr lang="en-US" sz="2000" dirty="0" smtClean="0"/>
-              <a:t>="</a:t>
-            </a:r>
-            <a:r>
-              <a:rPr lang="en-US" sz="2000" b="1" dirty="0" err="1" smtClean="0"/>
-              <a:t>secur</a:t>
-            </a:r>
-            <a:r>
-              <a:rPr lang="en-US" sz="2000" dirty="0" smtClean="0"/>
-              <a:t>"/&gt;</a:t>
-            </a:r>
-            <a:endParaRPr lang="en-US" sz="2000" dirty="0"/>
-          </a:p>
-          <a:p>
-            <a:pPr marL="457200" lvl="1" indent="0">
-              <a:buNone/>
-            </a:pPr>
-            <a:r>
-              <a:rPr lang="ru-RU" sz="2000" dirty="0" smtClean="0"/>
-              <a:t>	</a:t>
-            </a:r>
-            <a:r>
-              <a:rPr lang="en-US" sz="2000" dirty="0" smtClean="0"/>
-              <a:t> </a:t>
-            </a:r>
-            <a:r>
-              <a:rPr lang="en-US" sz="2000" dirty="0"/>
-              <a:t>&lt;/properties</a:t>
-            </a:r>
-            <a:r>
-              <a:rPr lang="en-US" sz="2000" dirty="0" smtClean="0"/>
-              <a:t>&gt;</a:t>
-            </a:r>
-          </a:p>
-          <a:p>
-            <a:pPr marL="457200" lvl="1" indent="0">
-              <a:buNone/>
-            </a:pPr>
-            <a:r>
-              <a:rPr lang="en-US" sz="2000" dirty="0" smtClean="0"/>
-              <a:t>    &lt;/configuration</a:t>
-            </a:r>
-            <a:r>
-              <a:rPr lang="en-US" sz="2000" dirty="0"/>
-              <a:t>&gt;</a:t>
-            </a:r>
-          </a:p>
-          <a:p>
-            <a:pPr marL="457200" lvl="1" indent="0">
+              <a:buFont typeface="Arial" pitchFamily="34" charset="0"/>
               <a:buNone/>
             </a:pPr>
             <a:endParaRPr lang="ru-RU" dirty="0"/>
@@ -5437,7 +6595,7 @@
     </p:spTree>
     <p:extLst>
       <p:ext uri="{BB962C8B-B14F-4D97-AF65-F5344CB8AC3E}">
-        <p14:creationId xmlns:p14="http://schemas.microsoft.com/office/powerpoint/2010/main" val="2167138792"/>
+        <p14:creationId xmlns:p14="http://schemas.microsoft.com/office/powerpoint/2010/main" val="1758728336"/>
       </p:ext>
     </p:extLst>
   </p:cSld>
@@ -5447,7 +6605,7 @@
 </p:sld>
 </file>
 
-<file path=ppt/slides/slide8.xml><?xml version="1.0" encoding="utf-8"?>
+<file path=ppt/slides/slide21.xml><?xml version="1.0" encoding="utf-8"?>
 <p:sld xmlns:a="http://schemas.openxmlformats.org/drawingml/2006/main" xmlns:r="http://schemas.openxmlformats.org/officeDocument/2006/relationships" xmlns:p="http://schemas.openxmlformats.org/presentationml/2006/main">
   <p:cSld>
     <p:spTree>
@@ -5479,140 +6637,552 @@
           <a:bodyPr/>
           <a:lstStyle/>
           <a:p>
+            <a:endParaRPr lang="ru-RU"/>
+          </a:p>
+        </p:txBody>
+      </p:sp>
+      <p:sp>
+        <p:nvSpPr>
+          <p:cNvPr id="3" name="Объект 2"/>
+          <p:cNvSpPr>
+            <a:spLocks noGrp="1"/>
+          </p:cNvSpPr>
+          <p:nvPr>
+            <p:ph idx="1"/>
+          </p:nvPr>
+        </p:nvSpPr>
+        <p:spPr/>
+        <p:txBody>
+          <a:bodyPr>
+            <a:normAutofit/>
+          </a:bodyPr>
+          <a:lstStyle/>
+          <a:p>
+            <a:pPr marL="0" indent="0">
+              <a:buNone/>
+            </a:pPr>
+            <a:r>
+              <a:rPr lang="en-US" sz="2400" dirty="0" err="1"/>
+              <a:t>MappedStatement</a:t>
+            </a:r>
+            <a:r>
+              <a:rPr lang="en-US" sz="2400" dirty="0"/>
+              <a:t> </a:t>
+            </a:r>
+            <a:r>
+              <a:rPr lang="en-US" sz="2400" dirty="0" err="1"/>
+              <a:t>ms</a:t>
+            </a:r>
+            <a:r>
+              <a:rPr lang="en-US" sz="2400" dirty="0"/>
+              <a:t> = </a:t>
+            </a:r>
+            <a:r>
+              <a:rPr lang="en-US" sz="2400" dirty="0" err="1"/>
+              <a:t>config.getMappedStatement</a:t>
+            </a:r>
+            <a:r>
+              <a:rPr lang="en-US" sz="2400" dirty="0"/>
+              <a:t>(statement);</a:t>
+            </a:r>
+          </a:p>
+          <a:p>
+            <a:pPr marL="0" indent="0">
+              <a:buNone/>
+            </a:pPr>
+            <a:r>
+              <a:rPr lang="en-US" sz="2400" dirty="0"/>
+              <a:t>for (</a:t>
+            </a:r>
+            <a:r>
+              <a:rPr lang="en-US" sz="2400" dirty="0" err="1"/>
+              <a:t>ResultMapping</a:t>
+            </a:r>
+            <a:r>
+              <a:rPr lang="en-US" sz="2400" dirty="0"/>
+              <a:t> m : </a:t>
+            </a:r>
+          </a:p>
+          <a:p>
+            <a:pPr marL="0" indent="0">
+              <a:buNone/>
+            </a:pPr>
+            <a:r>
+              <a:rPr lang="en-US" sz="2400" dirty="0"/>
+              <a:t>	</a:t>
+            </a:r>
+            <a:r>
+              <a:rPr lang="en-US" sz="2400" dirty="0" err="1" smtClean="0"/>
+              <a:t>ms.getResultMaps</a:t>
+            </a:r>
+            <a:r>
+              <a:rPr lang="en-US" sz="2400" dirty="0"/>
+              <a:t>().get(0).</a:t>
+            </a:r>
+            <a:r>
+              <a:rPr lang="en-US" sz="2400" dirty="0" err="1"/>
+              <a:t>getPropertyResultMappings</a:t>
+            </a:r>
+            <a:r>
+              <a:rPr lang="en-US" sz="2400" dirty="0"/>
+              <a:t>()) {</a:t>
+            </a:r>
+          </a:p>
+          <a:p>
+            <a:pPr marL="0" indent="0">
+              <a:buNone/>
+            </a:pPr>
+            <a:r>
+              <a:rPr lang="en-US" sz="2400" dirty="0"/>
+              <a:t>	if (</a:t>
+            </a:r>
+            <a:r>
+              <a:rPr lang="en-US" sz="2400" dirty="0" err="1"/>
+              <a:t>m.getProperty</a:t>
+            </a:r>
+            <a:r>
+              <a:rPr lang="en-US" sz="2400" dirty="0"/>
+              <a:t>().</a:t>
+            </a:r>
+            <a:r>
+              <a:rPr lang="en-US" sz="2400" dirty="0" smtClean="0"/>
+              <a:t>equals(</a:t>
+            </a:r>
+            <a:r>
+              <a:rPr lang="en-US" sz="2400" dirty="0" err="1" smtClean="0"/>
+              <a:t>userEnteredSortField</a:t>
+            </a:r>
+            <a:r>
+              <a:rPr lang="en-US" sz="2400" dirty="0" smtClean="0"/>
+              <a:t>)) </a:t>
+            </a:r>
+            <a:r>
+              <a:rPr lang="en-US" sz="2400" dirty="0"/>
+              <a:t>{</a:t>
+            </a:r>
+          </a:p>
+          <a:p>
+            <a:pPr marL="0" indent="0">
+              <a:buNone/>
+            </a:pPr>
+            <a:r>
+              <a:rPr lang="en-US" sz="2400" dirty="0"/>
+              <a:t>		</a:t>
+            </a:r>
+            <a:r>
+              <a:rPr lang="en-US" sz="2400" dirty="0" err="1"/>
+              <a:t>sortColumnName</a:t>
+            </a:r>
+            <a:r>
+              <a:rPr lang="en-US" sz="2400" dirty="0"/>
+              <a:t> = </a:t>
+            </a:r>
+            <a:r>
+              <a:rPr lang="en-US" sz="2400" dirty="0" err="1"/>
+              <a:t>m.getColumn</a:t>
+            </a:r>
+            <a:r>
+              <a:rPr lang="en-US" sz="2400" dirty="0"/>
+              <a:t>();</a:t>
+            </a:r>
+          </a:p>
+          <a:p>
+            <a:pPr marL="0" indent="0">
+              <a:buNone/>
+            </a:pPr>
+            <a:r>
+              <a:rPr lang="en-US" sz="2400" dirty="0"/>
+              <a:t>		return </a:t>
+            </a:r>
+            <a:r>
+              <a:rPr lang="en-US" sz="2400" dirty="0" err="1"/>
+              <a:t>sortColumnName</a:t>
+            </a:r>
+            <a:r>
+              <a:rPr lang="en-US" sz="2400" dirty="0"/>
+              <a:t>;</a:t>
+            </a:r>
+          </a:p>
+          <a:p>
+            <a:pPr marL="0" indent="0">
+              <a:buNone/>
+            </a:pPr>
+            <a:r>
+              <a:rPr lang="en-US" sz="2400" dirty="0"/>
+              <a:t>	}</a:t>
+            </a:r>
+          </a:p>
+          <a:p>
+            <a:pPr marL="0" indent="0">
+              <a:buNone/>
+            </a:pPr>
+            <a:r>
+              <a:rPr lang="en-US" sz="2400" dirty="0"/>
+              <a:t>}</a:t>
+            </a:r>
+            <a:endParaRPr lang="ru-RU" sz="2400" dirty="0"/>
+          </a:p>
+        </p:txBody>
+      </p:sp>
+    </p:spTree>
+    <p:extLst>
+      <p:ext uri="{BB962C8B-B14F-4D97-AF65-F5344CB8AC3E}">
+        <p14:creationId xmlns:p14="http://schemas.microsoft.com/office/powerpoint/2010/main" val="3499139962"/>
+      </p:ext>
+    </p:extLst>
+  </p:cSld>
+  <p:clrMapOvr>
+    <a:masterClrMapping/>
+  </p:clrMapOvr>
+</p:sld>
+</file>
+
+<file path=ppt/slides/slide22.xml><?xml version="1.0" encoding="utf-8"?>
+<p:sld xmlns:a="http://schemas.openxmlformats.org/drawingml/2006/main" xmlns:r="http://schemas.openxmlformats.org/officeDocument/2006/relationships" xmlns:p="http://schemas.openxmlformats.org/presentationml/2006/main">
+  <p:cSld>
+    <p:spTree>
+      <p:nvGrpSpPr>
+        <p:cNvPr id="1" name=""/>
+        <p:cNvGrpSpPr/>
+        <p:nvPr/>
+      </p:nvGrpSpPr>
+      <p:grpSpPr>
+        <a:xfrm>
+          <a:off x="0" y="0"/>
+          <a:ext cx="0" cy="0"/>
+          <a:chOff x="0" y="0"/>
+          <a:chExt cx="0" cy="0"/>
+        </a:xfrm>
+      </p:grpSpPr>
+      <p:sp>
+        <p:nvSpPr>
+          <p:cNvPr id="2" name="Заголовок 1"/>
+          <p:cNvSpPr>
+            <a:spLocks noGrp="1"/>
+          </p:cNvSpPr>
+          <p:nvPr>
+            <p:ph type="title"/>
+          </p:nvPr>
+        </p:nvSpPr>
+        <p:spPr/>
+        <p:txBody>
+          <a:bodyPr/>
+          <a:lstStyle/>
+          <a:p>
             <a:r>
               <a:rPr lang="ru-RU" dirty="0" smtClean="0"/>
-              <a:t>Аудит и блокировка</a:t>
+              <a:t>Вопросы</a:t>
             </a:r>
             <a:endParaRPr lang="ru-RU" dirty="0"/>
           </a:p>
         </p:txBody>
       </p:sp>
-      <p:graphicFrame>
-        <p:nvGraphicFramePr>
-          <p:cNvPr id="4" name="Объект 3"/>
-          <p:cNvGraphicFramePr>
-            <a:graphicFrameLocks noGrp="1"/>
-          </p:cNvGraphicFramePr>
+      <p:sp>
+        <p:nvSpPr>
+          <p:cNvPr id="3" name="Объект 2"/>
+          <p:cNvSpPr>
+            <a:spLocks noGrp="1"/>
+          </p:cNvSpPr>
           <p:nvPr>
             <p:ph idx="1"/>
-            <p:extLst>
-              <p:ext uri="{D42A27DB-BD31-4B8C-83A1-F6EECF244321}">
-                <p14:modId xmlns:p14="http://schemas.microsoft.com/office/powerpoint/2010/main" val="3766658534"/>
-              </p:ext>
-            </p:extLst>
-          </p:nvPr>
-        </p:nvGraphicFramePr>
-        <p:xfrm>
-          <a:off x="2771800" y="1556792"/>
-          <a:ext cx="3456384" cy="2764905"/>
-        </p:xfrm>
-        <a:graphic>
-          <a:graphicData uri="http://schemas.openxmlformats.org/drawingml/2006/table">
-            <a:tbl>
-              <a:tblPr bandRow="1">
-                <a:tableStyleId>{5C22544A-7EE6-4342-B048-85BDC9FD1C3A}</a:tableStyleId>
-              </a:tblPr>
-              <a:tblGrid>
-                <a:gridCol w="3456384"/>
-              </a:tblGrid>
-              <a:tr h="552981">
-                <a:tc>
-                  <a:txBody>
-                    <a:bodyPr/>
-                    <a:lstStyle/>
-                    <a:p>
-                      <a:r>
-                        <a:rPr lang="en-US" sz="2800" dirty="0" smtClean="0"/>
-                        <a:t>CREATED_BY_USER</a:t>
-                      </a:r>
-                      <a:endParaRPr lang="ru-RU" sz="2800" dirty="0"/>
-                    </a:p>
-                  </a:txBody>
-                  <a:tcPr/>
-                </a:tc>
-              </a:tr>
-              <a:tr h="552981">
-                <a:tc>
-                  <a:txBody>
-                    <a:bodyPr/>
-                    <a:lstStyle/>
-                    <a:p>
-                      <a:r>
-                        <a:rPr lang="en-US" sz="2800" dirty="0" smtClean="0"/>
-                        <a:t>UPDATED_BY_USER</a:t>
-                      </a:r>
-                      <a:endParaRPr lang="ru-RU" sz="2800" dirty="0"/>
-                    </a:p>
-                  </a:txBody>
-                  <a:tcPr/>
-                </a:tc>
-              </a:tr>
-              <a:tr h="552981">
-                <a:tc>
-                  <a:txBody>
-                    <a:bodyPr/>
-                    <a:lstStyle/>
-                    <a:p>
-                      <a:r>
-                        <a:rPr lang="en-US" sz="2800" dirty="0" smtClean="0"/>
-                        <a:t>CREATED_DATETIME</a:t>
-                      </a:r>
-                      <a:endParaRPr lang="ru-RU" sz="2800" dirty="0"/>
-                    </a:p>
-                  </a:txBody>
-                  <a:tcPr/>
-                </a:tc>
-              </a:tr>
-              <a:tr h="552981">
-                <a:tc>
-                  <a:txBody>
-                    <a:bodyPr/>
-                    <a:lstStyle/>
-                    <a:p>
-                      <a:r>
-                        <a:rPr lang="en-US" sz="2800" dirty="0" smtClean="0"/>
-                        <a:t>UPDATED_DATETIME</a:t>
-                      </a:r>
-                      <a:endParaRPr lang="ru-RU" sz="2800" dirty="0"/>
-                    </a:p>
-                  </a:txBody>
-                  <a:tcPr/>
-                </a:tc>
-              </a:tr>
-              <a:tr h="552981">
-                <a:tc>
-                  <a:txBody>
-                    <a:bodyPr/>
-                    <a:lstStyle/>
-                    <a:p>
-                      <a:r>
-                        <a:rPr lang="en-US" sz="2800" dirty="0" smtClean="0"/>
-                        <a:t>RECORD_VERSION</a:t>
-                      </a:r>
-                      <a:endParaRPr lang="ru-RU" sz="2800" dirty="0"/>
-                    </a:p>
-                  </a:txBody>
-                  <a:tcPr/>
-                </a:tc>
-              </a:tr>
-            </a:tbl>
-          </a:graphicData>
-        </a:graphic>
-      </p:graphicFrame>
-      <p:sp>
-        <p:nvSpPr>
-          <p:cNvPr id="5" name="Правая фигурная скобка 4"/>
+          </p:nvPr>
+        </p:nvSpPr>
+        <p:spPr/>
+        <p:txBody>
+          <a:bodyPr/>
+          <a:lstStyle/>
+          <a:p>
+            <a:endParaRPr lang="ru-RU"/>
+          </a:p>
+        </p:txBody>
+      </p:sp>
+    </p:spTree>
+    <p:extLst>
+      <p:ext uri="{BB962C8B-B14F-4D97-AF65-F5344CB8AC3E}">
+        <p14:creationId xmlns:p14="http://schemas.microsoft.com/office/powerpoint/2010/main" val="2177463991"/>
+      </p:ext>
+    </p:extLst>
+  </p:cSld>
+  <p:clrMapOvr>
+    <a:masterClrMapping/>
+  </p:clrMapOvr>
+</p:sld>
+</file>
+
+<file path=ppt/slides/slide23.xml><?xml version="1.0" encoding="utf-8"?>
+<p:sld xmlns:a="http://schemas.openxmlformats.org/drawingml/2006/main" xmlns:r="http://schemas.openxmlformats.org/officeDocument/2006/relationships" xmlns:p="http://schemas.openxmlformats.org/presentationml/2006/main">
+  <p:cSld>
+    <p:spTree>
+      <p:nvGrpSpPr>
+        <p:cNvPr id="1" name=""/>
+        <p:cNvGrpSpPr/>
+        <p:nvPr/>
+      </p:nvGrpSpPr>
+      <p:grpSpPr>
+        <a:xfrm>
+          <a:off x="0" y="0"/>
+          <a:ext cx="0" cy="0"/>
+          <a:chOff x="0" y="0"/>
+          <a:chExt cx="0" cy="0"/>
+        </a:xfrm>
+      </p:grpSpPr>
+      <p:sp>
+        <p:nvSpPr>
+          <p:cNvPr id="2" name="Заголовок 1"/>
+          <p:cNvSpPr>
+            <a:spLocks noGrp="1"/>
+          </p:cNvSpPr>
+          <p:nvPr>
+            <p:ph type="title"/>
+          </p:nvPr>
+        </p:nvSpPr>
+        <p:spPr/>
+        <p:txBody>
+          <a:bodyPr/>
+          <a:lstStyle/>
+          <a:p>
+            <a:r>
+              <a:rPr lang="ru-RU" dirty="0" smtClean="0"/>
+              <a:t>Спасибо за внимание</a:t>
+            </a:r>
+            <a:endParaRPr lang="ru-RU" dirty="0"/>
+          </a:p>
+        </p:txBody>
+      </p:sp>
+      <p:sp>
+        <p:nvSpPr>
+          <p:cNvPr id="3" name="Объект 2"/>
+          <p:cNvSpPr>
+            <a:spLocks noGrp="1"/>
+          </p:cNvSpPr>
+          <p:nvPr>
+            <p:ph idx="1"/>
+          </p:nvPr>
+        </p:nvSpPr>
+        <p:spPr/>
+        <p:txBody>
+          <a:bodyPr/>
+          <a:lstStyle/>
+          <a:p>
+            <a:endParaRPr lang="ru-RU"/>
+          </a:p>
+        </p:txBody>
+      </p:sp>
+    </p:spTree>
+    <p:extLst>
+      <p:ext uri="{BB962C8B-B14F-4D97-AF65-F5344CB8AC3E}">
+        <p14:creationId xmlns:p14="http://schemas.microsoft.com/office/powerpoint/2010/main" val="713900915"/>
+      </p:ext>
+    </p:extLst>
+  </p:cSld>
+  <p:clrMapOvr>
+    <a:masterClrMapping/>
+  </p:clrMapOvr>
+</p:sld>
+</file>
+
+<file path=ppt/slides/slide3.xml><?xml version="1.0" encoding="utf-8"?>
+<p:sld xmlns:a="http://schemas.openxmlformats.org/drawingml/2006/main" xmlns:r="http://schemas.openxmlformats.org/officeDocument/2006/relationships" xmlns:p="http://schemas.openxmlformats.org/presentationml/2006/main">
+  <p:cSld>
+    <p:spTree>
+      <p:nvGrpSpPr>
+        <p:cNvPr id="1" name=""/>
+        <p:cNvGrpSpPr/>
+        <p:nvPr/>
+      </p:nvGrpSpPr>
+      <p:grpSpPr>
+        <a:xfrm>
+          <a:off x="0" y="0"/>
+          <a:ext cx="0" cy="0"/>
+          <a:chOff x="0" y="0"/>
+          <a:chExt cx="0" cy="0"/>
+        </a:xfrm>
+      </p:grpSpPr>
+      <p:sp>
+        <p:nvSpPr>
+          <p:cNvPr id="2" name="Заголовок 1"/>
+          <p:cNvSpPr>
+            <a:spLocks noGrp="1"/>
+          </p:cNvSpPr>
+          <p:nvPr>
+            <p:ph type="title"/>
+          </p:nvPr>
+        </p:nvSpPr>
+        <p:spPr/>
+        <p:txBody>
+          <a:bodyPr/>
+          <a:lstStyle/>
+          <a:p>
+            <a:r>
+              <a:rPr lang="en-US" dirty="0" smtClean="0"/>
+              <a:t>Getting Started with </a:t>
+            </a:r>
+            <a:r>
+              <a:rPr lang="en-US" dirty="0" err="1" smtClean="0"/>
+              <a:t>MyBatis</a:t>
+            </a:r>
+            <a:endParaRPr lang="ru-RU" dirty="0"/>
+          </a:p>
+        </p:txBody>
+      </p:sp>
+      <p:sp>
+        <p:nvSpPr>
+          <p:cNvPr id="3" name="Объект 2"/>
+          <p:cNvSpPr>
+            <a:spLocks noGrp="1"/>
+          </p:cNvSpPr>
+          <p:nvPr>
+            <p:ph idx="1"/>
+          </p:nvPr>
+        </p:nvSpPr>
+        <p:spPr/>
+        <p:txBody>
+          <a:bodyPr>
+            <a:normAutofit fontScale="92500"/>
+          </a:bodyPr>
+          <a:lstStyle/>
+          <a:p>
+            <a:pPr>
+              <a:lnSpc>
+                <a:spcPct val="150000"/>
+              </a:lnSpc>
+            </a:pPr>
+            <a:r>
+              <a:rPr lang="en-US" sz="4800" dirty="0" smtClean="0"/>
+              <a:t>Domain</a:t>
+            </a:r>
+          </a:p>
+          <a:p>
+            <a:pPr>
+              <a:lnSpc>
+                <a:spcPct val="150000"/>
+              </a:lnSpc>
+            </a:pPr>
+            <a:r>
+              <a:rPr lang="en-US" sz="4800" dirty="0" err="1" smtClean="0"/>
+              <a:t>ResultMap</a:t>
+            </a:r>
+            <a:endParaRPr lang="en-US" sz="4800" dirty="0" smtClean="0"/>
+          </a:p>
+          <a:p>
+            <a:pPr>
+              <a:lnSpc>
+                <a:spcPct val="150000"/>
+              </a:lnSpc>
+            </a:pPr>
+            <a:r>
+              <a:rPr lang="en-US" sz="4800" dirty="0" smtClean="0"/>
+              <a:t>Query</a:t>
+            </a:r>
+          </a:p>
+          <a:p>
+            <a:pPr>
+              <a:lnSpc>
+                <a:spcPct val="150000"/>
+              </a:lnSpc>
+            </a:pPr>
+            <a:r>
+              <a:rPr lang="en-US" sz="4800" dirty="0" smtClean="0"/>
+              <a:t>Repository</a:t>
+            </a:r>
+            <a:endParaRPr lang="ru-RU" sz="4800" dirty="0"/>
+          </a:p>
+        </p:txBody>
+      </p:sp>
+      <p:pic>
+        <p:nvPicPr>
+          <p:cNvPr id="4" name="Рисунок 3"/>
+          <p:cNvPicPr>
+            <a:picLocks noChangeAspect="1"/>
+          </p:cNvPicPr>
+          <p:nvPr/>
+        </p:nvPicPr>
+        <p:blipFill>
+          <a:blip r:embed="rId2">
+            <a:extLst>
+              <a:ext uri="{28A0092B-C50C-407E-A947-70E740481C1C}">
+                <a14:useLocalDpi xmlns:a14="http://schemas.microsoft.com/office/drawing/2010/main" val="0"/>
+              </a:ext>
+            </a:extLst>
+          </a:blip>
+          <a:stretch>
+            <a:fillRect/>
+          </a:stretch>
+        </p:blipFill>
+        <p:spPr>
+          <a:xfrm>
+            <a:off x="5814417" y="1421454"/>
+            <a:ext cx="971550" cy="1123950"/>
+          </a:xfrm>
+          <a:prstGeom prst="rect">
+            <a:avLst/>
+          </a:prstGeom>
+        </p:spPr>
+      </p:pic>
+      <p:sp>
+        <p:nvSpPr>
+          <p:cNvPr id="5" name="Прямоугольник с одним вырезанным углом 4"/>
           <p:cNvSpPr/>
           <p:nvPr/>
         </p:nvSpPr>
         <p:spPr>
           <a:xfrm>
-            <a:off x="6228184" y="1556792"/>
-            <a:ext cx="720080" cy="1080120"/>
+            <a:off x="5364088" y="2924944"/>
+            <a:ext cx="1872208" cy="1224136"/>
           </a:xfrm>
-          <a:prstGeom prst="rightBrace">
+          <a:prstGeom prst="snip1Rect">
             <a:avLst/>
           </a:prstGeom>
+        </p:spPr>
+        <p:style>
+          <a:lnRef idx="2">
+            <a:schemeClr val="accent1">
+              <a:shade val="50000"/>
+            </a:schemeClr>
+          </a:lnRef>
+          <a:fillRef idx="1">
+            <a:schemeClr val="accent1"/>
+          </a:fillRef>
+          <a:effectRef idx="0">
+            <a:schemeClr val="accent1"/>
+          </a:effectRef>
+          <a:fontRef idx="minor">
+            <a:schemeClr val="lt1"/>
+          </a:fontRef>
+        </p:style>
+        <p:txBody>
+          <a:bodyPr rtlCol="0" anchor="ctr"/>
+          <a:lstStyle/>
+          <a:p>
+            <a:pPr algn="ctr"/>
+            <a:r>
+              <a:rPr lang="en-US" sz="2800" dirty="0" err="1" smtClean="0"/>
+              <a:t>ResultMap</a:t>
+            </a:r>
+            <a:endParaRPr lang="ru-RU" sz="2800" dirty="0"/>
+          </a:p>
+        </p:txBody>
+      </p:sp>
+      <p:cxnSp>
+        <p:nvCxnSpPr>
+          <p:cNvPr id="7" name="Прямая со стрелкой 6"/>
+          <p:cNvCxnSpPr>
+            <a:stCxn id="4" idx="2"/>
+            <a:endCxn id="5" idx="3"/>
+          </p:cNvCxnSpPr>
+          <p:nvPr/>
+        </p:nvCxnSpPr>
+        <p:spPr>
+          <a:xfrm>
+            <a:off x="6300192" y="2545404"/>
+            <a:ext cx="0" cy="379540"/>
+          </a:xfrm>
+          <a:prstGeom prst="straightConnector1">
+            <a:avLst/>
+          </a:prstGeom>
+          <a:ln>
+            <a:tailEnd type="arrow"/>
+          </a:ln>
         </p:spPr>
         <p:style>
           <a:lnRef idx="1">
@@ -5628,45 +7198,36 @@
             <a:schemeClr val="tx1"/>
           </a:fontRef>
         </p:style>
-        <p:txBody>
-          <a:bodyPr rtlCol="0" anchor="ctr"/>
-          <a:lstStyle/>
-          <a:p>
-            <a:pPr algn="ctr"/>
-            <a:endParaRPr lang="ru-RU"/>
-          </a:p>
-        </p:txBody>
-      </p:sp>
-      <p:sp>
-        <p:nvSpPr>
-          <p:cNvPr id="6" name="Левая фигурная скобка 5"/>
+      </p:cxnSp>
+      <p:sp>
+        <p:nvSpPr>
+          <p:cNvPr id="10" name="Цилиндр 9"/>
           <p:cNvSpPr/>
           <p:nvPr/>
         </p:nvSpPr>
         <p:spPr>
           <a:xfrm>
-            <a:off x="2123728" y="2708920"/>
-            <a:ext cx="566645" cy="1080120"/>
+            <a:off x="5769272" y="4725144"/>
+            <a:ext cx="1061839" cy="1512168"/>
           </a:xfrm>
-          <a:prstGeom prst="leftBrace">
-            <a:avLst>
-              <a:gd name="adj1" fmla="val 8333"/>
-              <a:gd name="adj2" fmla="val 49099"/>
-            </a:avLst>
+          <a:prstGeom prst="can">
+            <a:avLst/>
           </a:prstGeom>
         </p:spPr>
         <p:style>
-          <a:lnRef idx="1">
-            <a:schemeClr val="accent1"/>
+          <a:lnRef idx="2">
+            <a:schemeClr val="accent1">
+              <a:shade val="50000"/>
+            </a:schemeClr>
           </a:lnRef>
-          <a:fillRef idx="0">
+          <a:fillRef idx="1">
             <a:schemeClr val="accent1"/>
           </a:fillRef>
           <a:effectRef idx="0">
             <a:schemeClr val="accent1"/>
           </a:effectRef>
           <a:fontRef idx="minor">
-            <a:schemeClr val="tx1"/>
+            <a:schemeClr val="lt1"/>
           </a:fontRef>
         </p:style>
         <p:txBody>
@@ -5674,125 +7235,27 @@
           <a:lstStyle/>
           <a:p>
             <a:pPr algn="ctr"/>
-            <a:endParaRPr lang="ru-RU"/>
-          </a:p>
-        </p:txBody>
-      </p:sp>
-      <p:sp>
-        <p:nvSpPr>
-          <p:cNvPr id="7" name="TextBox 6"/>
-          <p:cNvSpPr txBox="1"/>
-          <p:nvPr/>
-        </p:nvSpPr>
-        <p:spPr>
-          <a:xfrm>
-            <a:off x="6964738" y="1619798"/>
-            <a:ext cx="1220014" cy="954107"/>
-          </a:xfrm>
-          <a:prstGeom prst="rect">
-            <a:avLst/>
-          </a:prstGeom>
-          <a:noFill/>
-        </p:spPr>
-        <p:txBody>
-          <a:bodyPr wrap="none" rtlCol="0">
-            <a:spAutoFit/>
-          </a:bodyPr>
-          <a:lstStyle/>
-          <a:p>
-            <a:r>
-              <a:rPr lang="ru-RU" sz="2800" dirty="0" smtClean="0"/>
-              <a:t>Аудит, </a:t>
-            </a:r>
-          </a:p>
-          <a:p>
-            <a:r>
-              <a:rPr lang="ru-RU" sz="2800" dirty="0" smtClean="0"/>
-              <a:t>Кто?</a:t>
-            </a:r>
-            <a:endParaRPr lang="ru-RU" sz="2800" dirty="0"/>
-          </a:p>
-        </p:txBody>
-      </p:sp>
-      <p:sp>
-        <p:nvSpPr>
-          <p:cNvPr id="8" name="Прямоугольник 7"/>
-          <p:cNvSpPr/>
-          <p:nvPr/>
-        </p:nvSpPr>
-        <p:spPr>
-          <a:xfrm>
-            <a:off x="1039810" y="2925814"/>
-            <a:ext cx="1061864" cy="830997"/>
-          </a:xfrm>
-          <a:prstGeom prst="rect">
-            <a:avLst/>
-          </a:prstGeom>
-        </p:spPr>
-        <p:txBody>
-          <a:bodyPr wrap="square">
-            <a:spAutoFit/>
-          </a:bodyPr>
-          <a:lstStyle/>
-          <a:p>
-            <a:pPr algn="r"/>
-            <a:r>
-              <a:rPr lang="ru-RU" sz="2400" dirty="0"/>
-              <a:t>Аудит, </a:t>
-            </a:r>
-          </a:p>
-          <a:p>
-            <a:pPr algn="r"/>
-            <a:r>
-              <a:rPr lang="ru-RU" sz="2400" dirty="0" smtClean="0"/>
-              <a:t>Когда?</a:t>
-            </a:r>
-            <a:endParaRPr lang="ru-RU" sz="2400" dirty="0"/>
-          </a:p>
-        </p:txBody>
-      </p:sp>
-      <p:sp>
-        <p:nvSpPr>
-          <p:cNvPr id="9" name="TextBox 8"/>
-          <p:cNvSpPr txBox="1"/>
-          <p:nvPr/>
-        </p:nvSpPr>
-        <p:spPr>
-          <a:xfrm>
-            <a:off x="3707903" y="5263064"/>
-            <a:ext cx="4095737" cy="461665"/>
-          </a:xfrm>
-          <a:prstGeom prst="rect">
-            <a:avLst/>
-          </a:prstGeom>
-          <a:noFill/>
-        </p:spPr>
-        <p:txBody>
-          <a:bodyPr wrap="none" rtlCol="0">
-            <a:spAutoFit/>
-          </a:bodyPr>
-          <a:lstStyle/>
-          <a:p>
-            <a:r>
-              <a:rPr lang="ru-RU" sz="2400" dirty="0" smtClean="0"/>
-              <a:t>Оптимистическая блокировка</a:t>
-            </a:r>
-            <a:endParaRPr lang="ru-RU" sz="2400" dirty="0"/>
+            <a:r>
+              <a:rPr lang="en-US" sz="4400" dirty="0" smtClean="0"/>
+              <a:t>DB</a:t>
+            </a:r>
+            <a:endParaRPr lang="ru-RU" sz="4400" dirty="0"/>
           </a:p>
         </p:txBody>
       </p:sp>
       <p:cxnSp>
         <p:nvCxnSpPr>
-          <p:cNvPr id="11" name="Прямая со стрелкой 10"/>
+          <p:cNvPr id="12" name="Прямая со стрелкой 11"/>
           <p:cNvCxnSpPr>
-            <a:stCxn id="9" idx="0"/>
+            <a:stCxn id="5" idx="1"/>
+            <a:endCxn id="10" idx="1"/>
           </p:cNvCxnSpPr>
           <p:nvPr/>
         </p:nvCxnSpPr>
         <p:spPr>
-          <a:xfrm flipH="1" flipV="1">
-            <a:off x="5580112" y="4077072"/>
-            <a:ext cx="175660" cy="1185992"/>
+          <a:xfrm>
+            <a:off x="6300192" y="4149080"/>
+            <a:ext cx="0" cy="576064"/>
           </a:xfrm>
           <a:prstGeom prst="straightConnector1">
             <a:avLst/>
@@ -5819,13 +7282,1199 @@
     </p:spTree>
     <p:extLst>
       <p:ext uri="{BB962C8B-B14F-4D97-AF65-F5344CB8AC3E}">
-        <p14:creationId xmlns:p14="http://schemas.microsoft.com/office/powerpoint/2010/main" val="3053999119"/>
+        <p14:creationId xmlns:p14="http://schemas.microsoft.com/office/powerpoint/2010/main" val="1602729855"/>
       </p:ext>
     </p:extLst>
   </p:cSld>
   <p:clrMapOvr>
     <a:masterClrMapping/>
   </p:clrMapOvr>
+  <p:timing>
+    <p:tnLst>
+      <p:par>
+        <p:cTn id="1" dur="indefinite" restart="never" nodeType="tmRoot"/>
+      </p:par>
+    </p:tnLst>
+  </p:timing>
+</p:sld>
+</file>
+
+<file path=ppt/slides/slide4.xml><?xml version="1.0" encoding="utf-8"?>
+<p:sld xmlns:a="http://schemas.openxmlformats.org/drawingml/2006/main" xmlns:r="http://schemas.openxmlformats.org/officeDocument/2006/relationships" xmlns:p="http://schemas.openxmlformats.org/presentationml/2006/main">
+  <p:cSld>
+    <p:spTree>
+      <p:nvGrpSpPr>
+        <p:cNvPr id="1" name=""/>
+        <p:cNvGrpSpPr/>
+        <p:nvPr/>
+      </p:nvGrpSpPr>
+      <p:grpSpPr>
+        <a:xfrm>
+          <a:off x="0" y="0"/>
+          <a:ext cx="0" cy="0"/>
+          <a:chOff x="0" y="0"/>
+          <a:chExt cx="0" cy="0"/>
+        </a:xfrm>
+      </p:grpSpPr>
+      <p:sp>
+        <p:nvSpPr>
+          <p:cNvPr id="2" name="Заголовок 1"/>
+          <p:cNvSpPr>
+            <a:spLocks noGrp="1"/>
+          </p:cNvSpPr>
+          <p:nvPr>
+            <p:ph type="title"/>
+          </p:nvPr>
+        </p:nvSpPr>
+        <p:spPr/>
+        <p:txBody>
+          <a:bodyPr/>
+          <a:lstStyle/>
+          <a:p>
+            <a:r>
+              <a:rPr lang="en-US" dirty="0"/>
+              <a:t>Getting Started with </a:t>
+            </a:r>
+            <a:r>
+              <a:rPr lang="en-US" dirty="0" err="1"/>
+              <a:t>MyBatis</a:t>
+            </a:r>
+            <a:endParaRPr lang="ru-RU" dirty="0"/>
+          </a:p>
+        </p:txBody>
+      </p:sp>
+      <p:sp>
+        <p:nvSpPr>
+          <p:cNvPr id="3" name="Объект 2"/>
+          <p:cNvSpPr>
+            <a:spLocks noGrp="1"/>
+          </p:cNvSpPr>
+          <p:nvPr>
+            <p:ph idx="1"/>
+          </p:nvPr>
+        </p:nvSpPr>
+        <p:spPr>
+          <a:xfrm>
+            <a:off x="457200" y="1600200"/>
+            <a:ext cx="3682752" cy="4525963"/>
+          </a:xfrm>
+        </p:spPr>
+        <p:txBody>
+          <a:bodyPr/>
+          <a:lstStyle/>
+          <a:p>
+            <a:pPr marL="0" indent="0">
+              <a:buNone/>
+            </a:pPr>
+            <a:r>
+              <a:rPr lang="en-US" dirty="0" smtClean="0"/>
+              <a:t>class Person {</a:t>
+            </a:r>
+            <a:endParaRPr lang="en-US" dirty="0"/>
+          </a:p>
+          <a:p>
+            <a:pPr marL="0" indent="0">
+              <a:buNone/>
+            </a:pPr>
+            <a:r>
+              <a:rPr lang="en-US" dirty="0"/>
+              <a:t>	</a:t>
+            </a:r>
+            <a:r>
+              <a:rPr lang="en-US" dirty="0" smtClean="0"/>
+              <a:t>Integer id;</a:t>
+            </a:r>
+            <a:endParaRPr lang="en-US" dirty="0"/>
+          </a:p>
+          <a:p>
+            <a:pPr marL="0" indent="0">
+              <a:buNone/>
+            </a:pPr>
+            <a:r>
+              <a:rPr lang="en-US" dirty="0"/>
+              <a:t>	</a:t>
+            </a:r>
+            <a:r>
+              <a:rPr lang="en-US" dirty="0" smtClean="0"/>
+              <a:t>String </a:t>
+            </a:r>
+            <a:r>
+              <a:rPr lang="en-US" dirty="0"/>
+              <a:t>name</a:t>
+            </a:r>
+            <a:r>
+              <a:rPr lang="en-US" dirty="0" smtClean="0"/>
+              <a:t>;</a:t>
+            </a:r>
+          </a:p>
+          <a:p>
+            <a:pPr marL="0" indent="0">
+              <a:buNone/>
+            </a:pPr>
+            <a:r>
+              <a:rPr lang="en-US" dirty="0"/>
+              <a:t>}</a:t>
+            </a:r>
+            <a:endParaRPr lang="ru-RU" dirty="0"/>
+          </a:p>
+        </p:txBody>
+      </p:sp>
+      <p:sp>
+        <p:nvSpPr>
+          <p:cNvPr id="4" name="Объект 2"/>
+          <p:cNvSpPr txBox="1">
+            <a:spLocks/>
+          </p:cNvSpPr>
+          <p:nvPr/>
+        </p:nvSpPr>
+        <p:spPr>
+          <a:xfrm>
+            <a:off x="539552" y="4005064"/>
+            <a:ext cx="8280920" cy="2293713"/>
+          </a:xfrm>
+          <a:prstGeom prst="rect">
+            <a:avLst/>
+          </a:prstGeom>
+        </p:spPr>
+        <p:txBody>
+          <a:bodyPr vert="horz" lIns="91440" tIns="45720" rIns="91440" bIns="45720" rtlCol="0">
+            <a:normAutofit/>
+          </a:bodyPr>
+          <a:lstStyle>
+            <a:lvl1pPr marL="342900" indent="-342900" algn="l" defTabSz="914400" rtl="0" eaLnBrk="1" latinLnBrk="0" hangingPunct="1">
+              <a:spcBef>
+                <a:spcPct val="20000"/>
+              </a:spcBef>
+              <a:buFont typeface="Arial" pitchFamily="34" charset="0"/>
+              <a:buChar char="•"/>
+              <a:defRPr sz="3200" kern="1200">
+                <a:solidFill>
+                  <a:schemeClr val="tx1"/>
+                </a:solidFill>
+                <a:latin typeface="+mn-lt"/>
+                <a:ea typeface="+mn-ea"/>
+                <a:cs typeface="+mn-cs"/>
+              </a:defRPr>
+            </a:lvl1pPr>
+            <a:lvl2pPr marL="742950" indent="-285750" algn="l" defTabSz="914400" rtl="0" eaLnBrk="1" latinLnBrk="0" hangingPunct="1">
+              <a:spcBef>
+                <a:spcPct val="20000"/>
+              </a:spcBef>
+              <a:buFont typeface="Arial" pitchFamily="34" charset="0"/>
+              <a:buChar char="–"/>
+              <a:defRPr sz="2800" kern="1200">
+                <a:solidFill>
+                  <a:schemeClr val="tx1"/>
+                </a:solidFill>
+                <a:latin typeface="+mn-lt"/>
+                <a:ea typeface="+mn-ea"/>
+                <a:cs typeface="+mn-cs"/>
+              </a:defRPr>
+            </a:lvl2pPr>
+            <a:lvl3pPr marL="1143000" indent="-228600" algn="l" defTabSz="914400" rtl="0" eaLnBrk="1" latinLnBrk="0" hangingPunct="1">
+              <a:spcBef>
+                <a:spcPct val="20000"/>
+              </a:spcBef>
+              <a:buFont typeface="Arial" pitchFamily="34" charset="0"/>
+              <a:buChar char="•"/>
+              <a:defRPr sz="2400" kern="1200">
+                <a:solidFill>
+                  <a:schemeClr val="tx1"/>
+                </a:solidFill>
+                <a:latin typeface="+mn-lt"/>
+                <a:ea typeface="+mn-ea"/>
+                <a:cs typeface="+mn-cs"/>
+              </a:defRPr>
+            </a:lvl3pPr>
+            <a:lvl4pPr marL="1600200" indent="-228600" algn="l" defTabSz="914400" rtl="0" eaLnBrk="1" latinLnBrk="0" hangingPunct="1">
+              <a:spcBef>
+                <a:spcPct val="20000"/>
+              </a:spcBef>
+              <a:buFont typeface="Arial" pitchFamily="34" charset="0"/>
+              <a:buChar char="–"/>
+              <a:defRPr sz="2000" kern="1200">
+                <a:solidFill>
+                  <a:schemeClr val="tx1"/>
+                </a:solidFill>
+                <a:latin typeface="+mn-lt"/>
+                <a:ea typeface="+mn-ea"/>
+                <a:cs typeface="+mn-cs"/>
+              </a:defRPr>
+            </a:lvl4pPr>
+            <a:lvl5pPr marL="2057400" indent="-228600" algn="l" defTabSz="914400" rtl="0" eaLnBrk="1" latinLnBrk="0" hangingPunct="1">
+              <a:spcBef>
+                <a:spcPct val="20000"/>
+              </a:spcBef>
+              <a:buFont typeface="Arial" pitchFamily="34" charset="0"/>
+              <a:buChar char="»"/>
+              <a:defRPr sz="2000" kern="1200">
+                <a:solidFill>
+                  <a:schemeClr val="tx1"/>
+                </a:solidFill>
+                <a:latin typeface="+mn-lt"/>
+                <a:ea typeface="+mn-ea"/>
+                <a:cs typeface="+mn-cs"/>
+              </a:defRPr>
+            </a:lvl5pPr>
+            <a:lvl6pPr marL="2514600" indent="-228600" algn="l" defTabSz="914400" rtl="0" eaLnBrk="1" latinLnBrk="0" hangingPunct="1">
+              <a:spcBef>
+                <a:spcPct val="20000"/>
+              </a:spcBef>
+              <a:buFont typeface="Arial" pitchFamily="34" charset="0"/>
+              <a:buChar char="•"/>
+              <a:defRPr sz="2000" kern="1200">
+                <a:solidFill>
+                  <a:schemeClr val="tx1"/>
+                </a:solidFill>
+                <a:latin typeface="+mn-lt"/>
+                <a:ea typeface="+mn-ea"/>
+                <a:cs typeface="+mn-cs"/>
+              </a:defRPr>
+            </a:lvl6pPr>
+            <a:lvl7pPr marL="2971800" indent="-228600" algn="l" defTabSz="914400" rtl="0" eaLnBrk="1" latinLnBrk="0" hangingPunct="1">
+              <a:spcBef>
+                <a:spcPct val="20000"/>
+              </a:spcBef>
+              <a:buFont typeface="Arial" pitchFamily="34" charset="0"/>
+              <a:buChar char="•"/>
+              <a:defRPr sz="2000" kern="1200">
+                <a:solidFill>
+                  <a:schemeClr val="tx1"/>
+                </a:solidFill>
+                <a:latin typeface="+mn-lt"/>
+                <a:ea typeface="+mn-ea"/>
+                <a:cs typeface="+mn-cs"/>
+              </a:defRPr>
+            </a:lvl7pPr>
+            <a:lvl8pPr marL="3429000" indent="-228600" algn="l" defTabSz="914400" rtl="0" eaLnBrk="1" latinLnBrk="0" hangingPunct="1">
+              <a:spcBef>
+                <a:spcPct val="20000"/>
+              </a:spcBef>
+              <a:buFont typeface="Arial" pitchFamily="34" charset="0"/>
+              <a:buChar char="•"/>
+              <a:defRPr sz="2000" kern="1200">
+                <a:solidFill>
+                  <a:schemeClr val="tx1"/>
+                </a:solidFill>
+                <a:latin typeface="+mn-lt"/>
+                <a:ea typeface="+mn-ea"/>
+                <a:cs typeface="+mn-cs"/>
+              </a:defRPr>
+            </a:lvl8pPr>
+            <a:lvl9pPr marL="3886200" indent="-228600" algn="l" defTabSz="914400" rtl="0" eaLnBrk="1" latinLnBrk="0" hangingPunct="1">
+              <a:spcBef>
+                <a:spcPct val="20000"/>
+              </a:spcBef>
+              <a:buFont typeface="Arial" pitchFamily="34" charset="0"/>
+              <a:buChar char="•"/>
+              <a:defRPr sz="2000" kern="1200">
+                <a:solidFill>
+                  <a:schemeClr val="tx1"/>
+                </a:solidFill>
+                <a:latin typeface="+mn-lt"/>
+                <a:ea typeface="+mn-ea"/>
+                <a:cs typeface="+mn-cs"/>
+              </a:defRPr>
+            </a:lvl9pPr>
+          </a:lstStyle>
+          <a:p>
+            <a:pPr marL="0" indent="0">
+              <a:buNone/>
+            </a:pPr>
+            <a:r>
+              <a:rPr lang="en-US" sz="2800" dirty="0"/>
+              <a:t>&lt;</a:t>
+            </a:r>
+            <a:r>
+              <a:rPr lang="en-US" sz="2800" dirty="0" err="1"/>
+              <a:t>resultMap</a:t>
+            </a:r>
+            <a:r>
+              <a:rPr lang="en-US" sz="2800" dirty="0"/>
+              <a:t> type</a:t>
+            </a:r>
+            <a:r>
+              <a:rPr lang="en-US" sz="2800" dirty="0" smtClean="0"/>
+              <a:t>="</a:t>
+            </a:r>
+            <a:r>
+              <a:rPr lang="en-US" sz="2800" b="1" dirty="0" smtClean="0"/>
+              <a:t>Person</a:t>
+            </a:r>
+            <a:r>
+              <a:rPr lang="en-US" sz="2800" dirty="0" smtClean="0"/>
+              <a:t>" </a:t>
+            </a:r>
+            <a:r>
+              <a:rPr lang="en-US" sz="2800" dirty="0"/>
+              <a:t>id</a:t>
+            </a:r>
+            <a:r>
+              <a:rPr lang="en-US" sz="2800" dirty="0" smtClean="0"/>
+              <a:t>="</a:t>
+            </a:r>
+            <a:r>
+              <a:rPr lang="en-US" sz="2800" b="1" dirty="0" err="1" smtClean="0"/>
+              <a:t>PersonMap</a:t>
+            </a:r>
+            <a:r>
+              <a:rPr lang="en-US" sz="2800" dirty="0" smtClean="0"/>
+              <a:t>"&gt;</a:t>
+            </a:r>
+            <a:endParaRPr lang="en-US" sz="2800" dirty="0"/>
+          </a:p>
+          <a:p>
+            <a:pPr marL="0" indent="0">
+              <a:buNone/>
+            </a:pPr>
+            <a:r>
+              <a:rPr lang="en-US" sz="2800" dirty="0" smtClean="0"/>
+              <a:t>    &lt;</a:t>
+            </a:r>
+            <a:r>
+              <a:rPr lang="en-US" sz="2800" dirty="0"/>
+              <a:t>id property</a:t>
+            </a:r>
+            <a:r>
+              <a:rPr lang="en-US" sz="2800" dirty="0" smtClean="0"/>
+              <a:t>="</a:t>
+            </a:r>
+            <a:r>
+              <a:rPr lang="en-US" sz="2800" b="1" dirty="0" smtClean="0"/>
+              <a:t>id</a:t>
+            </a:r>
+            <a:r>
+              <a:rPr lang="en-US" sz="2800" dirty="0" smtClean="0"/>
+              <a:t>" </a:t>
+            </a:r>
+            <a:r>
+              <a:rPr lang="en-US" sz="2800" dirty="0"/>
+              <a:t>column</a:t>
+            </a:r>
+            <a:r>
+              <a:rPr lang="en-US" sz="2800" dirty="0" smtClean="0"/>
+              <a:t>="</a:t>
+            </a:r>
+            <a:r>
+              <a:rPr lang="en-US" sz="2800" b="1" dirty="0" err="1" smtClean="0"/>
+              <a:t>person_id</a:t>
+            </a:r>
+            <a:r>
+              <a:rPr lang="en-US" sz="2800" dirty="0" smtClean="0"/>
+              <a:t>"/&gt;</a:t>
+            </a:r>
+            <a:endParaRPr lang="en-US" sz="2800" dirty="0"/>
+          </a:p>
+          <a:p>
+            <a:pPr marL="0" indent="0">
+              <a:buNone/>
+            </a:pPr>
+            <a:r>
+              <a:rPr lang="en-US" sz="2800" dirty="0" smtClean="0"/>
+              <a:t>    &lt;</a:t>
+            </a:r>
+            <a:r>
+              <a:rPr lang="en-US" sz="2800" dirty="0"/>
+              <a:t>result property="</a:t>
+            </a:r>
+            <a:r>
+              <a:rPr lang="en-US" sz="2800" b="1" dirty="0"/>
+              <a:t>name</a:t>
+            </a:r>
+            <a:r>
+              <a:rPr lang="en-US" sz="2800" dirty="0"/>
+              <a:t>" column</a:t>
+            </a:r>
+            <a:r>
+              <a:rPr lang="en-US" sz="2800" dirty="0" smtClean="0"/>
+              <a:t>="</a:t>
+            </a:r>
+            <a:r>
+              <a:rPr lang="en-US" sz="2800" b="1" dirty="0" err="1" smtClean="0"/>
+              <a:t>person_name</a:t>
+            </a:r>
+            <a:r>
+              <a:rPr lang="en-US" sz="2800" dirty="0" smtClean="0"/>
+              <a:t>"/&gt;</a:t>
+            </a:r>
+          </a:p>
+          <a:p>
+            <a:pPr marL="0" indent="0">
+              <a:buNone/>
+            </a:pPr>
+            <a:r>
+              <a:rPr lang="en-US" sz="2800" dirty="0" smtClean="0"/>
+              <a:t>&lt;/</a:t>
+            </a:r>
+            <a:r>
+              <a:rPr lang="en-US" sz="2800" dirty="0" err="1"/>
+              <a:t>resultMap</a:t>
+            </a:r>
+            <a:r>
+              <a:rPr lang="en-US" sz="2800" dirty="0"/>
+              <a:t>&gt;</a:t>
+            </a:r>
+            <a:endParaRPr lang="ru-RU" sz="2800" dirty="0"/>
+          </a:p>
+        </p:txBody>
+      </p:sp>
+    </p:spTree>
+    <p:extLst>
+      <p:ext uri="{BB962C8B-B14F-4D97-AF65-F5344CB8AC3E}">
+        <p14:creationId xmlns:p14="http://schemas.microsoft.com/office/powerpoint/2010/main" val="954921804"/>
+      </p:ext>
+    </p:extLst>
+  </p:cSld>
+  <p:clrMapOvr>
+    <a:masterClrMapping/>
+  </p:clrMapOvr>
+  <p:timing>
+    <p:tnLst>
+      <p:par>
+        <p:cTn id="1" dur="indefinite" restart="never" nodeType="tmRoot"/>
+      </p:par>
+    </p:tnLst>
+  </p:timing>
+</p:sld>
+</file>
+
+<file path=ppt/slides/slide5.xml><?xml version="1.0" encoding="utf-8"?>
+<p:sld xmlns:a="http://schemas.openxmlformats.org/drawingml/2006/main" xmlns:r="http://schemas.openxmlformats.org/officeDocument/2006/relationships" xmlns:p="http://schemas.openxmlformats.org/presentationml/2006/main">
+  <p:cSld>
+    <p:spTree>
+      <p:nvGrpSpPr>
+        <p:cNvPr id="1" name=""/>
+        <p:cNvGrpSpPr/>
+        <p:nvPr/>
+      </p:nvGrpSpPr>
+      <p:grpSpPr>
+        <a:xfrm>
+          <a:off x="0" y="0"/>
+          <a:ext cx="0" cy="0"/>
+          <a:chOff x="0" y="0"/>
+          <a:chExt cx="0" cy="0"/>
+        </a:xfrm>
+      </p:grpSpPr>
+      <p:sp>
+        <p:nvSpPr>
+          <p:cNvPr id="2" name="Заголовок 1"/>
+          <p:cNvSpPr>
+            <a:spLocks noGrp="1"/>
+          </p:cNvSpPr>
+          <p:nvPr>
+            <p:ph type="title"/>
+          </p:nvPr>
+        </p:nvSpPr>
+        <p:spPr/>
+        <p:txBody>
+          <a:bodyPr/>
+          <a:lstStyle/>
+          <a:p>
+            <a:r>
+              <a:rPr lang="en-US" dirty="0"/>
+              <a:t>Getting Started with </a:t>
+            </a:r>
+            <a:r>
+              <a:rPr lang="en-US" dirty="0" err="1"/>
+              <a:t>MyBatis</a:t>
+            </a:r>
+            <a:endParaRPr lang="ru-RU" dirty="0"/>
+          </a:p>
+        </p:txBody>
+      </p:sp>
+      <p:sp>
+        <p:nvSpPr>
+          <p:cNvPr id="3" name="Объект 2"/>
+          <p:cNvSpPr>
+            <a:spLocks noGrp="1"/>
+          </p:cNvSpPr>
+          <p:nvPr>
+            <p:ph idx="1"/>
+          </p:nvPr>
+        </p:nvSpPr>
+        <p:spPr>
+          <a:xfrm>
+            <a:off x="457200" y="1600201"/>
+            <a:ext cx="8229600" cy="2188840"/>
+          </a:xfrm>
+        </p:spPr>
+        <p:txBody>
+          <a:bodyPr>
+            <a:normAutofit lnSpcReduction="10000"/>
+          </a:bodyPr>
+          <a:lstStyle/>
+          <a:p>
+            <a:pPr marL="0" indent="0">
+              <a:buNone/>
+            </a:pPr>
+            <a:r>
+              <a:rPr lang="en-US" dirty="0" smtClean="0"/>
+              <a:t>&lt;</a:t>
+            </a:r>
+            <a:r>
+              <a:rPr lang="en-US" dirty="0"/>
+              <a:t>select id</a:t>
+            </a:r>
+            <a:r>
+              <a:rPr lang="en-US" dirty="0" smtClean="0"/>
+              <a:t>=</a:t>
+            </a:r>
+            <a:r>
+              <a:rPr lang="en-US" i="1" dirty="0" smtClean="0"/>
+              <a:t>"</a:t>
+            </a:r>
+            <a:r>
+              <a:rPr lang="en-US" i="1" dirty="0" err="1" smtClean="0"/>
+              <a:t>getPersonById</a:t>
+            </a:r>
+            <a:r>
+              <a:rPr lang="en-US" i="1" dirty="0"/>
+              <a:t>" </a:t>
+            </a:r>
+            <a:r>
+              <a:rPr lang="en-US" i="1" dirty="0" err="1"/>
+              <a:t>parameterType</a:t>
+            </a:r>
+            <a:r>
+              <a:rPr lang="en-US" i="1" dirty="0"/>
+              <a:t>="</a:t>
+            </a:r>
+            <a:r>
+              <a:rPr lang="en-US" i="1" dirty="0" err="1"/>
+              <a:t>int</a:t>
+            </a:r>
+            <a:r>
+              <a:rPr lang="en-US" i="1" dirty="0"/>
+              <a:t>" </a:t>
+            </a:r>
+            <a:r>
+              <a:rPr lang="en-US" i="1" dirty="0" err="1"/>
+              <a:t>resultType</a:t>
+            </a:r>
+            <a:r>
+              <a:rPr lang="en-US" i="1" dirty="0" smtClean="0"/>
+              <a:t>=</a:t>
+            </a:r>
+            <a:r>
+              <a:rPr lang="en-US" i="1" dirty="0"/>
+              <a:t> " </a:t>
+            </a:r>
+            <a:r>
+              <a:rPr lang="en-US" i="1" dirty="0" smtClean="0"/>
+              <a:t>Person"&gt;</a:t>
+            </a:r>
+            <a:endParaRPr lang="en-US" i="1" dirty="0"/>
+          </a:p>
+          <a:p>
+            <a:pPr marL="0" indent="0">
+              <a:buNone/>
+            </a:pPr>
+            <a:r>
+              <a:rPr lang="en-US" dirty="0"/>
+              <a:t>    select </a:t>
+            </a:r>
+            <a:r>
+              <a:rPr lang="en-US" dirty="0"/>
+              <a:t>*</a:t>
+            </a:r>
+            <a:r>
+              <a:rPr lang="en-US" dirty="0" smtClean="0"/>
+              <a:t> from person </a:t>
+            </a:r>
+            <a:r>
+              <a:rPr lang="en-US" dirty="0"/>
+              <a:t>where </a:t>
+            </a:r>
+            <a:r>
+              <a:rPr lang="en-US" dirty="0" err="1" smtClean="0"/>
+              <a:t>person_id</a:t>
+            </a:r>
+            <a:r>
+              <a:rPr lang="en-US" dirty="0" smtClean="0"/>
+              <a:t>=#{id}</a:t>
+            </a:r>
+            <a:endParaRPr lang="en-US" dirty="0"/>
+          </a:p>
+          <a:p>
+            <a:pPr marL="0" indent="0">
+              <a:buNone/>
+            </a:pPr>
+            <a:r>
+              <a:rPr lang="en-US" dirty="0" smtClean="0"/>
+              <a:t>&lt;/</a:t>
+            </a:r>
+            <a:r>
+              <a:rPr lang="en-US" dirty="0"/>
+              <a:t>select&gt;</a:t>
+            </a:r>
+            <a:endParaRPr lang="ru-RU" dirty="0"/>
+          </a:p>
+        </p:txBody>
+      </p:sp>
+      <p:sp>
+        <p:nvSpPr>
+          <p:cNvPr id="4" name="Объект 2"/>
+          <p:cNvSpPr txBox="1">
+            <a:spLocks/>
+          </p:cNvSpPr>
+          <p:nvPr/>
+        </p:nvSpPr>
+        <p:spPr>
+          <a:xfrm>
+            <a:off x="609600" y="3991702"/>
+            <a:ext cx="8229600" cy="2188840"/>
+          </a:xfrm>
+          <a:prstGeom prst="rect">
+            <a:avLst/>
+          </a:prstGeom>
+        </p:spPr>
+        <p:txBody>
+          <a:bodyPr vert="horz" lIns="91440" tIns="45720" rIns="91440" bIns="45720" rtlCol="0">
+            <a:normAutofit/>
+          </a:bodyPr>
+          <a:lstStyle>
+            <a:lvl1pPr marL="342900" indent="-342900" algn="l" defTabSz="914400" rtl="0" eaLnBrk="1" latinLnBrk="0" hangingPunct="1">
+              <a:spcBef>
+                <a:spcPct val="20000"/>
+              </a:spcBef>
+              <a:buFont typeface="Arial" pitchFamily="34" charset="0"/>
+              <a:buChar char="•"/>
+              <a:defRPr sz="3200" kern="1200">
+                <a:solidFill>
+                  <a:schemeClr val="tx1"/>
+                </a:solidFill>
+                <a:latin typeface="+mn-lt"/>
+                <a:ea typeface="+mn-ea"/>
+                <a:cs typeface="+mn-cs"/>
+              </a:defRPr>
+            </a:lvl1pPr>
+            <a:lvl2pPr marL="742950" indent="-285750" algn="l" defTabSz="914400" rtl="0" eaLnBrk="1" latinLnBrk="0" hangingPunct="1">
+              <a:spcBef>
+                <a:spcPct val="20000"/>
+              </a:spcBef>
+              <a:buFont typeface="Arial" pitchFamily="34" charset="0"/>
+              <a:buChar char="–"/>
+              <a:defRPr sz="2800" kern="1200">
+                <a:solidFill>
+                  <a:schemeClr val="tx1"/>
+                </a:solidFill>
+                <a:latin typeface="+mn-lt"/>
+                <a:ea typeface="+mn-ea"/>
+                <a:cs typeface="+mn-cs"/>
+              </a:defRPr>
+            </a:lvl2pPr>
+            <a:lvl3pPr marL="1143000" indent="-228600" algn="l" defTabSz="914400" rtl="0" eaLnBrk="1" latinLnBrk="0" hangingPunct="1">
+              <a:spcBef>
+                <a:spcPct val="20000"/>
+              </a:spcBef>
+              <a:buFont typeface="Arial" pitchFamily="34" charset="0"/>
+              <a:buChar char="•"/>
+              <a:defRPr sz="2400" kern="1200">
+                <a:solidFill>
+                  <a:schemeClr val="tx1"/>
+                </a:solidFill>
+                <a:latin typeface="+mn-lt"/>
+                <a:ea typeface="+mn-ea"/>
+                <a:cs typeface="+mn-cs"/>
+              </a:defRPr>
+            </a:lvl3pPr>
+            <a:lvl4pPr marL="1600200" indent="-228600" algn="l" defTabSz="914400" rtl="0" eaLnBrk="1" latinLnBrk="0" hangingPunct="1">
+              <a:spcBef>
+                <a:spcPct val="20000"/>
+              </a:spcBef>
+              <a:buFont typeface="Arial" pitchFamily="34" charset="0"/>
+              <a:buChar char="–"/>
+              <a:defRPr sz="2000" kern="1200">
+                <a:solidFill>
+                  <a:schemeClr val="tx1"/>
+                </a:solidFill>
+                <a:latin typeface="+mn-lt"/>
+                <a:ea typeface="+mn-ea"/>
+                <a:cs typeface="+mn-cs"/>
+              </a:defRPr>
+            </a:lvl4pPr>
+            <a:lvl5pPr marL="2057400" indent="-228600" algn="l" defTabSz="914400" rtl="0" eaLnBrk="1" latinLnBrk="0" hangingPunct="1">
+              <a:spcBef>
+                <a:spcPct val="20000"/>
+              </a:spcBef>
+              <a:buFont typeface="Arial" pitchFamily="34" charset="0"/>
+              <a:buChar char="»"/>
+              <a:defRPr sz="2000" kern="1200">
+                <a:solidFill>
+                  <a:schemeClr val="tx1"/>
+                </a:solidFill>
+                <a:latin typeface="+mn-lt"/>
+                <a:ea typeface="+mn-ea"/>
+                <a:cs typeface="+mn-cs"/>
+              </a:defRPr>
+            </a:lvl5pPr>
+            <a:lvl6pPr marL="2514600" indent="-228600" algn="l" defTabSz="914400" rtl="0" eaLnBrk="1" latinLnBrk="0" hangingPunct="1">
+              <a:spcBef>
+                <a:spcPct val="20000"/>
+              </a:spcBef>
+              <a:buFont typeface="Arial" pitchFamily="34" charset="0"/>
+              <a:buChar char="•"/>
+              <a:defRPr sz="2000" kern="1200">
+                <a:solidFill>
+                  <a:schemeClr val="tx1"/>
+                </a:solidFill>
+                <a:latin typeface="+mn-lt"/>
+                <a:ea typeface="+mn-ea"/>
+                <a:cs typeface="+mn-cs"/>
+              </a:defRPr>
+            </a:lvl6pPr>
+            <a:lvl7pPr marL="2971800" indent="-228600" algn="l" defTabSz="914400" rtl="0" eaLnBrk="1" latinLnBrk="0" hangingPunct="1">
+              <a:spcBef>
+                <a:spcPct val="20000"/>
+              </a:spcBef>
+              <a:buFont typeface="Arial" pitchFamily="34" charset="0"/>
+              <a:buChar char="•"/>
+              <a:defRPr sz="2000" kern="1200">
+                <a:solidFill>
+                  <a:schemeClr val="tx1"/>
+                </a:solidFill>
+                <a:latin typeface="+mn-lt"/>
+                <a:ea typeface="+mn-ea"/>
+                <a:cs typeface="+mn-cs"/>
+              </a:defRPr>
+            </a:lvl7pPr>
+            <a:lvl8pPr marL="3429000" indent="-228600" algn="l" defTabSz="914400" rtl="0" eaLnBrk="1" latinLnBrk="0" hangingPunct="1">
+              <a:spcBef>
+                <a:spcPct val="20000"/>
+              </a:spcBef>
+              <a:buFont typeface="Arial" pitchFamily="34" charset="0"/>
+              <a:buChar char="•"/>
+              <a:defRPr sz="2000" kern="1200">
+                <a:solidFill>
+                  <a:schemeClr val="tx1"/>
+                </a:solidFill>
+                <a:latin typeface="+mn-lt"/>
+                <a:ea typeface="+mn-ea"/>
+                <a:cs typeface="+mn-cs"/>
+              </a:defRPr>
+            </a:lvl8pPr>
+            <a:lvl9pPr marL="3886200" indent="-228600" algn="l" defTabSz="914400" rtl="0" eaLnBrk="1" latinLnBrk="0" hangingPunct="1">
+              <a:spcBef>
+                <a:spcPct val="20000"/>
+              </a:spcBef>
+              <a:buFont typeface="Arial" pitchFamily="34" charset="0"/>
+              <a:buChar char="•"/>
+              <a:defRPr sz="2000" kern="1200">
+                <a:solidFill>
+                  <a:schemeClr val="tx1"/>
+                </a:solidFill>
+                <a:latin typeface="+mn-lt"/>
+                <a:ea typeface="+mn-ea"/>
+                <a:cs typeface="+mn-cs"/>
+              </a:defRPr>
+            </a:lvl9pPr>
+          </a:lstStyle>
+          <a:p>
+            <a:pPr marL="0" indent="0">
+              <a:buNone/>
+            </a:pPr>
+            <a:r>
+              <a:rPr lang="en-US" sz="2800" dirty="0" smtClean="0"/>
+              <a:t>public Person </a:t>
+            </a:r>
+            <a:r>
+              <a:rPr lang="en-US" sz="2800" dirty="0" err="1" smtClean="0"/>
+              <a:t>getById</a:t>
+            </a:r>
+            <a:r>
+              <a:rPr lang="en-US" sz="2800" dirty="0" smtClean="0"/>
+              <a:t>(Integer id) {</a:t>
+            </a:r>
+          </a:p>
+          <a:p>
+            <a:pPr marL="0" indent="0">
+              <a:buNone/>
+            </a:pPr>
+            <a:r>
+              <a:rPr lang="en-US" sz="2800" dirty="0" smtClean="0"/>
+              <a:t>	</a:t>
+            </a:r>
+            <a:r>
+              <a:rPr lang="en-US" sz="2800" dirty="0"/>
+              <a:t>return </a:t>
+            </a:r>
+            <a:r>
+              <a:rPr lang="en-US" sz="2800" dirty="0" err="1"/>
+              <a:t>session.selectOne</a:t>
+            </a:r>
+            <a:r>
+              <a:rPr lang="en-US" sz="2800" dirty="0"/>
+              <a:t>("</a:t>
+            </a:r>
+            <a:r>
+              <a:rPr lang="en-US" sz="2800" dirty="0" err="1" smtClean="0"/>
+              <a:t>getPersonById</a:t>
+            </a:r>
+            <a:r>
+              <a:rPr lang="en-US" sz="2800" dirty="0"/>
+              <a:t>"</a:t>
+            </a:r>
+            <a:r>
+              <a:rPr lang="en-US" sz="2800" dirty="0" smtClean="0"/>
+              <a:t>, </a:t>
+            </a:r>
+            <a:r>
+              <a:rPr lang="en-US" sz="2800" dirty="0"/>
+              <a:t>id);</a:t>
+            </a:r>
+          </a:p>
+          <a:p>
+            <a:pPr marL="0" indent="0">
+              <a:buNone/>
+            </a:pPr>
+            <a:r>
+              <a:rPr lang="en-US" sz="2800" dirty="0"/>
+              <a:t>}</a:t>
+            </a:r>
+            <a:endParaRPr lang="ru-RU" sz="2800" dirty="0"/>
+          </a:p>
+        </p:txBody>
+      </p:sp>
+    </p:spTree>
+    <p:extLst>
+      <p:ext uri="{BB962C8B-B14F-4D97-AF65-F5344CB8AC3E}">
+        <p14:creationId xmlns:p14="http://schemas.microsoft.com/office/powerpoint/2010/main" val="769470604"/>
+      </p:ext>
+    </p:extLst>
+  </p:cSld>
+  <p:clrMapOvr>
+    <a:masterClrMapping/>
+  </p:clrMapOvr>
+  <p:timing>
+    <p:tnLst>
+      <p:par>
+        <p:cTn id="1" dur="indefinite" restart="never" nodeType="tmRoot"/>
+      </p:par>
+    </p:tnLst>
+  </p:timing>
+</p:sld>
+</file>
+
+<file path=ppt/slides/slide6.xml><?xml version="1.0" encoding="utf-8"?>
+<p:sld xmlns:a="http://schemas.openxmlformats.org/drawingml/2006/main" xmlns:r="http://schemas.openxmlformats.org/officeDocument/2006/relationships" xmlns:p="http://schemas.openxmlformats.org/presentationml/2006/main">
+  <p:cSld>
+    <p:spTree>
+      <p:nvGrpSpPr>
+        <p:cNvPr id="1" name=""/>
+        <p:cNvGrpSpPr/>
+        <p:nvPr/>
+      </p:nvGrpSpPr>
+      <p:grpSpPr>
+        <a:xfrm>
+          <a:off x="0" y="0"/>
+          <a:ext cx="0" cy="0"/>
+          <a:chOff x="0" y="0"/>
+          <a:chExt cx="0" cy="0"/>
+        </a:xfrm>
+      </p:grpSpPr>
+      <p:sp>
+        <p:nvSpPr>
+          <p:cNvPr id="2" name="Заголовок 1"/>
+          <p:cNvSpPr>
+            <a:spLocks noGrp="1"/>
+          </p:cNvSpPr>
+          <p:nvPr>
+            <p:ph type="title"/>
+          </p:nvPr>
+        </p:nvSpPr>
+        <p:spPr>
+          <a:xfrm>
+            <a:off x="395536" y="2780928"/>
+            <a:ext cx="8229600" cy="1143000"/>
+          </a:xfrm>
+        </p:spPr>
+        <p:txBody>
+          <a:bodyPr/>
+          <a:lstStyle/>
+          <a:p>
+            <a:r>
+              <a:rPr lang="en-US" dirty="0" smtClean="0"/>
+              <a:t>Tips &amp; Tricks</a:t>
+            </a:r>
+            <a:endParaRPr lang="ru-RU" dirty="0"/>
+          </a:p>
+        </p:txBody>
+      </p:sp>
+    </p:spTree>
+    <p:extLst>
+      <p:ext uri="{BB962C8B-B14F-4D97-AF65-F5344CB8AC3E}">
+        <p14:creationId xmlns:p14="http://schemas.microsoft.com/office/powerpoint/2010/main" val="3842514121"/>
+      </p:ext>
+    </p:extLst>
+  </p:cSld>
+  <p:clrMapOvr>
+    <a:masterClrMapping/>
+  </p:clrMapOvr>
+  <p:timing>
+    <p:tnLst>
+      <p:par>
+        <p:cTn id="1" dur="indefinite" restart="never" nodeType="tmRoot"/>
+      </p:par>
+    </p:tnLst>
+  </p:timing>
+</p:sld>
+</file>
+
+<file path=ppt/slides/slide7.xml><?xml version="1.0" encoding="utf-8"?>
+<p:sld xmlns:a="http://schemas.openxmlformats.org/drawingml/2006/main" xmlns:r="http://schemas.openxmlformats.org/officeDocument/2006/relationships" xmlns:p="http://schemas.openxmlformats.org/presentationml/2006/main">
+  <p:cSld>
+    <p:spTree>
+      <p:nvGrpSpPr>
+        <p:cNvPr id="1" name=""/>
+        <p:cNvGrpSpPr/>
+        <p:nvPr/>
+      </p:nvGrpSpPr>
+      <p:grpSpPr>
+        <a:xfrm>
+          <a:off x="0" y="0"/>
+          <a:ext cx="0" cy="0"/>
+          <a:chOff x="0" y="0"/>
+          <a:chExt cx="0" cy="0"/>
+        </a:xfrm>
+      </p:grpSpPr>
+      <p:sp>
+        <p:nvSpPr>
+          <p:cNvPr id="2" name="Заголовок 1"/>
+          <p:cNvSpPr>
+            <a:spLocks noGrp="1"/>
+          </p:cNvSpPr>
+          <p:nvPr>
+            <p:ph type="title"/>
+          </p:nvPr>
+        </p:nvSpPr>
+        <p:spPr>
+          <a:xfrm>
+            <a:off x="467544" y="2636912"/>
+            <a:ext cx="8229600" cy="1143000"/>
+          </a:xfrm>
+        </p:spPr>
+        <p:txBody>
+          <a:bodyPr>
+            <a:normAutofit fontScale="90000"/>
+          </a:bodyPr>
+          <a:lstStyle/>
+          <a:p>
+            <a:r>
+              <a:rPr lang="en-US" dirty="0" smtClean="0"/>
+              <a:t>Tip #1: </a:t>
+            </a:r>
+            <a:br>
+              <a:rPr lang="en-US" dirty="0" smtClean="0"/>
+            </a:br>
+            <a:r>
+              <a:rPr lang="en-US" sz="10700" dirty="0" smtClean="0"/>
+              <a:t>$ </a:t>
+            </a:r>
+            <a:endParaRPr lang="ru-RU" sz="10700" dirty="0"/>
+          </a:p>
+        </p:txBody>
+      </p:sp>
+    </p:spTree>
+    <p:extLst>
+      <p:ext uri="{BB962C8B-B14F-4D97-AF65-F5344CB8AC3E}">
+        <p14:creationId xmlns:p14="http://schemas.microsoft.com/office/powerpoint/2010/main" val="1758698652"/>
+      </p:ext>
+    </p:extLst>
+  </p:cSld>
+  <p:clrMapOvr>
+    <a:masterClrMapping/>
+  </p:clrMapOvr>
+  <p:timing>
+    <p:tnLst>
+      <p:par>
+        <p:cTn id="1" dur="indefinite" restart="never" nodeType="tmRoot"/>
+      </p:par>
+    </p:tnLst>
+  </p:timing>
+</p:sld>
+</file>
+
+<file path=ppt/slides/slide8.xml><?xml version="1.0" encoding="utf-8"?>
+<p:sld xmlns:a="http://schemas.openxmlformats.org/drawingml/2006/main" xmlns:r="http://schemas.openxmlformats.org/officeDocument/2006/relationships" xmlns:p="http://schemas.openxmlformats.org/presentationml/2006/main">
+  <p:cSld>
+    <p:spTree>
+      <p:nvGrpSpPr>
+        <p:cNvPr id="1" name=""/>
+        <p:cNvGrpSpPr/>
+        <p:nvPr/>
+      </p:nvGrpSpPr>
+      <p:grpSpPr>
+        <a:xfrm>
+          <a:off x="0" y="0"/>
+          <a:ext cx="0" cy="0"/>
+          <a:chOff x="0" y="0"/>
+          <a:chExt cx="0" cy="0"/>
+        </a:xfrm>
+      </p:grpSpPr>
+      <p:sp>
+        <p:nvSpPr>
+          <p:cNvPr id="2" name="Заголовок 1"/>
+          <p:cNvSpPr>
+            <a:spLocks noGrp="1"/>
+          </p:cNvSpPr>
+          <p:nvPr>
+            <p:ph type="title"/>
+          </p:nvPr>
+        </p:nvSpPr>
+        <p:spPr/>
+        <p:txBody>
+          <a:bodyPr/>
+          <a:lstStyle/>
+          <a:p>
+            <a:r>
+              <a:rPr lang="en-US" dirty="0" smtClean="0"/>
+              <a:t>$ </a:t>
+            </a:r>
+            <a:r>
+              <a:rPr lang="en-US" dirty="0" err="1" smtClean="0"/>
+              <a:t>vs</a:t>
+            </a:r>
+            <a:r>
+              <a:rPr lang="en-US" dirty="0" smtClean="0"/>
+              <a:t> #</a:t>
+            </a:r>
+            <a:endParaRPr lang="ru-RU" dirty="0"/>
+          </a:p>
+        </p:txBody>
+      </p:sp>
+      <p:sp>
+        <p:nvSpPr>
+          <p:cNvPr id="3" name="Объект 2"/>
+          <p:cNvSpPr>
+            <a:spLocks noGrp="1"/>
+          </p:cNvSpPr>
+          <p:nvPr>
+            <p:ph idx="1"/>
+          </p:nvPr>
+        </p:nvSpPr>
+        <p:spPr>
+          <a:xfrm>
+            <a:off x="457200" y="1600200"/>
+            <a:ext cx="8507288" cy="4525963"/>
+          </a:xfrm>
+        </p:spPr>
+        <p:txBody>
+          <a:bodyPr/>
+          <a:lstStyle/>
+          <a:p>
+            <a:r>
+              <a:rPr lang="en-US" dirty="0" smtClean="0"/>
+              <a:t>${id} </a:t>
+            </a:r>
+            <a:r>
+              <a:rPr lang="ru-RU" dirty="0" smtClean="0"/>
+              <a:t>вставляет подстроку</a:t>
+            </a:r>
+          </a:p>
+          <a:p>
+            <a:pPr marL="457200" lvl="1" indent="0">
+              <a:buNone/>
+            </a:pPr>
+            <a:r>
+              <a:rPr lang="en-US" dirty="0" smtClean="0"/>
+              <a:t>	select * from ${schema}.users</a:t>
+            </a:r>
+          </a:p>
+          <a:p>
+            <a:pPr marL="457200" lvl="1" indent="0">
+              <a:buNone/>
+            </a:pPr>
+            <a:r>
+              <a:rPr lang="en-US" dirty="0"/>
+              <a:t>	</a:t>
+            </a:r>
+            <a:r>
+              <a:rPr lang="en-US" dirty="0" smtClean="0"/>
+              <a:t> -&gt; </a:t>
+            </a:r>
+            <a:r>
+              <a:rPr lang="en-US" dirty="0"/>
+              <a:t>	select * from </a:t>
+            </a:r>
+            <a:r>
+              <a:rPr lang="en-US" dirty="0" err="1" smtClean="0"/>
+              <a:t>secur.users</a:t>
+            </a:r>
+            <a:endParaRPr lang="en-US" dirty="0"/>
+          </a:p>
+          <a:p>
+            <a:r>
+              <a:rPr lang="en-US" dirty="0" smtClean="0"/>
+              <a:t>#{id} </a:t>
+            </a:r>
+            <a:r>
+              <a:rPr lang="ru-RU" dirty="0" smtClean="0"/>
+              <a:t>создает параметризованный запрос</a:t>
+            </a:r>
+          </a:p>
+          <a:p>
+            <a:pPr marL="457200" lvl="1" indent="0">
+              <a:buNone/>
+            </a:pPr>
+            <a:r>
+              <a:rPr lang="en-US" dirty="0"/>
+              <a:t>	select * from </a:t>
+            </a:r>
+            <a:r>
+              <a:rPr lang="en-US" dirty="0" err="1" smtClean="0"/>
+              <a:t>secur.users</a:t>
+            </a:r>
+            <a:r>
+              <a:rPr lang="en-US" dirty="0" smtClean="0"/>
+              <a:t> where id=#{id}</a:t>
+            </a:r>
+            <a:endParaRPr lang="en-US" dirty="0"/>
+          </a:p>
+          <a:p>
+            <a:pPr marL="457200" lvl="1" indent="0">
+              <a:buNone/>
+            </a:pPr>
+            <a:r>
+              <a:rPr lang="en-US" dirty="0"/>
+              <a:t>	 -&gt; 	select * from </a:t>
+            </a:r>
+            <a:r>
+              <a:rPr lang="en-US" dirty="0" err="1"/>
+              <a:t>secur.users</a:t>
+            </a:r>
+            <a:r>
+              <a:rPr lang="en-US" dirty="0"/>
+              <a:t> where id=#{id}</a:t>
+            </a:r>
+          </a:p>
+          <a:p>
+            <a:endParaRPr lang="en-US" dirty="0"/>
+          </a:p>
+          <a:p>
+            <a:pPr marL="457200" lvl="1" indent="0">
+              <a:buNone/>
+            </a:pPr>
+            <a:endParaRPr lang="ru-RU" dirty="0"/>
+          </a:p>
+        </p:txBody>
+      </p:sp>
+    </p:spTree>
+    <p:extLst>
+      <p:ext uri="{BB962C8B-B14F-4D97-AF65-F5344CB8AC3E}">
+        <p14:creationId xmlns:p14="http://schemas.microsoft.com/office/powerpoint/2010/main" val="1791513792"/>
+      </p:ext>
+    </p:extLst>
+  </p:cSld>
+  <p:clrMapOvr>
+    <a:masterClrMapping/>
+  </p:clrMapOvr>
+  <p:timing>
+    <p:tnLst>
+      <p:par>
+        <p:cTn id="1" dur="indefinite" restart="never" nodeType="tmRoot"/>
+      </p:par>
+    </p:tnLst>
+  </p:timing>
 </p:sld>
 </file>
 
@@ -5863,7 +8512,11 @@
           <a:p>
             <a:r>
               <a:rPr lang="ru-RU" dirty="0" smtClean="0"/>
-              <a:t>Аудит: Общий предок</a:t>
+              <a:t>Где использовать </a:t>
+            </a:r>
+            <a:r>
+              <a:rPr lang="en-US" dirty="0" smtClean="0"/>
+              <a:t>$?</a:t>
             </a:r>
             <a:endParaRPr lang="ru-RU" dirty="0"/>
           </a:p>
@@ -5881,274 +8534,156 @@
         </p:nvSpPr>
         <p:spPr/>
         <p:txBody>
-          <a:bodyPr/>
-          <a:lstStyle/>
-          <a:p>
-            <a:pPr marL="0" indent="0">
-              <a:buNone/>
-            </a:pPr>
-            <a:r>
-              <a:rPr lang="ru-RU" b="1" dirty="0" smtClean="0"/>
+          <a:bodyPr>
+            <a:normAutofit lnSpcReduction="10000"/>
+          </a:bodyPr>
+          <a:lstStyle/>
+          <a:p>
+            <a:r>
+              <a:rPr lang="ru-RU" dirty="0" smtClean="0"/>
+              <a:t>Где нельзя использовать параметр</a:t>
+            </a:r>
+          </a:p>
+          <a:p>
+            <a:pPr lvl="1"/>
+            <a:r>
+              <a:rPr lang="en-US" dirty="0" smtClean="0"/>
+              <a:t>select * from users order by ${field}</a:t>
+            </a:r>
+          </a:p>
+          <a:p>
+            <a:r>
+              <a:rPr lang="ru-RU" dirty="0" smtClean="0"/>
+              <a:t>Для конфигурационных настроек</a:t>
+            </a:r>
+          </a:p>
+          <a:p>
+            <a:pPr lvl="1"/>
+            <a:r>
+              <a:rPr lang="en-US" dirty="0"/>
+              <a:t>select * from ${schema}.users</a:t>
+            </a:r>
+          </a:p>
+          <a:p>
+            <a:pPr lvl="1"/>
+            <a:r>
+              <a:rPr lang="ru-RU" dirty="0" smtClean="0"/>
+              <a:t>Одна константа на всё приложение</a:t>
+            </a:r>
+            <a:endParaRPr lang="en-US" dirty="0" smtClean="0"/>
+          </a:p>
+          <a:p>
+            <a:pPr marL="457200" lvl="1" indent="0">
+              <a:buNone/>
+            </a:pPr>
+            <a:r>
+              <a:rPr lang="ru-RU" sz="2000" dirty="0"/>
+              <a:t> </a:t>
+            </a:r>
+            <a:r>
+              <a:rPr lang="ru-RU" sz="2000" dirty="0" smtClean="0"/>
+              <a:t>   </a:t>
+            </a:r>
+            <a:r>
+              <a:rPr lang="en-US" sz="2000" dirty="0" smtClean="0"/>
+              <a:t>&lt;</a:t>
+            </a:r>
+            <a:r>
+              <a:rPr lang="en-US" sz="2000" dirty="0"/>
+              <a:t>configuration&gt;</a:t>
+            </a:r>
+          </a:p>
+          <a:p>
+            <a:pPr marL="457200" lvl="1" indent="0">
+              <a:buNone/>
+            </a:pPr>
+            <a:r>
+              <a:rPr lang="ru-RU" sz="2000" dirty="0" smtClean="0"/>
               <a:t>	</a:t>
             </a:r>
             <a:r>
-              <a:rPr lang="en-US" b="1" dirty="0" smtClean="0">
-                <a:solidFill>
-                  <a:srgbClr val="800000"/>
-                </a:solidFill>
-              </a:rPr>
-              <a:t>public </a:t>
-            </a:r>
-            <a:r>
-              <a:rPr lang="en-US" b="1" dirty="0">
-                <a:solidFill>
-                  <a:srgbClr val="800000"/>
-                </a:solidFill>
-              </a:rPr>
-              <a:t>class </a:t>
-            </a:r>
-            <a:r>
-              <a:rPr lang="en-US" dirty="0" err="1"/>
-              <a:t>AuditableEntity</a:t>
-            </a:r>
-            <a:r>
-              <a:rPr lang="en-US" b="1" dirty="0"/>
-              <a:t> {</a:t>
-            </a:r>
-          </a:p>
-          <a:p>
-            <a:pPr marL="0" indent="0">
-              <a:buNone/>
-            </a:pPr>
-            <a:r>
-              <a:rPr lang="ru-RU" dirty="0" smtClean="0"/>
+              <a:rPr lang="en-US" sz="2000" dirty="0" smtClean="0"/>
+              <a:t> </a:t>
+            </a:r>
+            <a:r>
+              <a:rPr lang="en-US" sz="2000" dirty="0"/>
+              <a:t>&lt;properties&gt;</a:t>
+            </a:r>
+          </a:p>
+          <a:p>
+            <a:pPr marL="457200" lvl="1" indent="0">
+              <a:buNone/>
+            </a:pPr>
+            <a:r>
+              <a:rPr lang="ru-RU" sz="2000" dirty="0" smtClean="0"/>
               <a:t>	</a:t>
             </a:r>
             <a:r>
-              <a:rPr lang="en-US" dirty="0" smtClean="0"/>
-              <a:t>    </a:t>
-            </a:r>
-            <a:r>
-              <a:rPr lang="en-US" b="1" dirty="0">
-                <a:solidFill>
-                  <a:srgbClr val="800000"/>
-                </a:solidFill>
-              </a:rPr>
-              <a:t>private</a:t>
-            </a:r>
-            <a:r>
-              <a:rPr lang="en-US" b="1" dirty="0"/>
+              <a:rPr lang="en-US" sz="2000" dirty="0" smtClean="0"/>
+              <a:t>        </a:t>
+            </a:r>
+            <a:r>
+              <a:rPr lang="en-US" sz="2000" dirty="0"/>
+              <a:t>&lt;property name="</a:t>
+            </a:r>
+            <a:r>
+              <a:rPr lang="en-US" sz="2000" b="1" dirty="0"/>
+              <a:t>schema</a:t>
+            </a:r>
+            <a:r>
+              <a:rPr lang="en-US" sz="2000" dirty="0"/>
+              <a:t>" value</a:t>
+            </a:r>
+            <a:r>
+              <a:rPr lang="en-US" sz="2000" dirty="0" smtClean="0"/>
+              <a:t>="</a:t>
+            </a:r>
+            <a:r>
+              <a:rPr lang="en-US" sz="2000" b="1" dirty="0" err="1" smtClean="0"/>
+              <a:t>secur</a:t>
+            </a:r>
+            <a:r>
+              <a:rPr lang="en-US" sz="2000" dirty="0" smtClean="0"/>
+              <a:t>"/&gt;</a:t>
+            </a:r>
+            <a:endParaRPr lang="en-US" sz="2000" dirty="0"/>
+          </a:p>
+          <a:p>
+            <a:pPr marL="457200" lvl="1" indent="0">
+              <a:buNone/>
+            </a:pPr>
+            <a:r>
+              <a:rPr lang="ru-RU" sz="2000" dirty="0" smtClean="0"/>
+              <a:t>	</a:t>
+            </a:r>
+            <a:r>
+              <a:rPr lang="en-US" sz="2000" dirty="0" smtClean="0"/>
               <a:t> </a:t>
             </a:r>
             <a:r>
-              <a:rPr lang="en-US" dirty="0"/>
-              <a:t>String </a:t>
-            </a:r>
-            <a:r>
-              <a:rPr lang="en-US" dirty="0" err="1">
-                <a:solidFill>
-                  <a:srgbClr val="333399"/>
-                </a:solidFill>
-              </a:rPr>
-              <a:t>createdByUser</a:t>
-            </a:r>
-            <a:r>
-              <a:rPr lang="en-US" dirty="0"/>
-              <a:t>;</a:t>
-            </a:r>
-          </a:p>
-          <a:p>
-            <a:pPr marL="0" indent="0">
-              <a:buNone/>
-            </a:pPr>
-            <a:r>
-              <a:rPr lang="ru-RU" dirty="0" smtClean="0"/>
-              <a:t>	</a:t>
-            </a:r>
-            <a:r>
-              <a:rPr lang="en-US" dirty="0" smtClean="0"/>
-              <a:t>    </a:t>
-            </a:r>
-            <a:r>
-              <a:rPr lang="en-US" b="1" dirty="0">
-                <a:solidFill>
-                  <a:srgbClr val="800000"/>
-                </a:solidFill>
-              </a:rPr>
-              <a:t>private</a:t>
-            </a:r>
-            <a:r>
-              <a:rPr lang="en-US" b="1" dirty="0"/>
-              <a:t> </a:t>
-            </a:r>
-            <a:r>
-              <a:rPr lang="en-US" dirty="0"/>
-              <a:t>String </a:t>
-            </a:r>
-            <a:r>
-              <a:rPr lang="en-US" dirty="0" err="1">
-                <a:solidFill>
-                  <a:srgbClr val="333399"/>
-                </a:solidFill>
-              </a:rPr>
-              <a:t>updatedByUser</a:t>
-            </a:r>
-            <a:r>
-              <a:rPr lang="en-US" dirty="0"/>
-              <a:t>;</a:t>
-            </a:r>
-          </a:p>
-          <a:p>
-            <a:pPr marL="0" indent="0">
-              <a:buNone/>
-            </a:pPr>
-            <a:r>
-              <a:rPr lang="ru-RU" dirty="0" smtClean="0"/>
-              <a:t>	</a:t>
-            </a:r>
-            <a:r>
-              <a:rPr lang="en-US" dirty="0" smtClean="0"/>
-              <a:t>    </a:t>
-            </a:r>
-            <a:r>
-              <a:rPr lang="en-US" b="1" dirty="0">
-                <a:solidFill>
-                  <a:srgbClr val="800000"/>
-                </a:solidFill>
-              </a:rPr>
-              <a:t>private</a:t>
-            </a:r>
-            <a:r>
-              <a:rPr lang="en-US" b="1" dirty="0"/>
-              <a:t> </a:t>
-            </a:r>
-            <a:r>
-              <a:rPr lang="en-US" dirty="0"/>
-              <a:t>Date</a:t>
-            </a:r>
-            <a:r>
-              <a:rPr lang="en-US" b="1" dirty="0"/>
-              <a:t> </a:t>
-            </a:r>
-            <a:r>
-              <a:rPr lang="en-US" dirty="0" err="1">
-                <a:solidFill>
-                  <a:srgbClr val="333399"/>
-                </a:solidFill>
-              </a:rPr>
-              <a:t>createdDatetime</a:t>
-            </a:r>
-            <a:r>
-              <a:rPr lang="en-US" dirty="0"/>
-              <a:t>;</a:t>
-            </a:r>
-          </a:p>
-          <a:p>
-            <a:pPr marL="0" indent="0">
-              <a:buNone/>
-            </a:pPr>
-            <a:r>
-              <a:rPr lang="ru-RU" dirty="0" smtClean="0"/>
-              <a:t>	</a:t>
-            </a:r>
-            <a:r>
-              <a:rPr lang="en-US" dirty="0" smtClean="0"/>
-              <a:t>    </a:t>
-            </a:r>
-            <a:r>
-              <a:rPr lang="en-US" b="1" dirty="0">
-                <a:solidFill>
-                  <a:srgbClr val="800000"/>
-                </a:solidFill>
-              </a:rPr>
-              <a:t>private</a:t>
-            </a:r>
-            <a:r>
-              <a:rPr lang="en-US" b="1" dirty="0"/>
-              <a:t> </a:t>
-            </a:r>
-            <a:r>
-              <a:rPr lang="en-US" dirty="0"/>
-              <a:t>Date</a:t>
-            </a:r>
-            <a:r>
-              <a:rPr lang="en-US" b="1" dirty="0"/>
-              <a:t> </a:t>
-            </a:r>
-            <a:r>
-              <a:rPr lang="en-US" dirty="0" err="1">
-                <a:solidFill>
-                  <a:srgbClr val="333399"/>
-                </a:solidFill>
-              </a:rPr>
-              <a:t>updatedDatetime</a:t>
-            </a:r>
-            <a:r>
-              <a:rPr lang="en-US" dirty="0"/>
-              <a:t>;</a:t>
-            </a:r>
-          </a:p>
-          <a:p>
-            <a:pPr marL="0" indent="0">
-              <a:buNone/>
-            </a:pPr>
-            <a:r>
-              <a:rPr lang="ru-RU" dirty="0" smtClean="0"/>
-              <a:t>	</a:t>
-            </a:r>
-            <a:r>
-              <a:rPr lang="en-US" dirty="0" smtClean="0"/>
-              <a:t>    </a:t>
-            </a:r>
-            <a:r>
-              <a:rPr lang="en-US" b="1" dirty="0">
-                <a:solidFill>
-                  <a:srgbClr val="800000"/>
-                </a:solidFill>
-              </a:rPr>
-              <a:t>private</a:t>
-            </a:r>
-            <a:r>
-              <a:rPr lang="en-US" b="1" dirty="0"/>
-              <a:t> </a:t>
-            </a:r>
-            <a:r>
-              <a:rPr lang="en-US" b="1" dirty="0" err="1">
-                <a:solidFill>
-                  <a:srgbClr val="800000"/>
-                </a:solidFill>
-              </a:rPr>
-              <a:t>int</a:t>
-            </a:r>
-            <a:r>
-              <a:rPr lang="en-US" b="1" dirty="0"/>
-              <a:t> </a:t>
-            </a:r>
-            <a:r>
-              <a:rPr lang="en-US" dirty="0" smtClean="0">
-                <a:solidFill>
-                  <a:srgbClr val="333399"/>
-                </a:solidFill>
-              </a:rPr>
-              <a:t>version</a:t>
-            </a:r>
-            <a:r>
-              <a:rPr lang="en-US" dirty="0"/>
-              <a:t>;</a:t>
-            </a:r>
-          </a:p>
-          <a:p>
-            <a:pPr marL="0" indent="0">
-              <a:buNone/>
-            </a:pPr>
-            <a:r>
-              <a:rPr lang="ru-RU" dirty="0" smtClean="0"/>
-              <a:t>	}</a:t>
-            </a:r>
-            <a:endParaRPr lang="ru-RU" dirty="0"/>
-          </a:p>
-          <a:p>
-            <a:pPr marL="0" indent="0">
+              <a:rPr lang="en-US" sz="2000" dirty="0"/>
+              <a:t>&lt;/properties</a:t>
+            </a:r>
+            <a:r>
+              <a:rPr lang="en-US" sz="2000" dirty="0" smtClean="0"/>
+              <a:t>&gt;</a:t>
+            </a:r>
+          </a:p>
+          <a:p>
+            <a:pPr marL="457200" lvl="1" indent="0">
+              <a:buNone/>
+            </a:pPr>
+            <a:r>
+              <a:rPr lang="en-US" sz="2000" dirty="0" smtClean="0"/>
+              <a:t>    &lt;/configuration</a:t>
+            </a:r>
+            <a:r>
+              <a:rPr lang="en-US" sz="2000" dirty="0"/>
+              <a:t>&gt;</a:t>
+            </a:r>
+          </a:p>
+          <a:p>
+            <a:pPr marL="457200" lvl="1" indent="0">
               <a:buNone/>
             </a:pPr>
             <a:endParaRPr lang="ru-RU" dirty="0"/>
@@ -6158,13 +8693,20 @@
     </p:spTree>
     <p:extLst>
       <p:ext uri="{BB962C8B-B14F-4D97-AF65-F5344CB8AC3E}">
-        <p14:creationId xmlns:p14="http://schemas.microsoft.com/office/powerpoint/2010/main" val="2713199825"/>
+        <p14:creationId xmlns:p14="http://schemas.microsoft.com/office/powerpoint/2010/main" val="2167138792"/>
       </p:ext>
     </p:extLst>
   </p:cSld>
   <p:clrMapOvr>
     <a:masterClrMapping/>
   </p:clrMapOvr>
+  <p:timing>
+    <p:tnLst>
+      <p:par>
+        <p:cTn id="1" dur="indefinite" restart="never" nodeType="tmRoot"/>
+      </p:par>
+    </p:tnLst>
+  </p:timing>
 </p:sld>
 </file>
 

--- a/MyBatis.pptx
+++ b/MyBatis.pptx
@@ -5,35 +5,36 @@
     <p:sldMasterId id="2147483708" r:id="rId1"/>
   </p:sldMasterIdLst>
   <p:notesMasterIdLst>
-    <p:notesMasterId r:id="rId28"/>
+    <p:notesMasterId r:id="rId29"/>
   </p:notesMasterIdLst>
   <p:sldIdLst>
     <p:sldId id="256" r:id="rId2"/>
-    <p:sldId id="279" r:id="rId3"/>
-    <p:sldId id="264" r:id="rId4"/>
-    <p:sldId id="265" r:id="rId5"/>
-    <p:sldId id="266" r:id="rId6"/>
-    <p:sldId id="267" r:id="rId7"/>
-    <p:sldId id="270" r:id="rId8"/>
-    <p:sldId id="257" r:id="rId9"/>
-    <p:sldId id="258" r:id="rId10"/>
-    <p:sldId id="272" r:id="rId11"/>
-    <p:sldId id="259" r:id="rId12"/>
-    <p:sldId id="260" r:id="rId13"/>
-    <p:sldId id="261" r:id="rId14"/>
-    <p:sldId id="262" r:id="rId15"/>
-    <p:sldId id="263" r:id="rId16"/>
-    <p:sldId id="268" r:id="rId17"/>
-    <p:sldId id="269" r:id="rId18"/>
-    <p:sldId id="282" r:id="rId19"/>
-    <p:sldId id="274" r:id="rId20"/>
-    <p:sldId id="273" r:id="rId21"/>
-    <p:sldId id="275" r:id="rId22"/>
-    <p:sldId id="276" r:id="rId23"/>
-    <p:sldId id="280" r:id="rId24"/>
-    <p:sldId id="281" r:id="rId25"/>
-    <p:sldId id="277" r:id="rId26"/>
-    <p:sldId id="278" r:id="rId27"/>
+    <p:sldId id="283" r:id="rId3"/>
+    <p:sldId id="279" r:id="rId4"/>
+    <p:sldId id="264" r:id="rId5"/>
+    <p:sldId id="265" r:id="rId6"/>
+    <p:sldId id="266" r:id="rId7"/>
+    <p:sldId id="267" r:id="rId8"/>
+    <p:sldId id="270" r:id="rId9"/>
+    <p:sldId id="257" r:id="rId10"/>
+    <p:sldId id="258" r:id="rId11"/>
+    <p:sldId id="272" r:id="rId12"/>
+    <p:sldId id="259" r:id="rId13"/>
+    <p:sldId id="260" r:id="rId14"/>
+    <p:sldId id="261" r:id="rId15"/>
+    <p:sldId id="262" r:id="rId16"/>
+    <p:sldId id="263" r:id="rId17"/>
+    <p:sldId id="268" r:id="rId18"/>
+    <p:sldId id="269" r:id="rId19"/>
+    <p:sldId id="282" r:id="rId20"/>
+    <p:sldId id="274" r:id="rId21"/>
+    <p:sldId id="273" r:id="rId22"/>
+    <p:sldId id="275" r:id="rId23"/>
+    <p:sldId id="276" r:id="rId24"/>
+    <p:sldId id="280" r:id="rId25"/>
+    <p:sldId id="281" r:id="rId26"/>
+    <p:sldId id="277" r:id="rId27"/>
+    <p:sldId id="278" r:id="rId28"/>
   </p:sldIdLst>
   <p:sldSz cx="9144000" cy="6858000" type="screen4x3"/>
   <p:notesSz cx="6858000" cy="9144000"/>
@@ -217,7 +218,7 @@
           <a:p>
             <a:fld id="{061D1EA5-CE74-4989-9F99-34613937E7AA}" type="datetimeFigureOut">
               <a:rPr lang="ru-RU" smtClean="0"/>
-              <a:t>16.05.2015</a:t>
+              <a:t>20.05.2015</a:t>
             </a:fld>
             <a:endParaRPr lang="ru-RU"/>
           </a:p>
@@ -554,7 +555,7 @@
           <a:p>
             <a:fld id="{6A02CEFB-6CF0-43DF-B98C-127CB14CBA63}" type="slidenum">
               <a:rPr lang="ru-RU" smtClean="0"/>
-              <a:t>4</a:t>
+              <a:t>5</a:t>
             </a:fld>
             <a:endParaRPr lang="ru-RU"/>
           </a:p>
@@ -646,7 +647,7 @@
           <a:p>
             <a:fld id="{6A02CEFB-6CF0-43DF-B98C-127CB14CBA63}" type="slidenum">
               <a:rPr lang="ru-RU" smtClean="0"/>
-              <a:t>24</a:t>
+              <a:t>25</a:t>
             </a:fld>
             <a:endParaRPr lang="ru-RU"/>
           </a:p>
@@ -859,7 +860,7 @@
           <a:p>
             <a:fld id="{B4C71EC6-210F-42DE-9C53-41977AD35B3D}" type="datetimeFigureOut">
               <a:rPr lang="ru-RU" smtClean="0"/>
-              <a:t>16.05.2015</a:t>
+              <a:t>20.05.2015</a:t>
             </a:fld>
             <a:endParaRPr lang="ru-RU"/>
           </a:p>
@@ -1024,7 +1025,7 @@
           <a:p>
             <a:fld id="{B4C71EC6-210F-42DE-9C53-41977AD35B3D}" type="datetimeFigureOut">
               <a:rPr lang="ru-RU" smtClean="0"/>
-              <a:t>16.05.2015</a:t>
+              <a:t>20.05.2015</a:t>
             </a:fld>
             <a:endParaRPr lang="ru-RU"/>
           </a:p>
@@ -1199,7 +1200,7 @@
           <a:p>
             <a:fld id="{B4C71EC6-210F-42DE-9C53-41977AD35B3D}" type="datetimeFigureOut">
               <a:rPr lang="ru-RU" smtClean="0"/>
-              <a:t>16.05.2015</a:t>
+              <a:t>20.05.2015</a:t>
             </a:fld>
             <a:endParaRPr lang="ru-RU"/>
           </a:p>
@@ -1364,7 +1365,7 @@
           <a:p>
             <a:fld id="{B4C71EC6-210F-42DE-9C53-41977AD35B3D}" type="datetimeFigureOut">
               <a:rPr lang="ru-RU" smtClean="0"/>
-              <a:t>16.05.2015</a:t>
+              <a:t>20.05.2015</a:t>
             </a:fld>
             <a:endParaRPr lang="ru-RU"/>
           </a:p>
@@ -1605,7 +1606,7 @@
           <a:p>
             <a:fld id="{B4C71EC6-210F-42DE-9C53-41977AD35B3D}" type="datetimeFigureOut">
               <a:rPr lang="ru-RU" smtClean="0"/>
-              <a:t>16.05.2015</a:t>
+              <a:t>20.05.2015</a:t>
             </a:fld>
             <a:endParaRPr lang="ru-RU"/>
           </a:p>
@@ -1888,7 +1889,7 @@
           <a:p>
             <a:fld id="{B4C71EC6-210F-42DE-9C53-41977AD35B3D}" type="datetimeFigureOut">
               <a:rPr lang="ru-RU" smtClean="0"/>
-              <a:t>16.05.2015</a:t>
+              <a:t>20.05.2015</a:t>
             </a:fld>
             <a:endParaRPr lang="ru-RU"/>
           </a:p>
@@ -2317,7 +2318,7 @@
           <a:p>
             <a:fld id="{B4C71EC6-210F-42DE-9C53-41977AD35B3D}" type="datetimeFigureOut">
               <a:rPr lang="ru-RU" smtClean="0"/>
-              <a:t>16.05.2015</a:t>
+              <a:t>20.05.2015</a:t>
             </a:fld>
             <a:endParaRPr lang="ru-RU"/>
           </a:p>
@@ -2430,7 +2431,7 @@
           <a:p>
             <a:fld id="{B4C71EC6-210F-42DE-9C53-41977AD35B3D}" type="datetimeFigureOut">
               <a:rPr lang="ru-RU" smtClean="0"/>
-              <a:t>16.05.2015</a:t>
+              <a:t>20.05.2015</a:t>
             </a:fld>
             <a:endParaRPr lang="ru-RU"/>
           </a:p>
@@ -2520,7 +2521,7 @@
           <a:p>
             <a:fld id="{B4C71EC6-210F-42DE-9C53-41977AD35B3D}" type="datetimeFigureOut">
               <a:rPr lang="ru-RU" smtClean="0"/>
-              <a:t>16.05.2015</a:t>
+              <a:t>20.05.2015</a:t>
             </a:fld>
             <a:endParaRPr lang="ru-RU"/>
           </a:p>
@@ -2709,7 +2710,7 @@
           <a:p>
             <a:fld id="{B4C71EC6-210F-42DE-9C53-41977AD35B3D}" type="datetimeFigureOut">
               <a:rPr lang="ru-RU" smtClean="0"/>
-              <a:t>16.05.2015</a:t>
+              <a:t>20.05.2015</a:t>
             </a:fld>
             <a:endParaRPr lang="ru-RU"/>
           </a:p>
@@ -3027,7 +3028,7 @@
           <a:p>
             <a:fld id="{B4C71EC6-210F-42DE-9C53-41977AD35B3D}" type="datetimeFigureOut">
               <a:rPr lang="ru-RU" smtClean="0"/>
-              <a:t>16.05.2015</a:t>
+              <a:t>20.05.2015</a:t>
             </a:fld>
             <a:endParaRPr lang="ru-RU"/>
           </a:p>
@@ -3406,7 +3407,7 @@
           <a:p>
             <a:fld id="{B4C71EC6-210F-42DE-9C53-41977AD35B3D}" type="datetimeFigureOut">
               <a:rPr lang="ru-RU" smtClean="0"/>
-              <a:t>16.05.2015</a:t>
+              <a:t>20.05.2015</a:t>
             </a:fld>
             <a:endParaRPr lang="ru-RU"/>
           </a:p>
@@ -3840,6 +3841,623 @@
             <p:ph type="title"/>
           </p:nvPr>
         </p:nvSpPr>
+        <p:spPr/>
+        <p:txBody>
+          <a:bodyPr/>
+          <a:lstStyle/>
+          <a:p>
+            <a:pPr algn="ctr"/>
+            <a:r>
+              <a:rPr lang="ru-RU" dirty="0" smtClean="0"/>
+              <a:t>Где использовать </a:t>
+            </a:r>
+            <a:r>
+              <a:rPr lang="en-US" dirty="0" smtClean="0"/>
+              <a:t>$?</a:t>
+            </a:r>
+            <a:endParaRPr lang="ru-RU" dirty="0"/>
+          </a:p>
+        </p:txBody>
+      </p:sp>
+      <p:sp>
+        <p:nvSpPr>
+          <p:cNvPr id="3" name="Объект 2"/>
+          <p:cNvSpPr>
+            <a:spLocks noGrp="1"/>
+          </p:cNvSpPr>
+          <p:nvPr>
+            <p:ph idx="1"/>
+          </p:nvPr>
+        </p:nvSpPr>
+        <p:spPr/>
+        <p:txBody>
+          <a:bodyPr>
+            <a:normAutofit/>
+          </a:bodyPr>
+          <a:lstStyle/>
+          <a:p>
+            <a:r>
+              <a:rPr lang="ru-RU" sz="2400" b="1" i="1" dirty="0" smtClean="0"/>
+              <a:t>Где нельзя использовать параметр</a:t>
+            </a:r>
+          </a:p>
+          <a:p>
+            <a:pPr lvl="1"/>
+            <a:r>
+              <a:rPr lang="en-US" sz="2400" dirty="0" smtClean="0"/>
+              <a:t>select * from users order by ${field}</a:t>
+            </a:r>
+          </a:p>
+          <a:p>
+            <a:r>
+              <a:rPr lang="ru-RU" sz="2400" b="1" i="1" dirty="0" smtClean="0"/>
+              <a:t>Для конфигурационных настроек</a:t>
+            </a:r>
+          </a:p>
+          <a:p>
+            <a:pPr lvl="1"/>
+            <a:r>
+              <a:rPr lang="en-US" sz="2400" dirty="0"/>
+              <a:t>select * from ${schema}.users</a:t>
+            </a:r>
+          </a:p>
+          <a:p>
+            <a:pPr lvl="1"/>
+            <a:r>
+              <a:rPr lang="ru-RU" sz="2400" dirty="0" smtClean="0"/>
+              <a:t>Одна константа на всё приложение</a:t>
+            </a:r>
+            <a:endParaRPr lang="en-US" sz="2400" dirty="0" smtClean="0"/>
+          </a:p>
+          <a:p>
+            <a:pPr marL="777240" lvl="2" indent="0">
+              <a:lnSpc>
+                <a:spcPct val="115000"/>
+              </a:lnSpc>
+              <a:buNone/>
+              <a:tabLst>
+                <a:tab pos="581660" algn="l"/>
+                <a:tab pos="1163320" algn="l"/>
+                <a:tab pos="1744980" algn="l"/>
+                <a:tab pos="2326640" algn="l"/>
+                <a:tab pos="2908300" algn="l"/>
+                <a:tab pos="3489960" algn="l"/>
+                <a:tab pos="4071620" algn="l"/>
+                <a:tab pos="4653280" algn="l"/>
+                <a:tab pos="5234940" algn="l"/>
+                <a:tab pos="5816600" algn="l"/>
+                <a:tab pos="6398260" algn="l"/>
+                <a:tab pos="6979920" algn="l"/>
+                <a:tab pos="7561580" algn="l"/>
+                <a:tab pos="8143240" algn="l"/>
+                <a:tab pos="8724900" algn="l"/>
+                <a:tab pos="9306560" algn="l"/>
+              </a:tabLst>
+            </a:pPr>
+            <a:r>
+              <a:rPr lang="ru-RU" sz="2400" dirty="0"/>
+              <a:t> </a:t>
+            </a:r>
+            <a:r>
+              <a:rPr lang="en-US" sz="2400" dirty="0" smtClean="0">
+                <a:solidFill>
+                  <a:srgbClr val="A65700"/>
+                </a:solidFill>
+                <a:ea typeface="Times New Roman"/>
+                <a:cs typeface="Times New Roman"/>
+              </a:rPr>
+              <a:t>&lt;</a:t>
+            </a:r>
+            <a:r>
+              <a:rPr lang="en-US" sz="2400" dirty="0">
+                <a:solidFill>
+                  <a:srgbClr val="5F5035"/>
+                </a:solidFill>
+                <a:ea typeface="Times New Roman"/>
+                <a:cs typeface="Times New Roman"/>
+              </a:rPr>
+              <a:t>configuration</a:t>
+            </a:r>
+            <a:r>
+              <a:rPr lang="en-US" sz="2400" dirty="0">
+                <a:solidFill>
+                  <a:srgbClr val="A65700"/>
+                </a:solidFill>
+                <a:ea typeface="Times New Roman"/>
+                <a:cs typeface="Times New Roman"/>
+              </a:rPr>
+              <a:t>&gt;</a:t>
+            </a:r>
+            <a:endParaRPr lang="ru-RU" dirty="0">
+              <a:ea typeface="Calibri"/>
+              <a:cs typeface="Times New Roman"/>
+            </a:endParaRPr>
+          </a:p>
+          <a:p>
+            <a:pPr marL="777240" lvl="2" indent="0">
+              <a:lnSpc>
+                <a:spcPct val="115000"/>
+              </a:lnSpc>
+              <a:buNone/>
+              <a:tabLst>
+                <a:tab pos="581660" algn="l"/>
+                <a:tab pos="1163320" algn="l"/>
+                <a:tab pos="1744980" algn="l"/>
+                <a:tab pos="2326640" algn="l"/>
+                <a:tab pos="2908300" algn="l"/>
+                <a:tab pos="3489960" algn="l"/>
+                <a:tab pos="4071620" algn="l"/>
+                <a:tab pos="4653280" algn="l"/>
+                <a:tab pos="5234940" algn="l"/>
+                <a:tab pos="5816600" algn="l"/>
+                <a:tab pos="6398260" algn="l"/>
+                <a:tab pos="6979920" algn="l"/>
+                <a:tab pos="7561580" algn="l"/>
+                <a:tab pos="8143240" algn="l"/>
+                <a:tab pos="8724900" algn="l"/>
+                <a:tab pos="9306560" algn="l"/>
+              </a:tabLst>
+            </a:pPr>
+            <a:r>
+              <a:rPr lang="en-US" sz="2400" dirty="0">
+                <a:solidFill>
+                  <a:srgbClr val="000000"/>
+                </a:solidFill>
+                <a:ea typeface="Times New Roman"/>
+                <a:cs typeface="Times New Roman"/>
+              </a:rPr>
+              <a:t>  </a:t>
+            </a:r>
+            <a:r>
+              <a:rPr lang="ru-RU" sz="2400" dirty="0" smtClean="0">
+                <a:solidFill>
+                  <a:srgbClr val="000000"/>
+                </a:solidFill>
+                <a:ea typeface="Times New Roman"/>
+                <a:cs typeface="Times New Roman"/>
+              </a:rPr>
+              <a:t>   </a:t>
+            </a:r>
+            <a:r>
+              <a:rPr lang="en-US" sz="2400" dirty="0" smtClean="0">
+                <a:solidFill>
+                  <a:srgbClr val="A65700"/>
+                </a:solidFill>
+                <a:ea typeface="Times New Roman"/>
+                <a:cs typeface="Times New Roman"/>
+              </a:rPr>
+              <a:t>&lt;</a:t>
+            </a:r>
+            <a:r>
+              <a:rPr lang="en-US" sz="2400" dirty="0">
+                <a:solidFill>
+                  <a:srgbClr val="5F5035"/>
+                </a:solidFill>
+                <a:ea typeface="Times New Roman"/>
+                <a:cs typeface="Times New Roman"/>
+              </a:rPr>
+              <a:t>properties</a:t>
+            </a:r>
+            <a:r>
+              <a:rPr lang="en-US" sz="2400" dirty="0">
+                <a:solidFill>
+                  <a:srgbClr val="A65700"/>
+                </a:solidFill>
+                <a:ea typeface="Times New Roman"/>
+                <a:cs typeface="Times New Roman"/>
+              </a:rPr>
+              <a:t>&gt;</a:t>
+            </a:r>
+            <a:endParaRPr lang="ru-RU" dirty="0">
+              <a:ea typeface="Calibri"/>
+              <a:cs typeface="Times New Roman"/>
+            </a:endParaRPr>
+          </a:p>
+          <a:p>
+            <a:pPr marL="777240" lvl="2" indent="0">
+              <a:lnSpc>
+                <a:spcPct val="115000"/>
+              </a:lnSpc>
+              <a:buNone/>
+              <a:tabLst>
+                <a:tab pos="581660" algn="l"/>
+                <a:tab pos="1163320" algn="l"/>
+                <a:tab pos="1744980" algn="l"/>
+                <a:tab pos="2326640" algn="l"/>
+                <a:tab pos="2908300" algn="l"/>
+                <a:tab pos="3489960" algn="l"/>
+                <a:tab pos="4071620" algn="l"/>
+                <a:tab pos="4653280" algn="l"/>
+                <a:tab pos="5234940" algn="l"/>
+                <a:tab pos="5816600" algn="l"/>
+                <a:tab pos="6398260" algn="l"/>
+                <a:tab pos="6979920" algn="l"/>
+                <a:tab pos="7561580" algn="l"/>
+                <a:tab pos="8143240" algn="l"/>
+                <a:tab pos="8724900" algn="l"/>
+                <a:tab pos="9306560" algn="l"/>
+              </a:tabLst>
+            </a:pPr>
+            <a:r>
+              <a:rPr lang="en-US" sz="2400" dirty="0">
+                <a:solidFill>
+                  <a:srgbClr val="000000"/>
+                </a:solidFill>
+                <a:ea typeface="Times New Roman"/>
+                <a:cs typeface="Times New Roman"/>
+              </a:rPr>
+              <a:t>   </a:t>
+            </a:r>
+            <a:r>
+              <a:rPr lang="ru-RU" sz="2400" dirty="0" smtClean="0">
+                <a:solidFill>
+                  <a:srgbClr val="000000"/>
+                </a:solidFill>
+                <a:ea typeface="Times New Roman"/>
+                <a:cs typeface="Times New Roman"/>
+              </a:rPr>
+              <a:t>       </a:t>
+            </a:r>
+            <a:r>
+              <a:rPr lang="en-US" sz="2400" dirty="0" smtClean="0">
+                <a:solidFill>
+                  <a:srgbClr val="000000"/>
+                </a:solidFill>
+                <a:ea typeface="Times New Roman"/>
+                <a:cs typeface="Times New Roman"/>
+              </a:rPr>
+              <a:t> </a:t>
+            </a:r>
+            <a:r>
+              <a:rPr lang="en-US" sz="2400" dirty="0">
+                <a:solidFill>
+                  <a:srgbClr val="A65700"/>
+                </a:solidFill>
+                <a:ea typeface="Times New Roman"/>
+                <a:cs typeface="Times New Roman"/>
+              </a:rPr>
+              <a:t>&lt;</a:t>
+            </a:r>
+            <a:r>
+              <a:rPr lang="en-US" sz="2400" dirty="0">
+                <a:solidFill>
+                  <a:srgbClr val="5F5035"/>
+                </a:solidFill>
+                <a:ea typeface="Times New Roman"/>
+                <a:cs typeface="Times New Roman"/>
+              </a:rPr>
+              <a:t>property</a:t>
+            </a:r>
+            <a:r>
+              <a:rPr lang="en-US" sz="2400" dirty="0">
+                <a:solidFill>
+                  <a:srgbClr val="000000"/>
+                </a:solidFill>
+                <a:ea typeface="Times New Roman"/>
+                <a:cs typeface="Times New Roman"/>
+              </a:rPr>
+              <a:t> </a:t>
+            </a:r>
+            <a:r>
+              <a:rPr lang="en-US" sz="2400" dirty="0">
+                <a:solidFill>
+                  <a:srgbClr val="274796"/>
+                </a:solidFill>
+                <a:ea typeface="Times New Roman"/>
+                <a:cs typeface="Times New Roman"/>
+              </a:rPr>
+              <a:t>name</a:t>
+            </a:r>
+            <a:r>
+              <a:rPr lang="en-US" sz="2400" dirty="0">
+                <a:solidFill>
+                  <a:srgbClr val="808030"/>
+                </a:solidFill>
+                <a:ea typeface="Times New Roman"/>
+                <a:cs typeface="Times New Roman"/>
+              </a:rPr>
+              <a:t>=</a:t>
+            </a:r>
+            <a:r>
+              <a:rPr lang="en-US" sz="2400" dirty="0">
+                <a:solidFill>
+                  <a:srgbClr val="800000"/>
+                </a:solidFill>
+                <a:ea typeface="Times New Roman"/>
+                <a:cs typeface="Times New Roman"/>
+              </a:rPr>
+              <a:t>"</a:t>
+            </a:r>
+            <a:r>
+              <a:rPr lang="en-US" sz="2400" dirty="0">
+                <a:solidFill>
+                  <a:srgbClr val="0000E6"/>
+                </a:solidFill>
+                <a:ea typeface="Times New Roman"/>
+                <a:cs typeface="Times New Roman"/>
+              </a:rPr>
+              <a:t>schema</a:t>
+            </a:r>
+            <a:r>
+              <a:rPr lang="en-US" sz="2400" dirty="0">
+                <a:solidFill>
+                  <a:srgbClr val="800000"/>
+                </a:solidFill>
+                <a:ea typeface="Times New Roman"/>
+                <a:cs typeface="Times New Roman"/>
+              </a:rPr>
+              <a:t>"</a:t>
+            </a:r>
+            <a:r>
+              <a:rPr lang="en-US" sz="2400" dirty="0">
+                <a:solidFill>
+                  <a:srgbClr val="000000"/>
+                </a:solidFill>
+                <a:ea typeface="Times New Roman"/>
+                <a:cs typeface="Times New Roman"/>
+              </a:rPr>
+              <a:t> </a:t>
+            </a:r>
+            <a:r>
+              <a:rPr lang="en-US" sz="2400" dirty="0">
+                <a:solidFill>
+                  <a:srgbClr val="274796"/>
+                </a:solidFill>
+                <a:ea typeface="Times New Roman"/>
+                <a:cs typeface="Times New Roman"/>
+              </a:rPr>
+              <a:t>value</a:t>
+            </a:r>
+            <a:r>
+              <a:rPr lang="en-US" sz="2400" dirty="0">
+                <a:solidFill>
+                  <a:srgbClr val="808030"/>
+                </a:solidFill>
+                <a:ea typeface="Times New Roman"/>
+                <a:cs typeface="Times New Roman"/>
+              </a:rPr>
+              <a:t>=</a:t>
+            </a:r>
+            <a:r>
+              <a:rPr lang="en-US" sz="2400" dirty="0">
+                <a:solidFill>
+                  <a:srgbClr val="800000"/>
+                </a:solidFill>
+                <a:ea typeface="Times New Roman"/>
+                <a:cs typeface="Times New Roman"/>
+              </a:rPr>
+              <a:t>"</a:t>
+            </a:r>
+            <a:r>
+              <a:rPr lang="en-US" sz="2400" dirty="0" err="1">
+                <a:solidFill>
+                  <a:srgbClr val="0000E6"/>
+                </a:solidFill>
+                <a:ea typeface="Times New Roman"/>
+                <a:cs typeface="Times New Roman"/>
+              </a:rPr>
+              <a:t>secur</a:t>
+            </a:r>
+            <a:r>
+              <a:rPr lang="en-US" sz="2400" dirty="0">
+                <a:solidFill>
+                  <a:srgbClr val="800000"/>
+                </a:solidFill>
+                <a:ea typeface="Times New Roman"/>
+                <a:cs typeface="Times New Roman"/>
+              </a:rPr>
+              <a:t>"</a:t>
+            </a:r>
+            <a:r>
+              <a:rPr lang="en-US" sz="2400" dirty="0">
+                <a:solidFill>
+                  <a:srgbClr val="A65700"/>
+                </a:solidFill>
+                <a:ea typeface="Times New Roman"/>
+                <a:cs typeface="Times New Roman"/>
+              </a:rPr>
+              <a:t>/&gt;</a:t>
+            </a:r>
+            <a:endParaRPr lang="ru-RU" dirty="0">
+              <a:ea typeface="Calibri"/>
+              <a:cs typeface="Times New Roman"/>
+            </a:endParaRPr>
+          </a:p>
+          <a:p>
+            <a:pPr marL="777240" lvl="2" indent="0">
+              <a:lnSpc>
+                <a:spcPct val="115000"/>
+              </a:lnSpc>
+              <a:buNone/>
+              <a:tabLst>
+                <a:tab pos="581660" algn="l"/>
+                <a:tab pos="1163320" algn="l"/>
+                <a:tab pos="1744980" algn="l"/>
+                <a:tab pos="2326640" algn="l"/>
+                <a:tab pos="2908300" algn="l"/>
+                <a:tab pos="3489960" algn="l"/>
+                <a:tab pos="4071620" algn="l"/>
+                <a:tab pos="4653280" algn="l"/>
+                <a:tab pos="5234940" algn="l"/>
+                <a:tab pos="5816600" algn="l"/>
+                <a:tab pos="6398260" algn="l"/>
+                <a:tab pos="6979920" algn="l"/>
+                <a:tab pos="7561580" algn="l"/>
+                <a:tab pos="8143240" algn="l"/>
+                <a:tab pos="8724900" algn="l"/>
+                <a:tab pos="9306560" algn="l"/>
+              </a:tabLst>
+            </a:pPr>
+            <a:r>
+              <a:rPr lang="en-US" sz="2400" dirty="0">
+                <a:solidFill>
+                  <a:srgbClr val="000000"/>
+                </a:solidFill>
+                <a:ea typeface="Times New Roman"/>
+                <a:cs typeface="Times New Roman"/>
+              </a:rPr>
+              <a:t>  </a:t>
+            </a:r>
+            <a:r>
+              <a:rPr lang="ru-RU" sz="2400" dirty="0" smtClean="0">
+                <a:solidFill>
+                  <a:srgbClr val="000000"/>
+                </a:solidFill>
+                <a:ea typeface="Times New Roman"/>
+                <a:cs typeface="Times New Roman"/>
+              </a:rPr>
+              <a:t>   </a:t>
+            </a:r>
+            <a:r>
+              <a:rPr lang="ru-RU" sz="2400" dirty="0" smtClean="0">
+                <a:solidFill>
+                  <a:srgbClr val="A65700"/>
+                </a:solidFill>
+                <a:ea typeface="Times New Roman"/>
+                <a:cs typeface="Times New Roman"/>
+              </a:rPr>
+              <a:t>&lt;/</a:t>
+            </a:r>
+            <a:r>
+              <a:rPr lang="ru-RU" sz="2400" dirty="0" err="1">
+                <a:solidFill>
+                  <a:srgbClr val="5F5035"/>
+                </a:solidFill>
+                <a:ea typeface="Times New Roman"/>
+                <a:cs typeface="Times New Roman"/>
+              </a:rPr>
+              <a:t>properties</a:t>
+            </a:r>
+            <a:r>
+              <a:rPr lang="ru-RU" sz="2400" dirty="0">
+                <a:solidFill>
+                  <a:srgbClr val="A65700"/>
+                </a:solidFill>
+                <a:ea typeface="Times New Roman"/>
+                <a:cs typeface="Times New Roman"/>
+              </a:rPr>
+              <a:t>&gt;</a:t>
+            </a:r>
+            <a:endParaRPr lang="ru-RU" dirty="0">
+              <a:ea typeface="Calibri"/>
+              <a:cs typeface="Times New Roman"/>
+            </a:endParaRPr>
+          </a:p>
+          <a:p>
+            <a:pPr marL="777240" lvl="2" indent="0">
+              <a:lnSpc>
+                <a:spcPct val="115000"/>
+              </a:lnSpc>
+              <a:buNone/>
+              <a:tabLst>
+                <a:tab pos="581660" algn="l"/>
+                <a:tab pos="1163320" algn="l"/>
+                <a:tab pos="1744980" algn="l"/>
+                <a:tab pos="2326640" algn="l"/>
+                <a:tab pos="2908300" algn="l"/>
+                <a:tab pos="3489960" algn="l"/>
+                <a:tab pos="4071620" algn="l"/>
+                <a:tab pos="4653280" algn="l"/>
+                <a:tab pos="5234940" algn="l"/>
+                <a:tab pos="5816600" algn="l"/>
+                <a:tab pos="6398260" algn="l"/>
+                <a:tab pos="6979920" algn="l"/>
+                <a:tab pos="7561580" algn="l"/>
+                <a:tab pos="8143240" algn="l"/>
+                <a:tab pos="8724900" algn="l"/>
+                <a:tab pos="9306560" algn="l"/>
+              </a:tabLst>
+            </a:pPr>
+            <a:r>
+              <a:rPr lang="ru-RU" sz="2400" dirty="0">
+                <a:solidFill>
+                  <a:srgbClr val="A65700"/>
+                </a:solidFill>
+                <a:ea typeface="Times New Roman"/>
+                <a:cs typeface="Times New Roman"/>
+              </a:rPr>
+              <a:t>&lt;/</a:t>
+            </a:r>
+            <a:r>
+              <a:rPr lang="ru-RU" sz="2400" dirty="0" err="1">
+                <a:solidFill>
+                  <a:srgbClr val="5F5035"/>
+                </a:solidFill>
+                <a:ea typeface="Times New Roman"/>
+                <a:cs typeface="Times New Roman"/>
+              </a:rPr>
+              <a:t>configuration</a:t>
+            </a:r>
+            <a:r>
+              <a:rPr lang="ru-RU" sz="2400" dirty="0">
+                <a:solidFill>
+                  <a:srgbClr val="A65700"/>
+                </a:solidFill>
+                <a:ea typeface="Times New Roman"/>
+                <a:cs typeface="Times New Roman"/>
+              </a:rPr>
+              <a:t>&gt;</a:t>
+            </a:r>
+            <a:endParaRPr lang="ru-RU" dirty="0">
+              <a:ea typeface="Calibri"/>
+              <a:cs typeface="Times New Roman"/>
+            </a:endParaRPr>
+          </a:p>
+          <a:p>
+            <a:pPr marL="457200" lvl="1" indent="0">
+              <a:buNone/>
+            </a:pPr>
+            <a:endParaRPr lang="ru-RU" sz="2400" dirty="0"/>
+          </a:p>
+        </p:txBody>
+      </p:sp>
+    </p:spTree>
+    <p:extLst>
+      <p:ext uri="{BB962C8B-B14F-4D97-AF65-F5344CB8AC3E}">
+        <p14:creationId xmlns:p14="http://schemas.microsoft.com/office/powerpoint/2010/main" val="2167138792"/>
+      </p:ext>
+    </p:extLst>
+  </p:cSld>
+  <p:clrMapOvr>
+    <a:masterClrMapping/>
+  </p:clrMapOvr>
+  <p:timing>
+    <p:tnLst>
+      <p:par>
+        <p:cTn id="1" dur="indefinite" restart="never" nodeType="tmRoot"/>
+      </p:par>
+    </p:tnLst>
+  </p:timing>
+</p:sld>
+</file>
+
+<file path=ppt/slides/slide11.xml><?xml version="1.0" encoding="utf-8"?>
+<p:sld xmlns:a="http://schemas.openxmlformats.org/drawingml/2006/main" xmlns:r="http://schemas.openxmlformats.org/officeDocument/2006/relationships" xmlns:p="http://schemas.openxmlformats.org/presentationml/2006/main">
+  <p:cSld>
+    <p:spTree>
+      <p:nvGrpSpPr>
+        <p:cNvPr id="1" name=""/>
+        <p:cNvGrpSpPr/>
+        <p:nvPr/>
+      </p:nvGrpSpPr>
+      <p:grpSpPr>
+        <a:xfrm>
+          <a:off x="0" y="0"/>
+          <a:ext cx="0" cy="0"/>
+          <a:chOff x="0" y="0"/>
+          <a:chExt cx="0" cy="0"/>
+        </a:xfrm>
+      </p:grpSpPr>
+      <p:sp>
+        <p:nvSpPr>
+          <p:cNvPr id="2" name="Заголовок 1"/>
+          <p:cNvSpPr>
+            <a:spLocks noGrp="1"/>
+          </p:cNvSpPr>
+          <p:nvPr>
+            <p:ph type="title"/>
+          </p:nvPr>
+        </p:nvSpPr>
         <p:spPr>
           <a:xfrm>
             <a:off x="467544" y="2636912"/>
@@ -3892,7 +4510,7 @@
 </p:sld>
 </file>
 
-<file path=ppt/slides/slide11.xml><?xml version="1.0" encoding="utf-8"?>
+<file path=ppt/slides/slide12.xml><?xml version="1.0" encoding="utf-8"?>
 <p:sld xmlns:a="http://schemas.openxmlformats.org/drawingml/2006/main" xmlns:r="http://schemas.openxmlformats.org/officeDocument/2006/relationships" xmlns:p="http://schemas.openxmlformats.org/presentationml/2006/main">
   <p:cSld>
     <p:spTree>
@@ -4282,353 +4900,6 @@
 </p:sld>
 </file>
 
-<file path=ppt/slides/slide12.xml><?xml version="1.0" encoding="utf-8"?>
-<p:sld xmlns:a="http://schemas.openxmlformats.org/drawingml/2006/main" xmlns:r="http://schemas.openxmlformats.org/officeDocument/2006/relationships" xmlns:p="http://schemas.openxmlformats.org/presentationml/2006/main">
-  <p:cSld>
-    <p:spTree>
-      <p:nvGrpSpPr>
-        <p:cNvPr id="1" name=""/>
-        <p:cNvGrpSpPr/>
-        <p:nvPr/>
-      </p:nvGrpSpPr>
-      <p:grpSpPr>
-        <a:xfrm>
-          <a:off x="0" y="0"/>
-          <a:ext cx="0" cy="0"/>
-          <a:chOff x="0" y="0"/>
-          <a:chExt cx="0" cy="0"/>
-        </a:xfrm>
-      </p:grpSpPr>
-      <p:sp>
-        <p:nvSpPr>
-          <p:cNvPr id="2" name="Заголовок 1"/>
-          <p:cNvSpPr>
-            <a:spLocks noGrp="1"/>
-          </p:cNvSpPr>
-          <p:nvPr>
-            <p:ph type="title"/>
-          </p:nvPr>
-        </p:nvSpPr>
-        <p:spPr/>
-        <p:txBody>
-          <a:bodyPr/>
-          <a:lstStyle/>
-          <a:p>
-            <a:pPr algn="ctr"/>
-            <a:r>
-              <a:rPr lang="ru-RU" dirty="0" smtClean="0"/>
-              <a:t>Аудит: Общий предок</a:t>
-            </a:r>
-            <a:endParaRPr lang="ru-RU" dirty="0"/>
-          </a:p>
-        </p:txBody>
-      </p:sp>
-      <p:sp>
-        <p:nvSpPr>
-          <p:cNvPr id="3" name="Объект 2"/>
-          <p:cNvSpPr>
-            <a:spLocks noGrp="1"/>
-          </p:cNvSpPr>
-          <p:nvPr>
-            <p:ph idx="1"/>
-          </p:nvPr>
-        </p:nvSpPr>
-        <p:spPr/>
-        <p:txBody>
-          <a:bodyPr/>
-          <a:lstStyle/>
-          <a:p>
-            <a:pPr marL="0" indent="0">
-              <a:buNone/>
-            </a:pPr>
-            <a:r>
-              <a:rPr lang="ru-RU" b="1" dirty="0" smtClean="0"/>
-              <a:t>	</a:t>
-            </a:r>
-            <a:r>
-              <a:rPr lang="en-US" b="1" dirty="0" smtClean="0">
-                <a:solidFill>
-                  <a:srgbClr val="800000"/>
-                </a:solidFill>
-              </a:rPr>
-              <a:t>public </a:t>
-            </a:r>
-            <a:r>
-              <a:rPr lang="en-US" b="1" dirty="0">
-                <a:solidFill>
-                  <a:srgbClr val="800000"/>
-                </a:solidFill>
-              </a:rPr>
-              <a:t>class </a:t>
-            </a:r>
-            <a:r>
-              <a:rPr lang="en-US" dirty="0" err="1"/>
-              <a:t>AuditableEntity</a:t>
-            </a:r>
-            <a:r>
-              <a:rPr lang="en-US" b="1" dirty="0"/>
-              <a:t> {</a:t>
-            </a:r>
-          </a:p>
-          <a:p>
-            <a:pPr marL="0" indent="0">
-              <a:buNone/>
-            </a:pPr>
-            <a:r>
-              <a:rPr lang="ru-RU" dirty="0" smtClean="0"/>
-              <a:t>	</a:t>
-            </a:r>
-            <a:r>
-              <a:rPr lang="en-US" dirty="0" smtClean="0"/>
-              <a:t>    </a:t>
-            </a:r>
-            <a:r>
-              <a:rPr lang="en-US" b="1" dirty="0">
-                <a:solidFill>
-                  <a:srgbClr val="800000"/>
-                </a:solidFill>
-              </a:rPr>
-              <a:t>private</a:t>
-            </a:r>
-            <a:r>
-              <a:rPr lang="en-US" b="1" dirty="0"/>
-              <a:t> </a:t>
-            </a:r>
-            <a:r>
-              <a:rPr lang="en-US" dirty="0"/>
-              <a:t>String </a:t>
-            </a:r>
-            <a:r>
-              <a:rPr lang="en-US" dirty="0" err="1">
-                <a:solidFill>
-                  <a:srgbClr val="333399"/>
-                </a:solidFill>
-              </a:rPr>
-              <a:t>createdByUser</a:t>
-            </a:r>
-            <a:r>
-              <a:rPr lang="en-US" dirty="0"/>
-              <a:t>;</a:t>
-            </a:r>
-          </a:p>
-          <a:p>
-            <a:pPr marL="0" indent="0">
-              <a:buNone/>
-            </a:pPr>
-            <a:r>
-              <a:rPr lang="ru-RU" dirty="0" smtClean="0"/>
-              <a:t>	</a:t>
-            </a:r>
-            <a:r>
-              <a:rPr lang="en-US" dirty="0" smtClean="0"/>
-              <a:t>    </a:t>
-            </a:r>
-            <a:r>
-              <a:rPr lang="en-US" b="1" dirty="0">
-                <a:solidFill>
-                  <a:srgbClr val="800000"/>
-                </a:solidFill>
-              </a:rPr>
-              <a:t>private</a:t>
-            </a:r>
-            <a:r>
-              <a:rPr lang="en-US" b="1" dirty="0"/>
-              <a:t> </a:t>
-            </a:r>
-            <a:r>
-              <a:rPr lang="en-US" dirty="0"/>
-              <a:t>String </a:t>
-            </a:r>
-            <a:r>
-              <a:rPr lang="en-US" dirty="0" err="1">
-                <a:solidFill>
-                  <a:srgbClr val="333399"/>
-                </a:solidFill>
-              </a:rPr>
-              <a:t>updatedByUser</a:t>
-            </a:r>
-            <a:r>
-              <a:rPr lang="en-US" dirty="0"/>
-              <a:t>;</a:t>
-            </a:r>
-          </a:p>
-          <a:p>
-            <a:pPr marL="0" indent="0">
-              <a:buNone/>
-            </a:pPr>
-            <a:r>
-              <a:rPr lang="ru-RU" dirty="0" smtClean="0"/>
-              <a:t>	</a:t>
-            </a:r>
-            <a:r>
-              <a:rPr lang="en-US" dirty="0" smtClean="0"/>
-              <a:t>    </a:t>
-            </a:r>
-            <a:r>
-              <a:rPr lang="en-US" b="1" dirty="0">
-                <a:solidFill>
-                  <a:srgbClr val="800000"/>
-                </a:solidFill>
-              </a:rPr>
-              <a:t>private</a:t>
-            </a:r>
-            <a:r>
-              <a:rPr lang="en-US" b="1" dirty="0"/>
-              <a:t> </a:t>
-            </a:r>
-            <a:r>
-              <a:rPr lang="en-US" dirty="0"/>
-              <a:t>Date</a:t>
-            </a:r>
-            <a:r>
-              <a:rPr lang="en-US" b="1" dirty="0"/>
-              <a:t> </a:t>
-            </a:r>
-            <a:r>
-              <a:rPr lang="en-US" dirty="0" err="1">
-                <a:solidFill>
-                  <a:srgbClr val="333399"/>
-                </a:solidFill>
-              </a:rPr>
-              <a:t>createdDatetime</a:t>
-            </a:r>
-            <a:r>
-              <a:rPr lang="en-US" dirty="0"/>
-              <a:t>;</a:t>
-            </a:r>
-          </a:p>
-          <a:p>
-            <a:pPr marL="0" indent="0">
-              <a:buNone/>
-            </a:pPr>
-            <a:r>
-              <a:rPr lang="ru-RU" dirty="0" smtClean="0"/>
-              <a:t>	</a:t>
-            </a:r>
-            <a:r>
-              <a:rPr lang="en-US" dirty="0" smtClean="0"/>
-              <a:t>    </a:t>
-            </a:r>
-            <a:r>
-              <a:rPr lang="en-US" b="1" dirty="0">
-                <a:solidFill>
-                  <a:srgbClr val="800000"/>
-                </a:solidFill>
-              </a:rPr>
-              <a:t>private</a:t>
-            </a:r>
-            <a:r>
-              <a:rPr lang="en-US" b="1" dirty="0"/>
-              <a:t> </a:t>
-            </a:r>
-            <a:r>
-              <a:rPr lang="en-US" dirty="0"/>
-              <a:t>Date</a:t>
-            </a:r>
-            <a:r>
-              <a:rPr lang="en-US" b="1" dirty="0"/>
-              <a:t> </a:t>
-            </a:r>
-            <a:r>
-              <a:rPr lang="en-US" dirty="0" err="1">
-                <a:solidFill>
-                  <a:srgbClr val="333399"/>
-                </a:solidFill>
-              </a:rPr>
-              <a:t>updatedDatetime</a:t>
-            </a:r>
-            <a:r>
-              <a:rPr lang="en-US" dirty="0"/>
-              <a:t>;</a:t>
-            </a:r>
-          </a:p>
-          <a:p>
-            <a:pPr marL="0" indent="0">
-              <a:buNone/>
-            </a:pPr>
-            <a:r>
-              <a:rPr lang="ru-RU" dirty="0" smtClean="0"/>
-              <a:t>	</a:t>
-            </a:r>
-            <a:r>
-              <a:rPr lang="en-US" dirty="0" smtClean="0"/>
-              <a:t>    </a:t>
-            </a:r>
-            <a:r>
-              <a:rPr lang="en-US" b="1" dirty="0">
-                <a:solidFill>
-                  <a:srgbClr val="800000"/>
-                </a:solidFill>
-              </a:rPr>
-              <a:t>private</a:t>
-            </a:r>
-            <a:r>
-              <a:rPr lang="en-US" b="1" dirty="0"/>
-              <a:t> </a:t>
-            </a:r>
-            <a:r>
-              <a:rPr lang="en-US" b="1" dirty="0" err="1">
-                <a:solidFill>
-                  <a:srgbClr val="800000"/>
-                </a:solidFill>
-              </a:rPr>
-              <a:t>int</a:t>
-            </a:r>
-            <a:r>
-              <a:rPr lang="en-US" b="1" dirty="0"/>
-              <a:t> </a:t>
-            </a:r>
-            <a:r>
-              <a:rPr lang="en-US" dirty="0" smtClean="0">
-                <a:solidFill>
-                  <a:srgbClr val="333399"/>
-                </a:solidFill>
-              </a:rPr>
-              <a:t>version</a:t>
-            </a:r>
-            <a:r>
-              <a:rPr lang="en-US" dirty="0"/>
-              <a:t>;</a:t>
-            </a:r>
-          </a:p>
-          <a:p>
-            <a:pPr marL="0" indent="0">
-              <a:buNone/>
-            </a:pPr>
-            <a:r>
-              <a:rPr lang="ru-RU" dirty="0" smtClean="0"/>
-              <a:t>	}</a:t>
-            </a:r>
-            <a:endParaRPr lang="ru-RU" dirty="0"/>
-          </a:p>
-          <a:p>
-            <a:pPr marL="0" indent="0">
-              <a:buNone/>
-            </a:pPr>
-            <a:endParaRPr lang="ru-RU" dirty="0"/>
-          </a:p>
-        </p:txBody>
-      </p:sp>
-    </p:spTree>
-    <p:extLst>
-      <p:ext uri="{BB962C8B-B14F-4D97-AF65-F5344CB8AC3E}">
-        <p14:creationId xmlns:p14="http://schemas.microsoft.com/office/powerpoint/2010/main" val="2713199825"/>
-      </p:ext>
-    </p:extLst>
-  </p:cSld>
-  <p:clrMapOvr>
-    <a:masterClrMapping/>
-  </p:clrMapOvr>
-  <p:timing>
-    <p:tnLst>
-      <p:par>
-        <p:cTn id="1" dur="indefinite" restart="never" nodeType="tmRoot"/>
-      </p:par>
-    </p:tnLst>
-  </p:timing>
-</p:sld>
-</file>
-
 <file path=ppt/slides/slide13.xml><?xml version="1.0" encoding="utf-8"?>
 <p:sld xmlns:a="http://schemas.openxmlformats.org/drawingml/2006/main" xmlns:r="http://schemas.openxmlformats.org/officeDocument/2006/relationships" xmlns:p="http://schemas.openxmlformats.org/presentationml/2006/main">
   <p:cSld>
@@ -4664,6 +4935,353 @@
             <a:pPr algn="ctr"/>
             <a:r>
               <a:rPr lang="ru-RU" dirty="0" smtClean="0"/>
+              <a:t>Аудит: Общий предок</a:t>
+            </a:r>
+            <a:endParaRPr lang="ru-RU" dirty="0"/>
+          </a:p>
+        </p:txBody>
+      </p:sp>
+      <p:sp>
+        <p:nvSpPr>
+          <p:cNvPr id="3" name="Объект 2"/>
+          <p:cNvSpPr>
+            <a:spLocks noGrp="1"/>
+          </p:cNvSpPr>
+          <p:nvPr>
+            <p:ph idx="1"/>
+          </p:nvPr>
+        </p:nvSpPr>
+        <p:spPr/>
+        <p:txBody>
+          <a:bodyPr/>
+          <a:lstStyle/>
+          <a:p>
+            <a:pPr marL="0" indent="0">
+              <a:buNone/>
+            </a:pPr>
+            <a:r>
+              <a:rPr lang="ru-RU" b="1" dirty="0" smtClean="0"/>
+              <a:t>	</a:t>
+            </a:r>
+            <a:r>
+              <a:rPr lang="en-US" b="1" dirty="0" smtClean="0">
+                <a:solidFill>
+                  <a:srgbClr val="800000"/>
+                </a:solidFill>
+              </a:rPr>
+              <a:t>public </a:t>
+            </a:r>
+            <a:r>
+              <a:rPr lang="en-US" b="1" dirty="0">
+                <a:solidFill>
+                  <a:srgbClr val="800000"/>
+                </a:solidFill>
+              </a:rPr>
+              <a:t>class </a:t>
+            </a:r>
+            <a:r>
+              <a:rPr lang="en-US" dirty="0" err="1"/>
+              <a:t>AuditableEntity</a:t>
+            </a:r>
+            <a:r>
+              <a:rPr lang="en-US" b="1" dirty="0"/>
+              <a:t> {</a:t>
+            </a:r>
+          </a:p>
+          <a:p>
+            <a:pPr marL="0" indent="0">
+              <a:buNone/>
+            </a:pPr>
+            <a:r>
+              <a:rPr lang="ru-RU" dirty="0" smtClean="0"/>
+              <a:t>	</a:t>
+            </a:r>
+            <a:r>
+              <a:rPr lang="en-US" dirty="0" smtClean="0"/>
+              <a:t>    </a:t>
+            </a:r>
+            <a:r>
+              <a:rPr lang="en-US" b="1" dirty="0">
+                <a:solidFill>
+                  <a:srgbClr val="800000"/>
+                </a:solidFill>
+              </a:rPr>
+              <a:t>private</a:t>
+            </a:r>
+            <a:r>
+              <a:rPr lang="en-US" b="1" dirty="0"/>
+              <a:t> </a:t>
+            </a:r>
+            <a:r>
+              <a:rPr lang="en-US" dirty="0"/>
+              <a:t>String </a:t>
+            </a:r>
+            <a:r>
+              <a:rPr lang="en-US" dirty="0" err="1">
+                <a:solidFill>
+                  <a:srgbClr val="333399"/>
+                </a:solidFill>
+              </a:rPr>
+              <a:t>createdByUser</a:t>
+            </a:r>
+            <a:r>
+              <a:rPr lang="en-US" dirty="0"/>
+              <a:t>;</a:t>
+            </a:r>
+          </a:p>
+          <a:p>
+            <a:pPr marL="0" indent="0">
+              <a:buNone/>
+            </a:pPr>
+            <a:r>
+              <a:rPr lang="ru-RU" dirty="0" smtClean="0"/>
+              <a:t>	</a:t>
+            </a:r>
+            <a:r>
+              <a:rPr lang="en-US" dirty="0" smtClean="0"/>
+              <a:t>    </a:t>
+            </a:r>
+            <a:r>
+              <a:rPr lang="en-US" b="1" dirty="0">
+                <a:solidFill>
+                  <a:srgbClr val="800000"/>
+                </a:solidFill>
+              </a:rPr>
+              <a:t>private</a:t>
+            </a:r>
+            <a:r>
+              <a:rPr lang="en-US" b="1" dirty="0"/>
+              <a:t> </a:t>
+            </a:r>
+            <a:r>
+              <a:rPr lang="en-US" dirty="0"/>
+              <a:t>String </a:t>
+            </a:r>
+            <a:r>
+              <a:rPr lang="en-US" dirty="0" err="1">
+                <a:solidFill>
+                  <a:srgbClr val="333399"/>
+                </a:solidFill>
+              </a:rPr>
+              <a:t>updatedByUser</a:t>
+            </a:r>
+            <a:r>
+              <a:rPr lang="en-US" dirty="0"/>
+              <a:t>;</a:t>
+            </a:r>
+          </a:p>
+          <a:p>
+            <a:pPr marL="0" indent="0">
+              <a:buNone/>
+            </a:pPr>
+            <a:r>
+              <a:rPr lang="ru-RU" dirty="0" smtClean="0"/>
+              <a:t>	</a:t>
+            </a:r>
+            <a:r>
+              <a:rPr lang="en-US" dirty="0" smtClean="0"/>
+              <a:t>    </a:t>
+            </a:r>
+            <a:r>
+              <a:rPr lang="en-US" b="1" dirty="0">
+                <a:solidFill>
+                  <a:srgbClr val="800000"/>
+                </a:solidFill>
+              </a:rPr>
+              <a:t>private</a:t>
+            </a:r>
+            <a:r>
+              <a:rPr lang="en-US" b="1" dirty="0"/>
+              <a:t> </a:t>
+            </a:r>
+            <a:r>
+              <a:rPr lang="en-US" dirty="0"/>
+              <a:t>Date</a:t>
+            </a:r>
+            <a:r>
+              <a:rPr lang="en-US" b="1" dirty="0"/>
+              <a:t> </a:t>
+            </a:r>
+            <a:r>
+              <a:rPr lang="en-US" dirty="0" err="1">
+                <a:solidFill>
+                  <a:srgbClr val="333399"/>
+                </a:solidFill>
+              </a:rPr>
+              <a:t>createdDatetime</a:t>
+            </a:r>
+            <a:r>
+              <a:rPr lang="en-US" dirty="0"/>
+              <a:t>;</a:t>
+            </a:r>
+          </a:p>
+          <a:p>
+            <a:pPr marL="0" indent="0">
+              <a:buNone/>
+            </a:pPr>
+            <a:r>
+              <a:rPr lang="ru-RU" dirty="0" smtClean="0"/>
+              <a:t>	</a:t>
+            </a:r>
+            <a:r>
+              <a:rPr lang="en-US" dirty="0" smtClean="0"/>
+              <a:t>    </a:t>
+            </a:r>
+            <a:r>
+              <a:rPr lang="en-US" b="1" dirty="0">
+                <a:solidFill>
+                  <a:srgbClr val="800000"/>
+                </a:solidFill>
+              </a:rPr>
+              <a:t>private</a:t>
+            </a:r>
+            <a:r>
+              <a:rPr lang="en-US" b="1" dirty="0"/>
+              <a:t> </a:t>
+            </a:r>
+            <a:r>
+              <a:rPr lang="en-US" dirty="0"/>
+              <a:t>Date</a:t>
+            </a:r>
+            <a:r>
+              <a:rPr lang="en-US" b="1" dirty="0"/>
+              <a:t> </a:t>
+            </a:r>
+            <a:r>
+              <a:rPr lang="en-US" dirty="0" err="1">
+                <a:solidFill>
+                  <a:srgbClr val="333399"/>
+                </a:solidFill>
+              </a:rPr>
+              <a:t>updatedDatetime</a:t>
+            </a:r>
+            <a:r>
+              <a:rPr lang="en-US" dirty="0"/>
+              <a:t>;</a:t>
+            </a:r>
+          </a:p>
+          <a:p>
+            <a:pPr marL="0" indent="0">
+              <a:buNone/>
+            </a:pPr>
+            <a:r>
+              <a:rPr lang="ru-RU" dirty="0" smtClean="0"/>
+              <a:t>	</a:t>
+            </a:r>
+            <a:r>
+              <a:rPr lang="en-US" dirty="0" smtClean="0"/>
+              <a:t>    </a:t>
+            </a:r>
+            <a:r>
+              <a:rPr lang="en-US" b="1" dirty="0">
+                <a:solidFill>
+                  <a:srgbClr val="800000"/>
+                </a:solidFill>
+              </a:rPr>
+              <a:t>private</a:t>
+            </a:r>
+            <a:r>
+              <a:rPr lang="en-US" b="1" dirty="0"/>
+              <a:t> </a:t>
+            </a:r>
+            <a:r>
+              <a:rPr lang="en-US" b="1" dirty="0" err="1">
+                <a:solidFill>
+                  <a:srgbClr val="800000"/>
+                </a:solidFill>
+              </a:rPr>
+              <a:t>int</a:t>
+            </a:r>
+            <a:r>
+              <a:rPr lang="en-US" b="1" dirty="0"/>
+              <a:t> </a:t>
+            </a:r>
+            <a:r>
+              <a:rPr lang="en-US" dirty="0" smtClean="0">
+                <a:solidFill>
+                  <a:srgbClr val="333399"/>
+                </a:solidFill>
+              </a:rPr>
+              <a:t>version</a:t>
+            </a:r>
+            <a:r>
+              <a:rPr lang="en-US" dirty="0"/>
+              <a:t>;</a:t>
+            </a:r>
+          </a:p>
+          <a:p>
+            <a:pPr marL="0" indent="0">
+              <a:buNone/>
+            </a:pPr>
+            <a:r>
+              <a:rPr lang="ru-RU" dirty="0" smtClean="0"/>
+              <a:t>	}</a:t>
+            </a:r>
+            <a:endParaRPr lang="ru-RU" dirty="0"/>
+          </a:p>
+          <a:p>
+            <a:pPr marL="0" indent="0">
+              <a:buNone/>
+            </a:pPr>
+            <a:endParaRPr lang="ru-RU" dirty="0"/>
+          </a:p>
+        </p:txBody>
+      </p:sp>
+    </p:spTree>
+    <p:extLst>
+      <p:ext uri="{BB962C8B-B14F-4D97-AF65-F5344CB8AC3E}">
+        <p14:creationId xmlns:p14="http://schemas.microsoft.com/office/powerpoint/2010/main" val="2713199825"/>
+      </p:ext>
+    </p:extLst>
+  </p:cSld>
+  <p:clrMapOvr>
+    <a:masterClrMapping/>
+  </p:clrMapOvr>
+  <p:timing>
+    <p:tnLst>
+      <p:par>
+        <p:cTn id="1" dur="indefinite" restart="never" nodeType="tmRoot"/>
+      </p:par>
+    </p:tnLst>
+  </p:timing>
+</p:sld>
+</file>
+
+<file path=ppt/slides/slide14.xml><?xml version="1.0" encoding="utf-8"?>
+<p:sld xmlns:a="http://schemas.openxmlformats.org/drawingml/2006/main" xmlns:r="http://schemas.openxmlformats.org/officeDocument/2006/relationships" xmlns:p="http://schemas.openxmlformats.org/presentationml/2006/main">
+  <p:cSld>
+    <p:spTree>
+      <p:nvGrpSpPr>
+        <p:cNvPr id="1" name=""/>
+        <p:cNvGrpSpPr/>
+        <p:nvPr/>
+      </p:nvGrpSpPr>
+      <p:grpSpPr>
+        <a:xfrm>
+          <a:off x="0" y="0"/>
+          <a:ext cx="0" cy="0"/>
+          <a:chOff x="0" y="0"/>
+          <a:chExt cx="0" cy="0"/>
+        </a:xfrm>
+      </p:grpSpPr>
+      <p:sp>
+        <p:nvSpPr>
+          <p:cNvPr id="2" name="Заголовок 1"/>
+          <p:cNvSpPr>
+            <a:spLocks noGrp="1"/>
+          </p:cNvSpPr>
+          <p:nvPr>
+            <p:ph type="title"/>
+          </p:nvPr>
+        </p:nvSpPr>
+        <p:spPr/>
+        <p:txBody>
+          <a:bodyPr/>
+          <a:lstStyle/>
+          <a:p>
+            <a:pPr algn="ctr"/>
+            <a:r>
+              <a:rPr lang="ru-RU" dirty="0" smtClean="0"/>
               <a:t>Аудит: Базовая </a:t>
             </a:r>
             <a:r>
@@ -6058,7 +6676,7 @@
 </p:sld>
 </file>
 
-<file path=ppt/slides/slide14.xml><?xml version="1.0" encoding="utf-8"?>
+<file path=ppt/slides/slide15.xml><?xml version="1.0" encoding="utf-8"?>
 <p:sld xmlns:a="http://schemas.openxmlformats.org/drawingml/2006/main" xmlns:r="http://schemas.openxmlformats.org/officeDocument/2006/relationships" xmlns:p="http://schemas.openxmlformats.org/presentationml/2006/main">
   <p:cSld>
     <p:spTree>
@@ -7132,7 +7750,7 @@
 </p:sld>
 </file>
 
-<file path=ppt/slides/slide15.xml><?xml version="1.0" encoding="utf-8"?>
+<file path=ppt/slides/slide16.xml><?xml version="1.0" encoding="utf-8"?>
 <p:sld xmlns:a="http://schemas.openxmlformats.org/drawingml/2006/main" xmlns:r="http://schemas.openxmlformats.org/officeDocument/2006/relationships" xmlns:p="http://schemas.openxmlformats.org/presentationml/2006/main">
   <p:cSld>
     <p:spTree>
@@ -7877,7 +8495,7 @@
 </p:sld>
 </file>
 
-<file path=ppt/slides/slide16.xml><?xml version="1.0" encoding="utf-8"?>
+<file path=ppt/slides/slide17.xml><?xml version="1.0" encoding="utf-8"?>
 <p:sld xmlns:a="http://schemas.openxmlformats.org/drawingml/2006/main" xmlns:r="http://schemas.openxmlformats.org/officeDocument/2006/relationships" xmlns:p="http://schemas.openxmlformats.org/presentationml/2006/main">
   <p:cSld>
     <p:spTree>
@@ -8594,7 +9212,7 @@
 </p:sld>
 </file>
 
-<file path=ppt/slides/slide17.xml><?xml version="1.0" encoding="utf-8"?>
+<file path=ppt/slides/slide18.xml><?xml version="1.0" encoding="utf-8"?>
 <p:sld xmlns:a="http://schemas.openxmlformats.org/drawingml/2006/main" xmlns:r="http://schemas.openxmlformats.org/officeDocument/2006/relationships" xmlns:p="http://schemas.openxmlformats.org/presentationml/2006/main">
   <p:cSld>
     <p:spTree>
@@ -9598,7 +10216,7 @@
 </p:sld>
 </file>
 
-<file path=ppt/slides/slide18.xml><?xml version="1.0" encoding="utf-8"?>
+<file path=ppt/slides/slide19.xml><?xml version="1.0" encoding="utf-8"?>
 <p:sld xmlns:a="http://schemas.openxmlformats.org/drawingml/2006/main" xmlns:r="http://schemas.openxmlformats.org/officeDocument/2006/relationships" xmlns:p="http://schemas.openxmlformats.org/presentationml/2006/main">
   <p:cSld>
     <p:spTree>
@@ -9748,11 +10366,7 @@
             </a:pPr>
             <a:r>
               <a:rPr lang="en-US" sz="2800" dirty="0" smtClean="0"/>
-              <a:t>    </a:t>
-            </a:r>
-            <a:r>
-              <a:rPr lang="en-US" sz="2800" dirty="0" smtClean="0"/>
-              <a:t>update person set </a:t>
+              <a:t>    update person set </a:t>
             </a:r>
           </a:p>
           <a:p>
@@ -10094,93 +10708,6 @@
     <p:extLst>
       <p:ext uri="{BB962C8B-B14F-4D97-AF65-F5344CB8AC3E}">
         <p14:creationId xmlns:p14="http://schemas.microsoft.com/office/powerpoint/2010/main" val="742532162"/>
-      </p:ext>
-    </p:extLst>
-  </p:cSld>
-  <p:clrMapOvr>
-    <a:masterClrMapping/>
-  </p:clrMapOvr>
-  <p:timing>
-    <p:tnLst>
-      <p:par>
-        <p:cTn id="1" dur="indefinite" restart="never" nodeType="tmRoot"/>
-      </p:par>
-    </p:tnLst>
-  </p:timing>
-</p:sld>
-</file>
-
-<file path=ppt/slides/slide19.xml><?xml version="1.0" encoding="utf-8"?>
-<p:sld xmlns:a="http://schemas.openxmlformats.org/drawingml/2006/main" xmlns:r="http://schemas.openxmlformats.org/officeDocument/2006/relationships" xmlns:p="http://schemas.openxmlformats.org/presentationml/2006/main">
-  <p:cSld>
-    <p:spTree>
-      <p:nvGrpSpPr>
-        <p:cNvPr id="1" name=""/>
-        <p:cNvGrpSpPr/>
-        <p:nvPr/>
-      </p:nvGrpSpPr>
-      <p:grpSpPr>
-        <a:xfrm>
-          <a:off x="0" y="0"/>
-          <a:ext cx="0" cy="0"/>
-          <a:chOff x="0" y="0"/>
-          <a:chExt cx="0" cy="0"/>
-        </a:xfrm>
-      </p:grpSpPr>
-      <p:sp>
-        <p:nvSpPr>
-          <p:cNvPr id="2" name="Заголовок 1"/>
-          <p:cNvSpPr>
-            <a:spLocks noGrp="1"/>
-          </p:cNvSpPr>
-          <p:nvPr>
-            <p:ph type="title"/>
-          </p:nvPr>
-        </p:nvSpPr>
-        <p:spPr>
-          <a:xfrm>
-            <a:off x="467544" y="2636912"/>
-            <a:ext cx="8229600" cy="1143000"/>
-          </a:xfrm>
-        </p:spPr>
-        <p:txBody>
-          <a:bodyPr>
-            <a:normAutofit fontScale="90000"/>
-          </a:bodyPr>
-          <a:lstStyle/>
-          <a:p>
-            <a:pPr algn="ctr"/>
-            <a:r>
-              <a:rPr lang="en-US" dirty="0" smtClean="0"/>
-              <a:t>Tip #</a:t>
-            </a:r>
-            <a:r>
-              <a:rPr lang="ru-RU" dirty="0" smtClean="0"/>
-              <a:t>3</a:t>
-            </a:r>
-            <a:r>
-              <a:rPr lang="en-US" dirty="0" smtClean="0"/>
-              <a:t>: </a:t>
-            </a:r>
-            <a:br>
-              <a:rPr lang="en-US" dirty="0" smtClean="0"/>
-            </a:br>
-            <a:r>
-              <a:rPr lang="ru-RU" sz="8000" dirty="0" err="1" smtClean="0"/>
-              <a:t>Маппинг</a:t>
-            </a:r>
-            <a:r>
-              <a:rPr lang="en-US" sz="10700" dirty="0" smtClean="0"/>
-              <a:t> </a:t>
-            </a:r>
-            <a:endParaRPr lang="ru-RU" sz="10700" dirty="0"/>
-          </a:p>
-        </p:txBody>
-      </p:sp>
-    </p:spTree>
-    <p:extLst>
-      <p:ext uri="{BB962C8B-B14F-4D97-AF65-F5344CB8AC3E}">
-        <p14:creationId xmlns:p14="http://schemas.microsoft.com/office/powerpoint/2010/main" val="1270676527"/>
       </p:ext>
     </p:extLst>
   </p:cSld>
@@ -10224,20 +10751,15 @@
             <p:ph type="title"/>
           </p:nvPr>
         </p:nvSpPr>
-        <p:spPr>
-          <a:xfrm>
-            <a:off x="467544" y="476672"/>
-            <a:ext cx="8229600" cy="1143000"/>
-          </a:xfrm>
-        </p:spPr>
+        <p:spPr/>
         <p:txBody>
           <a:bodyPr/>
           <a:lstStyle/>
           <a:p>
             <a:pPr algn="ctr"/>
             <a:r>
-              <a:rPr lang="en-US" dirty="0" err="1" smtClean="0"/>
-              <a:t>MyBatis</a:t>
+              <a:rPr lang="en-US" dirty="0" smtClean="0"/>
+              <a:t>Agenda</a:t>
             </a:r>
             <a:endParaRPr lang="ru-RU" dirty="0"/>
           </a:p>
@@ -10245,7 +10767,7 @@
       </p:sp>
       <p:sp>
         <p:nvSpPr>
-          <p:cNvPr id="4" name="Объект 2"/>
+          <p:cNvPr id="3" name="Объект 2"/>
           <p:cNvSpPr>
             <a:spLocks noGrp="1"/>
           </p:cNvSpPr>
@@ -10253,105 +10775,57 @@
             <p:ph idx="1"/>
           </p:nvPr>
         </p:nvSpPr>
-        <p:spPr>
-          <a:xfrm>
-            <a:off x="457200" y="1600200"/>
-            <a:ext cx="8291264" cy="4525963"/>
-          </a:xfrm>
-        </p:spPr>
+        <p:spPr/>
         <p:txBody>
           <a:bodyPr>
             <a:normAutofit/>
           </a:bodyPr>
           <a:lstStyle/>
           <a:p>
-            <a:pPr marL="0" indent="0">
-              <a:buNone/>
-            </a:pPr>
             <a:r>
               <a:rPr lang="ru-RU" sz="3600" dirty="0" smtClean="0"/>
-              <a:t> </a:t>
-            </a:r>
+              <a:t>Введение</a:t>
+            </a:r>
+            <a:endParaRPr lang="en-US" sz="3600" dirty="0" smtClean="0"/>
+          </a:p>
+          <a:p>
             <a:r>
               <a:rPr lang="en-US" sz="3600" dirty="0" smtClean="0"/>
-              <a:t>+ </a:t>
-            </a:r>
+              <a:t>Getting Started</a:t>
+            </a:r>
+          </a:p>
+          <a:p>
             <a:r>
               <a:rPr lang="en-US" sz="3600" dirty="0" smtClean="0"/>
-              <a:t>Legacy DB</a:t>
-            </a:r>
-          </a:p>
-          <a:p>
-            <a:pPr marL="0" indent="0">
-              <a:buNone/>
-            </a:pPr>
-            <a:r>
-              <a:rPr lang="ru-RU" sz="3600" dirty="0" smtClean="0"/>
-              <a:t> </a:t>
-            </a:r>
+              <a:t>Tips</a:t>
+            </a:r>
+          </a:p>
+          <a:p>
+            <a:pPr lvl="1"/>
             <a:r>
               <a:rPr lang="en-US" sz="3600" dirty="0" smtClean="0"/>
-              <a:t>+ </a:t>
-            </a:r>
-            <a:r>
-              <a:rPr lang="ru-RU" sz="3600" dirty="0" smtClean="0"/>
-              <a:t>Легковесный и быстрый</a:t>
-            </a:r>
-          </a:p>
-          <a:p>
-            <a:pPr marL="0" indent="0">
-              <a:buNone/>
-            </a:pPr>
-            <a:r>
-              <a:rPr lang="ru-RU" sz="3600" dirty="0" smtClean="0"/>
-              <a:t> + </a:t>
-            </a:r>
-            <a:r>
-              <a:rPr lang="ru-RU" sz="3600" dirty="0" smtClean="0"/>
-              <a:t>Легко освоить</a:t>
-            </a:r>
-          </a:p>
-          <a:p>
-            <a:pPr marL="0" indent="0">
-              <a:buNone/>
-            </a:pPr>
-            <a:r>
-              <a:rPr lang="ru-RU" sz="3600" dirty="0" smtClean="0"/>
-              <a:t> + </a:t>
-            </a:r>
-            <a:r>
-              <a:rPr lang="ru-RU" sz="3600" dirty="0" smtClean="0"/>
-              <a:t>Чистый </a:t>
-            </a:r>
+              <a:t>Tip#1</a:t>
+            </a:r>
+          </a:p>
+          <a:p>
+            <a:pPr lvl="1"/>
             <a:r>
               <a:rPr lang="en-US" sz="3600" dirty="0" smtClean="0"/>
-              <a:t>SQL</a:t>
-            </a:r>
-          </a:p>
-          <a:p>
-            <a:pPr marL="114300" indent="0">
-              <a:buNone/>
-            </a:pPr>
-            <a:r>
-              <a:rPr lang="ru-RU" sz="3600" dirty="0" smtClean="0"/>
-              <a:t>- Больше </a:t>
-            </a:r>
-            <a:r>
-              <a:rPr lang="ru-RU" sz="3600" dirty="0" smtClean="0"/>
-              <a:t>кода</a:t>
-            </a:r>
-          </a:p>
-          <a:p>
-            <a:pPr marL="114300" indent="0">
-              <a:buNone/>
-            </a:pPr>
-            <a:r>
-              <a:rPr lang="ru-RU" sz="3600" dirty="0" smtClean="0"/>
-              <a:t>- Сложнее </a:t>
-            </a:r>
-            <a:r>
-              <a:rPr lang="ru-RU" sz="3600" dirty="0" smtClean="0"/>
-              <a:t>поддерживать несколько БД</a:t>
+              <a:t>Tip#2</a:t>
+            </a:r>
+          </a:p>
+          <a:p>
+            <a:pPr lvl="1"/>
+            <a:r>
+              <a:rPr lang="en-US" sz="3600" dirty="0" smtClean="0"/>
+              <a:t>Tip#3</a:t>
+            </a:r>
+          </a:p>
+          <a:p>
+            <a:pPr lvl="1"/>
+            <a:r>
+              <a:rPr lang="en-US" sz="3600" dirty="0" smtClean="0"/>
+              <a:t>Tip#4</a:t>
             </a:r>
             <a:endParaRPr lang="ru-RU" sz="3600" dirty="0"/>
           </a:p>
@@ -10360,7 +10834,7 @@
     </p:spTree>
     <p:extLst>
       <p:ext uri="{BB962C8B-B14F-4D97-AF65-F5344CB8AC3E}">
-        <p14:creationId xmlns:p14="http://schemas.microsoft.com/office/powerpoint/2010/main" val="2023344357"/>
+        <p14:creationId xmlns:p14="http://schemas.microsoft.com/office/powerpoint/2010/main" val="4022576374"/>
       </p:ext>
     </p:extLst>
   </p:cSld>
@@ -10397,254 +10871,50 @@
             <p:ph type="title"/>
           </p:nvPr>
         </p:nvSpPr>
-        <p:spPr/>
-        <p:txBody>
-          <a:bodyPr/>
-          <a:lstStyle/>
-          <a:p>
-            <a:pPr algn="ctr"/>
-            <a:r>
-              <a:rPr lang="ru-RU" dirty="0" smtClean="0"/>
-              <a:t>Сортировка</a:t>
-            </a:r>
-            <a:endParaRPr lang="ru-RU" dirty="0"/>
-          </a:p>
-        </p:txBody>
-      </p:sp>
-      <p:sp>
-        <p:nvSpPr>
-          <p:cNvPr id="3" name="Объект 2"/>
-          <p:cNvSpPr>
-            <a:spLocks noGrp="1"/>
-          </p:cNvSpPr>
-          <p:nvPr>
-            <p:ph idx="1"/>
-          </p:nvPr>
-        </p:nvSpPr>
         <p:spPr>
           <a:xfrm>
-            <a:off x="457200" y="1600201"/>
-            <a:ext cx="8229600" cy="1756792"/>
+            <a:off x="467544" y="2636912"/>
+            <a:ext cx="8229600" cy="1143000"/>
           </a:xfrm>
         </p:spPr>
         <p:txBody>
           <a:bodyPr>
-            <a:normAutofit/>
+            <a:normAutofit fontScale="90000"/>
           </a:bodyPr>
           <a:lstStyle/>
           <a:p>
-            <a:pPr marL="0" indent="0">
-              <a:buNone/>
-            </a:pPr>
-            <a:r>
-              <a:rPr lang="en-US" sz="2800" dirty="0" smtClean="0"/>
-              <a:t>select * </a:t>
-            </a:r>
-          </a:p>
-          <a:p>
-            <a:pPr marL="0" indent="0">
-              <a:buNone/>
-            </a:pPr>
-            <a:r>
-              <a:rPr lang="en-US" sz="2800" dirty="0" smtClean="0"/>
-              <a:t>from person </a:t>
-            </a:r>
-          </a:p>
-          <a:p>
-            <a:pPr marL="0" indent="0">
-              <a:buNone/>
-            </a:pPr>
-            <a:r>
-              <a:rPr lang="en-US" sz="2800" dirty="0" smtClean="0"/>
-              <a:t>order by ${</a:t>
-            </a:r>
-            <a:r>
-              <a:rPr lang="en-US" sz="2800" dirty="0" err="1" smtClean="0"/>
-              <a:t>sortField</a:t>
-            </a:r>
-            <a:r>
-              <a:rPr lang="en-US" sz="2800" dirty="0" smtClean="0"/>
-              <a:t>}</a:t>
-            </a:r>
-            <a:endParaRPr lang="ru-RU" sz="2800" dirty="0"/>
-          </a:p>
-        </p:txBody>
-      </p:sp>
-      <p:sp>
-        <p:nvSpPr>
-          <p:cNvPr id="4" name="Объект 2"/>
-          <p:cNvSpPr txBox="1">
-            <a:spLocks/>
-          </p:cNvSpPr>
-          <p:nvPr/>
-        </p:nvSpPr>
-        <p:spPr>
-          <a:xfrm>
-            <a:off x="539552" y="3861048"/>
-            <a:ext cx="7848872" cy="1756792"/>
-          </a:xfrm>
-          <a:prstGeom prst="rect">
-            <a:avLst/>
-          </a:prstGeom>
-        </p:spPr>
-        <p:txBody>
-          <a:bodyPr vert="horz" lIns="91440" tIns="45720" rIns="91440" bIns="45720" rtlCol="0">
-            <a:noAutofit/>
-          </a:bodyPr>
-          <a:lstStyle>
-            <a:lvl1pPr marL="342900" indent="-342900" algn="l" defTabSz="914400" rtl="0" eaLnBrk="1" latinLnBrk="0" hangingPunct="1">
-              <a:spcBef>
-                <a:spcPct val="20000"/>
-              </a:spcBef>
-              <a:buFont typeface="Arial" pitchFamily="34" charset="0"/>
-              <a:buChar char="•"/>
-              <a:defRPr sz="3200" kern="1200">
-                <a:solidFill>
-                  <a:schemeClr val="tx1"/>
-                </a:solidFill>
-                <a:latin typeface="+mn-lt"/>
-                <a:ea typeface="+mn-ea"/>
-                <a:cs typeface="+mn-cs"/>
-              </a:defRPr>
-            </a:lvl1pPr>
-            <a:lvl2pPr marL="742950" indent="-285750" algn="l" defTabSz="914400" rtl="0" eaLnBrk="1" latinLnBrk="0" hangingPunct="1">
-              <a:spcBef>
-                <a:spcPct val="20000"/>
-              </a:spcBef>
-              <a:buFont typeface="Arial" pitchFamily="34" charset="0"/>
-              <a:buChar char="–"/>
-              <a:defRPr sz="2800" kern="1200">
-                <a:solidFill>
-                  <a:schemeClr val="tx1"/>
-                </a:solidFill>
-                <a:latin typeface="+mn-lt"/>
-                <a:ea typeface="+mn-ea"/>
-                <a:cs typeface="+mn-cs"/>
-              </a:defRPr>
-            </a:lvl2pPr>
-            <a:lvl3pPr marL="1143000" indent="-228600" algn="l" defTabSz="914400" rtl="0" eaLnBrk="1" latinLnBrk="0" hangingPunct="1">
-              <a:spcBef>
-                <a:spcPct val="20000"/>
-              </a:spcBef>
-              <a:buFont typeface="Arial" pitchFamily="34" charset="0"/>
-              <a:buChar char="•"/>
-              <a:defRPr sz="2400" kern="1200">
-                <a:solidFill>
-                  <a:schemeClr val="tx1"/>
-                </a:solidFill>
-                <a:latin typeface="+mn-lt"/>
-                <a:ea typeface="+mn-ea"/>
-                <a:cs typeface="+mn-cs"/>
-              </a:defRPr>
-            </a:lvl3pPr>
-            <a:lvl4pPr marL="1600200" indent="-228600" algn="l" defTabSz="914400" rtl="0" eaLnBrk="1" latinLnBrk="0" hangingPunct="1">
-              <a:spcBef>
-                <a:spcPct val="20000"/>
-              </a:spcBef>
-              <a:buFont typeface="Arial" pitchFamily="34" charset="0"/>
-              <a:buChar char="–"/>
-              <a:defRPr sz="2000" kern="1200">
-                <a:solidFill>
-                  <a:schemeClr val="tx1"/>
-                </a:solidFill>
-                <a:latin typeface="+mn-lt"/>
-                <a:ea typeface="+mn-ea"/>
-                <a:cs typeface="+mn-cs"/>
-              </a:defRPr>
-            </a:lvl4pPr>
-            <a:lvl5pPr marL="2057400" indent="-228600" algn="l" defTabSz="914400" rtl="0" eaLnBrk="1" latinLnBrk="0" hangingPunct="1">
-              <a:spcBef>
-                <a:spcPct val="20000"/>
-              </a:spcBef>
-              <a:buFont typeface="Arial" pitchFamily="34" charset="0"/>
-              <a:buChar char="»"/>
-              <a:defRPr sz="2000" kern="1200">
-                <a:solidFill>
-                  <a:schemeClr val="tx1"/>
-                </a:solidFill>
-                <a:latin typeface="+mn-lt"/>
-                <a:ea typeface="+mn-ea"/>
-                <a:cs typeface="+mn-cs"/>
-              </a:defRPr>
-            </a:lvl5pPr>
-            <a:lvl6pPr marL="2514600" indent="-228600" algn="l" defTabSz="914400" rtl="0" eaLnBrk="1" latinLnBrk="0" hangingPunct="1">
-              <a:spcBef>
-                <a:spcPct val="20000"/>
-              </a:spcBef>
-              <a:buFont typeface="Arial" pitchFamily="34" charset="0"/>
-              <a:buChar char="•"/>
-              <a:defRPr sz="2000" kern="1200">
-                <a:solidFill>
-                  <a:schemeClr val="tx1"/>
-                </a:solidFill>
-                <a:latin typeface="+mn-lt"/>
-                <a:ea typeface="+mn-ea"/>
-                <a:cs typeface="+mn-cs"/>
-              </a:defRPr>
-            </a:lvl6pPr>
-            <a:lvl7pPr marL="2971800" indent="-228600" algn="l" defTabSz="914400" rtl="0" eaLnBrk="1" latinLnBrk="0" hangingPunct="1">
-              <a:spcBef>
-                <a:spcPct val="20000"/>
-              </a:spcBef>
-              <a:buFont typeface="Arial" pitchFamily="34" charset="0"/>
-              <a:buChar char="•"/>
-              <a:defRPr sz="2000" kern="1200">
-                <a:solidFill>
-                  <a:schemeClr val="tx1"/>
-                </a:solidFill>
-                <a:latin typeface="+mn-lt"/>
-                <a:ea typeface="+mn-ea"/>
-                <a:cs typeface="+mn-cs"/>
-              </a:defRPr>
-            </a:lvl7pPr>
-            <a:lvl8pPr marL="3429000" indent="-228600" algn="l" defTabSz="914400" rtl="0" eaLnBrk="1" latinLnBrk="0" hangingPunct="1">
-              <a:spcBef>
-                <a:spcPct val="20000"/>
-              </a:spcBef>
-              <a:buFont typeface="Arial" pitchFamily="34" charset="0"/>
-              <a:buChar char="•"/>
-              <a:defRPr sz="2000" kern="1200">
-                <a:solidFill>
-                  <a:schemeClr val="tx1"/>
-                </a:solidFill>
-                <a:latin typeface="+mn-lt"/>
-                <a:ea typeface="+mn-ea"/>
-                <a:cs typeface="+mn-cs"/>
-              </a:defRPr>
-            </a:lvl8pPr>
-            <a:lvl9pPr marL="3886200" indent="-228600" algn="l" defTabSz="914400" rtl="0" eaLnBrk="1" latinLnBrk="0" hangingPunct="1">
-              <a:spcBef>
-                <a:spcPct val="20000"/>
-              </a:spcBef>
-              <a:buFont typeface="Arial" pitchFamily="34" charset="0"/>
-              <a:buChar char="•"/>
-              <a:defRPr sz="2000" kern="1200">
-                <a:solidFill>
-                  <a:schemeClr val="tx1"/>
-                </a:solidFill>
-                <a:latin typeface="+mn-lt"/>
-                <a:ea typeface="+mn-ea"/>
-                <a:cs typeface="+mn-cs"/>
-              </a:defRPr>
-            </a:lvl9pPr>
-          </a:lstStyle>
-          <a:p>
-            <a:pPr marL="0" indent="0" algn="ctr">
-              <a:buFont typeface="Arial" pitchFamily="34" charset="0"/>
-              <a:buNone/>
-            </a:pPr>
-            <a:r>
-              <a:rPr lang="ru-RU" sz="4000" dirty="0" smtClean="0"/>
-              <a:t>Что если пользователь выбирает сам по какому полю объекта сортировать?</a:t>
-            </a:r>
-            <a:endParaRPr lang="ru-RU" sz="4000" dirty="0"/>
+            <a:pPr algn="ctr"/>
+            <a:r>
+              <a:rPr lang="en-US" dirty="0" smtClean="0"/>
+              <a:t>Tip #</a:t>
+            </a:r>
+            <a:r>
+              <a:rPr lang="ru-RU" dirty="0" smtClean="0"/>
+              <a:t>3</a:t>
+            </a:r>
+            <a:r>
+              <a:rPr lang="en-US" dirty="0" smtClean="0"/>
+              <a:t>: </a:t>
+            </a:r>
+            <a:br>
+              <a:rPr lang="en-US" dirty="0" smtClean="0"/>
+            </a:br>
+            <a:r>
+              <a:rPr lang="ru-RU" sz="8000" dirty="0" err="1" smtClean="0"/>
+              <a:t>Маппинг</a:t>
+            </a:r>
+            <a:r>
+              <a:rPr lang="en-US" sz="10700" dirty="0" smtClean="0"/>
+              <a:t> </a:t>
+            </a:r>
+            <a:endParaRPr lang="ru-RU" sz="10700" dirty="0"/>
           </a:p>
         </p:txBody>
       </p:sp>
     </p:spTree>
     <p:extLst>
       <p:ext uri="{BB962C8B-B14F-4D97-AF65-F5344CB8AC3E}">
-        <p14:creationId xmlns:p14="http://schemas.microsoft.com/office/powerpoint/2010/main" val="1569747165"/>
+        <p14:creationId xmlns:p14="http://schemas.microsoft.com/office/powerpoint/2010/main" val="1270676527"/>
       </p:ext>
     </p:extLst>
   </p:cSld>
@@ -10695,9 +10965,10 @@
           <a:p>
             <a:pPr algn="ctr"/>
             <a:r>
-              <a:rPr lang="ru-RU" dirty="0"/>
+              <a:rPr lang="ru-RU" dirty="0" smtClean="0"/>
               <a:t>Сортировка</a:t>
             </a:r>
+            <a:endParaRPr lang="ru-RU" dirty="0"/>
           </a:p>
         </p:txBody>
       </p:sp>
@@ -10714,56 +10985,49 @@
         <p:spPr>
           <a:xfrm>
             <a:off x="457200" y="1600201"/>
-            <a:ext cx="8229600" cy="1324744"/>
+            <a:ext cx="8229600" cy="1756792"/>
           </a:xfrm>
         </p:spPr>
         <p:txBody>
-          <a:bodyPr/>
+          <a:bodyPr>
+            <a:normAutofit/>
+          </a:bodyPr>
           <a:lstStyle/>
           <a:p>
-            <a:r>
-              <a:rPr lang="ru-RU" sz="3200" dirty="0" smtClean="0"/>
-              <a:t>Необходимо знать </a:t>
-            </a:r>
-            <a:r>
-              <a:rPr lang="ru-RU" sz="3200" dirty="0" err="1" smtClean="0"/>
-              <a:t>маппинг</a:t>
-            </a:r>
-            <a:endParaRPr lang="ru-RU" sz="3200" dirty="0" smtClean="0"/>
-          </a:p>
-          <a:p>
-            <a:pPr lvl="1"/>
-            <a:r>
-              <a:rPr lang="ru-RU" sz="3200" dirty="0" err="1" smtClean="0"/>
-              <a:t>ПолеОбъекта</a:t>
-            </a:r>
-            <a:r>
-              <a:rPr lang="ru-RU" sz="3200" dirty="0" smtClean="0"/>
-              <a:t>    -</a:t>
-            </a:r>
-            <a:r>
-              <a:rPr lang="en-US" sz="3200" dirty="0" smtClean="0"/>
-              <a:t>&gt; </a:t>
-            </a:r>
-            <a:r>
-              <a:rPr lang="ru-RU" sz="3200" dirty="0" smtClean="0"/>
-              <a:t>   </a:t>
-            </a:r>
-            <a:r>
-              <a:rPr lang="ru-RU" sz="3200" dirty="0" err="1" smtClean="0"/>
-              <a:t>СтолбецТаблицы</a:t>
-            </a:r>
-            <a:endParaRPr lang="ru-RU" sz="3200" dirty="0" smtClean="0"/>
-          </a:p>
-          <a:p>
-            <a:pPr lvl="1"/>
-            <a:endParaRPr lang="ru-RU" dirty="0"/>
-          </a:p>
-          <a:p>
-            <a:pPr marL="457200" lvl="1" indent="0">
+            <a:pPr marL="0" indent="0">
               <a:buNone/>
             </a:pPr>
-            <a:endParaRPr lang="ru-RU" dirty="0"/>
+            <a:r>
+              <a:rPr lang="en-US" sz="2800" dirty="0" smtClean="0"/>
+              <a:t>select * </a:t>
+            </a:r>
+          </a:p>
+          <a:p>
+            <a:pPr marL="0" indent="0">
+              <a:buNone/>
+            </a:pPr>
+            <a:r>
+              <a:rPr lang="en-US" sz="2800" dirty="0" smtClean="0"/>
+              <a:t>from person </a:t>
+            </a:r>
+          </a:p>
+          <a:p>
+            <a:pPr marL="0" indent="0">
+              <a:buNone/>
+            </a:pPr>
+            <a:r>
+              <a:rPr lang="en-US" sz="2800" dirty="0" smtClean="0"/>
+              <a:t>order by ${</a:t>
+            </a:r>
+            <a:r>
+              <a:rPr lang="en-US" sz="2800" dirty="0" err="1" smtClean="0"/>
+              <a:t>sortField</a:t>
+            </a:r>
+            <a:r>
+              <a:rPr lang="en-US" sz="2800" dirty="0" smtClean="0"/>
+              <a:t>}</a:t>
+            </a:r>
+            <a:endParaRPr lang="ru-RU" sz="2800" dirty="0"/>
           </a:p>
         </p:txBody>
       </p:sp>
@@ -10777,8 +11041,8 @@
         </p:nvSpPr>
         <p:spPr>
           <a:xfrm>
-            <a:off x="598323" y="3284984"/>
-            <a:ext cx="8229600" cy="3312368"/>
+            <a:off x="539552" y="3861048"/>
+            <a:ext cx="7848872" cy="1756792"/>
           </a:xfrm>
           <a:prstGeom prst="rect">
             <a:avLst/>
@@ -10786,7 +11050,7 @@
         </p:spPr>
         <p:txBody>
           <a:bodyPr vert="horz" lIns="91440" tIns="45720" rIns="91440" bIns="45720" rtlCol="0">
-            <a:normAutofit/>
+            <a:noAutofit/>
           </a:bodyPr>
           <a:lstStyle>
             <a:lvl1pPr marL="342900" indent="-342900" algn="l" defTabSz="914400" rtl="0" eaLnBrk="1" latinLnBrk="0" hangingPunct="1">
@@ -10926,455 +11190,35 @@
             </a:lvl9pPr>
           </a:lstStyle>
           <a:p>
-            <a:r>
-              <a:rPr lang="ru-RU" dirty="0" smtClean="0"/>
-              <a:t>Уже есть готовый </a:t>
-            </a:r>
-            <a:r>
-              <a:rPr lang="ru-RU" dirty="0" err="1" smtClean="0"/>
-              <a:t>маппинг</a:t>
-            </a:r>
-            <a:endParaRPr lang="ru-RU" dirty="0" smtClean="0"/>
-          </a:p>
-          <a:p>
-            <a:pPr marL="0" indent="0">
-              <a:buNone/>
-            </a:pPr>
-            <a:r>
-              <a:rPr lang="en-US" sz="2800" dirty="0">
-                <a:solidFill>
-                  <a:srgbClr val="A65700"/>
-                </a:solidFill>
-              </a:rPr>
-              <a:t>&lt;</a:t>
-            </a:r>
-            <a:r>
-              <a:rPr lang="en-US" sz="2800" dirty="0" err="1">
-                <a:solidFill>
-                  <a:srgbClr val="5F5035"/>
-                </a:solidFill>
-              </a:rPr>
-              <a:t>resultMap</a:t>
-            </a:r>
-            <a:r>
-              <a:rPr lang="en-US" sz="2800" dirty="0"/>
-              <a:t> </a:t>
-            </a:r>
-            <a:r>
-              <a:rPr lang="en-US" sz="2800" dirty="0">
-                <a:solidFill>
-                  <a:srgbClr val="274796"/>
-                </a:solidFill>
-              </a:rPr>
-              <a:t>type</a:t>
-            </a:r>
-            <a:r>
-              <a:rPr lang="en-US" sz="2800" dirty="0">
-                <a:solidFill>
-                  <a:srgbClr val="808030"/>
-                </a:solidFill>
-              </a:rPr>
-              <a:t>=</a:t>
-            </a:r>
-            <a:r>
-              <a:rPr lang="en-US" sz="2800" dirty="0">
-                <a:solidFill>
-                  <a:srgbClr val="800000"/>
-                </a:solidFill>
-              </a:rPr>
-              <a:t>"</a:t>
-            </a:r>
-            <a:r>
-              <a:rPr lang="en-US" sz="2800" dirty="0">
-                <a:solidFill>
-                  <a:srgbClr val="0000E6"/>
-                </a:solidFill>
-              </a:rPr>
-              <a:t>Person</a:t>
-            </a:r>
-            <a:r>
-              <a:rPr lang="en-US" sz="2800" dirty="0">
-                <a:solidFill>
-                  <a:srgbClr val="800000"/>
-                </a:solidFill>
-              </a:rPr>
-              <a:t>"</a:t>
-            </a:r>
-            <a:r>
-              <a:rPr lang="en-US" sz="2800" dirty="0"/>
-              <a:t> </a:t>
-            </a:r>
-            <a:r>
-              <a:rPr lang="en-US" sz="2800" dirty="0">
-                <a:solidFill>
-                  <a:srgbClr val="274796"/>
-                </a:solidFill>
-              </a:rPr>
-              <a:t>id</a:t>
-            </a:r>
-            <a:r>
-              <a:rPr lang="en-US" sz="2800" dirty="0">
-                <a:solidFill>
-                  <a:srgbClr val="808030"/>
-                </a:solidFill>
-              </a:rPr>
-              <a:t>=</a:t>
-            </a:r>
-            <a:r>
-              <a:rPr lang="en-US" sz="2800" dirty="0">
-                <a:solidFill>
-                  <a:srgbClr val="800000"/>
-                </a:solidFill>
-              </a:rPr>
-              <a:t>"</a:t>
-            </a:r>
-            <a:r>
-              <a:rPr lang="en-US" sz="2800" dirty="0" err="1">
-                <a:solidFill>
-                  <a:srgbClr val="0000E6"/>
-                </a:solidFill>
-              </a:rPr>
-              <a:t>PersonMap</a:t>
-            </a:r>
-            <a:r>
-              <a:rPr lang="en-US" sz="2800" dirty="0" smtClean="0">
-                <a:solidFill>
-                  <a:srgbClr val="800000"/>
-                </a:solidFill>
-              </a:rPr>
-              <a:t>"</a:t>
-            </a:r>
-            <a:r>
-              <a:rPr lang="en-US" sz="2800" dirty="0" smtClean="0">
-                <a:solidFill>
-                  <a:srgbClr val="A65700"/>
-                </a:solidFill>
-              </a:rPr>
-              <a:t>&gt;</a:t>
-            </a:r>
-          </a:p>
-          <a:p>
-            <a:pPr marL="0" indent="0">
-              <a:buNone/>
-            </a:pPr>
-            <a:r>
-              <a:rPr lang="en-US" sz="2800" dirty="0">
-                <a:solidFill>
-                  <a:srgbClr val="A65700"/>
-                </a:solidFill>
-              </a:rPr>
-              <a:t> </a:t>
-            </a:r>
-            <a:r>
-              <a:rPr lang="en-US" sz="2800" dirty="0" smtClean="0">
-                <a:solidFill>
-                  <a:srgbClr val="A65700"/>
-                </a:solidFill>
-              </a:rPr>
-              <a:t>  </a:t>
-            </a:r>
-            <a:r>
-              <a:rPr lang="en-US" sz="2800" dirty="0" smtClean="0"/>
-              <a:t> </a:t>
-            </a:r>
-            <a:r>
-              <a:rPr lang="en-US" sz="2800" dirty="0">
-                <a:solidFill>
-                  <a:srgbClr val="A65700"/>
-                </a:solidFill>
-              </a:rPr>
-              <a:t>&lt;</a:t>
-            </a:r>
-            <a:r>
-              <a:rPr lang="en-US" sz="2800" dirty="0">
-                <a:solidFill>
-                  <a:srgbClr val="5F5035"/>
-                </a:solidFill>
-              </a:rPr>
-              <a:t>id</a:t>
-            </a:r>
-            <a:r>
-              <a:rPr lang="en-US" sz="2800" dirty="0"/>
-              <a:t> </a:t>
-            </a:r>
-            <a:r>
-              <a:rPr lang="en-US" sz="2800" dirty="0">
-                <a:solidFill>
-                  <a:srgbClr val="274796"/>
-                </a:solidFill>
-              </a:rPr>
-              <a:t>property</a:t>
-            </a:r>
-            <a:r>
-              <a:rPr lang="en-US" sz="2800" dirty="0">
-                <a:solidFill>
-                  <a:srgbClr val="808030"/>
-                </a:solidFill>
-              </a:rPr>
-              <a:t>=</a:t>
-            </a:r>
-            <a:r>
-              <a:rPr lang="en-US" sz="2800" dirty="0">
-                <a:solidFill>
-                  <a:srgbClr val="800000"/>
-                </a:solidFill>
-              </a:rPr>
-              <a:t>"</a:t>
-            </a:r>
-            <a:r>
-              <a:rPr lang="en-US" sz="2800" dirty="0">
-                <a:solidFill>
-                  <a:srgbClr val="0000E6"/>
-                </a:solidFill>
-              </a:rPr>
-              <a:t>id</a:t>
-            </a:r>
-            <a:r>
-              <a:rPr lang="en-US" sz="2800" dirty="0">
-                <a:solidFill>
-                  <a:srgbClr val="800000"/>
-                </a:solidFill>
-              </a:rPr>
-              <a:t>"</a:t>
-            </a:r>
-            <a:r>
-              <a:rPr lang="en-US" sz="2800" dirty="0"/>
-              <a:t> </a:t>
-            </a:r>
-            <a:r>
-              <a:rPr lang="en-US" sz="2800" dirty="0">
-                <a:solidFill>
-                  <a:srgbClr val="274796"/>
-                </a:solidFill>
-              </a:rPr>
-              <a:t>column</a:t>
-            </a:r>
-            <a:r>
-              <a:rPr lang="en-US" sz="2800" dirty="0">
-                <a:solidFill>
-                  <a:srgbClr val="808030"/>
-                </a:solidFill>
-              </a:rPr>
-              <a:t>=</a:t>
-            </a:r>
-            <a:r>
-              <a:rPr lang="en-US" sz="2800" dirty="0">
-                <a:solidFill>
-                  <a:srgbClr val="800000"/>
-                </a:solidFill>
-              </a:rPr>
-              <a:t>"</a:t>
-            </a:r>
-            <a:r>
-              <a:rPr lang="en-US" sz="2800" dirty="0" err="1">
-                <a:solidFill>
-                  <a:srgbClr val="0000E6"/>
-                </a:solidFill>
-              </a:rPr>
-              <a:t>person_id</a:t>
-            </a:r>
-            <a:r>
-              <a:rPr lang="en-US" sz="2800" dirty="0" smtClean="0">
-                <a:solidFill>
-                  <a:srgbClr val="800000"/>
-                </a:solidFill>
-              </a:rPr>
-              <a:t>"</a:t>
-            </a:r>
-            <a:r>
-              <a:rPr lang="en-US" sz="2800" dirty="0" smtClean="0">
-                <a:solidFill>
-                  <a:srgbClr val="A65700"/>
-                </a:solidFill>
-              </a:rPr>
-              <a:t>/&gt;</a:t>
-            </a:r>
-          </a:p>
-          <a:p>
-            <a:pPr marL="0" indent="0">
-              <a:buNone/>
-            </a:pPr>
-            <a:r>
-              <a:rPr lang="en-US" sz="2800" dirty="0">
-                <a:solidFill>
-                  <a:srgbClr val="A65700"/>
-                </a:solidFill>
-              </a:rPr>
-              <a:t> </a:t>
-            </a:r>
-            <a:r>
-              <a:rPr lang="en-US" sz="2800" dirty="0" smtClean="0">
-                <a:solidFill>
-                  <a:srgbClr val="A65700"/>
-                </a:solidFill>
-              </a:rPr>
-              <a:t>  </a:t>
-            </a:r>
-            <a:r>
-              <a:rPr lang="en-US" sz="2800" dirty="0" smtClean="0"/>
-              <a:t> </a:t>
-            </a:r>
-            <a:r>
-              <a:rPr lang="en-US" sz="2800" dirty="0">
-                <a:solidFill>
-                  <a:srgbClr val="A65700"/>
-                </a:solidFill>
-              </a:rPr>
-              <a:t>&lt;</a:t>
-            </a:r>
-            <a:r>
-              <a:rPr lang="en-US" sz="2800" dirty="0">
-                <a:solidFill>
-                  <a:srgbClr val="5F5035"/>
-                </a:solidFill>
-              </a:rPr>
-              <a:t>result</a:t>
-            </a:r>
-            <a:r>
-              <a:rPr lang="en-US" sz="2800" dirty="0"/>
-              <a:t> </a:t>
-            </a:r>
-            <a:r>
-              <a:rPr lang="en-US" sz="2800" dirty="0">
-                <a:solidFill>
-                  <a:srgbClr val="274796"/>
-                </a:solidFill>
-              </a:rPr>
-              <a:t>property</a:t>
-            </a:r>
-            <a:r>
-              <a:rPr lang="en-US" sz="2800" dirty="0">
-                <a:solidFill>
-                  <a:srgbClr val="808030"/>
-                </a:solidFill>
-              </a:rPr>
-              <a:t>=</a:t>
-            </a:r>
-            <a:r>
-              <a:rPr lang="en-US" sz="2800" dirty="0">
-                <a:solidFill>
-                  <a:srgbClr val="800000"/>
-                </a:solidFill>
-              </a:rPr>
-              <a:t>"</a:t>
-            </a:r>
-            <a:r>
-              <a:rPr lang="en-US" sz="2800" dirty="0">
-                <a:solidFill>
-                  <a:srgbClr val="0000E6"/>
-                </a:solidFill>
-              </a:rPr>
-              <a:t>name</a:t>
-            </a:r>
-            <a:r>
-              <a:rPr lang="en-US" sz="2800" dirty="0">
-                <a:solidFill>
-                  <a:srgbClr val="800000"/>
-                </a:solidFill>
-              </a:rPr>
-              <a:t>"</a:t>
-            </a:r>
-            <a:r>
-              <a:rPr lang="en-US" sz="2800" dirty="0"/>
-              <a:t> </a:t>
-            </a:r>
-            <a:r>
-              <a:rPr lang="en-US" sz="2800" dirty="0">
-                <a:solidFill>
-                  <a:srgbClr val="274796"/>
-                </a:solidFill>
-              </a:rPr>
-              <a:t>column</a:t>
-            </a:r>
-            <a:r>
-              <a:rPr lang="en-US" sz="2800" dirty="0">
-                <a:solidFill>
-                  <a:srgbClr val="808030"/>
-                </a:solidFill>
-              </a:rPr>
-              <a:t>=</a:t>
-            </a:r>
-            <a:r>
-              <a:rPr lang="en-US" sz="2800" dirty="0">
-                <a:solidFill>
-                  <a:srgbClr val="800000"/>
-                </a:solidFill>
-              </a:rPr>
-              <a:t>"</a:t>
-            </a:r>
-            <a:r>
-              <a:rPr lang="en-US" sz="2800" dirty="0" err="1">
-                <a:solidFill>
-                  <a:srgbClr val="0000E6"/>
-                </a:solidFill>
-              </a:rPr>
-              <a:t>person_name</a:t>
-            </a:r>
-            <a:r>
-              <a:rPr lang="en-US" sz="2800" dirty="0">
-                <a:solidFill>
-                  <a:srgbClr val="800000"/>
-                </a:solidFill>
-              </a:rPr>
-              <a:t>"</a:t>
-            </a:r>
-            <a:r>
-              <a:rPr lang="en-US" sz="2800" dirty="0">
-                <a:solidFill>
-                  <a:srgbClr val="A65700"/>
-                </a:solidFill>
-              </a:rPr>
-              <a:t>/&gt;</a:t>
-            </a:r>
-            <a:r>
-              <a:rPr lang="en-US" sz="2800" dirty="0"/>
-              <a:t> </a:t>
-            </a:r>
-            <a:r>
-              <a:rPr lang="en-US" sz="2800" dirty="0">
-                <a:solidFill>
-                  <a:srgbClr val="A65700"/>
-                </a:solidFill>
-              </a:rPr>
-              <a:t>&lt;/</a:t>
-            </a:r>
-            <a:r>
-              <a:rPr lang="en-US" sz="2800" dirty="0" err="1">
-                <a:solidFill>
-                  <a:srgbClr val="5F5035"/>
-                </a:solidFill>
-              </a:rPr>
-              <a:t>resultMap</a:t>
-            </a:r>
-            <a:r>
-              <a:rPr lang="en-US" sz="2800" dirty="0">
-                <a:solidFill>
-                  <a:srgbClr val="A65700"/>
-                </a:solidFill>
-              </a:rPr>
-              <a:t>&gt;</a:t>
-            </a:r>
-            <a:endParaRPr lang="ru-RU" dirty="0" smtClean="0"/>
-          </a:p>
-          <a:p>
-            <a:pPr marL="457200" lvl="1" indent="0">
+            <a:pPr marL="0" indent="0" algn="ctr">
               <a:buFont typeface="Arial" pitchFamily="34" charset="0"/>
               <a:buNone/>
             </a:pPr>
-            <a:endParaRPr lang="ru-RU" dirty="0"/>
+            <a:r>
+              <a:rPr lang="ru-RU" sz="4000" dirty="0" smtClean="0"/>
+              <a:t>Что если пользователь выбирает сам по какому полю объекта сортировать?</a:t>
+            </a:r>
+            <a:endParaRPr lang="ru-RU" sz="4000" dirty="0"/>
           </a:p>
         </p:txBody>
       </p:sp>
     </p:spTree>
     <p:extLst>
       <p:ext uri="{BB962C8B-B14F-4D97-AF65-F5344CB8AC3E}">
-        <p14:creationId xmlns:p14="http://schemas.microsoft.com/office/powerpoint/2010/main" val="1758728336"/>
+        <p14:creationId xmlns:p14="http://schemas.microsoft.com/office/powerpoint/2010/main" val="1569747165"/>
       </p:ext>
     </p:extLst>
   </p:cSld>
   <p:clrMapOvr>
     <a:masterClrMapping/>
   </p:clrMapOvr>
+  <p:timing>
+    <p:tnLst>
+      <p:par>
+        <p:cTn id="1" dur="indefinite" restart="never" nodeType="tmRoot"/>
+      </p:par>
+    </p:tnLst>
+  </p:timing>
 </p:sld>
 </file>
 
@@ -11415,7 +11259,723 @@
               <a:rPr lang="ru-RU" dirty="0"/>
               <a:t>Сортировка</a:t>
             </a:r>
+          </a:p>
+        </p:txBody>
+      </p:sp>
+      <p:sp>
+        <p:nvSpPr>
+          <p:cNvPr id="3" name="Объект 2"/>
+          <p:cNvSpPr>
+            <a:spLocks noGrp="1"/>
+          </p:cNvSpPr>
+          <p:nvPr>
+            <p:ph idx="1"/>
+          </p:nvPr>
+        </p:nvSpPr>
+        <p:spPr>
+          <a:xfrm>
+            <a:off x="457200" y="1600201"/>
+            <a:ext cx="8229600" cy="1324744"/>
+          </a:xfrm>
+        </p:spPr>
+        <p:txBody>
+          <a:bodyPr/>
+          <a:lstStyle/>
+          <a:p>
+            <a:r>
+              <a:rPr lang="ru-RU" sz="3200" dirty="0" smtClean="0"/>
+              <a:t>Необходимо знать </a:t>
+            </a:r>
+            <a:r>
+              <a:rPr lang="ru-RU" sz="3200" dirty="0" err="1" smtClean="0"/>
+              <a:t>маппинг</a:t>
+            </a:r>
+            <a:endParaRPr lang="ru-RU" sz="3200" dirty="0" smtClean="0"/>
+          </a:p>
+          <a:p>
+            <a:pPr lvl="1"/>
+            <a:r>
+              <a:rPr lang="ru-RU" sz="3200" dirty="0" err="1" smtClean="0"/>
+              <a:t>ПолеОбъекта</a:t>
+            </a:r>
+            <a:r>
+              <a:rPr lang="ru-RU" sz="3200" dirty="0" smtClean="0"/>
+              <a:t>    -</a:t>
+            </a:r>
+            <a:r>
+              <a:rPr lang="en-US" sz="3200" dirty="0" smtClean="0"/>
+              <a:t>&gt; </a:t>
+            </a:r>
+            <a:r>
+              <a:rPr lang="ru-RU" sz="3200" dirty="0" smtClean="0"/>
+              <a:t>   </a:t>
+            </a:r>
+            <a:r>
+              <a:rPr lang="ru-RU" sz="3200" dirty="0" err="1" smtClean="0"/>
+              <a:t>СтолбецТаблицы</a:t>
+            </a:r>
+            <a:endParaRPr lang="ru-RU" sz="3200" dirty="0" smtClean="0"/>
+          </a:p>
+          <a:p>
+            <a:pPr lvl="1"/>
             <a:endParaRPr lang="ru-RU" dirty="0"/>
+          </a:p>
+          <a:p>
+            <a:pPr marL="457200" lvl="1" indent="0">
+              <a:buNone/>
+            </a:pPr>
+            <a:endParaRPr lang="ru-RU" dirty="0"/>
+          </a:p>
+        </p:txBody>
+      </p:sp>
+      <p:sp>
+        <p:nvSpPr>
+          <p:cNvPr id="4" name="Объект 2"/>
+          <p:cNvSpPr txBox="1">
+            <a:spLocks/>
+          </p:cNvSpPr>
+          <p:nvPr/>
+        </p:nvSpPr>
+        <p:spPr>
+          <a:xfrm>
+            <a:off x="598323" y="3284984"/>
+            <a:ext cx="8229600" cy="3312368"/>
+          </a:xfrm>
+          <a:prstGeom prst="rect">
+            <a:avLst/>
+          </a:prstGeom>
+        </p:spPr>
+        <p:txBody>
+          <a:bodyPr vert="horz" lIns="91440" tIns="45720" rIns="91440" bIns="45720" rtlCol="0">
+            <a:normAutofit/>
+          </a:bodyPr>
+          <a:lstStyle>
+            <a:lvl1pPr marL="342900" indent="-342900" algn="l" defTabSz="914400" rtl="0" eaLnBrk="1" latinLnBrk="0" hangingPunct="1">
+              <a:spcBef>
+                <a:spcPct val="20000"/>
+              </a:spcBef>
+              <a:buFont typeface="Arial" pitchFamily="34" charset="0"/>
+              <a:buChar char="•"/>
+              <a:defRPr sz="3200" kern="1200">
+                <a:solidFill>
+                  <a:schemeClr val="tx1"/>
+                </a:solidFill>
+                <a:latin typeface="+mn-lt"/>
+                <a:ea typeface="+mn-ea"/>
+                <a:cs typeface="+mn-cs"/>
+              </a:defRPr>
+            </a:lvl1pPr>
+            <a:lvl2pPr marL="742950" indent="-285750" algn="l" defTabSz="914400" rtl="0" eaLnBrk="1" latinLnBrk="0" hangingPunct="1">
+              <a:spcBef>
+                <a:spcPct val="20000"/>
+              </a:spcBef>
+              <a:buFont typeface="Arial" pitchFamily="34" charset="0"/>
+              <a:buChar char="–"/>
+              <a:defRPr sz="2800" kern="1200">
+                <a:solidFill>
+                  <a:schemeClr val="tx1"/>
+                </a:solidFill>
+                <a:latin typeface="+mn-lt"/>
+                <a:ea typeface="+mn-ea"/>
+                <a:cs typeface="+mn-cs"/>
+              </a:defRPr>
+            </a:lvl2pPr>
+            <a:lvl3pPr marL="1143000" indent="-228600" algn="l" defTabSz="914400" rtl="0" eaLnBrk="1" latinLnBrk="0" hangingPunct="1">
+              <a:spcBef>
+                <a:spcPct val="20000"/>
+              </a:spcBef>
+              <a:buFont typeface="Arial" pitchFamily="34" charset="0"/>
+              <a:buChar char="•"/>
+              <a:defRPr sz="2400" kern="1200">
+                <a:solidFill>
+                  <a:schemeClr val="tx1"/>
+                </a:solidFill>
+                <a:latin typeface="+mn-lt"/>
+                <a:ea typeface="+mn-ea"/>
+                <a:cs typeface="+mn-cs"/>
+              </a:defRPr>
+            </a:lvl3pPr>
+            <a:lvl4pPr marL="1600200" indent="-228600" algn="l" defTabSz="914400" rtl="0" eaLnBrk="1" latinLnBrk="0" hangingPunct="1">
+              <a:spcBef>
+                <a:spcPct val="20000"/>
+              </a:spcBef>
+              <a:buFont typeface="Arial" pitchFamily="34" charset="0"/>
+              <a:buChar char="–"/>
+              <a:defRPr sz="2000" kern="1200">
+                <a:solidFill>
+                  <a:schemeClr val="tx1"/>
+                </a:solidFill>
+                <a:latin typeface="+mn-lt"/>
+                <a:ea typeface="+mn-ea"/>
+                <a:cs typeface="+mn-cs"/>
+              </a:defRPr>
+            </a:lvl4pPr>
+            <a:lvl5pPr marL="2057400" indent="-228600" algn="l" defTabSz="914400" rtl="0" eaLnBrk="1" latinLnBrk="0" hangingPunct="1">
+              <a:spcBef>
+                <a:spcPct val="20000"/>
+              </a:spcBef>
+              <a:buFont typeface="Arial" pitchFamily="34" charset="0"/>
+              <a:buChar char="»"/>
+              <a:defRPr sz="2000" kern="1200">
+                <a:solidFill>
+                  <a:schemeClr val="tx1"/>
+                </a:solidFill>
+                <a:latin typeface="+mn-lt"/>
+                <a:ea typeface="+mn-ea"/>
+                <a:cs typeface="+mn-cs"/>
+              </a:defRPr>
+            </a:lvl5pPr>
+            <a:lvl6pPr marL="2514600" indent="-228600" algn="l" defTabSz="914400" rtl="0" eaLnBrk="1" latinLnBrk="0" hangingPunct="1">
+              <a:spcBef>
+                <a:spcPct val="20000"/>
+              </a:spcBef>
+              <a:buFont typeface="Arial" pitchFamily="34" charset="0"/>
+              <a:buChar char="•"/>
+              <a:defRPr sz="2000" kern="1200">
+                <a:solidFill>
+                  <a:schemeClr val="tx1"/>
+                </a:solidFill>
+                <a:latin typeface="+mn-lt"/>
+                <a:ea typeface="+mn-ea"/>
+                <a:cs typeface="+mn-cs"/>
+              </a:defRPr>
+            </a:lvl6pPr>
+            <a:lvl7pPr marL="2971800" indent="-228600" algn="l" defTabSz="914400" rtl="0" eaLnBrk="1" latinLnBrk="0" hangingPunct="1">
+              <a:spcBef>
+                <a:spcPct val="20000"/>
+              </a:spcBef>
+              <a:buFont typeface="Arial" pitchFamily="34" charset="0"/>
+              <a:buChar char="•"/>
+              <a:defRPr sz="2000" kern="1200">
+                <a:solidFill>
+                  <a:schemeClr val="tx1"/>
+                </a:solidFill>
+                <a:latin typeface="+mn-lt"/>
+                <a:ea typeface="+mn-ea"/>
+                <a:cs typeface="+mn-cs"/>
+              </a:defRPr>
+            </a:lvl7pPr>
+            <a:lvl8pPr marL="3429000" indent="-228600" algn="l" defTabSz="914400" rtl="0" eaLnBrk="1" latinLnBrk="0" hangingPunct="1">
+              <a:spcBef>
+                <a:spcPct val="20000"/>
+              </a:spcBef>
+              <a:buFont typeface="Arial" pitchFamily="34" charset="0"/>
+              <a:buChar char="•"/>
+              <a:defRPr sz="2000" kern="1200">
+                <a:solidFill>
+                  <a:schemeClr val="tx1"/>
+                </a:solidFill>
+                <a:latin typeface="+mn-lt"/>
+                <a:ea typeface="+mn-ea"/>
+                <a:cs typeface="+mn-cs"/>
+              </a:defRPr>
+            </a:lvl8pPr>
+            <a:lvl9pPr marL="3886200" indent="-228600" algn="l" defTabSz="914400" rtl="0" eaLnBrk="1" latinLnBrk="0" hangingPunct="1">
+              <a:spcBef>
+                <a:spcPct val="20000"/>
+              </a:spcBef>
+              <a:buFont typeface="Arial" pitchFamily="34" charset="0"/>
+              <a:buChar char="•"/>
+              <a:defRPr sz="2000" kern="1200">
+                <a:solidFill>
+                  <a:schemeClr val="tx1"/>
+                </a:solidFill>
+                <a:latin typeface="+mn-lt"/>
+                <a:ea typeface="+mn-ea"/>
+                <a:cs typeface="+mn-cs"/>
+              </a:defRPr>
+            </a:lvl9pPr>
+          </a:lstStyle>
+          <a:p>
+            <a:r>
+              <a:rPr lang="ru-RU" dirty="0" smtClean="0"/>
+              <a:t>Уже есть готовый </a:t>
+            </a:r>
+            <a:r>
+              <a:rPr lang="ru-RU" dirty="0" err="1" smtClean="0"/>
+              <a:t>маппинг</a:t>
+            </a:r>
+            <a:endParaRPr lang="ru-RU" dirty="0" smtClean="0"/>
+          </a:p>
+          <a:p>
+            <a:pPr marL="0" indent="0">
+              <a:buNone/>
+            </a:pPr>
+            <a:r>
+              <a:rPr lang="en-US" sz="2800" dirty="0">
+                <a:solidFill>
+                  <a:srgbClr val="A65700"/>
+                </a:solidFill>
+              </a:rPr>
+              <a:t>&lt;</a:t>
+            </a:r>
+            <a:r>
+              <a:rPr lang="en-US" sz="2800" dirty="0" err="1">
+                <a:solidFill>
+                  <a:srgbClr val="5F5035"/>
+                </a:solidFill>
+              </a:rPr>
+              <a:t>resultMap</a:t>
+            </a:r>
+            <a:r>
+              <a:rPr lang="en-US" sz="2800" dirty="0"/>
+              <a:t> </a:t>
+            </a:r>
+            <a:r>
+              <a:rPr lang="en-US" sz="2800" dirty="0">
+                <a:solidFill>
+                  <a:srgbClr val="274796"/>
+                </a:solidFill>
+              </a:rPr>
+              <a:t>type</a:t>
+            </a:r>
+            <a:r>
+              <a:rPr lang="en-US" sz="2800" dirty="0">
+                <a:solidFill>
+                  <a:srgbClr val="808030"/>
+                </a:solidFill>
+              </a:rPr>
+              <a:t>=</a:t>
+            </a:r>
+            <a:r>
+              <a:rPr lang="en-US" sz="2800" dirty="0">
+                <a:solidFill>
+                  <a:srgbClr val="800000"/>
+                </a:solidFill>
+              </a:rPr>
+              <a:t>"</a:t>
+            </a:r>
+            <a:r>
+              <a:rPr lang="en-US" sz="2800" dirty="0">
+                <a:solidFill>
+                  <a:srgbClr val="0000E6"/>
+                </a:solidFill>
+              </a:rPr>
+              <a:t>Person</a:t>
+            </a:r>
+            <a:r>
+              <a:rPr lang="en-US" sz="2800" dirty="0">
+                <a:solidFill>
+                  <a:srgbClr val="800000"/>
+                </a:solidFill>
+              </a:rPr>
+              <a:t>"</a:t>
+            </a:r>
+            <a:r>
+              <a:rPr lang="en-US" sz="2800" dirty="0"/>
+              <a:t> </a:t>
+            </a:r>
+            <a:r>
+              <a:rPr lang="en-US" sz="2800" dirty="0">
+                <a:solidFill>
+                  <a:srgbClr val="274796"/>
+                </a:solidFill>
+              </a:rPr>
+              <a:t>id</a:t>
+            </a:r>
+            <a:r>
+              <a:rPr lang="en-US" sz="2800" dirty="0">
+                <a:solidFill>
+                  <a:srgbClr val="808030"/>
+                </a:solidFill>
+              </a:rPr>
+              <a:t>=</a:t>
+            </a:r>
+            <a:r>
+              <a:rPr lang="en-US" sz="2800" dirty="0">
+                <a:solidFill>
+                  <a:srgbClr val="800000"/>
+                </a:solidFill>
+              </a:rPr>
+              <a:t>"</a:t>
+            </a:r>
+            <a:r>
+              <a:rPr lang="en-US" sz="2800" dirty="0" err="1">
+                <a:solidFill>
+                  <a:srgbClr val="0000E6"/>
+                </a:solidFill>
+              </a:rPr>
+              <a:t>PersonMap</a:t>
+            </a:r>
+            <a:r>
+              <a:rPr lang="en-US" sz="2800" dirty="0" smtClean="0">
+                <a:solidFill>
+                  <a:srgbClr val="800000"/>
+                </a:solidFill>
+              </a:rPr>
+              <a:t>"</a:t>
+            </a:r>
+            <a:r>
+              <a:rPr lang="en-US" sz="2800" dirty="0" smtClean="0">
+                <a:solidFill>
+                  <a:srgbClr val="A65700"/>
+                </a:solidFill>
+              </a:rPr>
+              <a:t>&gt;</a:t>
+            </a:r>
+          </a:p>
+          <a:p>
+            <a:pPr marL="0" indent="0">
+              <a:buNone/>
+            </a:pPr>
+            <a:r>
+              <a:rPr lang="en-US" sz="2800" dirty="0">
+                <a:solidFill>
+                  <a:srgbClr val="A65700"/>
+                </a:solidFill>
+              </a:rPr>
+              <a:t> </a:t>
+            </a:r>
+            <a:r>
+              <a:rPr lang="en-US" sz="2800" dirty="0" smtClean="0">
+                <a:solidFill>
+                  <a:srgbClr val="A65700"/>
+                </a:solidFill>
+              </a:rPr>
+              <a:t>  </a:t>
+            </a:r>
+            <a:r>
+              <a:rPr lang="en-US" sz="2800" dirty="0" smtClean="0"/>
+              <a:t> </a:t>
+            </a:r>
+            <a:r>
+              <a:rPr lang="en-US" sz="2800" dirty="0">
+                <a:solidFill>
+                  <a:srgbClr val="A65700"/>
+                </a:solidFill>
+              </a:rPr>
+              <a:t>&lt;</a:t>
+            </a:r>
+            <a:r>
+              <a:rPr lang="en-US" sz="2800" dirty="0">
+                <a:solidFill>
+                  <a:srgbClr val="5F5035"/>
+                </a:solidFill>
+              </a:rPr>
+              <a:t>id</a:t>
+            </a:r>
+            <a:r>
+              <a:rPr lang="en-US" sz="2800" dirty="0"/>
+              <a:t> </a:t>
+            </a:r>
+            <a:r>
+              <a:rPr lang="en-US" sz="2800" dirty="0">
+                <a:solidFill>
+                  <a:srgbClr val="274796"/>
+                </a:solidFill>
+              </a:rPr>
+              <a:t>property</a:t>
+            </a:r>
+            <a:r>
+              <a:rPr lang="en-US" sz="2800" dirty="0">
+                <a:solidFill>
+                  <a:srgbClr val="808030"/>
+                </a:solidFill>
+              </a:rPr>
+              <a:t>=</a:t>
+            </a:r>
+            <a:r>
+              <a:rPr lang="en-US" sz="2800" dirty="0">
+                <a:solidFill>
+                  <a:srgbClr val="800000"/>
+                </a:solidFill>
+              </a:rPr>
+              <a:t>"</a:t>
+            </a:r>
+            <a:r>
+              <a:rPr lang="en-US" sz="2800" dirty="0">
+                <a:solidFill>
+                  <a:srgbClr val="0000E6"/>
+                </a:solidFill>
+              </a:rPr>
+              <a:t>id</a:t>
+            </a:r>
+            <a:r>
+              <a:rPr lang="en-US" sz="2800" dirty="0">
+                <a:solidFill>
+                  <a:srgbClr val="800000"/>
+                </a:solidFill>
+              </a:rPr>
+              <a:t>"</a:t>
+            </a:r>
+            <a:r>
+              <a:rPr lang="en-US" sz="2800" dirty="0"/>
+              <a:t> </a:t>
+            </a:r>
+            <a:r>
+              <a:rPr lang="en-US" sz="2800" dirty="0">
+                <a:solidFill>
+                  <a:srgbClr val="274796"/>
+                </a:solidFill>
+              </a:rPr>
+              <a:t>column</a:t>
+            </a:r>
+            <a:r>
+              <a:rPr lang="en-US" sz="2800" dirty="0">
+                <a:solidFill>
+                  <a:srgbClr val="808030"/>
+                </a:solidFill>
+              </a:rPr>
+              <a:t>=</a:t>
+            </a:r>
+            <a:r>
+              <a:rPr lang="en-US" sz="2800" dirty="0">
+                <a:solidFill>
+                  <a:srgbClr val="800000"/>
+                </a:solidFill>
+              </a:rPr>
+              <a:t>"</a:t>
+            </a:r>
+            <a:r>
+              <a:rPr lang="en-US" sz="2800" dirty="0" err="1">
+                <a:solidFill>
+                  <a:srgbClr val="0000E6"/>
+                </a:solidFill>
+              </a:rPr>
+              <a:t>person_id</a:t>
+            </a:r>
+            <a:r>
+              <a:rPr lang="en-US" sz="2800" dirty="0" smtClean="0">
+                <a:solidFill>
+                  <a:srgbClr val="800000"/>
+                </a:solidFill>
+              </a:rPr>
+              <a:t>"</a:t>
+            </a:r>
+            <a:r>
+              <a:rPr lang="en-US" sz="2800" dirty="0" smtClean="0">
+                <a:solidFill>
+                  <a:srgbClr val="A65700"/>
+                </a:solidFill>
+              </a:rPr>
+              <a:t>/&gt;</a:t>
+            </a:r>
+          </a:p>
+          <a:p>
+            <a:pPr marL="0" indent="0">
+              <a:buNone/>
+            </a:pPr>
+            <a:r>
+              <a:rPr lang="en-US" sz="2800" dirty="0">
+                <a:solidFill>
+                  <a:srgbClr val="A65700"/>
+                </a:solidFill>
+              </a:rPr>
+              <a:t> </a:t>
+            </a:r>
+            <a:r>
+              <a:rPr lang="en-US" sz="2800" dirty="0" smtClean="0">
+                <a:solidFill>
+                  <a:srgbClr val="A65700"/>
+                </a:solidFill>
+              </a:rPr>
+              <a:t>  </a:t>
+            </a:r>
+            <a:r>
+              <a:rPr lang="en-US" sz="2800" dirty="0" smtClean="0"/>
+              <a:t> </a:t>
+            </a:r>
+            <a:r>
+              <a:rPr lang="en-US" sz="2800" dirty="0">
+                <a:solidFill>
+                  <a:srgbClr val="A65700"/>
+                </a:solidFill>
+              </a:rPr>
+              <a:t>&lt;</a:t>
+            </a:r>
+            <a:r>
+              <a:rPr lang="en-US" sz="2800" dirty="0">
+                <a:solidFill>
+                  <a:srgbClr val="5F5035"/>
+                </a:solidFill>
+              </a:rPr>
+              <a:t>result</a:t>
+            </a:r>
+            <a:r>
+              <a:rPr lang="en-US" sz="2800" dirty="0"/>
+              <a:t> </a:t>
+            </a:r>
+            <a:r>
+              <a:rPr lang="en-US" sz="2800" dirty="0">
+                <a:solidFill>
+                  <a:srgbClr val="274796"/>
+                </a:solidFill>
+              </a:rPr>
+              <a:t>property</a:t>
+            </a:r>
+            <a:r>
+              <a:rPr lang="en-US" sz="2800" dirty="0">
+                <a:solidFill>
+                  <a:srgbClr val="808030"/>
+                </a:solidFill>
+              </a:rPr>
+              <a:t>=</a:t>
+            </a:r>
+            <a:r>
+              <a:rPr lang="en-US" sz="2800" dirty="0">
+                <a:solidFill>
+                  <a:srgbClr val="800000"/>
+                </a:solidFill>
+              </a:rPr>
+              <a:t>"</a:t>
+            </a:r>
+            <a:r>
+              <a:rPr lang="en-US" sz="2800" dirty="0">
+                <a:solidFill>
+                  <a:srgbClr val="0000E6"/>
+                </a:solidFill>
+              </a:rPr>
+              <a:t>name</a:t>
+            </a:r>
+            <a:r>
+              <a:rPr lang="en-US" sz="2800" dirty="0">
+                <a:solidFill>
+                  <a:srgbClr val="800000"/>
+                </a:solidFill>
+              </a:rPr>
+              <a:t>"</a:t>
+            </a:r>
+            <a:r>
+              <a:rPr lang="en-US" sz="2800" dirty="0"/>
+              <a:t> </a:t>
+            </a:r>
+            <a:r>
+              <a:rPr lang="en-US" sz="2800" dirty="0">
+                <a:solidFill>
+                  <a:srgbClr val="274796"/>
+                </a:solidFill>
+              </a:rPr>
+              <a:t>column</a:t>
+            </a:r>
+            <a:r>
+              <a:rPr lang="en-US" sz="2800" dirty="0">
+                <a:solidFill>
+                  <a:srgbClr val="808030"/>
+                </a:solidFill>
+              </a:rPr>
+              <a:t>=</a:t>
+            </a:r>
+            <a:r>
+              <a:rPr lang="en-US" sz="2800" dirty="0">
+                <a:solidFill>
+                  <a:srgbClr val="800000"/>
+                </a:solidFill>
+              </a:rPr>
+              <a:t>"</a:t>
+            </a:r>
+            <a:r>
+              <a:rPr lang="en-US" sz="2800" dirty="0" err="1">
+                <a:solidFill>
+                  <a:srgbClr val="0000E6"/>
+                </a:solidFill>
+              </a:rPr>
+              <a:t>person_name</a:t>
+            </a:r>
+            <a:r>
+              <a:rPr lang="en-US" sz="2800" dirty="0">
+                <a:solidFill>
+                  <a:srgbClr val="800000"/>
+                </a:solidFill>
+              </a:rPr>
+              <a:t>"</a:t>
+            </a:r>
+            <a:r>
+              <a:rPr lang="en-US" sz="2800" dirty="0">
+                <a:solidFill>
+                  <a:srgbClr val="A65700"/>
+                </a:solidFill>
+              </a:rPr>
+              <a:t>/&gt;</a:t>
+            </a:r>
+            <a:r>
+              <a:rPr lang="en-US" sz="2800" dirty="0"/>
+              <a:t> </a:t>
+            </a:r>
+            <a:r>
+              <a:rPr lang="en-US" sz="2800" dirty="0">
+                <a:solidFill>
+                  <a:srgbClr val="A65700"/>
+                </a:solidFill>
+              </a:rPr>
+              <a:t>&lt;/</a:t>
+            </a:r>
+            <a:r>
+              <a:rPr lang="en-US" sz="2800" dirty="0" err="1">
+                <a:solidFill>
+                  <a:srgbClr val="5F5035"/>
+                </a:solidFill>
+              </a:rPr>
+              <a:t>resultMap</a:t>
+            </a:r>
+            <a:r>
+              <a:rPr lang="en-US" sz="2800" dirty="0">
+                <a:solidFill>
+                  <a:srgbClr val="A65700"/>
+                </a:solidFill>
+              </a:rPr>
+              <a:t>&gt;</a:t>
+            </a:r>
+            <a:endParaRPr lang="ru-RU" dirty="0" smtClean="0"/>
+          </a:p>
+          <a:p>
+            <a:pPr marL="457200" lvl="1" indent="0">
+              <a:buFont typeface="Arial" pitchFamily="34" charset="0"/>
+              <a:buNone/>
+            </a:pPr>
+            <a:endParaRPr lang="ru-RU" dirty="0"/>
+          </a:p>
+        </p:txBody>
+      </p:sp>
+    </p:spTree>
+    <p:extLst>
+      <p:ext uri="{BB962C8B-B14F-4D97-AF65-F5344CB8AC3E}">
+        <p14:creationId xmlns:p14="http://schemas.microsoft.com/office/powerpoint/2010/main" val="1758728336"/>
+      </p:ext>
+    </p:extLst>
+  </p:cSld>
+  <p:clrMapOvr>
+    <a:masterClrMapping/>
+  </p:clrMapOvr>
+</p:sld>
+</file>
+
+<file path=ppt/slides/slide23.xml><?xml version="1.0" encoding="utf-8"?>
+<p:sld xmlns:a="http://schemas.openxmlformats.org/drawingml/2006/main" xmlns:r="http://schemas.openxmlformats.org/officeDocument/2006/relationships" xmlns:p="http://schemas.openxmlformats.org/presentationml/2006/main">
+  <p:cSld>
+    <p:spTree>
+      <p:nvGrpSpPr>
+        <p:cNvPr id="1" name=""/>
+        <p:cNvGrpSpPr/>
+        <p:nvPr/>
+      </p:nvGrpSpPr>
+      <p:grpSpPr>
+        <a:xfrm>
+          <a:off x="0" y="0"/>
+          <a:ext cx="0" cy="0"/>
+          <a:chOff x="0" y="0"/>
+          <a:chExt cx="0" cy="0"/>
+        </a:xfrm>
+      </p:grpSpPr>
+      <p:sp>
+        <p:nvSpPr>
+          <p:cNvPr id="2" name="Заголовок 1"/>
+          <p:cNvSpPr>
+            <a:spLocks noGrp="1"/>
+          </p:cNvSpPr>
+          <p:nvPr>
+            <p:ph type="title"/>
+          </p:nvPr>
+        </p:nvSpPr>
+        <p:spPr/>
+        <p:txBody>
+          <a:bodyPr/>
+          <a:lstStyle/>
+          <a:p>
+            <a:pPr algn="ctr"/>
+            <a:r>
+              <a:rPr lang="ru-RU" dirty="0"/>
+              <a:t>Сортировка</a:t>
+            </a:r>
           </a:p>
         </p:txBody>
       </p:sp>
@@ -11726,7 +12286,7 @@
 </p:sld>
 </file>
 
-<file path=ppt/slides/slide23.xml><?xml version="1.0" encoding="utf-8"?>
+<file path=ppt/slides/slide24.xml><?xml version="1.0" encoding="utf-8"?>
 <p:sld xmlns:a="http://schemas.openxmlformats.org/drawingml/2006/main" xmlns:r="http://schemas.openxmlformats.org/officeDocument/2006/relationships" xmlns:p="http://schemas.openxmlformats.org/presentationml/2006/main">
   <p:cSld>
     <p:spTree>
@@ -11768,11 +12328,7 @@
             <a:pPr algn="ctr"/>
             <a:r>
               <a:rPr lang="en-US" dirty="0" smtClean="0"/>
-              <a:t>Tip </a:t>
-            </a:r>
-            <a:r>
-              <a:rPr lang="en-US" dirty="0" smtClean="0"/>
-              <a:t>#</a:t>
+              <a:t>Tip #</a:t>
             </a:r>
             <a:r>
               <a:rPr lang="ru-RU" dirty="0" smtClean="0"/>
@@ -11781,10 +12337,6 @@
             <a:r>
               <a:rPr lang="en-US" dirty="0" smtClean="0"/>
               <a:t>: </a:t>
-            </a:r>
-            <a:r>
-              <a:rPr lang="en-US" dirty="0" smtClean="0"/>
-              <a:t/>
             </a:r>
             <a:br>
               <a:rPr lang="en-US" dirty="0" smtClean="0"/>
@@ -11818,132 +12370,6 @@
       </p:par>
     </p:tnLst>
   </p:timing>
-</p:sld>
-</file>
-
-<file path=ppt/slides/slide24.xml><?xml version="1.0" encoding="utf-8"?>
-<p:sld xmlns:a="http://schemas.openxmlformats.org/drawingml/2006/main" xmlns:r="http://schemas.openxmlformats.org/officeDocument/2006/relationships" xmlns:p="http://schemas.openxmlformats.org/presentationml/2006/main">
-  <p:cSld>
-    <p:spTree>
-      <p:nvGrpSpPr>
-        <p:cNvPr id="1" name=""/>
-        <p:cNvGrpSpPr/>
-        <p:nvPr/>
-      </p:nvGrpSpPr>
-      <p:grpSpPr>
-        <a:xfrm>
-          <a:off x="0" y="0"/>
-          <a:ext cx="0" cy="0"/>
-          <a:chOff x="0" y="0"/>
-          <a:chExt cx="0" cy="0"/>
-        </a:xfrm>
-      </p:grpSpPr>
-      <p:sp>
-        <p:nvSpPr>
-          <p:cNvPr id="2" name="Заголовок 1"/>
-          <p:cNvSpPr>
-            <a:spLocks noGrp="1"/>
-          </p:cNvSpPr>
-          <p:nvPr>
-            <p:ph type="title"/>
-          </p:nvPr>
-        </p:nvSpPr>
-        <p:spPr/>
-        <p:txBody>
-          <a:bodyPr/>
-          <a:lstStyle/>
-          <a:p>
-            <a:r>
-              <a:rPr lang="ru-RU" dirty="0" smtClean="0"/>
-              <a:t>Используйте </a:t>
-            </a:r>
-            <a:r>
-              <a:rPr lang="en-US" dirty="0" smtClean="0"/>
-              <a:t>Spring </a:t>
-            </a:r>
-            <a:r>
-              <a:rPr lang="en-US" dirty="0" err="1" smtClean="0"/>
-              <a:t>MyBatis</a:t>
-            </a:r>
-            <a:r>
-              <a:rPr lang="ru-RU" dirty="0" smtClean="0"/>
-              <a:t>*</a:t>
-            </a:r>
-            <a:endParaRPr lang="ru-RU" dirty="0"/>
-          </a:p>
-        </p:txBody>
-      </p:sp>
-      <p:sp>
-        <p:nvSpPr>
-          <p:cNvPr id="3" name="Объект 2"/>
-          <p:cNvSpPr>
-            <a:spLocks noGrp="1"/>
-          </p:cNvSpPr>
-          <p:nvPr>
-            <p:ph idx="1"/>
-          </p:nvPr>
-        </p:nvSpPr>
-        <p:spPr/>
-        <p:txBody>
-          <a:bodyPr>
-            <a:normAutofit/>
-          </a:bodyPr>
-          <a:lstStyle/>
-          <a:p>
-            <a:pPr>
-              <a:lnSpc>
-                <a:spcPct val="200000"/>
-              </a:lnSpc>
-            </a:pPr>
-            <a:r>
-              <a:rPr lang="en-US" sz="4000" dirty="0" smtClean="0"/>
-              <a:t>Spring Framework </a:t>
-            </a:r>
-            <a:r>
-              <a:rPr lang="ru-RU" sz="4000" dirty="0" smtClean="0"/>
-              <a:t>помогает</a:t>
-            </a:r>
-          </a:p>
-          <a:p>
-            <a:pPr lvl="1">
-              <a:lnSpc>
-                <a:spcPct val="200000"/>
-              </a:lnSpc>
-            </a:pPr>
-            <a:r>
-              <a:rPr lang="ru-RU" sz="4000" dirty="0" smtClean="0"/>
-              <a:t>Конфигурировать </a:t>
-            </a:r>
-            <a:r>
-              <a:rPr lang="en-US" sz="4000" dirty="0" err="1" smtClean="0"/>
-              <a:t>SqlSession</a:t>
-            </a:r>
-            <a:endParaRPr lang="en-US" sz="4000" dirty="0" smtClean="0"/>
-          </a:p>
-          <a:p>
-            <a:pPr lvl="1">
-              <a:lnSpc>
-                <a:spcPct val="200000"/>
-              </a:lnSpc>
-            </a:pPr>
-            <a:r>
-              <a:rPr lang="ru-RU" sz="4000" dirty="0" smtClean="0"/>
-              <a:t>Управлять транзакциями</a:t>
-            </a:r>
-            <a:endParaRPr lang="ru-RU" sz="4000" dirty="0"/>
-          </a:p>
-        </p:txBody>
-      </p:sp>
-    </p:spTree>
-    <p:extLst>
-      <p:ext uri="{BB962C8B-B14F-4D97-AF65-F5344CB8AC3E}">
-        <p14:creationId xmlns:p14="http://schemas.microsoft.com/office/powerpoint/2010/main" val="125359537"/>
-      </p:ext>
-    </p:extLst>
-  </p:cSld>
-  <p:clrMapOvr>
-    <a:masterClrMapping/>
-  </p:clrMapOvr>
 </p:sld>
 </file>
 
@@ -11979,10 +12405,21 @@
           <a:bodyPr/>
           <a:lstStyle/>
           <a:p>
-            <a:pPr algn="ctr"/>
             <a:r>
               <a:rPr lang="ru-RU" dirty="0" smtClean="0"/>
-              <a:t>Вопросы?</a:t>
+              <a:t>Используйте </a:t>
+            </a:r>
+            <a:r>
+              <a:rPr lang="en-US" dirty="0" smtClean="0"/>
+              <a:t>Spring </a:t>
+            </a:r>
+            <a:r>
+              <a:rPr lang="en-US" dirty="0" err="1" smtClean="0"/>
+              <a:t>MyBatis</a:t>
+            </a:r>
+            <a:r>
+              <a:rPr lang="ru-RU" dirty="0" smtClean="0"/>
+              <a:t>*</a:t>
             </a:r>
             <a:endParaRPr lang="ru-RU" dirty="0"/>
           </a:p>
@@ -12000,17 +12437,59 @@
         </p:nvSpPr>
         <p:spPr/>
         <p:txBody>
-          <a:bodyPr/>
+          <a:bodyPr>
+            <a:normAutofit/>
+          </a:bodyPr>
           <a:lstStyle/>
           <a:p>
-            <a:endParaRPr lang="ru-RU"/>
+            <a:pPr>
+              <a:lnSpc>
+                <a:spcPct val="200000"/>
+              </a:lnSpc>
+            </a:pPr>
+            <a:r>
+              <a:rPr lang="en-US" sz="4000" dirty="0" smtClean="0"/>
+              <a:t>Spring Framework </a:t>
+            </a:r>
+            <a:r>
+              <a:rPr lang="ru-RU" sz="4000" dirty="0" smtClean="0"/>
+              <a:t>помогает</a:t>
+            </a:r>
+          </a:p>
+          <a:p>
+            <a:pPr lvl="1">
+              <a:lnSpc>
+                <a:spcPct val="200000"/>
+              </a:lnSpc>
+            </a:pPr>
+            <a:r>
+              <a:rPr lang="ru-RU" sz="4000" dirty="0" smtClean="0"/>
+              <a:t>Конфигурировать </a:t>
+            </a:r>
+            <a:r>
+              <a:rPr lang="en-US" sz="4000" dirty="0" err="1" smtClean="0"/>
+              <a:t>SqlSession</a:t>
+            </a:r>
+            <a:endParaRPr lang="en-US" sz="4000" dirty="0" smtClean="0"/>
+          </a:p>
+          <a:p>
+            <a:pPr lvl="1">
+              <a:lnSpc>
+                <a:spcPct val="200000"/>
+              </a:lnSpc>
+            </a:pPr>
+            <a:r>
+              <a:rPr lang="ru-RU" sz="4000" dirty="0" smtClean="0"/>
+              <a:t>Управлять транзакциями</a:t>
+            </a:r>
+            <a:endParaRPr lang="ru-RU" sz="4000" dirty="0"/>
           </a:p>
         </p:txBody>
       </p:sp>
     </p:spTree>
     <p:extLst>
       <p:ext uri="{BB962C8B-B14F-4D97-AF65-F5344CB8AC3E}">
-        <p14:creationId xmlns:p14="http://schemas.microsoft.com/office/powerpoint/2010/main" val="2177463991"/>
+        <p14:creationId xmlns:p14="http://schemas.microsoft.com/office/powerpoint/2010/main" val="125359537"/>
       </p:ext>
     </p:extLst>
   </p:cSld>
@@ -12055,11 +12534,102 @@
             <a:pPr algn="ctr"/>
             <a:r>
               <a:rPr lang="ru-RU" dirty="0" smtClean="0"/>
-              <a:t>Спасибо за </a:t>
-            </a:r>
+              <a:t>Вопросы?</a:t>
+            </a:r>
+            <a:endParaRPr lang="ru-RU" dirty="0"/>
+          </a:p>
+        </p:txBody>
+      </p:sp>
+      <p:pic>
+        <p:nvPicPr>
+          <p:cNvPr id="1026" name="Picture 2" descr="Картинки по запросу вопросы"/>
+          <p:cNvPicPr>
+            <a:picLocks noChangeAspect="1" noChangeArrowheads="1"/>
+          </p:cNvPicPr>
+          <p:nvPr/>
+        </p:nvPicPr>
+        <p:blipFill>
+          <a:blip r:embed="rId2">
+            <a:extLst>
+              <a:ext uri="{28A0092B-C50C-407E-A947-70E740481C1C}">
+                <a14:useLocalDpi xmlns:a14="http://schemas.microsoft.com/office/drawing/2010/main" val="0"/>
+              </a:ext>
+            </a:extLst>
+          </a:blip>
+          <a:srcRect/>
+          <a:stretch>
+            <a:fillRect/>
+          </a:stretch>
+        </p:blipFill>
+        <p:spPr bwMode="auto">
+          <a:xfrm>
+            <a:off x="2987824" y="2708920"/>
+            <a:ext cx="2143125" cy="2143125"/>
+          </a:xfrm>
+          <a:prstGeom prst="rect">
+            <a:avLst/>
+          </a:prstGeom>
+          <a:noFill/>
+          <a:extLst>
+            <a:ext uri="{909E8E84-426E-40DD-AFC4-6F175D3DCCD1}">
+              <a14:hiddenFill xmlns:a14="http://schemas.microsoft.com/office/drawing/2010/main">
+                <a:solidFill>
+                  <a:srgbClr val="FFFFFF"/>
+                </a:solidFill>
+              </a14:hiddenFill>
+            </a:ext>
+          </a:extLst>
+        </p:spPr>
+      </p:pic>
+    </p:spTree>
+    <p:extLst>
+      <p:ext uri="{BB962C8B-B14F-4D97-AF65-F5344CB8AC3E}">
+        <p14:creationId xmlns:p14="http://schemas.microsoft.com/office/powerpoint/2010/main" val="2177463991"/>
+      </p:ext>
+    </p:extLst>
+  </p:cSld>
+  <p:clrMapOvr>
+    <a:masterClrMapping/>
+  </p:clrMapOvr>
+</p:sld>
+</file>
+
+<file path=ppt/slides/slide27.xml><?xml version="1.0" encoding="utf-8"?>
+<p:sld xmlns:a="http://schemas.openxmlformats.org/drawingml/2006/main" xmlns:r="http://schemas.openxmlformats.org/officeDocument/2006/relationships" xmlns:p="http://schemas.openxmlformats.org/presentationml/2006/main">
+  <p:cSld>
+    <p:spTree>
+      <p:nvGrpSpPr>
+        <p:cNvPr id="1" name=""/>
+        <p:cNvGrpSpPr/>
+        <p:nvPr/>
+      </p:nvGrpSpPr>
+      <p:grpSpPr>
+        <a:xfrm>
+          <a:off x="0" y="0"/>
+          <a:ext cx="0" cy="0"/>
+          <a:chOff x="0" y="0"/>
+          <a:chExt cx="0" cy="0"/>
+        </a:xfrm>
+      </p:grpSpPr>
+      <p:sp>
+        <p:nvSpPr>
+          <p:cNvPr id="2" name="Заголовок 1"/>
+          <p:cNvSpPr>
+            <a:spLocks noGrp="1"/>
+          </p:cNvSpPr>
+          <p:nvPr>
+            <p:ph type="title"/>
+          </p:nvPr>
+        </p:nvSpPr>
+        <p:spPr/>
+        <p:txBody>
+          <a:bodyPr/>
+          <a:lstStyle/>
+          <a:p>
+            <a:pPr algn="ctr"/>
             <a:r>
               <a:rPr lang="ru-RU" dirty="0" smtClean="0"/>
-              <a:t>внимание!</a:t>
+              <a:t>Спасибо за внимание!</a:t>
             </a:r>
             <a:endParaRPr lang="ru-RU" dirty="0"/>
           </a:p>
@@ -12067,7 +12637,241 @@
       </p:sp>
       <p:sp>
         <p:nvSpPr>
-          <p:cNvPr id="3" name="Объект 2"/>
+          <p:cNvPr id="4" name="AutoShape 2" descr="Картинки по запросу Mybatis"/>
+          <p:cNvSpPr>
+            <a:spLocks noChangeAspect="1" noChangeArrowheads="1"/>
+          </p:cNvSpPr>
+          <p:nvPr/>
+        </p:nvSpPr>
+        <p:spPr bwMode="auto">
+          <a:xfrm>
+            <a:off x="155575" y="-144463"/>
+            <a:ext cx="304800" cy="304801"/>
+          </a:xfrm>
+          <a:prstGeom prst="rect">
+            <a:avLst/>
+          </a:prstGeom>
+          <a:noFill/>
+          <a:extLst>
+            <a:ext uri="{909E8E84-426E-40DD-AFC4-6F175D3DCCD1}">
+              <a14:hiddenFill xmlns:a14="http://schemas.microsoft.com/office/drawing/2010/main">
+                <a:solidFill>
+                  <a:srgbClr val="FFFFFF"/>
+                </a:solidFill>
+              </a14:hiddenFill>
+            </a:ext>
+          </a:extLst>
+        </p:spPr>
+        <p:txBody>
+          <a:bodyPr vert="horz" wrap="square" lIns="91440" tIns="45720" rIns="91440" bIns="45720" numCol="1" anchor="t" anchorCtr="0" compatLnSpc="1">
+            <a:prstTxWarp prst="textNoShape">
+              <a:avLst/>
+            </a:prstTxWarp>
+          </a:bodyPr>
+          <a:lstStyle/>
+          <a:p>
+            <a:endParaRPr lang="ru-RU"/>
+          </a:p>
+        </p:txBody>
+      </p:sp>
+      <p:sp>
+        <p:nvSpPr>
+          <p:cNvPr id="5" name="AutoShape 4" descr="Картинки по запросу Mybatis"/>
+          <p:cNvSpPr>
+            <a:spLocks noChangeAspect="1" noChangeArrowheads="1"/>
+          </p:cNvSpPr>
+          <p:nvPr/>
+        </p:nvSpPr>
+        <p:spPr bwMode="auto">
+          <a:xfrm>
+            <a:off x="307975" y="7937"/>
+            <a:ext cx="304800" cy="304801"/>
+          </a:xfrm>
+          <a:prstGeom prst="rect">
+            <a:avLst/>
+          </a:prstGeom>
+          <a:noFill/>
+          <a:extLst>
+            <a:ext uri="{909E8E84-426E-40DD-AFC4-6F175D3DCCD1}">
+              <a14:hiddenFill xmlns:a14="http://schemas.microsoft.com/office/drawing/2010/main">
+                <a:solidFill>
+                  <a:srgbClr val="FFFFFF"/>
+                </a:solidFill>
+              </a14:hiddenFill>
+            </a:ext>
+          </a:extLst>
+        </p:spPr>
+        <p:txBody>
+          <a:bodyPr vert="horz" wrap="square" lIns="91440" tIns="45720" rIns="91440" bIns="45720" numCol="1" anchor="t" anchorCtr="0" compatLnSpc="1">
+            <a:prstTxWarp prst="textNoShape">
+              <a:avLst/>
+            </a:prstTxWarp>
+          </a:bodyPr>
+          <a:lstStyle/>
+          <a:p>
+            <a:endParaRPr lang="ru-RU"/>
+          </a:p>
+        </p:txBody>
+      </p:sp>
+      <p:sp>
+        <p:nvSpPr>
+          <p:cNvPr id="6" name="AutoShape 6" descr="Картинки по запросу Mybatis"/>
+          <p:cNvSpPr>
+            <a:spLocks noChangeAspect="1" noChangeArrowheads="1"/>
+          </p:cNvSpPr>
+          <p:nvPr/>
+        </p:nvSpPr>
+        <p:spPr bwMode="auto">
+          <a:xfrm>
+            <a:off x="460375" y="160337"/>
+            <a:ext cx="304800" cy="304801"/>
+          </a:xfrm>
+          <a:prstGeom prst="rect">
+            <a:avLst/>
+          </a:prstGeom>
+          <a:noFill/>
+          <a:extLst>
+            <a:ext uri="{909E8E84-426E-40DD-AFC4-6F175D3DCCD1}">
+              <a14:hiddenFill xmlns:a14="http://schemas.microsoft.com/office/drawing/2010/main">
+                <a:solidFill>
+                  <a:srgbClr val="FFFFFF"/>
+                </a:solidFill>
+              </a14:hiddenFill>
+            </a:ext>
+          </a:extLst>
+        </p:spPr>
+        <p:txBody>
+          <a:bodyPr vert="horz" wrap="square" lIns="91440" tIns="45720" rIns="91440" bIns="45720" numCol="1" anchor="t" anchorCtr="0" compatLnSpc="1">
+            <a:prstTxWarp prst="textNoShape">
+              <a:avLst/>
+            </a:prstTxWarp>
+          </a:bodyPr>
+          <a:lstStyle/>
+          <a:p>
+            <a:endParaRPr lang="ru-RU"/>
+          </a:p>
+        </p:txBody>
+      </p:sp>
+      <p:sp>
+        <p:nvSpPr>
+          <p:cNvPr id="7" name="AutoShape 8" descr="Картинки по запросу Mybatis"/>
+          <p:cNvSpPr>
+            <a:spLocks noChangeAspect="1" noChangeArrowheads="1"/>
+          </p:cNvSpPr>
+          <p:nvPr/>
+        </p:nvSpPr>
+        <p:spPr bwMode="auto">
+          <a:xfrm>
+            <a:off x="612775" y="312737"/>
+            <a:ext cx="304800" cy="304801"/>
+          </a:xfrm>
+          <a:prstGeom prst="rect">
+            <a:avLst/>
+          </a:prstGeom>
+          <a:noFill/>
+          <a:extLst>
+            <a:ext uri="{909E8E84-426E-40DD-AFC4-6F175D3DCCD1}">
+              <a14:hiddenFill xmlns:a14="http://schemas.microsoft.com/office/drawing/2010/main">
+                <a:solidFill>
+                  <a:srgbClr val="FFFFFF"/>
+                </a:solidFill>
+              </a14:hiddenFill>
+            </a:ext>
+          </a:extLst>
+        </p:spPr>
+        <p:txBody>
+          <a:bodyPr vert="horz" wrap="square" lIns="91440" tIns="45720" rIns="91440" bIns="45720" numCol="1" anchor="t" anchorCtr="0" compatLnSpc="1">
+            <a:prstTxWarp prst="textNoShape">
+              <a:avLst/>
+            </a:prstTxWarp>
+          </a:bodyPr>
+          <a:lstStyle/>
+          <a:p>
+            <a:endParaRPr lang="ru-RU"/>
+          </a:p>
+        </p:txBody>
+      </p:sp>
+      <p:sp>
+        <p:nvSpPr>
+          <p:cNvPr id="8" name="AutoShape 12" descr="Картинки по запросу batis"/>
+          <p:cNvSpPr>
+            <a:spLocks noChangeAspect="1" noChangeArrowheads="1"/>
+          </p:cNvSpPr>
+          <p:nvPr/>
+        </p:nvSpPr>
+        <p:spPr bwMode="auto">
+          <a:xfrm>
+            <a:off x="765175" y="465137"/>
+            <a:ext cx="304800" cy="304801"/>
+          </a:xfrm>
+          <a:prstGeom prst="rect">
+            <a:avLst/>
+          </a:prstGeom>
+          <a:noFill/>
+          <a:extLst>
+            <a:ext uri="{909E8E84-426E-40DD-AFC4-6F175D3DCCD1}">
+              <a14:hiddenFill xmlns:a14="http://schemas.microsoft.com/office/drawing/2010/main">
+                <a:solidFill>
+                  <a:srgbClr val="FFFFFF"/>
+                </a:solidFill>
+              </a14:hiddenFill>
+            </a:ext>
+          </a:extLst>
+        </p:spPr>
+        <p:txBody>
+          <a:bodyPr vert="horz" wrap="square" lIns="91440" tIns="45720" rIns="91440" bIns="45720" numCol="1" anchor="t" anchorCtr="0" compatLnSpc="1">
+            <a:prstTxWarp prst="textNoShape">
+              <a:avLst/>
+            </a:prstTxWarp>
+          </a:bodyPr>
+          <a:lstStyle/>
+          <a:p>
+            <a:endParaRPr lang="ru-RU"/>
+          </a:p>
+        </p:txBody>
+      </p:sp>
+      <p:sp>
+        <p:nvSpPr>
+          <p:cNvPr id="10" name="AutoShape 14" descr="Картинки по запросу batis"/>
+          <p:cNvSpPr>
+            <a:spLocks noChangeAspect="1" noChangeArrowheads="1"/>
+          </p:cNvSpPr>
+          <p:nvPr/>
+        </p:nvSpPr>
+        <p:spPr bwMode="auto">
+          <a:xfrm>
+            <a:off x="917575" y="617537"/>
+            <a:ext cx="304800" cy="304801"/>
+          </a:xfrm>
+          <a:prstGeom prst="rect">
+            <a:avLst/>
+          </a:prstGeom>
+          <a:noFill/>
+          <a:extLst>
+            <a:ext uri="{909E8E84-426E-40DD-AFC4-6F175D3DCCD1}">
+              <a14:hiddenFill xmlns:a14="http://schemas.microsoft.com/office/drawing/2010/main">
+                <a:solidFill>
+                  <a:srgbClr val="FFFFFF"/>
+                </a:solidFill>
+              </a14:hiddenFill>
+            </a:ext>
+          </a:extLst>
+        </p:spPr>
+        <p:txBody>
+          <a:bodyPr vert="horz" wrap="square" lIns="91440" tIns="45720" rIns="91440" bIns="45720" numCol="1" anchor="t" anchorCtr="0" compatLnSpc="1">
+            <a:prstTxWarp prst="textNoShape">
+              <a:avLst/>
+            </a:prstTxWarp>
+          </a:bodyPr>
+          <a:lstStyle/>
+          <a:p>
+            <a:endParaRPr lang="ru-RU"/>
+          </a:p>
+        </p:txBody>
+      </p:sp>
+      <p:sp>
+        <p:nvSpPr>
+          <p:cNvPr id="12" name="Объект 11"/>
           <p:cNvSpPr>
             <a:spLocks noGrp="1"/>
           </p:cNvSpPr>
@@ -12080,10 +12884,51 @@
           <a:bodyPr/>
           <a:lstStyle/>
           <a:p>
-            <a:endParaRPr lang="ru-RU" dirty="0"/>
+            <a:endParaRPr lang="ru-RU"/>
           </a:p>
         </p:txBody>
       </p:sp>
+      <p:pic>
+        <p:nvPicPr>
+          <p:cNvPr id="2064" name="Picture 16" descr="http://www.biodiversityexplorer.org/birds/malaconotidae/images/6181capebatis1_327w.jpg"/>
+          <p:cNvPicPr>
+            <a:picLocks noChangeAspect="1" noChangeArrowheads="1"/>
+          </p:cNvPicPr>
+          <p:nvPr/>
+        </p:nvPicPr>
+        <p:blipFill>
+          <a:blip r:embed="rId2">
+            <a:extLst>
+              <a:ext uri="{28A0092B-C50C-407E-A947-70E740481C1C}">
+                <a14:useLocalDpi xmlns:a14="http://schemas.microsoft.com/office/drawing/2010/main" val="0"/>
+              </a:ext>
+            </a:extLst>
+          </a:blip>
+          <a:srcRect/>
+          <a:stretch>
+            <a:fillRect/>
+          </a:stretch>
+        </p:blipFill>
+        <p:spPr bwMode="auto">
+          <a:xfrm>
+            <a:off x="2555776" y="2204864"/>
+            <a:ext cx="3114675" cy="3114676"/>
+          </a:xfrm>
+          <a:prstGeom prst="rect">
+            <a:avLst/>
+          </a:prstGeom>
+          <a:noFill/>
+          <a:extLst>
+            <a:ext uri="{909E8E84-426E-40DD-AFC4-6F175D3DCCD1}">
+              <a14:hiddenFill xmlns:a14="http://schemas.microsoft.com/office/drawing/2010/main">
+                <a:solidFill>
+                  <a:srgbClr val="FFFFFF"/>
+                </a:solidFill>
+              </a14:hiddenFill>
+            </a:ext>
+          </a:extLst>
+        </p:spPr>
+      </p:pic>
     </p:spTree>
     <p:extLst>
       <p:ext uri="{BB962C8B-B14F-4D97-AF65-F5344CB8AC3E}">
@@ -12098,6 +12943,159 @@
 </file>
 
 <file path=ppt/slides/slide3.xml><?xml version="1.0" encoding="utf-8"?>
+<p:sld xmlns:a="http://schemas.openxmlformats.org/drawingml/2006/main" xmlns:r="http://schemas.openxmlformats.org/officeDocument/2006/relationships" xmlns:p="http://schemas.openxmlformats.org/presentationml/2006/main">
+  <p:cSld>
+    <p:spTree>
+      <p:nvGrpSpPr>
+        <p:cNvPr id="1" name=""/>
+        <p:cNvGrpSpPr/>
+        <p:nvPr/>
+      </p:nvGrpSpPr>
+      <p:grpSpPr>
+        <a:xfrm>
+          <a:off x="0" y="0"/>
+          <a:ext cx="0" cy="0"/>
+          <a:chOff x="0" y="0"/>
+          <a:chExt cx="0" cy="0"/>
+        </a:xfrm>
+      </p:grpSpPr>
+      <p:sp>
+        <p:nvSpPr>
+          <p:cNvPr id="2" name="Заголовок 1"/>
+          <p:cNvSpPr>
+            <a:spLocks noGrp="1"/>
+          </p:cNvSpPr>
+          <p:nvPr>
+            <p:ph type="title"/>
+          </p:nvPr>
+        </p:nvSpPr>
+        <p:spPr>
+          <a:xfrm>
+            <a:off x="467544" y="476672"/>
+            <a:ext cx="8229600" cy="1143000"/>
+          </a:xfrm>
+        </p:spPr>
+        <p:txBody>
+          <a:bodyPr/>
+          <a:lstStyle/>
+          <a:p>
+            <a:pPr algn="ctr"/>
+            <a:r>
+              <a:rPr lang="en-US" dirty="0" err="1" smtClean="0"/>
+              <a:t>MyBatis</a:t>
+            </a:r>
+            <a:endParaRPr lang="ru-RU" dirty="0"/>
+          </a:p>
+        </p:txBody>
+      </p:sp>
+      <p:sp>
+        <p:nvSpPr>
+          <p:cNvPr id="4" name="Объект 2"/>
+          <p:cNvSpPr>
+            <a:spLocks noGrp="1"/>
+          </p:cNvSpPr>
+          <p:nvPr>
+            <p:ph idx="1"/>
+          </p:nvPr>
+        </p:nvSpPr>
+        <p:spPr>
+          <a:xfrm>
+            <a:off x="457200" y="1600200"/>
+            <a:ext cx="8291264" cy="4525963"/>
+          </a:xfrm>
+        </p:spPr>
+        <p:txBody>
+          <a:bodyPr>
+            <a:normAutofit/>
+          </a:bodyPr>
+          <a:lstStyle/>
+          <a:p>
+            <a:pPr marL="0" indent="0">
+              <a:buNone/>
+            </a:pPr>
+            <a:r>
+              <a:rPr lang="ru-RU" sz="3600" dirty="0" smtClean="0"/>
+              <a:t> </a:t>
+            </a:r>
+            <a:r>
+              <a:rPr lang="en-US" sz="3600" dirty="0" smtClean="0"/>
+              <a:t>+ Legacy DB</a:t>
+            </a:r>
+          </a:p>
+          <a:p>
+            <a:pPr marL="0" indent="0">
+              <a:buNone/>
+            </a:pPr>
+            <a:r>
+              <a:rPr lang="ru-RU" sz="3600" dirty="0" smtClean="0"/>
+              <a:t> </a:t>
+            </a:r>
+            <a:r>
+              <a:rPr lang="en-US" sz="3600" dirty="0" smtClean="0"/>
+              <a:t>+ </a:t>
+            </a:r>
+            <a:r>
+              <a:rPr lang="ru-RU" sz="3600" dirty="0" smtClean="0"/>
+              <a:t>Легковесный и быстрый</a:t>
+            </a:r>
+          </a:p>
+          <a:p>
+            <a:pPr marL="0" indent="0">
+              <a:buNone/>
+            </a:pPr>
+            <a:r>
+              <a:rPr lang="ru-RU" sz="3600" dirty="0" smtClean="0"/>
+              <a:t> + Легко освоить</a:t>
+            </a:r>
+          </a:p>
+          <a:p>
+            <a:pPr marL="0" indent="0">
+              <a:buNone/>
+            </a:pPr>
+            <a:r>
+              <a:rPr lang="ru-RU" sz="3600" dirty="0" smtClean="0"/>
+              <a:t> + Чистый </a:t>
+            </a:r>
+            <a:r>
+              <a:rPr lang="en-US" sz="3600" dirty="0" smtClean="0"/>
+              <a:t>SQL</a:t>
+            </a:r>
+          </a:p>
+          <a:p>
+            <a:pPr marL="114300" indent="0">
+              <a:buNone/>
+            </a:pPr>
+            <a:r>
+              <a:rPr lang="ru-RU" sz="3600" dirty="0" smtClean="0"/>
+              <a:t>- Больше кода</a:t>
+            </a:r>
+          </a:p>
+          <a:p>
+            <a:pPr marL="114300" indent="0">
+              <a:buNone/>
+            </a:pPr>
+            <a:r>
+              <a:rPr lang="ru-RU" sz="3600" dirty="0" smtClean="0"/>
+              <a:t>- Сложнее поддерживать несколько БД</a:t>
+            </a:r>
+            <a:endParaRPr lang="ru-RU" sz="3600" dirty="0"/>
+          </a:p>
+        </p:txBody>
+      </p:sp>
+    </p:spTree>
+    <p:extLst>
+      <p:ext uri="{BB962C8B-B14F-4D97-AF65-F5344CB8AC3E}">
+        <p14:creationId xmlns:p14="http://schemas.microsoft.com/office/powerpoint/2010/main" val="2023344357"/>
+      </p:ext>
+    </p:extLst>
+  </p:cSld>
+  <p:clrMapOvr>
+    <a:masterClrMapping/>
+  </p:clrMapOvr>
+</p:sld>
+</file>
+
+<file path=ppt/slides/slide4.xml><?xml version="1.0" encoding="utf-8"?>
 <p:sld xmlns:a="http://schemas.openxmlformats.org/drawingml/2006/main" xmlns:r="http://schemas.openxmlformats.org/officeDocument/2006/relationships" xmlns:p="http://schemas.openxmlformats.org/presentationml/2006/main">
   <p:cSld>
     <p:spTree>
@@ -12422,7 +13420,7 @@
 </p:sld>
 </file>
 
-<file path=ppt/slides/slide4.xml><?xml version="1.0" encoding="utf-8"?>
+<file path=ppt/slides/slide5.xml><?xml version="1.0" encoding="utf-8"?>
 <p:sld xmlns:a="http://schemas.openxmlformats.org/drawingml/2006/main" xmlns:r="http://schemas.openxmlformats.org/officeDocument/2006/relationships" xmlns:p="http://schemas.openxmlformats.org/presentationml/2006/main">
   <p:cSld>
     <p:spTree>
@@ -13400,855 +14398,6 @@
     <p:extLst>
       <p:ext uri="{BB962C8B-B14F-4D97-AF65-F5344CB8AC3E}">
         <p14:creationId xmlns:p14="http://schemas.microsoft.com/office/powerpoint/2010/main" val="954921804"/>
-      </p:ext>
-    </p:extLst>
-  </p:cSld>
-  <p:clrMapOvr>
-    <a:masterClrMapping/>
-  </p:clrMapOvr>
-  <p:timing>
-    <p:tnLst>
-      <p:par>
-        <p:cTn id="1" dur="indefinite" restart="never" nodeType="tmRoot"/>
-      </p:par>
-    </p:tnLst>
-  </p:timing>
-</p:sld>
-</file>
-
-<file path=ppt/slides/slide5.xml><?xml version="1.0" encoding="utf-8"?>
-<p:sld xmlns:a="http://schemas.openxmlformats.org/drawingml/2006/main" xmlns:r="http://schemas.openxmlformats.org/officeDocument/2006/relationships" xmlns:p="http://schemas.openxmlformats.org/presentationml/2006/main">
-  <p:cSld>
-    <p:spTree>
-      <p:nvGrpSpPr>
-        <p:cNvPr id="1" name=""/>
-        <p:cNvGrpSpPr/>
-        <p:nvPr/>
-      </p:nvGrpSpPr>
-      <p:grpSpPr>
-        <a:xfrm>
-          <a:off x="0" y="0"/>
-          <a:ext cx="0" cy="0"/>
-          <a:chOff x="0" y="0"/>
-          <a:chExt cx="0" cy="0"/>
-        </a:xfrm>
-      </p:grpSpPr>
-      <p:sp>
-        <p:nvSpPr>
-          <p:cNvPr id="2" name="Заголовок 1"/>
-          <p:cNvSpPr>
-            <a:spLocks noGrp="1"/>
-          </p:cNvSpPr>
-          <p:nvPr>
-            <p:ph type="title"/>
-          </p:nvPr>
-        </p:nvSpPr>
-        <p:spPr/>
-        <p:txBody>
-          <a:bodyPr/>
-          <a:lstStyle/>
-          <a:p>
-            <a:pPr algn="ctr"/>
-            <a:r>
-              <a:rPr lang="en-US" dirty="0"/>
-              <a:t>Getting Started with </a:t>
-            </a:r>
-            <a:r>
-              <a:rPr lang="en-US" dirty="0" err="1"/>
-              <a:t>MyBatis</a:t>
-            </a:r>
-            <a:endParaRPr lang="ru-RU" dirty="0"/>
-          </a:p>
-        </p:txBody>
-      </p:sp>
-      <p:sp>
-        <p:nvSpPr>
-          <p:cNvPr id="3" name="Объект 2"/>
-          <p:cNvSpPr>
-            <a:spLocks noGrp="1"/>
-          </p:cNvSpPr>
-          <p:nvPr>
-            <p:ph idx="1"/>
-          </p:nvPr>
-        </p:nvSpPr>
-        <p:spPr>
-          <a:xfrm>
-            <a:off x="457200" y="1600201"/>
-            <a:ext cx="8229600" cy="2188840"/>
-          </a:xfrm>
-        </p:spPr>
-        <p:txBody>
-          <a:bodyPr>
-            <a:noAutofit/>
-          </a:bodyPr>
-          <a:lstStyle/>
-          <a:p>
-            <a:pPr marL="114300" indent="0">
-              <a:lnSpc>
-                <a:spcPct val="115000"/>
-              </a:lnSpc>
-              <a:spcAft>
-                <a:spcPts val="0"/>
-              </a:spcAft>
-              <a:buNone/>
-              <a:tabLst>
-                <a:tab pos="581660" algn="l"/>
-                <a:tab pos="1163320" algn="l"/>
-                <a:tab pos="1744980" algn="l"/>
-                <a:tab pos="2326640" algn="l"/>
-                <a:tab pos="2908300" algn="l"/>
-                <a:tab pos="3489960" algn="l"/>
-                <a:tab pos="4071620" algn="l"/>
-                <a:tab pos="4653280" algn="l"/>
-                <a:tab pos="5234940" algn="l"/>
-                <a:tab pos="5816600" algn="l"/>
-                <a:tab pos="6398260" algn="l"/>
-                <a:tab pos="6979920" algn="l"/>
-                <a:tab pos="7561580" algn="l"/>
-                <a:tab pos="8143240" algn="l"/>
-                <a:tab pos="8724900" algn="l"/>
-                <a:tab pos="9306560" algn="l"/>
-              </a:tabLst>
-            </a:pPr>
-            <a:r>
-              <a:rPr lang="en-US" sz="2400" dirty="0">
-                <a:solidFill>
-                  <a:srgbClr val="A65700"/>
-                </a:solidFill>
-                <a:ea typeface="Times New Roman"/>
-                <a:cs typeface="Times New Roman"/>
-              </a:rPr>
-              <a:t>&lt;</a:t>
-            </a:r>
-            <a:r>
-              <a:rPr lang="en-US" sz="2400" dirty="0">
-                <a:solidFill>
-                  <a:srgbClr val="5F5035"/>
-                </a:solidFill>
-                <a:ea typeface="Times New Roman"/>
-                <a:cs typeface="Times New Roman"/>
-              </a:rPr>
-              <a:t>select</a:t>
-            </a:r>
-            <a:r>
-              <a:rPr lang="en-US" sz="2400" dirty="0">
-                <a:solidFill>
-                  <a:srgbClr val="000000"/>
-                </a:solidFill>
-                <a:ea typeface="Times New Roman"/>
-                <a:cs typeface="Times New Roman"/>
-              </a:rPr>
-              <a:t> </a:t>
-            </a:r>
-            <a:r>
-              <a:rPr lang="en-US" sz="2400" dirty="0">
-                <a:solidFill>
-                  <a:srgbClr val="274796"/>
-                </a:solidFill>
-                <a:ea typeface="Times New Roman"/>
-                <a:cs typeface="Times New Roman"/>
-              </a:rPr>
-              <a:t>id</a:t>
-            </a:r>
-            <a:r>
-              <a:rPr lang="en-US" sz="2400" dirty="0">
-                <a:solidFill>
-                  <a:srgbClr val="808030"/>
-                </a:solidFill>
-                <a:ea typeface="Times New Roman"/>
-                <a:cs typeface="Times New Roman"/>
-              </a:rPr>
-              <a:t>=</a:t>
-            </a:r>
-            <a:r>
-              <a:rPr lang="en-US" sz="2400" dirty="0">
-                <a:solidFill>
-                  <a:srgbClr val="800000"/>
-                </a:solidFill>
-                <a:ea typeface="Times New Roman"/>
-                <a:cs typeface="Times New Roman"/>
-              </a:rPr>
-              <a:t>"</a:t>
-            </a:r>
-            <a:r>
-              <a:rPr lang="en-US" sz="2400" dirty="0" err="1">
-                <a:solidFill>
-                  <a:srgbClr val="0000E6"/>
-                </a:solidFill>
-                <a:ea typeface="Times New Roman"/>
-                <a:cs typeface="Times New Roman"/>
-              </a:rPr>
-              <a:t>getPersonById</a:t>
-            </a:r>
-            <a:r>
-              <a:rPr lang="en-US" sz="2400" dirty="0">
-                <a:solidFill>
-                  <a:srgbClr val="800000"/>
-                </a:solidFill>
-                <a:ea typeface="Times New Roman"/>
-                <a:cs typeface="Times New Roman"/>
-              </a:rPr>
-              <a:t>"</a:t>
-            </a:r>
-            <a:r>
-              <a:rPr lang="en-US" sz="2400" dirty="0">
-                <a:solidFill>
-                  <a:srgbClr val="000000"/>
-                </a:solidFill>
-                <a:ea typeface="Times New Roman"/>
-                <a:cs typeface="Times New Roman"/>
-              </a:rPr>
-              <a:t> </a:t>
-            </a:r>
-            <a:r>
-              <a:rPr lang="en-US" sz="2400" dirty="0" err="1">
-                <a:solidFill>
-                  <a:srgbClr val="274796"/>
-                </a:solidFill>
-                <a:ea typeface="Times New Roman"/>
-                <a:cs typeface="Times New Roman"/>
-              </a:rPr>
-              <a:t>parameterType</a:t>
-            </a:r>
-            <a:r>
-              <a:rPr lang="en-US" sz="2400" dirty="0">
-                <a:solidFill>
-                  <a:srgbClr val="808030"/>
-                </a:solidFill>
-                <a:ea typeface="Times New Roman"/>
-                <a:cs typeface="Times New Roman"/>
-              </a:rPr>
-              <a:t>=</a:t>
-            </a:r>
-            <a:r>
-              <a:rPr lang="en-US" sz="2400" dirty="0">
-                <a:solidFill>
-                  <a:srgbClr val="800000"/>
-                </a:solidFill>
-                <a:ea typeface="Times New Roman"/>
-                <a:cs typeface="Times New Roman"/>
-              </a:rPr>
-              <a:t>"</a:t>
-            </a:r>
-            <a:r>
-              <a:rPr lang="en-US" sz="2400" dirty="0" err="1">
-                <a:solidFill>
-                  <a:srgbClr val="0000E6"/>
-                </a:solidFill>
-                <a:ea typeface="Times New Roman"/>
-                <a:cs typeface="Times New Roman"/>
-              </a:rPr>
-              <a:t>int</a:t>
-            </a:r>
-            <a:r>
-              <a:rPr lang="en-US" sz="2400" dirty="0">
-                <a:solidFill>
-                  <a:srgbClr val="800000"/>
-                </a:solidFill>
-                <a:ea typeface="Times New Roman"/>
-                <a:cs typeface="Times New Roman"/>
-              </a:rPr>
-              <a:t>"</a:t>
-            </a:r>
-            <a:r>
-              <a:rPr lang="en-US" sz="2400" dirty="0">
-                <a:solidFill>
-                  <a:srgbClr val="000000"/>
-                </a:solidFill>
-                <a:ea typeface="Times New Roman"/>
-                <a:cs typeface="Times New Roman"/>
-              </a:rPr>
-              <a:t> </a:t>
-            </a:r>
-            <a:endParaRPr lang="ru-RU" sz="2400" dirty="0" smtClean="0">
-              <a:solidFill>
-                <a:srgbClr val="000000"/>
-              </a:solidFill>
-              <a:ea typeface="Times New Roman"/>
-              <a:cs typeface="Times New Roman"/>
-            </a:endParaRPr>
-          </a:p>
-          <a:p>
-            <a:pPr marL="114300" indent="0">
-              <a:lnSpc>
-                <a:spcPct val="115000"/>
-              </a:lnSpc>
-              <a:spcAft>
-                <a:spcPts val="0"/>
-              </a:spcAft>
-              <a:buNone/>
-              <a:tabLst>
-                <a:tab pos="581660" algn="l"/>
-                <a:tab pos="1163320" algn="l"/>
-                <a:tab pos="1744980" algn="l"/>
-                <a:tab pos="2326640" algn="l"/>
-                <a:tab pos="2908300" algn="l"/>
-                <a:tab pos="3489960" algn="l"/>
-                <a:tab pos="4071620" algn="l"/>
-                <a:tab pos="4653280" algn="l"/>
-                <a:tab pos="5234940" algn="l"/>
-                <a:tab pos="5816600" algn="l"/>
-                <a:tab pos="6398260" algn="l"/>
-                <a:tab pos="6979920" algn="l"/>
-                <a:tab pos="7561580" algn="l"/>
-                <a:tab pos="8143240" algn="l"/>
-                <a:tab pos="8724900" algn="l"/>
-                <a:tab pos="9306560" algn="l"/>
-              </a:tabLst>
-            </a:pPr>
-            <a:r>
-              <a:rPr lang="ru-RU" sz="2400" dirty="0">
-                <a:solidFill>
-                  <a:srgbClr val="000000"/>
-                </a:solidFill>
-                <a:ea typeface="Times New Roman"/>
-                <a:cs typeface="Times New Roman"/>
-              </a:rPr>
-              <a:t>	</a:t>
-            </a:r>
-            <a:r>
-              <a:rPr lang="en-US" sz="2400" dirty="0" err="1" smtClean="0">
-                <a:solidFill>
-                  <a:srgbClr val="274796"/>
-                </a:solidFill>
-                <a:ea typeface="Times New Roman"/>
-                <a:cs typeface="Times New Roman"/>
-              </a:rPr>
-              <a:t>resultType</a:t>
-            </a:r>
-            <a:r>
-              <a:rPr lang="en-US" sz="2400" dirty="0">
-                <a:solidFill>
-                  <a:srgbClr val="808030"/>
-                </a:solidFill>
-                <a:ea typeface="Times New Roman"/>
-                <a:cs typeface="Times New Roman"/>
-              </a:rPr>
-              <a:t>=</a:t>
-            </a:r>
-            <a:r>
-              <a:rPr lang="en-US" sz="2400" dirty="0">
-                <a:solidFill>
-                  <a:srgbClr val="000000"/>
-                </a:solidFill>
-                <a:ea typeface="Times New Roman"/>
-                <a:cs typeface="Times New Roman"/>
-              </a:rPr>
-              <a:t> </a:t>
-            </a:r>
-            <a:r>
-              <a:rPr lang="en-US" sz="2400" dirty="0">
-                <a:solidFill>
-                  <a:srgbClr val="800000"/>
-                </a:solidFill>
-                <a:ea typeface="Times New Roman"/>
-                <a:cs typeface="Times New Roman"/>
-              </a:rPr>
-              <a:t>"</a:t>
-            </a:r>
-            <a:r>
-              <a:rPr lang="en-US" sz="2400" dirty="0">
-                <a:solidFill>
-                  <a:srgbClr val="0000E6"/>
-                </a:solidFill>
-                <a:ea typeface="Times New Roman"/>
-                <a:cs typeface="Times New Roman"/>
-              </a:rPr>
-              <a:t>Person</a:t>
-            </a:r>
-            <a:r>
-              <a:rPr lang="en-US" sz="2400" dirty="0">
-                <a:solidFill>
-                  <a:srgbClr val="800000"/>
-                </a:solidFill>
-                <a:ea typeface="Times New Roman"/>
-                <a:cs typeface="Times New Roman"/>
-              </a:rPr>
-              <a:t>"</a:t>
-            </a:r>
-            <a:r>
-              <a:rPr lang="en-US" sz="2400" dirty="0">
-                <a:solidFill>
-                  <a:srgbClr val="A65700"/>
-                </a:solidFill>
-                <a:ea typeface="Times New Roman"/>
-                <a:cs typeface="Times New Roman"/>
-              </a:rPr>
-              <a:t>&gt;</a:t>
-            </a:r>
-            <a:endParaRPr lang="ru-RU" sz="1800" dirty="0">
-              <a:ea typeface="Calibri"/>
-              <a:cs typeface="Times New Roman"/>
-            </a:endParaRPr>
-          </a:p>
-          <a:p>
-            <a:pPr marL="114300" indent="0">
-              <a:lnSpc>
-                <a:spcPct val="115000"/>
-              </a:lnSpc>
-              <a:spcAft>
-                <a:spcPts val="0"/>
-              </a:spcAft>
-              <a:buNone/>
-              <a:tabLst>
-                <a:tab pos="581660" algn="l"/>
-                <a:tab pos="1163320" algn="l"/>
-                <a:tab pos="1744980" algn="l"/>
-                <a:tab pos="2326640" algn="l"/>
-                <a:tab pos="2908300" algn="l"/>
-                <a:tab pos="3489960" algn="l"/>
-                <a:tab pos="4071620" algn="l"/>
-                <a:tab pos="4653280" algn="l"/>
-                <a:tab pos="5234940" algn="l"/>
-                <a:tab pos="5816600" algn="l"/>
-                <a:tab pos="6398260" algn="l"/>
-                <a:tab pos="6979920" algn="l"/>
-                <a:tab pos="7561580" algn="l"/>
-                <a:tab pos="8143240" algn="l"/>
-                <a:tab pos="8724900" algn="l"/>
-                <a:tab pos="9306560" algn="l"/>
-              </a:tabLst>
-            </a:pPr>
-            <a:r>
-              <a:rPr lang="en-US" sz="2400" dirty="0">
-                <a:solidFill>
-                  <a:srgbClr val="000000"/>
-                </a:solidFill>
-                <a:ea typeface="Times New Roman"/>
-                <a:cs typeface="Times New Roman"/>
-              </a:rPr>
-              <a:t>    select * from person where </a:t>
-            </a:r>
-            <a:r>
-              <a:rPr lang="en-US" sz="2400" dirty="0" err="1">
-                <a:solidFill>
-                  <a:srgbClr val="000000"/>
-                </a:solidFill>
-                <a:ea typeface="Times New Roman"/>
-                <a:cs typeface="Times New Roman"/>
-              </a:rPr>
-              <a:t>person_id</a:t>
-            </a:r>
-            <a:r>
-              <a:rPr lang="en-US" sz="2400" dirty="0">
-                <a:solidFill>
-                  <a:srgbClr val="000000"/>
-                </a:solidFill>
-                <a:ea typeface="Times New Roman"/>
-                <a:cs typeface="Times New Roman"/>
-              </a:rPr>
-              <a:t>=#{id}</a:t>
-            </a:r>
-            <a:endParaRPr lang="ru-RU" sz="1800" dirty="0">
-              <a:ea typeface="Calibri"/>
-              <a:cs typeface="Times New Roman"/>
-            </a:endParaRPr>
-          </a:p>
-          <a:p>
-            <a:pPr marL="114300" indent="0">
-              <a:lnSpc>
-                <a:spcPct val="115000"/>
-              </a:lnSpc>
-              <a:spcAft>
-                <a:spcPts val="0"/>
-              </a:spcAft>
-              <a:buNone/>
-              <a:tabLst>
-                <a:tab pos="581660" algn="l"/>
-                <a:tab pos="1163320" algn="l"/>
-                <a:tab pos="1744980" algn="l"/>
-                <a:tab pos="2326640" algn="l"/>
-                <a:tab pos="2908300" algn="l"/>
-                <a:tab pos="3489960" algn="l"/>
-                <a:tab pos="4071620" algn="l"/>
-                <a:tab pos="4653280" algn="l"/>
-                <a:tab pos="5234940" algn="l"/>
-                <a:tab pos="5816600" algn="l"/>
-                <a:tab pos="6398260" algn="l"/>
-                <a:tab pos="6979920" algn="l"/>
-                <a:tab pos="7561580" algn="l"/>
-                <a:tab pos="8143240" algn="l"/>
-                <a:tab pos="8724900" algn="l"/>
-                <a:tab pos="9306560" algn="l"/>
-              </a:tabLst>
-            </a:pPr>
-            <a:r>
-              <a:rPr lang="ru-RU" sz="2400" dirty="0">
-                <a:solidFill>
-                  <a:srgbClr val="A65700"/>
-                </a:solidFill>
-                <a:ea typeface="Times New Roman"/>
-                <a:cs typeface="Times New Roman"/>
-              </a:rPr>
-              <a:t>&lt;/</a:t>
-            </a:r>
-            <a:r>
-              <a:rPr lang="ru-RU" sz="2400" dirty="0" err="1">
-                <a:solidFill>
-                  <a:srgbClr val="5F5035"/>
-                </a:solidFill>
-                <a:ea typeface="Times New Roman"/>
-                <a:cs typeface="Times New Roman"/>
-              </a:rPr>
-              <a:t>select</a:t>
-            </a:r>
-            <a:r>
-              <a:rPr lang="ru-RU" sz="2400" dirty="0">
-                <a:solidFill>
-                  <a:srgbClr val="A65700"/>
-                </a:solidFill>
-                <a:ea typeface="Times New Roman"/>
-                <a:cs typeface="Times New Roman"/>
-              </a:rPr>
-              <a:t>&gt;</a:t>
-            </a:r>
-            <a:endParaRPr lang="ru-RU" sz="1800" dirty="0">
-              <a:ea typeface="Calibri"/>
-              <a:cs typeface="Times New Roman"/>
-            </a:endParaRPr>
-          </a:p>
-          <a:p>
-            <a:pPr marL="114300" indent="0">
-              <a:lnSpc>
-                <a:spcPct val="115000"/>
-              </a:lnSpc>
-              <a:spcAft>
-                <a:spcPts val="1000"/>
-              </a:spcAft>
-              <a:buNone/>
-            </a:pPr>
-            <a:r>
-              <a:rPr lang="ru-RU" sz="1800" dirty="0">
-                <a:ea typeface="Calibri"/>
-                <a:cs typeface="Times New Roman"/>
-              </a:rPr>
-              <a:t> </a:t>
-            </a:r>
-          </a:p>
-        </p:txBody>
-      </p:sp>
-      <p:sp>
-        <p:nvSpPr>
-          <p:cNvPr id="4" name="Объект 2"/>
-          <p:cNvSpPr txBox="1">
-            <a:spLocks/>
-          </p:cNvSpPr>
-          <p:nvPr/>
-        </p:nvSpPr>
-        <p:spPr>
-          <a:xfrm>
-            <a:off x="609600" y="3991702"/>
-            <a:ext cx="8229600" cy="2188840"/>
-          </a:xfrm>
-          <a:prstGeom prst="rect">
-            <a:avLst/>
-          </a:prstGeom>
-        </p:spPr>
-        <p:txBody>
-          <a:bodyPr vert="horz" lIns="91440" tIns="45720" rIns="91440" bIns="45720" rtlCol="0">
-            <a:normAutofit/>
-          </a:bodyPr>
-          <a:lstStyle>
-            <a:lvl1pPr marL="342900" indent="-342900" algn="l" defTabSz="914400" rtl="0" eaLnBrk="1" latinLnBrk="0" hangingPunct="1">
-              <a:spcBef>
-                <a:spcPct val="20000"/>
-              </a:spcBef>
-              <a:buFont typeface="Arial" pitchFamily="34" charset="0"/>
-              <a:buChar char="•"/>
-              <a:defRPr sz="3200" kern="1200">
-                <a:solidFill>
-                  <a:schemeClr val="tx1"/>
-                </a:solidFill>
-                <a:latin typeface="+mn-lt"/>
-                <a:ea typeface="+mn-ea"/>
-                <a:cs typeface="+mn-cs"/>
-              </a:defRPr>
-            </a:lvl1pPr>
-            <a:lvl2pPr marL="742950" indent="-285750" algn="l" defTabSz="914400" rtl="0" eaLnBrk="1" latinLnBrk="0" hangingPunct="1">
-              <a:spcBef>
-                <a:spcPct val="20000"/>
-              </a:spcBef>
-              <a:buFont typeface="Arial" pitchFamily="34" charset="0"/>
-              <a:buChar char="–"/>
-              <a:defRPr sz="2800" kern="1200">
-                <a:solidFill>
-                  <a:schemeClr val="tx1"/>
-                </a:solidFill>
-                <a:latin typeface="+mn-lt"/>
-                <a:ea typeface="+mn-ea"/>
-                <a:cs typeface="+mn-cs"/>
-              </a:defRPr>
-            </a:lvl2pPr>
-            <a:lvl3pPr marL="1143000" indent="-228600" algn="l" defTabSz="914400" rtl="0" eaLnBrk="1" latinLnBrk="0" hangingPunct="1">
-              <a:spcBef>
-                <a:spcPct val="20000"/>
-              </a:spcBef>
-              <a:buFont typeface="Arial" pitchFamily="34" charset="0"/>
-              <a:buChar char="•"/>
-              <a:defRPr sz="2400" kern="1200">
-                <a:solidFill>
-                  <a:schemeClr val="tx1"/>
-                </a:solidFill>
-                <a:latin typeface="+mn-lt"/>
-                <a:ea typeface="+mn-ea"/>
-                <a:cs typeface="+mn-cs"/>
-              </a:defRPr>
-            </a:lvl3pPr>
-            <a:lvl4pPr marL="1600200" indent="-228600" algn="l" defTabSz="914400" rtl="0" eaLnBrk="1" latinLnBrk="0" hangingPunct="1">
-              <a:spcBef>
-                <a:spcPct val="20000"/>
-              </a:spcBef>
-              <a:buFont typeface="Arial" pitchFamily="34" charset="0"/>
-              <a:buChar char="–"/>
-              <a:defRPr sz="2000" kern="1200">
-                <a:solidFill>
-                  <a:schemeClr val="tx1"/>
-                </a:solidFill>
-                <a:latin typeface="+mn-lt"/>
-                <a:ea typeface="+mn-ea"/>
-                <a:cs typeface="+mn-cs"/>
-              </a:defRPr>
-            </a:lvl4pPr>
-            <a:lvl5pPr marL="2057400" indent="-228600" algn="l" defTabSz="914400" rtl="0" eaLnBrk="1" latinLnBrk="0" hangingPunct="1">
-              <a:spcBef>
-                <a:spcPct val="20000"/>
-              </a:spcBef>
-              <a:buFont typeface="Arial" pitchFamily="34" charset="0"/>
-              <a:buChar char="»"/>
-              <a:defRPr sz="2000" kern="1200">
-                <a:solidFill>
-                  <a:schemeClr val="tx1"/>
-                </a:solidFill>
-                <a:latin typeface="+mn-lt"/>
-                <a:ea typeface="+mn-ea"/>
-                <a:cs typeface="+mn-cs"/>
-              </a:defRPr>
-            </a:lvl5pPr>
-            <a:lvl6pPr marL="2514600" indent="-228600" algn="l" defTabSz="914400" rtl="0" eaLnBrk="1" latinLnBrk="0" hangingPunct="1">
-              <a:spcBef>
-                <a:spcPct val="20000"/>
-              </a:spcBef>
-              <a:buFont typeface="Arial" pitchFamily="34" charset="0"/>
-              <a:buChar char="•"/>
-              <a:defRPr sz="2000" kern="1200">
-                <a:solidFill>
-                  <a:schemeClr val="tx1"/>
-                </a:solidFill>
-                <a:latin typeface="+mn-lt"/>
-                <a:ea typeface="+mn-ea"/>
-                <a:cs typeface="+mn-cs"/>
-              </a:defRPr>
-            </a:lvl6pPr>
-            <a:lvl7pPr marL="2971800" indent="-228600" algn="l" defTabSz="914400" rtl="0" eaLnBrk="1" latinLnBrk="0" hangingPunct="1">
-              <a:spcBef>
-                <a:spcPct val="20000"/>
-              </a:spcBef>
-              <a:buFont typeface="Arial" pitchFamily="34" charset="0"/>
-              <a:buChar char="•"/>
-              <a:defRPr sz="2000" kern="1200">
-                <a:solidFill>
-                  <a:schemeClr val="tx1"/>
-                </a:solidFill>
-                <a:latin typeface="+mn-lt"/>
-                <a:ea typeface="+mn-ea"/>
-                <a:cs typeface="+mn-cs"/>
-              </a:defRPr>
-            </a:lvl7pPr>
-            <a:lvl8pPr marL="3429000" indent="-228600" algn="l" defTabSz="914400" rtl="0" eaLnBrk="1" latinLnBrk="0" hangingPunct="1">
-              <a:spcBef>
-                <a:spcPct val="20000"/>
-              </a:spcBef>
-              <a:buFont typeface="Arial" pitchFamily="34" charset="0"/>
-              <a:buChar char="•"/>
-              <a:defRPr sz="2000" kern="1200">
-                <a:solidFill>
-                  <a:schemeClr val="tx1"/>
-                </a:solidFill>
-                <a:latin typeface="+mn-lt"/>
-                <a:ea typeface="+mn-ea"/>
-                <a:cs typeface="+mn-cs"/>
-              </a:defRPr>
-            </a:lvl8pPr>
-            <a:lvl9pPr marL="3886200" indent="-228600" algn="l" defTabSz="914400" rtl="0" eaLnBrk="1" latinLnBrk="0" hangingPunct="1">
-              <a:spcBef>
-                <a:spcPct val="20000"/>
-              </a:spcBef>
-              <a:buFont typeface="Arial" pitchFamily="34" charset="0"/>
-              <a:buChar char="•"/>
-              <a:defRPr sz="2000" kern="1200">
-                <a:solidFill>
-                  <a:schemeClr val="tx1"/>
-                </a:solidFill>
-                <a:latin typeface="+mn-lt"/>
-                <a:ea typeface="+mn-ea"/>
-                <a:cs typeface="+mn-cs"/>
-              </a:defRPr>
-            </a:lvl9pPr>
-          </a:lstStyle>
-          <a:p>
-            <a:pPr marL="0" indent="0">
-              <a:buNone/>
-            </a:pPr>
-            <a:r>
-              <a:rPr lang="en-US" sz="2800" b="1" dirty="0">
-                <a:solidFill>
-                  <a:srgbClr val="800000"/>
-                </a:solidFill>
-              </a:rPr>
-              <a:t>public</a:t>
-            </a:r>
-            <a:r>
-              <a:rPr lang="en-US" sz="2800" dirty="0"/>
-              <a:t> Person </a:t>
-            </a:r>
-            <a:r>
-              <a:rPr lang="en-US" sz="2800" dirty="0" err="1"/>
-              <a:t>getById</a:t>
-            </a:r>
-            <a:r>
-              <a:rPr lang="en-US" sz="2800" dirty="0"/>
-              <a:t>(Integer id) </a:t>
-            </a:r>
-            <a:r>
-              <a:rPr lang="en-US" sz="2800" dirty="0">
-                <a:solidFill>
-                  <a:srgbClr val="800080"/>
-                </a:solidFill>
-              </a:rPr>
-              <a:t>{</a:t>
-            </a:r>
-            <a:r>
-              <a:rPr lang="en-US" sz="2800" dirty="0"/>
-              <a:t> </a:t>
-            </a:r>
-            <a:endParaRPr lang="en-US" sz="2800" dirty="0" smtClean="0"/>
-          </a:p>
-          <a:p>
-            <a:pPr marL="0" indent="0">
-              <a:buNone/>
-            </a:pPr>
-            <a:r>
-              <a:rPr lang="en-US" sz="2800" b="1" dirty="0">
-                <a:solidFill>
-                  <a:srgbClr val="800000"/>
-                </a:solidFill>
-              </a:rPr>
-              <a:t>	</a:t>
-            </a:r>
-            <a:r>
-              <a:rPr lang="en-US" sz="2800" b="1" dirty="0" smtClean="0">
-                <a:solidFill>
-                  <a:srgbClr val="800000"/>
-                </a:solidFill>
-              </a:rPr>
-              <a:t>return</a:t>
-            </a:r>
-            <a:r>
-              <a:rPr lang="en-US" sz="2800" dirty="0" smtClean="0"/>
-              <a:t> </a:t>
-            </a:r>
-            <a:r>
-              <a:rPr lang="en-US" sz="2800" dirty="0" err="1"/>
-              <a:t>session</a:t>
-            </a:r>
-            <a:r>
-              <a:rPr lang="en-US" sz="2800" dirty="0" err="1">
-                <a:solidFill>
-                  <a:srgbClr val="808030"/>
-                </a:solidFill>
-              </a:rPr>
-              <a:t>.</a:t>
-            </a:r>
-            <a:r>
-              <a:rPr lang="en-US" sz="2800" dirty="0" err="1"/>
-              <a:t>selectOne</a:t>
-            </a:r>
-            <a:r>
-              <a:rPr lang="en-US" sz="2800" dirty="0">
-                <a:solidFill>
-                  <a:srgbClr val="808030"/>
-                </a:solidFill>
-              </a:rPr>
-              <a:t>(</a:t>
-            </a:r>
-            <a:r>
-              <a:rPr lang="en-US" sz="2800" dirty="0">
-                <a:solidFill>
-                  <a:srgbClr val="0000E6"/>
-                </a:solidFill>
-              </a:rPr>
-              <a:t>"</a:t>
-            </a:r>
-            <a:r>
-              <a:rPr lang="en-US" sz="2800" dirty="0" err="1">
-                <a:solidFill>
-                  <a:srgbClr val="0000E6"/>
-                </a:solidFill>
-              </a:rPr>
-              <a:t>getPersonById</a:t>
-            </a:r>
-            <a:r>
-              <a:rPr lang="en-US" sz="2800" dirty="0">
-                <a:solidFill>
-                  <a:srgbClr val="0000E6"/>
-                </a:solidFill>
-              </a:rPr>
-              <a:t>"</a:t>
-            </a:r>
-            <a:r>
-              <a:rPr lang="en-US" sz="2800" dirty="0">
-                <a:solidFill>
-                  <a:srgbClr val="808030"/>
-                </a:solidFill>
-              </a:rPr>
-              <a:t>,</a:t>
-            </a:r>
-            <a:r>
-              <a:rPr lang="en-US" sz="2800" dirty="0"/>
-              <a:t> id</a:t>
-            </a:r>
-            <a:r>
-              <a:rPr lang="en-US" sz="2800" dirty="0">
-                <a:solidFill>
-                  <a:srgbClr val="808030"/>
-                </a:solidFill>
-              </a:rPr>
-              <a:t>)</a:t>
-            </a:r>
-            <a:r>
-              <a:rPr lang="en-US" sz="2800" dirty="0">
-                <a:solidFill>
-                  <a:srgbClr val="800080"/>
-                </a:solidFill>
-              </a:rPr>
-              <a:t>;</a:t>
-            </a:r>
-            <a:r>
-              <a:rPr lang="en-US" sz="2800" dirty="0"/>
-              <a:t> </a:t>
-            </a:r>
-            <a:endParaRPr lang="en-US" sz="2800" dirty="0" smtClean="0"/>
-          </a:p>
-          <a:p>
-            <a:pPr marL="0" indent="0">
-              <a:buNone/>
-            </a:pPr>
-            <a:r>
-              <a:rPr lang="en-US" sz="2800" dirty="0" smtClean="0">
-                <a:solidFill>
-                  <a:srgbClr val="800080"/>
-                </a:solidFill>
-              </a:rPr>
-              <a:t>}</a:t>
-            </a:r>
-            <a:endParaRPr lang="ru-RU" sz="2800" dirty="0"/>
-          </a:p>
-        </p:txBody>
-      </p:sp>
-    </p:spTree>
-    <p:extLst>
-      <p:ext uri="{BB962C8B-B14F-4D97-AF65-F5344CB8AC3E}">
-        <p14:creationId xmlns:p14="http://schemas.microsoft.com/office/powerpoint/2010/main" val="769470604"/>
       </p:ext>
     </p:extLst>
   </p:cSld>
@@ -14292,29 +14441,812 @@
             <p:ph type="title"/>
           </p:nvPr>
         </p:nvSpPr>
+        <p:spPr/>
+        <p:txBody>
+          <a:bodyPr/>
+          <a:lstStyle/>
+          <a:p>
+            <a:pPr algn="ctr"/>
+            <a:r>
+              <a:rPr lang="en-US" dirty="0"/>
+              <a:t>Getting Started with </a:t>
+            </a:r>
+            <a:r>
+              <a:rPr lang="en-US" dirty="0" err="1"/>
+              <a:t>MyBatis</a:t>
+            </a:r>
+            <a:endParaRPr lang="ru-RU" dirty="0"/>
+          </a:p>
+        </p:txBody>
+      </p:sp>
+      <p:sp>
+        <p:nvSpPr>
+          <p:cNvPr id="3" name="Объект 2"/>
+          <p:cNvSpPr>
+            <a:spLocks noGrp="1"/>
+          </p:cNvSpPr>
+          <p:nvPr>
+            <p:ph idx="1"/>
+          </p:nvPr>
+        </p:nvSpPr>
         <p:spPr>
           <a:xfrm>
-            <a:off x="395536" y="2780928"/>
-            <a:ext cx="8229600" cy="1143000"/>
+            <a:off x="457200" y="1600201"/>
+            <a:ext cx="8229600" cy="2188840"/>
           </a:xfrm>
         </p:spPr>
         <p:txBody>
-          <a:bodyPr/>
+          <a:bodyPr>
+            <a:noAutofit/>
+          </a:bodyPr>
           <a:lstStyle/>
           <a:p>
-            <a:pPr algn="ctr"/>
-            <a:r>
-              <a:rPr lang="en-US" dirty="0" smtClean="0"/>
-              <a:t>Tips &amp; Tricks</a:t>
-            </a:r>
-            <a:endParaRPr lang="ru-RU" dirty="0"/>
+            <a:pPr marL="114300" indent="0">
+              <a:lnSpc>
+                <a:spcPct val="115000"/>
+              </a:lnSpc>
+              <a:spcAft>
+                <a:spcPts val="0"/>
+              </a:spcAft>
+              <a:buNone/>
+              <a:tabLst>
+                <a:tab pos="581660" algn="l"/>
+                <a:tab pos="1163320" algn="l"/>
+                <a:tab pos="1744980" algn="l"/>
+                <a:tab pos="2326640" algn="l"/>
+                <a:tab pos="2908300" algn="l"/>
+                <a:tab pos="3489960" algn="l"/>
+                <a:tab pos="4071620" algn="l"/>
+                <a:tab pos="4653280" algn="l"/>
+                <a:tab pos="5234940" algn="l"/>
+                <a:tab pos="5816600" algn="l"/>
+                <a:tab pos="6398260" algn="l"/>
+                <a:tab pos="6979920" algn="l"/>
+                <a:tab pos="7561580" algn="l"/>
+                <a:tab pos="8143240" algn="l"/>
+                <a:tab pos="8724900" algn="l"/>
+                <a:tab pos="9306560" algn="l"/>
+              </a:tabLst>
+            </a:pPr>
+            <a:r>
+              <a:rPr lang="en-US" sz="2400" dirty="0">
+                <a:solidFill>
+                  <a:srgbClr val="A65700"/>
+                </a:solidFill>
+                <a:ea typeface="Times New Roman"/>
+                <a:cs typeface="Times New Roman"/>
+              </a:rPr>
+              <a:t>&lt;</a:t>
+            </a:r>
+            <a:r>
+              <a:rPr lang="en-US" sz="2400" dirty="0">
+                <a:solidFill>
+                  <a:srgbClr val="5F5035"/>
+                </a:solidFill>
+                <a:ea typeface="Times New Roman"/>
+                <a:cs typeface="Times New Roman"/>
+              </a:rPr>
+              <a:t>select</a:t>
+            </a:r>
+            <a:r>
+              <a:rPr lang="en-US" sz="2400" dirty="0">
+                <a:solidFill>
+                  <a:srgbClr val="000000"/>
+                </a:solidFill>
+                <a:ea typeface="Times New Roman"/>
+                <a:cs typeface="Times New Roman"/>
+              </a:rPr>
+              <a:t> </a:t>
+            </a:r>
+            <a:r>
+              <a:rPr lang="en-US" sz="2400" dirty="0">
+                <a:solidFill>
+                  <a:srgbClr val="274796"/>
+                </a:solidFill>
+                <a:ea typeface="Times New Roman"/>
+                <a:cs typeface="Times New Roman"/>
+              </a:rPr>
+              <a:t>id</a:t>
+            </a:r>
+            <a:r>
+              <a:rPr lang="en-US" sz="2400" dirty="0">
+                <a:solidFill>
+                  <a:srgbClr val="808030"/>
+                </a:solidFill>
+                <a:ea typeface="Times New Roman"/>
+                <a:cs typeface="Times New Roman"/>
+              </a:rPr>
+              <a:t>=</a:t>
+            </a:r>
+            <a:r>
+              <a:rPr lang="en-US" sz="2400" dirty="0">
+                <a:solidFill>
+                  <a:srgbClr val="800000"/>
+                </a:solidFill>
+                <a:ea typeface="Times New Roman"/>
+                <a:cs typeface="Times New Roman"/>
+              </a:rPr>
+              <a:t>"</a:t>
+            </a:r>
+            <a:r>
+              <a:rPr lang="en-US" sz="2400" dirty="0" err="1">
+                <a:solidFill>
+                  <a:srgbClr val="0000E6"/>
+                </a:solidFill>
+                <a:ea typeface="Times New Roman"/>
+                <a:cs typeface="Times New Roman"/>
+              </a:rPr>
+              <a:t>getPersonById</a:t>
+            </a:r>
+            <a:r>
+              <a:rPr lang="en-US" sz="2400" dirty="0">
+                <a:solidFill>
+                  <a:srgbClr val="800000"/>
+                </a:solidFill>
+                <a:ea typeface="Times New Roman"/>
+                <a:cs typeface="Times New Roman"/>
+              </a:rPr>
+              <a:t>"</a:t>
+            </a:r>
+            <a:r>
+              <a:rPr lang="en-US" sz="2400" dirty="0">
+                <a:solidFill>
+                  <a:srgbClr val="000000"/>
+                </a:solidFill>
+                <a:ea typeface="Times New Roman"/>
+                <a:cs typeface="Times New Roman"/>
+              </a:rPr>
+              <a:t> </a:t>
+            </a:r>
+            <a:r>
+              <a:rPr lang="en-US" sz="2400" dirty="0" err="1">
+                <a:solidFill>
+                  <a:srgbClr val="274796"/>
+                </a:solidFill>
+                <a:ea typeface="Times New Roman"/>
+                <a:cs typeface="Times New Roman"/>
+              </a:rPr>
+              <a:t>parameterType</a:t>
+            </a:r>
+            <a:r>
+              <a:rPr lang="en-US" sz="2400" dirty="0">
+                <a:solidFill>
+                  <a:srgbClr val="808030"/>
+                </a:solidFill>
+                <a:ea typeface="Times New Roman"/>
+                <a:cs typeface="Times New Roman"/>
+              </a:rPr>
+              <a:t>=</a:t>
+            </a:r>
+            <a:r>
+              <a:rPr lang="en-US" sz="2400" dirty="0">
+                <a:solidFill>
+                  <a:srgbClr val="800000"/>
+                </a:solidFill>
+                <a:ea typeface="Times New Roman"/>
+                <a:cs typeface="Times New Roman"/>
+              </a:rPr>
+              <a:t>"</a:t>
+            </a:r>
+            <a:r>
+              <a:rPr lang="en-US" sz="2400" dirty="0" err="1">
+                <a:solidFill>
+                  <a:srgbClr val="0000E6"/>
+                </a:solidFill>
+                <a:ea typeface="Times New Roman"/>
+                <a:cs typeface="Times New Roman"/>
+              </a:rPr>
+              <a:t>int</a:t>
+            </a:r>
+            <a:r>
+              <a:rPr lang="en-US" sz="2400" dirty="0">
+                <a:solidFill>
+                  <a:srgbClr val="800000"/>
+                </a:solidFill>
+                <a:ea typeface="Times New Roman"/>
+                <a:cs typeface="Times New Roman"/>
+              </a:rPr>
+              <a:t>"</a:t>
+            </a:r>
+            <a:r>
+              <a:rPr lang="en-US" sz="2400" dirty="0">
+                <a:solidFill>
+                  <a:srgbClr val="000000"/>
+                </a:solidFill>
+                <a:ea typeface="Times New Roman"/>
+                <a:cs typeface="Times New Roman"/>
+              </a:rPr>
+              <a:t> </a:t>
+            </a:r>
+            <a:endParaRPr lang="ru-RU" sz="2400" dirty="0" smtClean="0">
+              <a:solidFill>
+                <a:srgbClr val="000000"/>
+              </a:solidFill>
+              <a:ea typeface="Times New Roman"/>
+              <a:cs typeface="Times New Roman"/>
+            </a:endParaRPr>
+          </a:p>
+          <a:p>
+            <a:pPr marL="114300" indent="0">
+              <a:lnSpc>
+                <a:spcPct val="115000"/>
+              </a:lnSpc>
+              <a:spcAft>
+                <a:spcPts val="0"/>
+              </a:spcAft>
+              <a:buNone/>
+              <a:tabLst>
+                <a:tab pos="581660" algn="l"/>
+                <a:tab pos="1163320" algn="l"/>
+                <a:tab pos="1744980" algn="l"/>
+                <a:tab pos="2326640" algn="l"/>
+                <a:tab pos="2908300" algn="l"/>
+                <a:tab pos="3489960" algn="l"/>
+                <a:tab pos="4071620" algn="l"/>
+                <a:tab pos="4653280" algn="l"/>
+                <a:tab pos="5234940" algn="l"/>
+                <a:tab pos="5816600" algn="l"/>
+                <a:tab pos="6398260" algn="l"/>
+                <a:tab pos="6979920" algn="l"/>
+                <a:tab pos="7561580" algn="l"/>
+                <a:tab pos="8143240" algn="l"/>
+                <a:tab pos="8724900" algn="l"/>
+                <a:tab pos="9306560" algn="l"/>
+              </a:tabLst>
+            </a:pPr>
+            <a:r>
+              <a:rPr lang="ru-RU" sz="2400" dirty="0">
+                <a:solidFill>
+                  <a:srgbClr val="000000"/>
+                </a:solidFill>
+                <a:ea typeface="Times New Roman"/>
+                <a:cs typeface="Times New Roman"/>
+              </a:rPr>
+              <a:t>	</a:t>
+            </a:r>
+            <a:r>
+              <a:rPr lang="en-US" sz="2400" dirty="0" err="1" smtClean="0">
+                <a:solidFill>
+                  <a:srgbClr val="274796"/>
+                </a:solidFill>
+                <a:ea typeface="Times New Roman"/>
+                <a:cs typeface="Times New Roman"/>
+              </a:rPr>
+              <a:t>resultType</a:t>
+            </a:r>
+            <a:r>
+              <a:rPr lang="en-US" sz="2400" dirty="0">
+                <a:solidFill>
+                  <a:srgbClr val="808030"/>
+                </a:solidFill>
+                <a:ea typeface="Times New Roman"/>
+                <a:cs typeface="Times New Roman"/>
+              </a:rPr>
+              <a:t>=</a:t>
+            </a:r>
+            <a:r>
+              <a:rPr lang="en-US" sz="2400" dirty="0">
+                <a:solidFill>
+                  <a:srgbClr val="000000"/>
+                </a:solidFill>
+                <a:ea typeface="Times New Roman"/>
+                <a:cs typeface="Times New Roman"/>
+              </a:rPr>
+              <a:t> </a:t>
+            </a:r>
+            <a:r>
+              <a:rPr lang="en-US" sz="2400" dirty="0">
+                <a:solidFill>
+                  <a:srgbClr val="800000"/>
+                </a:solidFill>
+                <a:ea typeface="Times New Roman"/>
+                <a:cs typeface="Times New Roman"/>
+              </a:rPr>
+              <a:t>"</a:t>
+            </a:r>
+            <a:r>
+              <a:rPr lang="en-US" sz="2400" dirty="0">
+                <a:solidFill>
+                  <a:srgbClr val="0000E6"/>
+                </a:solidFill>
+                <a:ea typeface="Times New Roman"/>
+                <a:cs typeface="Times New Roman"/>
+              </a:rPr>
+              <a:t>Person</a:t>
+            </a:r>
+            <a:r>
+              <a:rPr lang="en-US" sz="2400" dirty="0">
+                <a:solidFill>
+                  <a:srgbClr val="800000"/>
+                </a:solidFill>
+                <a:ea typeface="Times New Roman"/>
+                <a:cs typeface="Times New Roman"/>
+              </a:rPr>
+              <a:t>"</a:t>
+            </a:r>
+            <a:r>
+              <a:rPr lang="en-US" sz="2400" dirty="0">
+                <a:solidFill>
+                  <a:srgbClr val="A65700"/>
+                </a:solidFill>
+                <a:ea typeface="Times New Roman"/>
+                <a:cs typeface="Times New Roman"/>
+              </a:rPr>
+              <a:t>&gt;</a:t>
+            </a:r>
+            <a:endParaRPr lang="ru-RU" sz="1800" dirty="0">
+              <a:ea typeface="Calibri"/>
+              <a:cs typeface="Times New Roman"/>
+            </a:endParaRPr>
+          </a:p>
+          <a:p>
+            <a:pPr marL="114300" indent="0">
+              <a:lnSpc>
+                <a:spcPct val="115000"/>
+              </a:lnSpc>
+              <a:spcAft>
+                <a:spcPts val="0"/>
+              </a:spcAft>
+              <a:buNone/>
+              <a:tabLst>
+                <a:tab pos="581660" algn="l"/>
+                <a:tab pos="1163320" algn="l"/>
+                <a:tab pos="1744980" algn="l"/>
+                <a:tab pos="2326640" algn="l"/>
+                <a:tab pos="2908300" algn="l"/>
+                <a:tab pos="3489960" algn="l"/>
+                <a:tab pos="4071620" algn="l"/>
+                <a:tab pos="4653280" algn="l"/>
+                <a:tab pos="5234940" algn="l"/>
+                <a:tab pos="5816600" algn="l"/>
+                <a:tab pos="6398260" algn="l"/>
+                <a:tab pos="6979920" algn="l"/>
+                <a:tab pos="7561580" algn="l"/>
+                <a:tab pos="8143240" algn="l"/>
+                <a:tab pos="8724900" algn="l"/>
+                <a:tab pos="9306560" algn="l"/>
+              </a:tabLst>
+            </a:pPr>
+            <a:r>
+              <a:rPr lang="en-US" sz="2400" dirty="0">
+                <a:solidFill>
+                  <a:srgbClr val="000000"/>
+                </a:solidFill>
+                <a:ea typeface="Times New Roman"/>
+                <a:cs typeface="Times New Roman"/>
+              </a:rPr>
+              <a:t>    select * from person where </a:t>
+            </a:r>
+            <a:r>
+              <a:rPr lang="en-US" sz="2400" dirty="0" err="1">
+                <a:solidFill>
+                  <a:srgbClr val="000000"/>
+                </a:solidFill>
+                <a:ea typeface="Times New Roman"/>
+                <a:cs typeface="Times New Roman"/>
+              </a:rPr>
+              <a:t>person_id</a:t>
+            </a:r>
+            <a:r>
+              <a:rPr lang="en-US" sz="2400" dirty="0">
+                <a:solidFill>
+                  <a:srgbClr val="000000"/>
+                </a:solidFill>
+                <a:ea typeface="Times New Roman"/>
+                <a:cs typeface="Times New Roman"/>
+              </a:rPr>
+              <a:t>=#{id}</a:t>
+            </a:r>
+            <a:endParaRPr lang="ru-RU" sz="1800" dirty="0">
+              <a:ea typeface="Calibri"/>
+              <a:cs typeface="Times New Roman"/>
+            </a:endParaRPr>
+          </a:p>
+          <a:p>
+            <a:pPr marL="114300" indent="0">
+              <a:lnSpc>
+                <a:spcPct val="115000"/>
+              </a:lnSpc>
+              <a:spcAft>
+                <a:spcPts val="0"/>
+              </a:spcAft>
+              <a:buNone/>
+              <a:tabLst>
+                <a:tab pos="581660" algn="l"/>
+                <a:tab pos="1163320" algn="l"/>
+                <a:tab pos="1744980" algn="l"/>
+                <a:tab pos="2326640" algn="l"/>
+                <a:tab pos="2908300" algn="l"/>
+                <a:tab pos="3489960" algn="l"/>
+                <a:tab pos="4071620" algn="l"/>
+                <a:tab pos="4653280" algn="l"/>
+                <a:tab pos="5234940" algn="l"/>
+                <a:tab pos="5816600" algn="l"/>
+                <a:tab pos="6398260" algn="l"/>
+                <a:tab pos="6979920" algn="l"/>
+                <a:tab pos="7561580" algn="l"/>
+                <a:tab pos="8143240" algn="l"/>
+                <a:tab pos="8724900" algn="l"/>
+                <a:tab pos="9306560" algn="l"/>
+              </a:tabLst>
+            </a:pPr>
+            <a:r>
+              <a:rPr lang="ru-RU" sz="2400" dirty="0">
+                <a:solidFill>
+                  <a:srgbClr val="A65700"/>
+                </a:solidFill>
+                <a:ea typeface="Times New Roman"/>
+                <a:cs typeface="Times New Roman"/>
+              </a:rPr>
+              <a:t>&lt;/</a:t>
+            </a:r>
+            <a:r>
+              <a:rPr lang="ru-RU" sz="2400" dirty="0" err="1">
+                <a:solidFill>
+                  <a:srgbClr val="5F5035"/>
+                </a:solidFill>
+                <a:ea typeface="Times New Roman"/>
+                <a:cs typeface="Times New Roman"/>
+              </a:rPr>
+              <a:t>select</a:t>
+            </a:r>
+            <a:r>
+              <a:rPr lang="ru-RU" sz="2400" dirty="0">
+                <a:solidFill>
+                  <a:srgbClr val="A65700"/>
+                </a:solidFill>
+                <a:ea typeface="Times New Roman"/>
+                <a:cs typeface="Times New Roman"/>
+              </a:rPr>
+              <a:t>&gt;</a:t>
+            </a:r>
+            <a:endParaRPr lang="ru-RU" sz="1800" dirty="0">
+              <a:ea typeface="Calibri"/>
+              <a:cs typeface="Times New Roman"/>
+            </a:endParaRPr>
+          </a:p>
+          <a:p>
+            <a:pPr marL="114300" indent="0">
+              <a:lnSpc>
+                <a:spcPct val="115000"/>
+              </a:lnSpc>
+              <a:spcAft>
+                <a:spcPts val="1000"/>
+              </a:spcAft>
+              <a:buNone/>
+            </a:pPr>
+            <a:r>
+              <a:rPr lang="ru-RU" sz="1800" dirty="0">
+                <a:ea typeface="Calibri"/>
+                <a:cs typeface="Times New Roman"/>
+              </a:rPr>
+              <a:t> </a:t>
+            </a:r>
+          </a:p>
+        </p:txBody>
+      </p:sp>
+      <p:sp>
+        <p:nvSpPr>
+          <p:cNvPr id="4" name="Объект 2"/>
+          <p:cNvSpPr txBox="1">
+            <a:spLocks/>
+          </p:cNvSpPr>
+          <p:nvPr/>
+        </p:nvSpPr>
+        <p:spPr>
+          <a:xfrm>
+            <a:off x="609600" y="3991702"/>
+            <a:ext cx="8229600" cy="2188840"/>
+          </a:xfrm>
+          <a:prstGeom prst="rect">
+            <a:avLst/>
+          </a:prstGeom>
+        </p:spPr>
+        <p:txBody>
+          <a:bodyPr vert="horz" lIns="91440" tIns="45720" rIns="91440" bIns="45720" rtlCol="0">
+            <a:normAutofit/>
+          </a:bodyPr>
+          <a:lstStyle>
+            <a:lvl1pPr marL="342900" indent="-342900" algn="l" defTabSz="914400" rtl="0" eaLnBrk="1" latinLnBrk="0" hangingPunct="1">
+              <a:spcBef>
+                <a:spcPct val="20000"/>
+              </a:spcBef>
+              <a:buFont typeface="Arial" pitchFamily="34" charset="0"/>
+              <a:buChar char="•"/>
+              <a:defRPr sz="3200" kern="1200">
+                <a:solidFill>
+                  <a:schemeClr val="tx1"/>
+                </a:solidFill>
+                <a:latin typeface="+mn-lt"/>
+                <a:ea typeface="+mn-ea"/>
+                <a:cs typeface="+mn-cs"/>
+              </a:defRPr>
+            </a:lvl1pPr>
+            <a:lvl2pPr marL="742950" indent="-285750" algn="l" defTabSz="914400" rtl="0" eaLnBrk="1" latinLnBrk="0" hangingPunct="1">
+              <a:spcBef>
+                <a:spcPct val="20000"/>
+              </a:spcBef>
+              <a:buFont typeface="Arial" pitchFamily="34" charset="0"/>
+              <a:buChar char="–"/>
+              <a:defRPr sz="2800" kern="1200">
+                <a:solidFill>
+                  <a:schemeClr val="tx1"/>
+                </a:solidFill>
+                <a:latin typeface="+mn-lt"/>
+                <a:ea typeface="+mn-ea"/>
+                <a:cs typeface="+mn-cs"/>
+              </a:defRPr>
+            </a:lvl2pPr>
+            <a:lvl3pPr marL="1143000" indent="-228600" algn="l" defTabSz="914400" rtl="0" eaLnBrk="1" latinLnBrk="0" hangingPunct="1">
+              <a:spcBef>
+                <a:spcPct val="20000"/>
+              </a:spcBef>
+              <a:buFont typeface="Arial" pitchFamily="34" charset="0"/>
+              <a:buChar char="•"/>
+              <a:defRPr sz="2400" kern="1200">
+                <a:solidFill>
+                  <a:schemeClr val="tx1"/>
+                </a:solidFill>
+                <a:latin typeface="+mn-lt"/>
+                <a:ea typeface="+mn-ea"/>
+                <a:cs typeface="+mn-cs"/>
+              </a:defRPr>
+            </a:lvl3pPr>
+            <a:lvl4pPr marL="1600200" indent="-228600" algn="l" defTabSz="914400" rtl="0" eaLnBrk="1" latinLnBrk="0" hangingPunct="1">
+              <a:spcBef>
+                <a:spcPct val="20000"/>
+              </a:spcBef>
+              <a:buFont typeface="Arial" pitchFamily="34" charset="0"/>
+              <a:buChar char="–"/>
+              <a:defRPr sz="2000" kern="1200">
+                <a:solidFill>
+                  <a:schemeClr val="tx1"/>
+                </a:solidFill>
+                <a:latin typeface="+mn-lt"/>
+                <a:ea typeface="+mn-ea"/>
+                <a:cs typeface="+mn-cs"/>
+              </a:defRPr>
+            </a:lvl4pPr>
+            <a:lvl5pPr marL="2057400" indent="-228600" algn="l" defTabSz="914400" rtl="0" eaLnBrk="1" latinLnBrk="0" hangingPunct="1">
+              <a:spcBef>
+                <a:spcPct val="20000"/>
+              </a:spcBef>
+              <a:buFont typeface="Arial" pitchFamily="34" charset="0"/>
+              <a:buChar char="»"/>
+              <a:defRPr sz="2000" kern="1200">
+                <a:solidFill>
+                  <a:schemeClr val="tx1"/>
+                </a:solidFill>
+                <a:latin typeface="+mn-lt"/>
+                <a:ea typeface="+mn-ea"/>
+                <a:cs typeface="+mn-cs"/>
+              </a:defRPr>
+            </a:lvl5pPr>
+            <a:lvl6pPr marL="2514600" indent="-228600" algn="l" defTabSz="914400" rtl="0" eaLnBrk="1" latinLnBrk="0" hangingPunct="1">
+              <a:spcBef>
+                <a:spcPct val="20000"/>
+              </a:spcBef>
+              <a:buFont typeface="Arial" pitchFamily="34" charset="0"/>
+              <a:buChar char="•"/>
+              <a:defRPr sz="2000" kern="1200">
+                <a:solidFill>
+                  <a:schemeClr val="tx1"/>
+                </a:solidFill>
+                <a:latin typeface="+mn-lt"/>
+                <a:ea typeface="+mn-ea"/>
+                <a:cs typeface="+mn-cs"/>
+              </a:defRPr>
+            </a:lvl6pPr>
+            <a:lvl7pPr marL="2971800" indent="-228600" algn="l" defTabSz="914400" rtl="0" eaLnBrk="1" latinLnBrk="0" hangingPunct="1">
+              <a:spcBef>
+                <a:spcPct val="20000"/>
+              </a:spcBef>
+              <a:buFont typeface="Arial" pitchFamily="34" charset="0"/>
+              <a:buChar char="•"/>
+              <a:defRPr sz="2000" kern="1200">
+                <a:solidFill>
+                  <a:schemeClr val="tx1"/>
+                </a:solidFill>
+                <a:latin typeface="+mn-lt"/>
+                <a:ea typeface="+mn-ea"/>
+                <a:cs typeface="+mn-cs"/>
+              </a:defRPr>
+            </a:lvl7pPr>
+            <a:lvl8pPr marL="3429000" indent="-228600" algn="l" defTabSz="914400" rtl="0" eaLnBrk="1" latinLnBrk="0" hangingPunct="1">
+              <a:spcBef>
+                <a:spcPct val="20000"/>
+              </a:spcBef>
+              <a:buFont typeface="Arial" pitchFamily="34" charset="0"/>
+              <a:buChar char="•"/>
+              <a:defRPr sz="2000" kern="1200">
+                <a:solidFill>
+                  <a:schemeClr val="tx1"/>
+                </a:solidFill>
+                <a:latin typeface="+mn-lt"/>
+                <a:ea typeface="+mn-ea"/>
+                <a:cs typeface="+mn-cs"/>
+              </a:defRPr>
+            </a:lvl8pPr>
+            <a:lvl9pPr marL="3886200" indent="-228600" algn="l" defTabSz="914400" rtl="0" eaLnBrk="1" latinLnBrk="0" hangingPunct="1">
+              <a:spcBef>
+                <a:spcPct val="20000"/>
+              </a:spcBef>
+              <a:buFont typeface="Arial" pitchFamily="34" charset="0"/>
+              <a:buChar char="•"/>
+              <a:defRPr sz="2000" kern="1200">
+                <a:solidFill>
+                  <a:schemeClr val="tx1"/>
+                </a:solidFill>
+                <a:latin typeface="+mn-lt"/>
+                <a:ea typeface="+mn-ea"/>
+                <a:cs typeface="+mn-cs"/>
+              </a:defRPr>
+            </a:lvl9pPr>
+          </a:lstStyle>
+          <a:p>
+            <a:pPr marL="0" indent="0">
+              <a:buNone/>
+            </a:pPr>
+            <a:r>
+              <a:rPr lang="en-US" sz="2800" b="1" dirty="0">
+                <a:solidFill>
+                  <a:srgbClr val="800000"/>
+                </a:solidFill>
+              </a:rPr>
+              <a:t>public</a:t>
+            </a:r>
+            <a:r>
+              <a:rPr lang="en-US" sz="2800" dirty="0"/>
+              <a:t> Person </a:t>
+            </a:r>
+            <a:r>
+              <a:rPr lang="en-US" sz="2800" dirty="0" err="1"/>
+              <a:t>getById</a:t>
+            </a:r>
+            <a:r>
+              <a:rPr lang="en-US" sz="2800" dirty="0"/>
+              <a:t>(Integer id) </a:t>
+            </a:r>
+            <a:r>
+              <a:rPr lang="en-US" sz="2800" dirty="0">
+                <a:solidFill>
+                  <a:srgbClr val="800080"/>
+                </a:solidFill>
+              </a:rPr>
+              <a:t>{</a:t>
+            </a:r>
+            <a:r>
+              <a:rPr lang="en-US" sz="2800" dirty="0"/>
+              <a:t> </a:t>
+            </a:r>
+            <a:endParaRPr lang="en-US" sz="2800" dirty="0" smtClean="0"/>
+          </a:p>
+          <a:p>
+            <a:pPr marL="0" indent="0">
+              <a:buNone/>
+            </a:pPr>
+            <a:r>
+              <a:rPr lang="en-US" sz="2800" b="1" dirty="0">
+                <a:solidFill>
+                  <a:srgbClr val="800000"/>
+                </a:solidFill>
+              </a:rPr>
+              <a:t>	</a:t>
+            </a:r>
+            <a:r>
+              <a:rPr lang="en-US" sz="2800" b="1" dirty="0" smtClean="0">
+                <a:solidFill>
+                  <a:srgbClr val="800000"/>
+                </a:solidFill>
+              </a:rPr>
+              <a:t>return</a:t>
+            </a:r>
+            <a:r>
+              <a:rPr lang="en-US" sz="2800" dirty="0" smtClean="0"/>
+              <a:t> </a:t>
+            </a:r>
+            <a:r>
+              <a:rPr lang="en-US" sz="2800" dirty="0" err="1"/>
+              <a:t>session</a:t>
+            </a:r>
+            <a:r>
+              <a:rPr lang="en-US" sz="2800" dirty="0" err="1">
+                <a:solidFill>
+                  <a:srgbClr val="808030"/>
+                </a:solidFill>
+              </a:rPr>
+              <a:t>.</a:t>
+            </a:r>
+            <a:r>
+              <a:rPr lang="en-US" sz="2800" dirty="0" err="1"/>
+              <a:t>selectOne</a:t>
+            </a:r>
+            <a:r>
+              <a:rPr lang="en-US" sz="2800" dirty="0">
+                <a:solidFill>
+                  <a:srgbClr val="808030"/>
+                </a:solidFill>
+              </a:rPr>
+              <a:t>(</a:t>
+            </a:r>
+            <a:r>
+              <a:rPr lang="en-US" sz="2800" dirty="0">
+                <a:solidFill>
+                  <a:srgbClr val="0000E6"/>
+                </a:solidFill>
+              </a:rPr>
+              <a:t>"</a:t>
+            </a:r>
+            <a:r>
+              <a:rPr lang="en-US" sz="2800" dirty="0" err="1">
+                <a:solidFill>
+                  <a:srgbClr val="0000E6"/>
+                </a:solidFill>
+              </a:rPr>
+              <a:t>getPersonById</a:t>
+            </a:r>
+            <a:r>
+              <a:rPr lang="en-US" sz="2800" dirty="0">
+                <a:solidFill>
+                  <a:srgbClr val="0000E6"/>
+                </a:solidFill>
+              </a:rPr>
+              <a:t>"</a:t>
+            </a:r>
+            <a:r>
+              <a:rPr lang="en-US" sz="2800" dirty="0">
+                <a:solidFill>
+                  <a:srgbClr val="808030"/>
+                </a:solidFill>
+              </a:rPr>
+              <a:t>,</a:t>
+            </a:r>
+            <a:r>
+              <a:rPr lang="en-US" sz="2800" dirty="0"/>
+              <a:t> id</a:t>
+            </a:r>
+            <a:r>
+              <a:rPr lang="en-US" sz="2800" dirty="0">
+                <a:solidFill>
+                  <a:srgbClr val="808030"/>
+                </a:solidFill>
+              </a:rPr>
+              <a:t>)</a:t>
+            </a:r>
+            <a:r>
+              <a:rPr lang="en-US" sz="2800" dirty="0">
+                <a:solidFill>
+                  <a:srgbClr val="800080"/>
+                </a:solidFill>
+              </a:rPr>
+              <a:t>;</a:t>
+            </a:r>
+            <a:r>
+              <a:rPr lang="en-US" sz="2800" dirty="0"/>
+              <a:t> </a:t>
+            </a:r>
+            <a:endParaRPr lang="en-US" sz="2800" dirty="0" smtClean="0"/>
+          </a:p>
+          <a:p>
+            <a:pPr marL="0" indent="0">
+              <a:buNone/>
+            </a:pPr>
+            <a:r>
+              <a:rPr lang="en-US" sz="2800" dirty="0" smtClean="0">
+                <a:solidFill>
+                  <a:srgbClr val="800080"/>
+                </a:solidFill>
+              </a:rPr>
+              <a:t>}</a:t>
+            </a:r>
+            <a:endParaRPr lang="ru-RU" sz="2800" dirty="0"/>
           </a:p>
         </p:txBody>
       </p:sp>
     </p:spTree>
     <p:extLst>
       <p:ext uri="{BB962C8B-B14F-4D97-AF65-F5344CB8AC3E}">
-        <p14:creationId xmlns:p14="http://schemas.microsoft.com/office/powerpoint/2010/main" val="3842514121"/>
+        <p14:creationId xmlns:p14="http://schemas.microsoft.com/office/powerpoint/2010/main" val="769470604"/>
       </p:ext>
     </p:extLst>
   </p:cSld>
@@ -14360,36 +15292,27 @@
         </p:nvSpPr>
         <p:spPr>
           <a:xfrm>
-            <a:off x="467544" y="2636912"/>
+            <a:off x="395536" y="2780928"/>
             <a:ext cx="8229600" cy="1143000"/>
           </a:xfrm>
         </p:spPr>
         <p:txBody>
-          <a:bodyPr>
-            <a:normAutofit fontScale="90000"/>
-          </a:bodyPr>
+          <a:bodyPr/>
           <a:lstStyle/>
           <a:p>
             <a:pPr algn="ctr"/>
             <a:r>
               <a:rPr lang="en-US" dirty="0" smtClean="0"/>
-              <a:t>Tip #1: </a:t>
-            </a:r>
-            <a:br>
-              <a:rPr lang="en-US" dirty="0" smtClean="0"/>
-            </a:br>
-            <a:r>
-              <a:rPr lang="en-US" sz="10700" dirty="0" smtClean="0"/>
-              <a:t>$ </a:t>
-            </a:r>
-            <a:endParaRPr lang="ru-RU" sz="10700" dirty="0"/>
+              <a:t>Tips &amp; Tricks</a:t>
+            </a:r>
+            <a:endParaRPr lang="ru-RU" dirty="0"/>
           </a:p>
         </p:txBody>
       </p:sp>
     </p:spTree>
     <p:extLst>
       <p:ext uri="{BB962C8B-B14F-4D97-AF65-F5344CB8AC3E}">
-        <p14:creationId xmlns:p14="http://schemas.microsoft.com/office/powerpoint/2010/main" val="1758698652"/>
+        <p14:creationId xmlns:p14="http://schemas.microsoft.com/office/powerpoint/2010/main" val="3842514121"/>
       </p:ext>
     </p:extLst>
   </p:cSld>
@@ -14433,180 +15356,38 @@
             <p:ph type="title"/>
           </p:nvPr>
         </p:nvSpPr>
-        <p:spPr/>
-        <p:txBody>
-          <a:bodyPr/>
-          <a:lstStyle/>
-          <a:p>
-            <a:pPr algn="ctr"/>
-            <a:r>
-              <a:rPr lang="en-US" dirty="0" smtClean="0"/>
-              <a:t>$ </a:t>
-            </a:r>
-            <a:r>
-              <a:rPr lang="en-US" dirty="0" err="1" smtClean="0"/>
-              <a:t>vs</a:t>
-            </a:r>
-            <a:r>
-              <a:rPr lang="en-US" dirty="0" smtClean="0"/>
-              <a:t> #</a:t>
-            </a:r>
-            <a:endParaRPr lang="ru-RU" dirty="0"/>
-          </a:p>
-        </p:txBody>
-      </p:sp>
-      <p:sp>
-        <p:nvSpPr>
-          <p:cNvPr id="3" name="Объект 2"/>
-          <p:cNvSpPr>
-            <a:spLocks noGrp="1"/>
-          </p:cNvSpPr>
-          <p:nvPr>
-            <p:ph idx="1"/>
-          </p:nvPr>
-        </p:nvSpPr>
         <p:spPr>
           <a:xfrm>
-            <a:off x="457200" y="1600200"/>
-            <a:ext cx="8507288" cy="4525963"/>
+            <a:off x="467544" y="2636912"/>
+            <a:ext cx="8229600" cy="1143000"/>
           </a:xfrm>
         </p:spPr>
         <p:txBody>
           <a:bodyPr>
-            <a:normAutofit/>
+            <a:normAutofit fontScale="90000"/>
           </a:bodyPr>
           <a:lstStyle/>
           <a:p>
-            <a:pPr>
-              <a:lnSpc>
-                <a:spcPct val="150000"/>
-              </a:lnSpc>
-            </a:pPr>
-            <a:r>
-              <a:rPr lang="en-US" sz="2800" dirty="0" smtClean="0"/>
-              <a:t>${id} </a:t>
-            </a:r>
-            <a:r>
-              <a:rPr lang="ru-RU" sz="2800" dirty="0" smtClean="0"/>
-              <a:t>вставляет подстроку</a:t>
-            </a:r>
-          </a:p>
-          <a:p>
-            <a:pPr marL="457200" lvl="1" indent="0">
-              <a:lnSpc>
-                <a:spcPct val="150000"/>
-              </a:lnSpc>
-              <a:buNone/>
-            </a:pPr>
-            <a:r>
-              <a:rPr lang="en-US" sz="2800" dirty="0" smtClean="0"/>
-              <a:t>	select * from ${schema}.users</a:t>
-            </a:r>
-          </a:p>
-          <a:p>
-            <a:pPr marL="457200" lvl="1" indent="0">
-              <a:lnSpc>
-                <a:spcPct val="150000"/>
-              </a:lnSpc>
-              <a:buNone/>
-            </a:pPr>
-            <a:r>
-              <a:rPr lang="en-US" sz="2800" dirty="0"/>
-              <a:t>	</a:t>
-            </a:r>
-            <a:r>
-              <a:rPr lang="en-US" sz="2800" dirty="0" smtClean="0"/>
-              <a:t> -&gt; </a:t>
-            </a:r>
-            <a:r>
-              <a:rPr lang="en-US" sz="2800" dirty="0"/>
-              <a:t>	select * from </a:t>
-            </a:r>
-            <a:r>
-              <a:rPr lang="en-US" sz="2800" dirty="0" err="1" smtClean="0"/>
-              <a:t>secur.users</a:t>
-            </a:r>
-            <a:endParaRPr lang="en-US" sz="2800" dirty="0"/>
-          </a:p>
-          <a:p>
-            <a:pPr>
-              <a:lnSpc>
-                <a:spcPct val="150000"/>
-              </a:lnSpc>
-            </a:pPr>
-            <a:r>
-              <a:rPr lang="en-US" sz="2800" dirty="0" smtClean="0"/>
-              <a:t>#{id} </a:t>
-            </a:r>
-            <a:r>
-              <a:rPr lang="ru-RU" sz="2800" dirty="0" smtClean="0"/>
-              <a:t>создает параметризованный запрос</a:t>
-            </a:r>
-          </a:p>
-          <a:p>
-            <a:pPr marL="457200" lvl="1" indent="0">
-              <a:lnSpc>
-                <a:spcPct val="150000"/>
-              </a:lnSpc>
-              <a:buNone/>
-            </a:pPr>
-            <a:r>
-              <a:rPr lang="en-US" sz="2800" dirty="0"/>
-              <a:t>	select * from </a:t>
-            </a:r>
-            <a:r>
-              <a:rPr lang="en-US" sz="2800" dirty="0" err="1" smtClean="0"/>
-              <a:t>secur.users</a:t>
-            </a:r>
-            <a:r>
-              <a:rPr lang="en-US" sz="2800" dirty="0" smtClean="0"/>
-              <a:t> where id=#{id}</a:t>
-            </a:r>
-            <a:endParaRPr lang="en-US" sz="2800" dirty="0"/>
-          </a:p>
-          <a:p>
-            <a:pPr marL="457200" lvl="1" indent="0">
-              <a:lnSpc>
-                <a:spcPct val="150000"/>
-              </a:lnSpc>
-              <a:buNone/>
-            </a:pPr>
-            <a:r>
-              <a:rPr lang="en-US" sz="2800" dirty="0"/>
-              <a:t>	 -&gt; 	select * from </a:t>
-            </a:r>
-            <a:r>
-              <a:rPr lang="en-US" sz="2800" dirty="0" err="1"/>
-              <a:t>secur.users</a:t>
-            </a:r>
-            <a:r>
-              <a:rPr lang="en-US" sz="2800" dirty="0"/>
-              <a:t> where id=#{id}</a:t>
-            </a:r>
-          </a:p>
-          <a:p>
-            <a:pPr>
-              <a:lnSpc>
-                <a:spcPct val="150000"/>
-              </a:lnSpc>
-            </a:pPr>
-            <a:endParaRPr lang="en-US" sz="2800" dirty="0"/>
-          </a:p>
-          <a:p>
-            <a:pPr marL="457200" lvl="1" indent="0">
-              <a:lnSpc>
-                <a:spcPct val="150000"/>
-              </a:lnSpc>
-              <a:buNone/>
-            </a:pPr>
-            <a:endParaRPr lang="ru-RU" sz="2800" dirty="0"/>
+            <a:pPr algn="ctr"/>
+            <a:r>
+              <a:rPr lang="en-US" dirty="0" smtClean="0"/>
+              <a:t>Tip #1: </a:t>
+            </a:r>
+            <a:br>
+              <a:rPr lang="en-US" dirty="0" smtClean="0"/>
+            </a:br>
+            <a:r>
+              <a:rPr lang="en-US" sz="10700" dirty="0" smtClean="0"/>
+              <a:t>$ </a:t>
+            </a:r>
+            <a:endParaRPr lang="ru-RU" sz="10700" dirty="0"/>
           </a:p>
         </p:txBody>
       </p:sp>
     </p:spTree>
     <p:extLst>
       <p:ext uri="{BB962C8B-B14F-4D97-AF65-F5344CB8AC3E}">
-        <p14:creationId xmlns:p14="http://schemas.microsoft.com/office/powerpoint/2010/main" val="1791513792"/>
+        <p14:creationId xmlns:p14="http://schemas.microsoft.com/office/powerpoint/2010/main" val="1758698652"/>
       </p:ext>
     </p:extLst>
   </p:cSld>
@@ -14657,12 +15438,16 @@
           <a:p>
             <a:pPr algn="ctr"/>
             <a:r>
-              <a:rPr lang="ru-RU" dirty="0" smtClean="0"/>
-              <a:t>Где использовать </a:t>
-            </a:r>
-            <a:r>
               <a:rPr lang="en-US" dirty="0" smtClean="0"/>
-              <a:t>$?</a:t>
+              <a:t>$ </a:t>
+            </a:r>
+            <a:r>
+              <a:rPr lang="en-US" dirty="0" err="1" smtClean="0"/>
+              <a:t>vs</a:t>
+            </a:r>
+            <a:r>
+              <a:rPr lang="en-US" dirty="0" smtClean="0"/>
+              <a:t> #</a:t>
             </a:r>
             <a:endParaRPr lang="ru-RU" dirty="0"/>
           </a:p>
@@ -14678,552 +15463,148 @@
             <p:ph idx="1"/>
           </p:nvPr>
         </p:nvSpPr>
-        <p:spPr/>
+        <p:spPr>
+          <a:xfrm>
+            <a:off x="457200" y="1600200"/>
+            <a:ext cx="8507288" cy="4525963"/>
+          </a:xfrm>
+        </p:spPr>
         <p:txBody>
           <a:bodyPr>
             <a:normAutofit/>
           </a:bodyPr>
           <a:lstStyle/>
           <a:p>
-            <a:r>
-              <a:rPr lang="ru-RU" sz="2400" b="1" i="1" dirty="0" smtClean="0"/>
-              <a:t>Где нельзя использовать параметр</a:t>
-            </a:r>
-          </a:p>
-          <a:p>
-            <a:pPr lvl="1"/>
-            <a:r>
-              <a:rPr lang="en-US" sz="2400" dirty="0" smtClean="0"/>
-              <a:t>select * from users order by ${field}</a:t>
-            </a:r>
-          </a:p>
-          <a:p>
-            <a:r>
-              <a:rPr lang="ru-RU" sz="2400" b="1" i="1" dirty="0" smtClean="0"/>
-              <a:t>Для конфигурационных настроек</a:t>
-            </a:r>
-          </a:p>
-          <a:p>
-            <a:pPr lvl="1"/>
-            <a:r>
-              <a:rPr lang="en-US" sz="2400" dirty="0"/>
-              <a:t>select * from ${schema}.users</a:t>
-            </a:r>
-          </a:p>
-          <a:p>
-            <a:pPr lvl="1"/>
-            <a:r>
-              <a:rPr lang="ru-RU" sz="2400" dirty="0" smtClean="0"/>
-              <a:t>Одна константа на всё приложение</a:t>
-            </a:r>
-            <a:endParaRPr lang="en-US" sz="2400" dirty="0" smtClean="0"/>
-          </a:p>
-          <a:p>
-            <a:pPr marL="777240" lvl="2" indent="0">
+            <a:pPr>
               <a:lnSpc>
-                <a:spcPct val="115000"/>
+                <a:spcPct val="150000"/>
+              </a:lnSpc>
+            </a:pPr>
+            <a:r>
+              <a:rPr lang="en-US" sz="2800" dirty="0" smtClean="0"/>
+              <a:t>${id} </a:t>
+            </a:r>
+            <a:r>
+              <a:rPr lang="ru-RU" sz="2800" dirty="0" smtClean="0"/>
+              <a:t>вставляет подстроку</a:t>
+            </a:r>
+          </a:p>
+          <a:p>
+            <a:pPr marL="457200" lvl="1" indent="0">
+              <a:lnSpc>
+                <a:spcPct val="150000"/>
               </a:lnSpc>
               <a:buNone/>
-              <a:tabLst>
-                <a:tab pos="581660" algn="l"/>
-                <a:tab pos="1163320" algn="l"/>
-                <a:tab pos="1744980" algn="l"/>
-                <a:tab pos="2326640" algn="l"/>
-                <a:tab pos="2908300" algn="l"/>
-                <a:tab pos="3489960" algn="l"/>
-                <a:tab pos="4071620" algn="l"/>
-                <a:tab pos="4653280" algn="l"/>
-                <a:tab pos="5234940" algn="l"/>
-                <a:tab pos="5816600" algn="l"/>
-                <a:tab pos="6398260" algn="l"/>
-                <a:tab pos="6979920" algn="l"/>
-                <a:tab pos="7561580" algn="l"/>
-                <a:tab pos="8143240" algn="l"/>
-                <a:tab pos="8724900" algn="l"/>
-                <a:tab pos="9306560" algn="l"/>
-              </a:tabLst>
             </a:pPr>
             <a:r>
-              <a:rPr lang="ru-RU" sz="2400" dirty="0"/>
-              <a:t> </a:t>
-            </a:r>
-            <a:r>
-              <a:rPr lang="en-US" sz="2400" dirty="0" smtClean="0">
-                <a:solidFill>
-                  <a:srgbClr val="A65700"/>
-                </a:solidFill>
-                <a:ea typeface="Times New Roman"/>
-                <a:cs typeface="Times New Roman"/>
-              </a:rPr>
-              <a:t>&lt;</a:t>
-            </a:r>
-            <a:r>
-              <a:rPr lang="en-US" sz="2400" dirty="0">
-                <a:solidFill>
-                  <a:srgbClr val="5F5035"/>
-                </a:solidFill>
-                <a:ea typeface="Times New Roman"/>
-                <a:cs typeface="Times New Roman"/>
-              </a:rPr>
-              <a:t>configuration</a:t>
-            </a:r>
-            <a:r>
-              <a:rPr lang="en-US" sz="2400" dirty="0">
-                <a:solidFill>
-                  <a:srgbClr val="A65700"/>
-                </a:solidFill>
-                <a:ea typeface="Times New Roman"/>
-                <a:cs typeface="Times New Roman"/>
-              </a:rPr>
-              <a:t>&gt;</a:t>
-            </a:r>
-            <a:endParaRPr lang="ru-RU" dirty="0">
-              <a:ea typeface="Calibri"/>
-              <a:cs typeface="Times New Roman"/>
-            </a:endParaRPr>
-          </a:p>
-          <a:p>
-            <a:pPr marL="777240" lvl="2" indent="0">
+              <a:rPr lang="en-US" sz="2800" dirty="0" smtClean="0"/>
+              <a:t>	select * from ${schema}.users</a:t>
+            </a:r>
+          </a:p>
+          <a:p>
+            <a:pPr marL="457200" lvl="1" indent="0">
               <a:lnSpc>
-                <a:spcPct val="115000"/>
+                <a:spcPct val="150000"/>
               </a:lnSpc>
               <a:buNone/>
-              <a:tabLst>
-                <a:tab pos="581660" algn="l"/>
-                <a:tab pos="1163320" algn="l"/>
-                <a:tab pos="1744980" algn="l"/>
-                <a:tab pos="2326640" algn="l"/>
-                <a:tab pos="2908300" algn="l"/>
-                <a:tab pos="3489960" algn="l"/>
-                <a:tab pos="4071620" algn="l"/>
-                <a:tab pos="4653280" algn="l"/>
-                <a:tab pos="5234940" algn="l"/>
-                <a:tab pos="5816600" algn="l"/>
-                <a:tab pos="6398260" algn="l"/>
-                <a:tab pos="6979920" algn="l"/>
-                <a:tab pos="7561580" algn="l"/>
-                <a:tab pos="8143240" algn="l"/>
-                <a:tab pos="8724900" algn="l"/>
-                <a:tab pos="9306560" algn="l"/>
-              </a:tabLst>
             </a:pPr>
             <a:r>
-              <a:rPr lang="en-US" sz="2400" dirty="0">
-                <a:solidFill>
-                  <a:srgbClr val="000000"/>
-                </a:solidFill>
-                <a:ea typeface="Times New Roman"/>
-                <a:cs typeface="Times New Roman"/>
-              </a:rPr>
-              <a:t>  </a:t>
-            </a:r>
-            <a:r>
-              <a:rPr lang="ru-RU" sz="2400" dirty="0" smtClean="0">
-                <a:solidFill>
-                  <a:srgbClr val="000000"/>
-                </a:solidFill>
-                <a:ea typeface="Times New Roman"/>
-                <a:cs typeface="Times New Roman"/>
-              </a:rPr>
-              <a:t>   </a:t>
-            </a:r>
-            <a:r>
-              <a:rPr lang="en-US" sz="2400" dirty="0" smtClean="0">
-                <a:solidFill>
-                  <a:srgbClr val="A65700"/>
-                </a:solidFill>
-                <a:ea typeface="Times New Roman"/>
-                <a:cs typeface="Times New Roman"/>
-              </a:rPr>
-              <a:t>&lt;</a:t>
-            </a:r>
-            <a:r>
-              <a:rPr lang="en-US" sz="2400" dirty="0">
-                <a:solidFill>
-                  <a:srgbClr val="5F5035"/>
-                </a:solidFill>
-                <a:ea typeface="Times New Roman"/>
-                <a:cs typeface="Times New Roman"/>
-              </a:rPr>
-              <a:t>properties</a:t>
-            </a:r>
-            <a:r>
-              <a:rPr lang="en-US" sz="2400" dirty="0">
-                <a:solidFill>
-                  <a:srgbClr val="A65700"/>
-                </a:solidFill>
-                <a:ea typeface="Times New Roman"/>
-                <a:cs typeface="Times New Roman"/>
-              </a:rPr>
-              <a:t>&gt;</a:t>
-            </a:r>
-            <a:endParaRPr lang="ru-RU" dirty="0">
-              <a:ea typeface="Calibri"/>
-              <a:cs typeface="Times New Roman"/>
-            </a:endParaRPr>
-          </a:p>
-          <a:p>
-            <a:pPr marL="777240" lvl="2" indent="0">
+              <a:rPr lang="en-US" sz="2800" dirty="0"/>
+              <a:t>	</a:t>
+            </a:r>
+            <a:r>
+              <a:rPr lang="en-US" sz="2800" dirty="0" smtClean="0"/>
+              <a:t> -&gt; </a:t>
+            </a:r>
+            <a:r>
+              <a:rPr lang="en-US" sz="2800" dirty="0"/>
+              <a:t>	select * from </a:t>
+            </a:r>
+            <a:r>
+              <a:rPr lang="en-US" sz="2800" dirty="0" err="1" smtClean="0"/>
+              <a:t>secur.users</a:t>
+            </a:r>
+            <a:endParaRPr lang="en-US" sz="2800" dirty="0"/>
+          </a:p>
+          <a:p>
+            <a:pPr>
               <a:lnSpc>
-                <a:spcPct val="115000"/>
+                <a:spcPct val="150000"/>
+              </a:lnSpc>
+            </a:pPr>
+            <a:r>
+              <a:rPr lang="en-US" sz="2800" dirty="0" smtClean="0"/>
+              <a:t>#{id} </a:t>
+            </a:r>
+            <a:r>
+              <a:rPr lang="ru-RU" sz="2800" dirty="0" smtClean="0"/>
+              <a:t>создает параметризованный запрос</a:t>
+            </a:r>
+          </a:p>
+          <a:p>
+            <a:pPr marL="457200" lvl="1" indent="0">
+              <a:lnSpc>
+                <a:spcPct val="150000"/>
               </a:lnSpc>
               <a:buNone/>
-              <a:tabLst>
-                <a:tab pos="581660" algn="l"/>
-                <a:tab pos="1163320" algn="l"/>
-                <a:tab pos="1744980" algn="l"/>
-                <a:tab pos="2326640" algn="l"/>
-                <a:tab pos="2908300" algn="l"/>
-                <a:tab pos="3489960" algn="l"/>
-                <a:tab pos="4071620" algn="l"/>
-                <a:tab pos="4653280" algn="l"/>
-                <a:tab pos="5234940" algn="l"/>
-                <a:tab pos="5816600" algn="l"/>
-                <a:tab pos="6398260" algn="l"/>
-                <a:tab pos="6979920" algn="l"/>
-                <a:tab pos="7561580" algn="l"/>
-                <a:tab pos="8143240" algn="l"/>
-                <a:tab pos="8724900" algn="l"/>
-                <a:tab pos="9306560" algn="l"/>
-              </a:tabLst>
             </a:pPr>
             <a:r>
-              <a:rPr lang="en-US" sz="2400" dirty="0">
-                <a:solidFill>
-                  <a:srgbClr val="000000"/>
-                </a:solidFill>
-                <a:ea typeface="Times New Roman"/>
-                <a:cs typeface="Times New Roman"/>
-              </a:rPr>
-              <a:t>   </a:t>
-            </a:r>
-            <a:r>
-              <a:rPr lang="ru-RU" sz="2400" dirty="0" smtClean="0">
-                <a:solidFill>
-                  <a:srgbClr val="000000"/>
-                </a:solidFill>
-                <a:ea typeface="Times New Roman"/>
-                <a:cs typeface="Times New Roman"/>
-              </a:rPr>
-              <a:t>       </a:t>
-            </a:r>
-            <a:r>
-              <a:rPr lang="en-US" sz="2400" dirty="0" smtClean="0">
-                <a:solidFill>
-                  <a:srgbClr val="000000"/>
-                </a:solidFill>
-                <a:ea typeface="Times New Roman"/>
-                <a:cs typeface="Times New Roman"/>
-              </a:rPr>
-              <a:t> </a:t>
-            </a:r>
-            <a:r>
-              <a:rPr lang="en-US" sz="2400" dirty="0">
-                <a:solidFill>
-                  <a:srgbClr val="A65700"/>
-                </a:solidFill>
-                <a:ea typeface="Times New Roman"/>
-                <a:cs typeface="Times New Roman"/>
-              </a:rPr>
-              <a:t>&lt;</a:t>
-            </a:r>
-            <a:r>
-              <a:rPr lang="en-US" sz="2400" dirty="0">
-                <a:solidFill>
-                  <a:srgbClr val="5F5035"/>
-                </a:solidFill>
-                <a:ea typeface="Times New Roman"/>
-                <a:cs typeface="Times New Roman"/>
-              </a:rPr>
-              <a:t>property</a:t>
-            </a:r>
-            <a:r>
-              <a:rPr lang="en-US" sz="2400" dirty="0">
-                <a:solidFill>
-                  <a:srgbClr val="000000"/>
-                </a:solidFill>
-                <a:ea typeface="Times New Roman"/>
-                <a:cs typeface="Times New Roman"/>
-              </a:rPr>
-              <a:t> </a:t>
-            </a:r>
-            <a:r>
-              <a:rPr lang="en-US" sz="2400" dirty="0">
-                <a:solidFill>
-                  <a:srgbClr val="274796"/>
-                </a:solidFill>
-                <a:ea typeface="Times New Roman"/>
-                <a:cs typeface="Times New Roman"/>
-              </a:rPr>
-              <a:t>name</a:t>
-            </a:r>
-            <a:r>
-              <a:rPr lang="en-US" sz="2400" dirty="0">
-                <a:solidFill>
-                  <a:srgbClr val="808030"/>
-                </a:solidFill>
-                <a:ea typeface="Times New Roman"/>
-                <a:cs typeface="Times New Roman"/>
-              </a:rPr>
-              <a:t>=</a:t>
-            </a:r>
-            <a:r>
-              <a:rPr lang="en-US" sz="2400" dirty="0">
-                <a:solidFill>
-                  <a:srgbClr val="800000"/>
-                </a:solidFill>
-                <a:ea typeface="Times New Roman"/>
-                <a:cs typeface="Times New Roman"/>
-              </a:rPr>
-              <a:t>"</a:t>
-            </a:r>
-            <a:r>
-              <a:rPr lang="en-US" sz="2400" dirty="0">
-                <a:solidFill>
-                  <a:srgbClr val="0000E6"/>
-                </a:solidFill>
-                <a:ea typeface="Times New Roman"/>
-                <a:cs typeface="Times New Roman"/>
-              </a:rPr>
-              <a:t>schema</a:t>
-            </a:r>
-            <a:r>
-              <a:rPr lang="en-US" sz="2400" dirty="0">
-                <a:solidFill>
-                  <a:srgbClr val="800000"/>
-                </a:solidFill>
-                <a:ea typeface="Times New Roman"/>
-                <a:cs typeface="Times New Roman"/>
-              </a:rPr>
-              <a:t>"</a:t>
-            </a:r>
-            <a:r>
-              <a:rPr lang="en-US" sz="2400" dirty="0">
-                <a:solidFill>
-                  <a:srgbClr val="000000"/>
-                </a:solidFill>
-                <a:ea typeface="Times New Roman"/>
-                <a:cs typeface="Times New Roman"/>
-              </a:rPr>
-              <a:t> </a:t>
-            </a:r>
-            <a:r>
-              <a:rPr lang="en-US" sz="2400" dirty="0">
-                <a:solidFill>
-                  <a:srgbClr val="274796"/>
-                </a:solidFill>
-                <a:ea typeface="Times New Roman"/>
-                <a:cs typeface="Times New Roman"/>
-              </a:rPr>
-              <a:t>value</a:t>
-            </a:r>
-            <a:r>
-              <a:rPr lang="en-US" sz="2400" dirty="0">
-                <a:solidFill>
-                  <a:srgbClr val="808030"/>
-                </a:solidFill>
-                <a:ea typeface="Times New Roman"/>
-                <a:cs typeface="Times New Roman"/>
-              </a:rPr>
-              <a:t>=</a:t>
-            </a:r>
-            <a:r>
-              <a:rPr lang="en-US" sz="2400" dirty="0">
-                <a:solidFill>
-                  <a:srgbClr val="800000"/>
-                </a:solidFill>
-                <a:ea typeface="Times New Roman"/>
-                <a:cs typeface="Times New Roman"/>
-              </a:rPr>
-              <a:t>"</a:t>
-            </a:r>
-            <a:r>
-              <a:rPr lang="en-US" sz="2400" dirty="0" err="1">
-                <a:solidFill>
-                  <a:srgbClr val="0000E6"/>
-                </a:solidFill>
-                <a:ea typeface="Times New Roman"/>
-                <a:cs typeface="Times New Roman"/>
-              </a:rPr>
-              <a:t>secur</a:t>
-            </a:r>
-            <a:r>
-              <a:rPr lang="en-US" sz="2400" dirty="0">
-                <a:solidFill>
-                  <a:srgbClr val="800000"/>
-                </a:solidFill>
-                <a:ea typeface="Times New Roman"/>
-                <a:cs typeface="Times New Roman"/>
-              </a:rPr>
-              <a:t>"</a:t>
-            </a:r>
-            <a:r>
-              <a:rPr lang="en-US" sz="2400" dirty="0">
-                <a:solidFill>
-                  <a:srgbClr val="A65700"/>
-                </a:solidFill>
-                <a:ea typeface="Times New Roman"/>
-                <a:cs typeface="Times New Roman"/>
-              </a:rPr>
-              <a:t>/&gt;</a:t>
-            </a:r>
-            <a:endParaRPr lang="ru-RU" dirty="0">
-              <a:ea typeface="Calibri"/>
-              <a:cs typeface="Times New Roman"/>
-            </a:endParaRPr>
-          </a:p>
-          <a:p>
-            <a:pPr marL="777240" lvl="2" indent="0">
+              <a:rPr lang="en-US" sz="2800" dirty="0"/>
+              <a:t>	select * from </a:t>
+            </a:r>
+            <a:r>
+              <a:rPr lang="en-US" sz="2800" dirty="0" err="1" smtClean="0"/>
+              <a:t>secur.users</a:t>
+            </a:r>
+            <a:r>
+              <a:rPr lang="en-US" sz="2800" dirty="0" smtClean="0"/>
+              <a:t> where id=#{id}</a:t>
+            </a:r>
+            <a:endParaRPr lang="en-US" sz="2800" dirty="0"/>
+          </a:p>
+          <a:p>
+            <a:pPr marL="457200" lvl="1" indent="0">
               <a:lnSpc>
-                <a:spcPct val="115000"/>
+                <a:spcPct val="150000"/>
               </a:lnSpc>
               <a:buNone/>
-              <a:tabLst>
-                <a:tab pos="581660" algn="l"/>
-                <a:tab pos="1163320" algn="l"/>
-                <a:tab pos="1744980" algn="l"/>
-                <a:tab pos="2326640" algn="l"/>
-                <a:tab pos="2908300" algn="l"/>
-                <a:tab pos="3489960" algn="l"/>
-                <a:tab pos="4071620" algn="l"/>
-                <a:tab pos="4653280" algn="l"/>
-                <a:tab pos="5234940" algn="l"/>
-                <a:tab pos="5816600" algn="l"/>
-                <a:tab pos="6398260" algn="l"/>
-                <a:tab pos="6979920" algn="l"/>
-                <a:tab pos="7561580" algn="l"/>
-                <a:tab pos="8143240" algn="l"/>
-                <a:tab pos="8724900" algn="l"/>
-                <a:tab pos="9306560" algn="l"/>
-              </a:tabLst>
             </a:pPr>
             <a:r>
-              <a:rPr lang="en-US" sz="2400" dirty="0">
-                <a:solidFill>
-                  <a:srgbClr val="000000"/>
-                </a:solidFill>
-                <a:ea typeface="Times New Roman"/>
-                <a:cs typeface="Times New Roman"/>
-              </a:rPr>
-              <a:t>  </a:t>
-            </a:r>
-            <a:r>
-              <a:rPr lang="ru-RU" sz="2400" dirty="0" smtClean="0">
-                <a:solidFill>
-                  <a:srgbClr val="000000"/>
-                </a:solidFill>
-                <a:ea typeface="Times New Roman"/>
-                <a:cs typeface="Times New Roman"/>
-              </a:rPr>
-              <a:t>   </a:t>
-            </a:r>
-            <a:r>
-              <a:rPr lang="ru-RU" sz="2400" dirty="0" smtClean="0">
-                <a:solidFill>
-                  <a:srgbClr val="A65700"/>
-                </a:solidFill>
-                <a:ea typeface="Times New Roman"/>
-                <a:cs typeface="Times New Roman"/>
-              </a:rPr>
-              <a:t>&lt;/</a:t>
-            </a:r>
-            <a:r>
-              <a:rPr lang="ru-RU" sz="2400" dirty="0" err="1">
-                <a:solidFill>
-                  <a:srgbClr val="5F5035"/>
-                </a:solidFill>
-                <a:ea typeface="Times New Roman"/>
-                <a:cs typeface="Times New Roman"/>
-              </a:rPr>
-              <a:t>properties</a:t>
-            </a:r>
-            <a:r>
-              <a:rPr lang="ru-RU" sz="2400" dirty="0">
-                <a:solidFill>
-                  <a:srgbClr val="A65700"/>
-                </a:solidFill>
-                <a:ea typeface="Times New Roman"/>
-                <a:cs typeface="Times New Roman"/>
-              </a:rPr>
-              <a:t>&gt;</a:t>
-            </a:r>
-            <a:endParaRPr lang="ru-RU" dirty="0">
-              <a:ea typeface="Calibri"/>
-              <a:cs typeface="Times New Roman"/>
-            </a:endParaRPr>
-          </a:p>
-          <a:p>
-            <a:pPr marL="777240" lvl="2" indent="0">
+              <a:rPr lang="en-US" sz="2800" dirty="0"/>
+              <a:t>	 -&gt; 	select * from </a:t>
+            </a:r>
+            <a:r>
+              <a:rPr lang="en-US" sz="2800" dirty="0" err="1"/>
+              <a:t>secur.users</a:t>
+            </a:r>
+            <a:r>
+              <a:rPr lang="en-US" sz="2800" dirty="0"/>
+              <a:t> where id=#{id}</a:t>
+            </a:r>
+          </a:p>
+          <a:p>
+            <a:pPr>
               <a:lnSpc>
-                <a:spcPct val="115000"/>
+                <a:spcPct val="150000"/>
+              </a:lnSpc>
+            </a:pPr>
+            <a:endParaRPr lang="en-US" sz="2800" dirty="0"/>
+          </a:p>
+          <a:p>
+            <a:pPr marL="457200" lvl="1" indent="0">
+              <a:lnSpc>
+                <a:spcPct val="150000"/>
               </a:lnSpc>
               <a:buNone/>
-              <a:tabLst>
-                <a:tab pos="581660" algn="l"/>
-                <a:tab pos="1163320" algn="l"/>
-                <a:tab pos="1744980" algn="l"/>
-                <a:tab pos="2326640" algn="l"/>
-                <a:tab pos="2908300" algn="l"/>
-                <a:tab pos="3489960" algn="l"/>
-                <a:tab pos="4071620" algn="l"/>
-                <a:tab pos="4653280" algn="l"/>
-                <a:tab pos="5234940" algn="l"/>
-                <a:tab pos="5816600" algn="l"/>
-                <a:tab pos="6398260" algn="l"/>
-                <a:tab pos="6979920" algn="l"/>
-                <a:tab pos="7561580" algn="l"/>
-                <a:tab pos="8143240" algn="l"/>
-                <a:tab pos="8724900" algn="l"/>
-                <a:tab pos="9306560" algn="l"/>
-              </a:tabLst>
             </a:pPr>
-            <a:r>
-              <a:rPr lang="ru-RU" sz="2400" dirty="0">
-                <a:solidFill>
-                  <a:srgbClr val="A65700"/>
-                </a:solidFill>
-                <a:ea typeface="Times New Roman"/>
-                <a:cs typeface="Times New Roman"/>
-              </a:rPr>
-              <a:t>&lt;/</a:t>
-            </a:r>
-            <a:r>
-              <a:rPr lang="ru-RU" sz="2400" dirty="0" err="1">
-                <a:solidFill>
-                  <a:srgbClr val="5F5035"/>
-                </a:solidFill>
-                <a:ea typeface="Times New Roman"/>
-                <a:cs typeface="Times New Roman"/>
-              </a:rPr>
-              <a:t>configuration</a:t>
-            </a:r>
-            <a:r>
-              <a:rPr lang="ru-RU" sz="2400" dirty="0">
-                <a:solidFill>
-                  <a:srgbClr val="A65700"/>
-                </a:solidFill>
-                <a:ea typeface="Times New Roman"/>
-                <a:cs typeface="Times New Roman"/>
-              </a:rPr>
-              <a:t>&gt;</a:t>
-            </a:r>
-            <a:endParaRPr lang="ru-RU" dirty="0">
-              <a:ea typeface="Calibri"/>
-              <a:cs typeface="Times New Roman"/>
-            </a:endParaRPr>
-          </a:p>
-          <a:p>
-            <a:pPr marL="457200" lvl="1" indent="0">
-              <a:buNone/>
-            </a:pPr>
-            <a:endParaRPr lang="ru-RU" sz="2400" dirty="0"/>
+            <a:endParaRPr lang="ru-RU" sz="2800" dirty="0"/>
           </a:p>
         </p:txBody>
       </p:sp>
     </p:spTree>
     <p:extLst>
       <p:ext uri="{BB962C8B-B14F-4D97-AF65-F5344CB8AC3E}">
-        <p14:creationId xmlns:p14="http://schemas.microsoft.com/office/powerpoint/2010/main" val="2167138792"/>
+        <p14:creationId xmlns:p14="http://schemas.microsoft.com/office/powerpoint/2010/main" val="1791513792"/>
       </p:ext>
     </p:extLst>
   </p:cSld>
